--- a/Oral_Presentation.pptx
+++ b/Oral_Presentation.pptx
@@ -9,12 +9,14 @@
     <p:sldId id="257" r:id="rId3"/>
     <p:sldId id="258" r:id="rId4"/>
     <p:sldId id="259" r:id="rId5"/>
-    <p:sldId id="265" r:id="rId6"/>
+    <p:sldId id="266" r:id="rId6"/>
     <p:sldId id="260" r:id="rId7"/>
-    <p:sldId id="261" r:id="rId8"/>
-    <p:sldId id="262" r:id="rId9"/>
-    <p:sldId id="263" r:id="rId10"/>
-    <p:sldId id="264" r:id="rId11"/>
+    <p:sldId id="267" r:id="rId8"/>
+    <p:sldId id="261" r:id="rId9"/>
+    <p:sldId id="268" r:id="rId10"/>
+    <p:sldId id="263" r:id="rId11"/>
+    <p:sldId id="264" r:id="rId12"/>
+    <p:sldId id="269" r:id="rId13"/>
   </p:sldIdLst>
   <p:sldSz cx="12192000" cy="6858000"/>
   <p:notesSz cx="6858000" cy="9144000"/>
@@ -113,7 +115,4059 @@
       </a:defRPr>
     </a:lvl9pPr>
   </p:defaultTextStyle>
+  <p:extLst>
+    <p:ext uri="{EFAFB233-063F-42B5-8137-9DF3F51BA10A}">
+      <p15:sldGuideLst xmlns:p15="http://schemas.microsoft.com/office/powerpoint/2012/main"/>
+    </p:ext>
+  </p:extLst>
 </p:presentation>
+</file>
+
+<file path=ppt/diagrams/colors1.xml><?xml version="1.0" encoding="utf-8"?>
+<dgm:colorsDef xmlns:dgm="http://schemas.openxmlformats.org/drawingml/2006/diagram" xmlns:a="http://schemas.openxmlformats.org/drawingml/2006/main" uniqueId="urn:microsoft.com/office/officeart/2005/8/colors/colorful1">
+  <dgm:title val=""/>
+  <dgm:desc val=""/>
+  <dgm:catLst>
+    <dgm:cat type="colorful" pri="10100"/>
+  </dgm:catLst>
+  <dgm:styleLbl name="node0">
+    <dgm:fillClrLst meth="repeat">
+      <a:schemeClr val="accent1"/>
+    </dgm:fillClrLst>
+    <dgm:linClrLst meth="repeat">
+      <a:schemeClr val="lt1"/>
+    </dgm:linClrLst>
+    <dgm:effectClrLst/>
+    <dgm:txLinClrLst/>
+    <dgm:txFillClrLst/>
+    <dgm:txEffectClrLst/>
+  </dgm:styleLbl>
+  <dgm:styleLbl name="node1">
+    <dgm:fillClrLst meth="repeat">
+      <a:schemeClr val="accent2"/>
+      <a:schemeClr val="accent3"/>
+      <a:schemeClr val="accent4"/>
+      <a:schemeClr val="accent5"/>
+      <a:schemeClr val="accent6"/>
+    </dgm:fillClrLst>
+    <dgm:linClrLst meth="repeat">
+      <a:schemeClr val="lt1"/>
+    </dgm:linClrLst>
+    <dgm:effectClrLst/>
+    <dgm:txLinClrLst/>
+    <dgm:txFillClrLst/>
+    <dgm:txEffectClrLst/>
+  </dgm:styleLbl>
+  <dgm:styleLbl name="alignNode1">
+    <dgm:fillClrLst meth="repeat">
+      <a:schemeClr val="accent2"/>
+      <a:schemeClr val="accent3"/>
+      <a:schemeClr val="accent4"/>
+      <a:schemeClr val="accent5"/>
+      <a:schemeClr val="accent6"/>
+    </dgm:fillClrLst>
+    <dgm:linClrLst meth="repeat">
+      <a:schemeClr val="accent2"/>
+      <a:schemeClr val="accent3"/>
+      <a:schemeClr val="accent4"/>
+      <a:schemeClr val="accent5"/>
+      <a:schemeClr val="accent6"/>
+    </dgm:linClrLst>
+    <dgm:effectClrLst/>
+    <dgm:txLinClrLst/>
+    <dgm:txFillClrLst/>
+    <dgm:txEffectClrLst/>
+  </dgm:styleLbl>
+  <dgm:styleLbl name="lnNode1">
+    <dgm:fillClrLst meth="repeat">
+      <a:schemeClr val="accent2"/>
+      <a:schemeClr val="accent3"/>
+      <a:schemeClr val="accent4"/>
+      <a:schemeClr val="accent5"/>
+      <a:schemeClr val="accent6"/>
+    </dgm:fillClrLst>
+    <dgm:linClrLst meth="repeat">
+      <a:schemeClr val="lt1"/>
+    </dgm:linClrLst>
+    <dgm:effectClrLst/>
+    <dgm:txLinClrLst/>
+    <dgm:txFillClrLst/>
+    <dgm:txEffectClrLst/>
+  </dgm:styleLbl>
+  <dgm:styleLbl name="vennNode1">
+    <dgm:fillClrLst meth="repeat">
+      <a:schemeClr val="accent2">
+        <a:alpha val="50000"/>
+      </a:schemeClr>
+      <a:schemeClr val="accent3">
+        <a:alpha val="50000"/>
+      </a:schemeClr>
+      <a:schemeClr val="accent4">
+        <a:alpha val="50000"/>
+      </a:schemeClr>
+      <a:schemeClr val="accent5">
+        <a:alpha val="50000"/>
+      </a:schemeClr>
+      <a:schemeClr val="accent6">
+        <a:alpha val="50000"/>
+      </a:schemeClr>
+    </dgm:fillClrLst>
+    <dgm:linClrLst meth="repeat">
+      <a:schemeClr val="lt1"/>
+    </dgm:linClrLst>
+    <dgm:effectClrLst/>
+    <dgm:txLinClrLst/>
+    <dgm:txFillClrLst/>
+    <dgm:txEffectClrLst/>
+  </dgm:styleLbl>
+  <dgm:styleLbl name="node2">
+    <dgm:fillClrLst>
+      <a:schemeClr val="accent2"/>
+    </dgm:fillClrLst>
+    <dgm:linClrLst meth="repeat">
+      <a:schemeClr val="lt1"/>
+    </dgm:linClrLst>
+    <dgm:effectClrLst/>
+    <dgm:txLinClrLst/>
+    <dgm:txFillClrLst/>
+    <dgm:txEffectClrLst/>
+  </dgm:styleLbl>
+  <dgm:styleLbl name="node3">
+    <dgm:fillClrLst>
+      <a:schemeClr val="accent3"/>
+    </dgm:fillClrLst>
+    <dgm:linClrLst meth="repeat">
+      <a:schemeClr val="lt1"/>
+    </dgm:linClrLst>
+    <dgm:effectClrLst/>
+    <dgm:txLinClrLst/>
+    <dgm:txFillClrLst/>
+    <dgm:txEffectClrLst/>
+  </dgm:styleLbl>
+  <dgm:styleLbl name="node4">
+    <dgm:fillClrLst>
+      <a:schemeClr val="accent4"/>
+    </dgm:fillClrLst>
+    <dgm:linClrLst meth="repeat">
+      <a:schemeClr val="lt1"/>
+    </dgm:linClrLst>
+    <dgm:effectClrLst/>
+    <dgm:txLinClrLst/>
+    <dgm:txFillClrLst/>
+    <dgm:txEffectClrLst/>
+  </dgm:styleLbl>
+  <dgm:styleLbl name="fgImgPlace1">
+    <dgm:fillClrLst meth="repeat">
+      <a:schemeClr val="accent2">
+        <a:tint val="50000"/>
+      </a:schemeClr>
+      <a:schemeClr val="accent3">
+        <a:tint val="50000"/>
+      </a:schemeClr>
+      <a:schemeClr val="accent4">
+        <a:tint val="50000"/>
+      </a:schemeClr>
+      <a:schemeClr val="accent5">
+        <a:tint val="50000"/>
+      </a:schemeClr>
+      <a:schemeClr val="accent6">
+        <a:tint val="50000"/>
+      </a:schemeClr>
+    </dgm:fillClrLst>
+    <dgm:linClrLst meth="repeat">
+      <a:schemeClr val="lt1"/>
+    </dgm:linClrLst>
+    <dgm:effectClrLst/>
+    <dgm:txLinClrLst/>
+    <dgm:txFillClrLst meth="repeat">
+      <a:schemeClr val="lt1"/>
+    </dgm:txFillClrLst>
+    <dgm:txEffectClrLst/>
+  </dgm:styleLbl>
+  <dgm:styleLbl name="alignImgPlace1">
+    <dgm:fillClrLst>
+      <a:schemeClr val="accent1">
+        <a:tint val="50000"/>
+      </a:schemeClr>
+      <a:schemeClr val="accent2">
+        <a:tint val="20000"/>
+      </a:schemeClr>
+    </dgm:fillClrLst>
+    <dgm:linClrLst meth="repeat">
+      <a:schemeClr val="lt1"/>
+    </dgm:linClrLst>
+    <dgm:effectClrLst/>
+    <dgm:txLinClrLst/>
+    <dgm:txFillClrLst meth="repeat">
+      <a:schemeClr val="lt1"/>
+    </dgm:txFillClrLst>
+    <dgm:txEffectClrLst/>
+  </dgm:styleLbl>
+  <dgm:styleLbl name="bgImgPlace1">
+    <dgm:fillClrLst>
+      <a:schemeClr val="accent1">
+        <a:tint val="50000"/>
+      </a:schemeClr>
+      <a:schemeClr val="accent2">
+        <a:tint val="20000"/>
+      </a:schemeClr>
+    </dgm:fillClrLst>
+    <dgm:linClrLst meth="repeat">
+      <a:schemeClr val="lt1"/>
+    </dgm:linClrLst>
+    <dgm:effectClrLst/>
+    <dgm:txLinClrLst/>
+    <dgm:txFillClrLst meth="repeat">
+      <a:schemeClr val="lt1"/>
+    </dgm:txFillClrLst>
+    <dgm:txEffectClrLst/>
+  </dgm:styleLbl>
+  <dgm:styleLbl name="sibTrans2D1">
+    <dgm:fillClrLst meth="repeat">
+      <a:schemeClr val="accent2"/>
+      <a:schemeClr val="accent3"/>
+      <a:schemeClr val="accent4"/>
+      <a:schemeClr val="accent5"/>
+      <a:schemeClr val="accent6"/>
+    </dgm:fillClrLst>
+    <dgm:linClrLst meth="cycle">
+      <a:schemeClr val="lt1"/>
+    </dgm:linClrLst>
+    <dgm:effectClrLst/>
+    <dgm:txLinClrLst/>
+    <dgm:txFillClrLst/>
+    <dgm:txEffectClrLst/>
+  </dgm:styleLbl>
+  <dgm:styleLbl name="fgSibTrans2D1">
+    <dgm:fillClrLst meth="repeat">
+      <a:schemeClr val="accent2"/>
+      <a:schemeClr val="accent3"/>
+      <a:schemeClr val="accent4"/>
+      <a:schemeClr val="accent5"/>
+      <a:schemeClr val="accent6"/>
+    </dgm:fillClrLst>
+    <dgm:linClrLst meth="cycle">
+      <a:schemeClr val="lt1"/>
+    </dgm:linClrLst>
+    <dgm:effectClrLst/>
+    <dgm:txLinClrLst/>
+    <dgm:txFillClrLst meth="repeat">
+      <a:schemeClr val="lt1"/>
+    </dgm:txFillClrLst>
+    <dgm:txEffectClrLst/>
+  </dgm:styleLbl>
+  <dgm:styleLbl name="bgSibTrans2D1">
+    <dgm:fillClrLst meth="repeat">
+      <a:schemeClr val="accent2"/>
+      <a:schemeClr val="accent3"/>
+      <a:schemeClr val="accent4"/>
+      <a:schemeClr val="accent5"/>
+      <a:schemeClr val="accent6"/>
+    </dgm:fillClrLst>
+    <dgm:linClrLst meth="cycle">
+      <a:schemeClr val="lt1"/>
+    </dgm:linClrLst>
+    <dgm:effectClrLst/>
+    <dgm:txLinClrLst/>
+    <dgm:txFillClrLst meth="repeat">
+      <a:schemeClr val="lt1"/>
+    </dgm:txFillClrLst>
+    <dgm:txEffectClrLst/>
+  </dgm:styleLbl>
+  <dgm:styleLbl name="sibTrans1D1">
+    <dgm:fillClrLst meth="repeat">
+      <a:schemeClr val="accent2"/>
+      <a:schemeClr val="accent3"/>
+      <a:schemeClr val="accent4"/>
+      <a:schemeClr val="accent5"/>
+      <a:schemeClr val="accent6"/>
+    </dgm:fillClrLst>
+    <dgm:linClrLst meth="repeat">
+      <a:schemeClr val="accent2"/>
+      <a:schemeClr val="accent3"/>
+      <a:schemeClr val="accent4"/>
+      <a:schemeClr val="accent5"/>
+      <a:schemeClr val="accent6"/>
+    </dgm:linClrLst>
+    <dgm:effectClrLst/>
+    <dgm:txLinClrLst/>
+    <dgm:txFillClrLst meth="repeat">
+      <a:schemeClr val="tx1"/>
+    </dgm:txFillClrLst>
+    <dgm:txEffectClrLst/>
+  </dgm:styleLbl>
+  <dgm:styleLbl name="callout">
+    <dgm:fillClrLst meth="repeat">
+      <a:schemeClr val="accent2"/>
+    </dgm:fillClrLst>
+    <dgm:linClrLst meth="repeat">
+      <a:schemeClr val="accent2">
+        <a:tint val="50000"/>
+      </a:schemeClr>
+    </dgm:linClrLst>
+    <dgm:effectClrLst/>
+    <dgm:txLinClrLst/>
+    <dgm:txFillClrLst meth="repeat">
+      <a:schemeClr val="tx1"/>
+    </dgm:txFillClrLst>
+    <dgm:txEffectClrLst/>
+  </dgm:styleLbl>
+  <dgm:styleLbl name="asst0">
+    <dgm:fillClrLst meth="repeat">
+      <a:schemeClr val="accent1"/>
+    </dgm:fillClrLst>
+    <dgm:linClrLst meth="repeat">
+      <a:schemeClr val="lt1"/>
+    </dgm:linClrLst>
+    <dgm:effectClrLst/>
+    <dgm:txLinClrLst/>
+    <dgm:txFillClrLst/>
+    <dgm:txEffectClrLst/>
+  </dgm:styleLbl>
+  <dgm:styleLbl name="asst1">
+    <dgm:fillClrLst meth="repeat">
+      <a:schemeClr val="accent2"/>
+    </dgm:fillClrLst>
+    <dgm:linClrLst meth="repeat">
+      <a:schemeClr val="lt1"/>
+    </dgm:linClrLst>
+    <dgm:effectClrLst/>
+    <dgm:txLinClrLst/>
+    <dgm:txFillClrLst/>
+    <dgm:txEffectClrLst/>
+  </dgm:styleLbl>
+  <dgm:styleLbl name="asst2">
+    <dgm:fillClrLst>
+      <a:schemeClr val="accent3"/>
+    </dgm:fillClrLst>
+    <dgm:linClrLst meth="repeat">
+      <a:schemeClr val="lt1"/>
+    </dgm:linClrLst>
+    <dgm:effectClrLst/>
+    <dgm:txLinClrLst/>
+    <dgm:txFillClrLst/>
+    <dgm:txEffectClrLst/>
+  </dgm:styleLbl>
+  <dgm:styleLbl name="asst3">
+    <dgm:fillClrLst>
+      <a:schemeClr val="accent4"/>
+    </dgm:fillClrLst>
+    <dgm:linClrLst meth="repeat">
+      <a:schemeClr val="lt1"/>
+    </dgm:linClrLst>
+    <dgm:effectClrLst/>
+    <dgm:txLinClrLst/>
+    <dgm:txFillClrLst/>
+    <dgm:txEffectClrLst/>
+  </dgm:styleLbl>
+  <dgm:styleLbl name="asst4">
+    <dgm:fillClrLst>
+      <a:schemeClr val="accent5"/>
+    </dgm:fillClrLst>
+    <dgm:linClrLst meth="repeat">
+      <a:schemeClr val="lt1"/>
+    </dgm:linClrLst>
+    <dgm:effectClrLst/>
+    <dgm:txLinClrLst/>
+    <dgm:txFillClrLst/>
+    <dgm:txEffectClrLst/>
+  </dgm:styleLbl>
+  <dgm:styleLbl name="parChTrans2D1">
+    <dgm:fillClrLst meth="repeat">
+      <a:schemeClr val="accent2"/>
+    </dgm:fillClrLst>
+    <dgm:linClrLst meth="repeat">
+      <a:schemeClr val="lt1"/>
+    </dgm:linClrLst>
+    <dgm:effectClrLst/>
+    <dgm:txLinClrLst/>
+    <dgm:txFillClrLst meth="repeat">
+      <a:schemeClr val="lt1"/>
+    </dgm:txFillClrLst>
+    <dgm:txEffectClrLst/>
+  </dgm:styleLbl>
+  <dgm:styleLbl name="parChTrans2D2">
+    <dgm:fillClrLst meth="repeat">
+      <a:schemeClr val="accent3"/>
+    </dgm:fillClrLst>
+    <dgm:linClrLst meth="repeat">
+      <a:schemeClr val="lt1"/>
+    </dgm:linClrLst>
+    <dgm:effectClrLst/>
+    <dgm:txLinClrLst/>
+    <dgm:txFillClrLst/>
+    <dgm:txEffectClrLst/>
+  </dgm:styleLbl>
+  <dgm:styleLbl name="parChTrans2D3">
+    <dgm:fillClrLst meth="repeat">
+      <a:schemeClr val="accent4"/>
+    </dgm:fillClrLst>
+    <dgm:linClrLst meth="repeat">
+      <a:schemeClr val="lt1"/>
+    </dgm:linClrLst>
+    <dgm:effectClrLst/>
+    <dgm:txLinClrLst/>
+    <dgm:txFillClrLst/>
+    <dgm:txEffectClrLst/>
+  </dgm:styleLbl>
+  <dgm:styleLbl name="parChTrans2D4">
+    <dgm:fillClrLst meth="repeat">
+      <a:schemeClr val="accent5"/>
+    </dgm:fillClrLst>
+    <dgm:linClrLst meth="repeat">
+      <a:schemeClr val="lt1"/>
+    </dgm:linClrLst>
+    <dgm:effectClrLst/>
+    <dgm:txLinClrLst/>
+    <dgm:txFillClrLst meth="repeat">
+      <a:schemeClr val="lt1"/>
+    </dgm:txFillClrLst>
+    <dgm:txEffectClrLst/>
+  </dgm:styleLbl>
+  <dgm:styleLbl name="parChTrans1D1">
+    <dgm:fillClrLst meth="repeat">
+      <a:schemeClr val="accent2"/>
+    </dgm:fillClrLst>
+    <dgm:linClrLst meth="repeat">
+      <a:schemeClr val="accent1"/>
+    </dgm:linClrLst>
+    <dgm:effectClrLst/>
+    <dgm:txLinClrLst/>
+    <dgm:txFillClrLst meth="repeat">
+      <a:schemeClr val="tx1"/>
+    </dgm:txFillClrLst>
+    <dgm:txEffectClrLst/>
+  </dgm:styleLbl>
+  <dgm:styleLbl name="parChTrans1D2">
+    <dgm:fillClrLst meth="repeat">
+      <a:schemeClr val="accent3">
+        <a:tint val="90000"/>
+      </a:schemeClr>
+    </dgm:fillClrLst>
+    <dgm:linClrLst meth="repeat">
+      <a:schemeClr val="accent2"/>
+    </dgm:linClrLst>
+    <dgm:effectClrLst/>
+    <dgm:txLinClrLst/>
+    <dgm:txFillClrLst meth="repeat">
+      <a:schemeClr val="tx1"/>
+    </dgm:txFillClrLst>
+    <dgm:txEffectClrLst/>
+  </dgm:styleLbl>
+  <dgm:styleLbl name="parChTrans1D3">
+    <dgm:fillClrLst meth="repeat">
+      <a:schemeClr val="accent4">
+        <a:tint val="70000"/>
+      </a:schemeClr>
+    </dgm:fillClrLst>
+    <dgm:linClrLst meth="repeat">
+      <a:schemeClr val="accent3"/>
+    </dgm:linClrLst>
+    <dgm:effectClrLst/>
+    <dgm:txLinClrLst/>
+    <dgm:txFillClrLst meth="repeat">
+      <a:schemeClr val="tx1"/>
+    </dgm:txFillClrLst>
+    <dgm:txEffectClrLst/>
+  </dgm:styleLbl>
+  <dgm:styleLbl name="parChTrans1D4">
+    <dgm:fillClrLst meth="repeat">
+      <a:schemeClr val="accent5">
+        <a:tint val="50000"/>
+      </a:schemeClr>
+    </dgm:fillClrLst>
+    <dgm:linClrLst meth="repeat">
+      <a:schemeClr val="accent4"/>
+    </dgm:linClrLst>
+    <dgm:effectClrLst/>
+    <dgm:txLinClrLst/>
+    <dgm:txFillClrLst meth="repeat">
+      <a:schemeClr val="tx1"/>
+    </dgm:txFillClrLst>
+    <dgm:txEffectClrLst/>
+  </dgm:styleLbl>
+  <dgm:styleLbl name="fgAcc1">
+    <dgm:fillClrLst meth="repeat">
+      <a:schemeClr val="lt1">
+        <a:alpha val="90000"/>
+      </a:schemeClr>
+    </dgm:fillClrLst>
+    <dgm:linClrLst meth="repeat">
+      <a:schemeClr val="accent2"/>
+      <a:schemeClr val="accent3"/>
+      <a:schemeClr val="accent4"/>
+      <a:schemeClr val="accent5"/>
+      <a:schemeClr val="accent6"/>
+    </dgm:linClrLst>
+    <dgm:effectClrLst/>
+    <dgm:txLinClrLst/>
+    <dgm:txFillClrLst meth="repeat">
+      <a:schemeClr val="dk1"/>
+    </dgm:txFillClrLst>
+    <dgm:txEffectClrLst/>
+  </dgm:styleLbl>
+  <dgm:styleLbl name="conFgAcc1">
+    <dgm:fillClrLst meth="repeat">
+      <a:schemeClr val="lt1">
+        <a:alpha val="90000"/>
+      </a:schemeClr>
+    </dgm:fillClrLst>
+    <dgm:linClrLst meth="repeat">
+      <a:schemeClr val="accent2"/>
+      <a:schemeClr val="accent3"/>
+      <a:schemeClr val="accent4"/>
+      <a:schemeClr val="accent5"/>
+      <a:schemeClr val="accent6"/>
+    </dgm:linClrLst>
+    <dgm:effectClrLst/>
+    <dgm:txLinClrLst/>
+    <dgm:txFillClrLst meth="repeat">
+      <a:schemeClr val="dk1"/>
+    </dgm:txFillClrLst>
+    <dgm:txEffectClrLst/>
+  </dgm:styleLbl>
+  <dgm:styleLbl name="alignAcc1">
+    <dgm:fillClrLst meth="repeat">
+      <a:schemeClr val="lt1">
+        <a:alpha val="90000"/>
+      </a:schemeClr>
+    </dgm:fillClrLst>
+    <dgm:linClrLst meth="repeat">
+      <a:schemeClr val="accent2"/>
+      <a:schemeClr val="accent3"/>
+      <a:schemeClr val="accent4"/>
+      <a:schemeClr val="accent5"/>
+      <a:schemeClr val="accent6"/>
+    </dgm:linClrLst>
+    <dgm:effectClrLst/>
+    <dgm:txLinClrLst/>
+    <dgm:txFillClrLst meth="repeat">
+      <a:schemeClr val="dk1"/>
+    </dgm:txFillClrLst>
+    <dgm:txEffectClrLst/>
+  </dgm:styleLbl>
+  <dgm:styleLbl name="trAlignAcc1">
+    <dgm:fillClrLst meth="repeat">
+      <a:schemeClr val="lt1">
+        <a:alpha val="40000"/>
+      </a:schemeClr>
+    </dgm:fillClrLst>
+    <dgm:linClrLst meth="repeat">
+      <a:schemeClr val="accent1"/>
+    </dgm:linClrLst>
+    <dgm:effectClrLst/>
+    <dgm:txLinClrLst/>
+    <dgm:txFillClrLst meth="repeat">
+      <a:schemeClr val="dk1"/>
+    </dgm:txFillClrLst>
+    <dgm:txEffectClrLst/>
+  </dgm:styleLbl>
+  <dgm:styleLbl name="bgAcc1">
+    <dgm:fillClrLst meth="repeat">
+      <a:schemeClr val="lt1">
+        <a:alpha val="90000"/>
+      </a:schemeClr>
+    </dgm:fillClrLst>
+    <dgm:linClrLst meth="repeat">
+      <a:schemeClr val="accent2"/>
+      <a:schemeClr val="accent3"/>
+      <a:schemeClr val="accent4"/>
+      <a:schemeClr val="accent5"/>
+      <a:schemeClr val="accent6"/>
+    </dgm:linClrLst>
+    <dgm:effectClrLst/>
+    <dgm:txLinClrLst/>
+    <dgm:txFillClrLst meth="repeat">
+      <a:schemeClr val="dk1"/>
+    </dgm:txFillClrLst>
+    <dgm:txEffectClrLst/>
+  </dgm:styleLbl>
+  <dgm:styleLbl name="solidFgAcc1">
+    <dgm:fillClrLst meth="repeat">
+      <a:schemeClr val="lt1"/>
+    </dgm:fillClrLst>
+    <dgm:linClrLst meth="repeat">
+      <a:schemeClr val="accent2"/>
+      <a:schemeClr val="accent3"/>
+      <a:schemeClr val="accent4"/>
+      <a:schemeClr val="accent5"/>
+      <a:schemeClr val="accent6"/>
+    </dgm:linClrLst>
+    <dgm:effectClrLst/>
+    <dgm:txLinClrLst/>
+    <dgm:txFillClrLst meth="repeat">
+      <a:schemeClr val="dk1"/>
+    </dgm:txFillClrLst>
+    <dgm:txEffectClrLst/>
+  </dgm:styleLbl>
+  <dgm:styleLbl name="solidAlignAcc1">
+    <dgm:fillClrLst meth="repeat">
+      <a:schemeClr val="lt1"/>
+    </dgm:fillClrLst>
+    <dgm:linClrLst meth="repeat">
+      <a:schemeClr val="accent2"/>
+      <a:schemeClr val="accent3"/>
+      <a:schemeClr val="accent4"/>
+      <a:schemeClr val="accent5"/>
+      <a:schemeClr val="accent6"/>
+    </dgm:linClrLst>
+    <dgm:effectClrLst/>
+    <dgm:txLinClrLst/>
+    <dgm:txFillClrLst meth="repeat">
+      <a:schemeClr val="dk1"/>
+    </dgm:txFillClrLst>
+    <dgm:txEffectClrLst/>
+  </dgm:styleLbl>
+  <dgm:styleLbl name="solidBgAcc1">
+    <dgm:fillClrLst meth="repeat">
+      <a:schemeClr val="lt1"/>
+    </dgm:fillClrLst>
+    <dgm:linClrLst meth="repeat">
+      <a:schemeClr val="accent2"/>
+      <a:schemeClr val="accent3"/>
+      <a:schemeClr val="accent4"/>
+      <a:schemeClr val="accent5"/>
+      <a:schemeClr val="accent6"/>
+    </dgm:linClrLst>
+    <dgm:effectClrLst/>
+    <dgm:txLinClrLst/>
+    <dgm:txFillClrLst meth="repeat">
+      <a:schemeClr val="dk1"/>
+    </dgm:txFillClrLst>
+    <dgm:txEffectClrLst/>
+  </dgm:styleLbl>
+  <dgm:styleLbl name="fgAccFollowNode1">
+    <dgm:fillClrLst meth="repeat">
+      <a:schemeClr val="accent2">
+        <a:tint val="40000"/>
+        <a:alpha val="90000"/>
+      </a:schemeClr>
+      <a:schemeClr val="accent3">
+        <a:tint val="40000"/>
+        <a:alpha val="90000"/>
+      </a:schemeClr>
+      <a:schemeClr val="accent4">
+        <a:tint val="40000"/>
+        <a:alpha val="90000"/>
+      </a:schemeClr>
+      <a:schemeClr val="accent5">
+        <a:tint val="40000"/>
+        <a:alpha val="90000"/>
+      </a:schemeClr>
+      <a:schemeClr val="accent6">
+        <a:tint val="40000"/>
+        <a:alpha val="90000"/>
+      </a:schemeClr>
+    </dgm:fillClrLst>
+    <dgm:linClrLst meth="repeat">
+      <a:schemeClr val="accent2">
+        <a:tint val="40000"/>
+        <a:alpha val="90000"/>
+      </a:schemeClr>
+      <a:schemeClr val="accent3">
+        <a:tint val="40000"/>
+        <a:alpha val="90000"/>
+      </a:schemeClr>
+      <a:schemeClr val="accent4">
+        <a:tint val="40000"/>
+        <a:alpha val="90000"/>
+      </a:schemeClr>
+      <a:schemeClr val="accent5">
+        <a:tint val="40000"/>
+        <a:alpha val="90000"/>
+      </a:schemeClr>
+      <a:schemeClr val="accent6">
+        <a:tint val="40000"/>
+        <a:alpha val="90000"/>
+      </a:schemeClr>
+    </dgm:linClrLst>
+    <dgm:effectClrLst/>
+    <dgm:txLinClrLst/>
+    <dgm:txFillClrLst meth="repeat">
+      <a:schemeClr val="dk1"/>
+    </dgm:txFillClrLst>
+    <dgm:txEffectClrLst/>
+  </dgm:styleLbl>
+  <dgm:styleLbl name="alignAccFollowNode1">
+    <dgm:fillClrLst meth="repeat">
+      <a:schemeClr val="accent2">
+        <a:tint val="40000"/>
+        <a:alpha val="90000"/>
+      </a:schemeClr>
+      <a:schemeClr val="accent3">
+        <a:tint val="40000"/>
+        <a:alpha val="90000"/>
+      </a:schemeClr>
+      <a:schemeClr val="accent4">
+        <a:tint val="40000"/>
+        <a:alpha val="90000"/>
+      </a:schemeClr>
+      <a:schemeClr val="accent5">
+        <a:tint val="40000"/>
+        <a:alpha val="90000"/>
+      </a:schemeClr>
+      <a:schemeClr val="accent6">
+        <a:tint val="40000"/>
+        <a:alpha val="90000"/>
+      </a:schemeClr>
+    </dgm:fillClrLst>
+    <dgm:linClrLst meth="repeat">
+      <a:schemeClr val="accent2">
+        <a:tint val="40000"/>
+        <a:alpha val="90000"/>
+      </a:schemeClr>
+      <a:schemeClr val="accent3">
+        <a:tint val="40000"/>
+        <a:alpha val="90000"/>
+      </a:schemeClr>
+      <a:schemeClr val="accent4">
+        <a:tint val="40000"/>
+        <a:alpha val="90000"/>
+      </a:schemeClr>
+      <a:schemeClr val="accent5">
+        <a:tint val="40000"/>
+        <a:alpha val="90000"/>
+      </a:schemeClr>
+      <a:schemeClr val="accent6">
+        <a:tint val="40000"/>
+        <a:alpha val="90000"/>
+      </a:schemeClr>
+    </dgm:linClrLst>
+    <dgm:effectClrLst/>
+    <dgm:txLinClrLst/>
+    <dgm:txFillClrLst meth="repeat">
+      <a:schemeClr val="dk1"/>
+    </dgm:txFillClrLst>
+    <dgm:txEffectClrLst/>
+  </dgm:styleLbl>
+  <dgm:styleLbl name="bgAccFollowNode1">
+    <dgm:fillClrLst meth="repeat">
+      <a:schemeClr val="accent2">
+        <a:tint val="40000"/>
+        <a:alpha val="90000"/>
+      </a:schemeClr>
+      <a:schemeClr val="accent3">
+        <a:tint val="40000"/>
+        <a:alpha val="90000"/>
+      </a:schemeClr>
+      <a:schemeClr val="accent4">
+        <a:tint val="40000"/>
+        <a:alpha val="90000"/>
+      </a:schemeClr>
+      <a:schemeClr val="accent5">
+        <a:tint val="40000"/>
+        <a:alpha val="90000"/>
+      </a:schemeClr>
+      <a:schemeClr val="accent6">
+        <a:tint val="40000"/>
+        <a:alpha val="90000"/>
+      </a:schemeClr>
+    </dgm:fillClrLst>
+    <dgm:linClrLst meth="repeat">
+      <a:schemeClr val="accent2">
+        <a:tint val="40000"/>
+        <a:alpha val="90000"/>
+      </a:schemeClr>
+      <a:schemeClr val="accent3">
+        <a:tint val="40000"/>
+        <a:alpha val="90000"/>
+      </a:schemeClr>
+      <a:schemeClr val="accent4">
+        <a:tint val="40000"/>
+        <a:alpha val="90000"/>
+      </a:schemeClr>
+      <a:schemeClr val="accent5">
+        <a:tint val="40000"/>
+        <a:alpha val="90000"/>
+      </a:schemeClr>
+      <a:schemeClr val="accent6">
+        <a:tint val="40000"/>
+        <a:alpha val="90000"/>
+      </a:schemeClr>
+    </dgm:linClrLst>
+    <dgm:effectClrLst/>
+    <dgm:txLinClrLst/>
+    <dgm:txFillClrLst meth="repeat">
+      <a:schemeClr val="dk1"/>
+    </dgm:txFillClrLst>
+    <dgm:txEffectClrLst/>
+  </dgm:styleLbl>
+  <dgm:styleLbl name="fgAcc0">
+    <dgm:fillClrLst meth="repeat">
+      <a:schemeClr val="lt1">
+        <a:alpha val="90000"/>
+      </a:schemeClr>
+    </dgm:fillClrLst>
+    <dgm:linClrLst>
+      <a:schemeClr val="accent1"/>
+    </dgm:linClrLst>
+    <dgm:effectClrLst/>
+    <dgm:txLinClrLst/>
+    <dgm:txFillClrLst meth="repeat">
+      <a:schemeClr val="dk1"/>
+    </dgm:txFillClrLst>
+    <dgm:txEffectClrLst/>
+  </dgm:styleLbl>
+  <dgm:styleLbl name="fgAcc2">
+    <dgm:fillClrLst meth="repeat">
+      <a:schemeClr val="lt1">
+        <a:alpha val="90000"/>
+      </a:schemeClr>
+    </dgm:fillClrLst>
+    <dgm:linClrLst>
+      <a:schemeClr val="accent2"/>
+    </dgm:linClrLst>
+    <dgm:effectClrLst/>
+    <dgm:txLinClrLst/>
+    <dgm:txFillClrLst meth="repeat">
+      <a:schemeClr val="dk1"/>
+    </dgm:txFillClrLst>
+    <dgm:txEffectClrLst/>
+  </dgm:styleLbl>
+  <dgm:styleLbl name="fgAcc3">
+    <dgm:fillClrLst meth="repeat">
+      <a:schemeClr val="lt1">
+        <a:alpha val="90000"/>
+      </a:schemeClr>
+    </dgm:fillClrLst>
+    <dgm:linClrLst>
+      <a:schemeClr val="accent3"/>
+    </dgm:linClrLst>
+    <dgm:effectClrLst/>
+    <dgm:txLinClrLst/>
+    <dgm:txFillClrLst meth="repeat">
+      <a:schemeClr val="dk1"/>
+    </dgm:txFillClrLst>
+    <dgm:txEffectClrLst/>
+  </dgm:styleLbl>
+  <dgm:styleLbl name="fgAcc4">
+    <dgm:fillClrLst meth="repeat">
+      <a:schemeClr val="lt1">
+        <a:alpha val="90000"/>
+      </a:schemeClr>
+    </dgm:fillClrLst>
+    <dgm:linClrLst>
+      <a:schemeClr val="accent4"/>
+    </dgm:linClrLst>
+    <dgm:effectClrLst/>
+    <dgm:txLinClrLst/>
+    <dgm:txFillClrLst meth="repeat">
+      <a:schemeClr val="dk1"/>
+    </dgm:txFillClrLst>
+    <dgm:txEffectClrLst/>
+  </dgm:styleLbl>
+  <dgm:styleLbl name="bgShp">
+    <dgm:fillClrLst meth="repeat">
+      <a:schemeClr val="accent2">
+        <a:tint val="40000"/>
+      </a:schemeClr>
+    </dgm:fillClrLst>
+    <dgm:linClrLst meth="repeat">
+      <a:schemeClr val="dk1"/>
+    </dgm:linClrLst>
+    <dgm:effectClrLst/>
+    <dgm:txLinClrLst/>
+    <dgm:txFillClrLst meth="repeat">
+      <a:schemeClr val="dk1"/>
+    </dgm:txFillClrLst>
+    <dgm:txEffectClrLst/>
+  </dgm:styleLbl>
+  <dgm:styleLbl name="dkBgShp">
+    <dgm:fillClrLst meth="repeat">
+      <a:schemeClr val="accent2">
+        <a:shade val="90000"/>
+      </a:schemeClr>
+    </dgm:fillClrLst>
+    <dgm:linClrLst meth="repeat">
+      <a:schemeClr val="dk1"/>
+    </dgm:linClrLst>
+    <dgm:effectClrLst/>
+    <dgm:txLinClrLst/>
+    <dgm:txFillClrLst meth="repeat">
+      <a:schemeClr val="lt1"/>
+    </dgm:txFillClrLst>
+    <dgm:txEffectClrLst/>
+  </dgm:styleLbl>
+  <dgm:styleLbl name="trBgShp">
+    <dgm:fillClrLst meth="repeat">
+      <a:schemeClr val="accent1">
+        <a:tint val="50000"/>
+        <a:alpha val="40000"/>
+      </a:schemeClr>
+    </dgm:fillClrLst>
+    <dgm:linClrLst meth="repeat">
+      <a:schemeClr val="accent2"/>
+    </dgm:linClrLst>
+    <dgm:effectClrLst/>
+    <dgm:txLinClrLst/>
+    <dgm:txFillClrLst meth="repeat">
+      <a:schemeClr val="lt1"/>
+    </dgm:txFillClrLst>
+    <dgm:txEffectClrLst/>
+  </dgm:styleLbl>
+  <dgm:styleLbl name="fgShp">
+    <dgm:fillClrLst meth="repeat">
+      <a:schemeClr val="accent2">
+        <a:tint val="40000"/>
+      </a:schemeClr>
+    </dgm:fillClrLst>
+    <dgm:linClrLst meth="repeat">
+      <a:schemeClr val="lt1"/>
+    </dgm:linClrLst>
+    <dgm:effectClrLst/>
+    <dgm:txLinClrLst/>
+    <dgm:txFillClrLst meth="repeat">
+      <a:schemeClr val="dk1"/>
+    </dgm:txFillClrLst>
+    <dgm:txEffectClrLst/>
+  </dgm:styleLbl>
+  <dgm:styleLbl name="revTx">
+    <dgm:fillClrLst meth="repeat">
+      <a:schemeClr val="lt1">
+        <a:alpha val="0"/>
+      </a:schemeClr>
+    </dgm:fillClrLst>
+    <dgm:linClrLst meth="repeat">
+      <a:schemeClr val="dk1">
+        <a:alpha val="0"/>
+      </a:schemeClr>
+    </dgm:linClrLst>
+    <dgm:effectClrLst/>
+    <dgm:txLinClrLst/>
+    <dgm:txFillClrLst meth="repeat">
+      <a:schemeClr val="tx1"/>
+    </dgm:txFillClrLst>
+    <dgm:txEffectClrLst/>
+  </dgm:styleLbl>
+</dgm:colorsDef>
+</file>
+
+<file path=ppt/diagrams/data1.xml><?xml version="1.0" encoding="utf-8"?>
+<dgm:dataModel xmlns:dgm="http://schemas.openxmlformats.org/drawingml/2006/diagram" xmlns:a="http://schemas.openxmlformats.org/drawingml/2006/main">
+  <dgm:ptLst>
+    <dgm:pt modelId="{1673243B-429E-4E4A-96BD-F48C0F0B623A}" type="doc">
+      <dgm:prSet loTypeId="urn:microsoft.com/office/officeart/2005/8/layout/vProcess5" loCatId="process" qsTypeId="urn:microsoft.com/office/officeart/2005/8/quickstyle/simple1" qsCatId="simple" csTypeId="urn:microsoft.com/office/officeart/2005/8/colors/colorful1" csCatId="colorful"/>
+      <dgm:spPr/>
+      <dgm:t>
+        <a:bodyPr/>
+        <a:lstStyle/>
+        <a:p>
+          <a:endParaRPr lang="en-US"/>
+        </a:p>
+      </dgm:t>
+    </dgm:pt>
+    <dgm:pt modelId="{2F7FF77A-D9AA-4AE8-B90B-DB0FE4760076}">
+      <dgm:prSet/>
+      <dgm:spPr/>
+      <dgm:t>
+        <a:bodyPr/>
+        <a:lstStyle/>
+        <a:p>
+          <a:r>
+            <a:rPr lang="en-US"/>
+            <a:t>One Coordinator, routers and end devices.</a:t>
+          </a:r>
+        </a:p>
+      </dgm:t>
+    </dgm:pt>
+    <dgm:pt modelId="{0CAF9BBE-FE4D-46DE-8E96-BFCF591DD1DD}" type="parTrans" cxnId="{A29A0516-37B2-4448-A9D6-E93E069D7684}">
+      <dgm:prSet/>
+      <dgm:spPr/>
+      <dgm:t>
+        <a:bodyPr/>
+        <a:lstStyle/>
+        <a:p>
+          <a:endParaRPr lang="en-US"/>
+        </a:p>
+      </dgm:t>
+    </dgm:pt>
+    <dgm:pt modelId="{547B8C00-74CB-46A1-8B7D-7237D51534E7}" type="sibTrans" cxnId="{A29A0516-37B2-4448-A9D6-E93E069D7684}">
+      <dgm:prSet/>
+      <dgm:spPr/>
+      <dgm:t>
+        <a:bodyPr/>
+        <a:lstStyle/>
+        <a:p>
+          <a:endParaRPr lang="en-US"/>
+        </a:p>
+      </dgm:t>
+    </dgm:pt>
+    <dgm:pt modelId="{E115D566-2C04-44BD-BD7F-413FC13F8148}">
+      <dgm:prSet/>
+      <dgm:spPr/>
+      <dgm:t>
+        <a:bodyPr/>
+        <a:lstStyle/>
+        <a:p>
+          <a:r>
+            <a:rPr lang="en-US"/>
+            <a:t>Wide range</a:t>
+          </a:r>
+        </a:p>
+      </dgm:t>
+    </dgm:pt>
+    <dgm:pt modelId="{9348EDA6-D93C-4C26-AE1C-647BE73ED717}" type="parTrans" cxnId="{745A7CAC-E222-4337-857D-BCABF9AFCFDB}">
+      <dgm:prSet/>
+      <dgm:spPr/>
+      <dgm:t>
+        <a:bodyPr/>
+        <a:lstStyle/>
+        <a:p>
+          <a:endParaRPr lang="en-US"/>
+        </a:p>
+      </dgm:t>
+    </dgm:pt>
+    <dgm:pt modelId="{1CCD1337-301D-49F5-9ECA-E91EF2BBB4FA}" type="sibTrans" cxnId="{745A7CAC-E222-4337-857D-BCABF9AFCFDB}">
+      <dgm:prSet/>
+      <dgm:spPr/>
+      <dgm:t>
+        <a:bodyPr/>
+        <a:lstStyle/>
+        <a:p>
+          <a:endParaRPr lang="en-US"/>
+        </a:p>
+      </dgm:t>
+    </dgm:pt>
+    <dgm:pt modelId="{E10A1D92-954A-4972-B1F2-F9886BB8BC70}">
+      <dgm:prSet/>
+      <dgm:spPr/>
+      <dgm:t>
+        <a:bodyPr/>
+        <a:lstStyle/>
+        <a:p>
+          <a:r>
+            <a:rPr lang="en-US"/>
+            <a:t>Large number of devices with low power consumption.</a:t>
+          </a:r>
+        </a:p>
+      </dgm:t>
+    </dgm:pt>
+    <dgm:pt modelId="{62A21C3D-E51B-4FB6-8E3A-EA91C39BDD14}" type="parTrans" cxnId="{D8DDDBA8-CD51-48BA-9BBA-629920E032EA}">
+      <dgm:prSet/>
+      <dgm:spPr/>
+      <dgm:t>
+        <a:bodyPr/>
+        <a:lstStyle/>
+        <a:p>
+          <a:endParaRPr lang="en-US"/>
+        </a:p>
+      </dgm:t>
+    </dgm:pt>
+    <dgm:pt modelId="{DD46700B-14DB-4EDF-B4BE-6818A756171B}" type="sibTrans" cxnId="{D8DDDBA8-CD51-48BA-9BBA-629920E032EA}">
+      <dgm:prSet/>
+      <dgm:spPr/>
+      <dgm:t>
+        <a:bodyPr/>
+        <a:lstStyle/>
+        <a:p>
+          <a:endParaRPr lang="en-US"/>
+        </a:p>
+      </dgm:t>
+    </dgm:pt>
+    <dgm:pt modelId="{797F5901-BFA2-4478-8342-01DEED3355F8}">
+      <dgm:prSet/>
+      <dgm:spPr/>
+      <dgm:t>
+        <a:bodyPr/>
+        <a:lstStyle/>
+        <a:p>
+          <a:r>
+            <a:rPr lang="en-US"/>
+            <a:t>Long lasting for 3 month.  </a:t>
+          </a:r>
+        </a:p>
+      </dgm:t>
+    </dgm:pt>
+    <dgm:pt modelId="{1445550F-732E-4751-AE33-58DCF3D4A824}" type="parTrans" cxnId="{36C91CA9-F71F-4251-BC48-05799382EA3E}">
+      <dgm:prSet/>
+      <dgm:spPr/>
+      <dgm:t>
+        <a:bodyPr/>
+        <a:lstStyle/>
+        <a:p>
+          <a:endParaRPr lang="en-US"/>
+        </a:p>
+      </dgm:t>
+    </dgm:pt>
+    <dgm:pt modelId="{46FBFB5C-DFC1-4ED7-A0FE-153CA1F766B9}" type="sibTrans" cxnId="{36C91CA9-F71F-4251-BC48-05799382EA3E}">
+      <dgm:prSet/>
+      <dgm:spPr/>
+      <dgm:t>
+        <a:bodyPr/>
+        <a:lstStyle/>
+        <a:p>
+          <a:endParaRPr lang="en-US"/>
+        </a:p>
+      </dgm:t>
+    </dgm:pt>
+    <dgm:pt modelId="{0C8AD5E1-3569-4194-8C28-42E7C7CBCE66}" type="pres">
+      <dgm:prSet presAssocID="{1673243B-429E-4E4A-96BD-F48C0F0B623A}" presName="outerComposite" presStyleCnt="0">
+        <dgm:presLayoutVars>
+          <dgm:chMax val="5"/>
+          <dgm:dir/>
+          <dgm:resizeHandles val="exact"/>
+        </dgm:presLayoutVars>
+      </dgm:prSet>
+      <dgm:spPr/>
+    </dgm:pt>
+    <dgm:pt modelId="{2EB66115-60FB-4E32-9C60-E3FC3FE58FFF}" type="pres">
+      <dgm:prSet presAssocID="{1673243B-429E-4E4A-96BD-F48C0F0B623A}" presName="dummyMaxCanvas" presStyleCnt="0">
+        <dgm:presLayoutVars/>
+      </dgm:prSet>
+      <dgm:spPr/>
+    </dgm:pt>
+    <dgm:pt modelId="{5B5325C3-384D-4440-97FB-21BD9803E939}" type="pres">
+      <dgm:prSet presAssocID="{1673243B-429E-4E4A-96BD-F48C0F0B623A}" presName="FourNodes_1" presStyleLbl="node1" presStyleIdx="0" presStyleCnt="4">
+        <dgm:presLayoutVars>
+          <dgm:bulletEnabled val="1"/>
+        </dgm:presLayoutVars>
+      </dgm:prSet>
+      <dgm:spPr/>
+    </dgm:pt>
+    <dgm:pt modelId="{2F922450-1474-47D3-B6EC-8ED8E6C58AC7}" type="pres">
+      <dgm:prSet presAssocID="{1673243B-429E-4E4A-96BD-F48C0F0B623A}" presName="FourNodes_2" presStyleLbl="node1" presStyleIdx="1" presStyleCnt="4">
+        <dgm:presLayoutVars>
+          <dgm:bulletEnabled val="1"/>
+        </dgm:presLayoutVars>
+      </dgm:prSet>
+      <dgm:spPr/>
+    </dgm:pt>
+    <dgm:pt modelId="{B9108713-055C-41E5-AB1C-C7B847092C75}" type="pres">
+      <dgm:prSet presAssocID="{1673243B-429E-4E4A-96BD-F48C0F0B623A}" presName="FourNodes_3" presStyleLbl="node1" presStyleIdx="2" presStyleCnt="4">
+        <dgm:presLayoutVars>
+          <dgm:bulletEnabled val="1"/>
+        </dgm:presLayoutVars>
+      </dgm:prSet>
+      <dgm:spPr/>
+    </dgm:pt>
+    <dgm:pt modelId="{71E86244-8B40-41E8-85DB-D700C9DB842D}" type="pres">
+      <dgm:prSet presAssocID="{1673243B-429E-4E4A-96BD-F48C0F0B623A}" presName="FourNodes_4" presStyleLbl="node1" presStyleIdx="3" presStyleCnt="4">
+        <dgm:presLayoutVars>
+          <dgm:bulletEnabled val="1"/>
+        </dgm:presLayoutVars>
+      </dgm:prSet>
+      <dgm:spPr/>
+    </dgm:pt>
+    <dgm:pt modelId="{91CF6970-E58E-4A01-B287-AE9AA192F62D}" type="pres">
+      <dgm:prSet presAssocID="{1673243B-429E-4E4A-96BD-F48C0F0B623A}" presName="FourConn_1-2" presStyleLbl="fgAccFollowNode1" presStyleIdx="0" presStyleCnt="3">
+        <dgm:presLayoutVars>
+          <dgm:bulletEnabled val="1"/>
+        </dgm:presLayoutVars>
+      </dgm:prSet>
+      <dgm:spPr/>
+    </dgm:pt>
+    <dgm:pt modelId="{8D79F3E2-0AA9-4FF5-B65C-233059ECA208}" type="pres">
+      <dgm:prSet presAssocID="{1673243B-429E-4E4A-96BD-F48C0F0B623A}" presName="FourConn_2-3" presStyleLbl="fgAccFollowNode1" presStyleIdx="1" presStyleCnt="3">
+        <dgm:presLayoutVars>
+          <dgm:bulletEnabled val="1"/>
+        </dgm:presLayoutVars>
+      </dgm:prSet>
+      <dgm:spPr/>
+    </dgm:pt>
+    <dgm:pt modelId="{387883A1-1D10-496C-BE7C-448178FC1BEB}" type="pres">
+      <dgm:prSet presAssocID="{1673243B-429E-4E4A-96BD-F48C0F0B623A}" presName="FourConn_3-4" presStyleLbl="fgAccFollowNode1" presStyleIdx="2" presStyleCnt="3">
+        <dgm:presLayoutVars>
+          <dgm:bulletEnabled val="1"/>
+        </dgm:presLayoutVars>
+      </dgm:prSet>
+      <dgm:spPr/>
+    </dgm:pt>
+    <dgm:pt modelId="{3F3626D8-6028-4F7C-AF1A-7E2F82B921D4}" type="pres">
+      <dgm:prSet presAssocID="{1673243B-429E-4E4A-96BD-F48C0F0B623A}" presName="FourNodes_1_text" presStyleLbl="node1" presStyleIdx="3" presStyleCnt="4">
+        <dgm:presLayoutVars>
+          <dgm:bulletEnabled val="1"/>
+        </dgm:presLayoutVars>
+      </dgm:prSet>
+      <dgm:spPr/>
+    </dgm:pt>
+    <dgm:pt modelId="{63FF74A3-5F69-49BD-8549-1AFE5D06A429}" type="pres">
+      <dgm:prSet presAssocID="{1673243B-429E-4E4A-96BD-F48C0F0B623A}" presName="FourNodes_2_text" presStyleLbl="node1" presStyleIdx="3" presStyleCnt="4">
+        <dgm:presLayoutVars>
+          <dgm:bulletEnabled val="1"/>
+        </dgm:presLayoutVars>
+      </dgm:prSet>
+      <dgm:spPr/>
+    </dgm:pt>
+    <dgm:pt modelId="{40E0C1F8-38E7-4A8C-B377-B8821AA9B82C}" type="pres">
+      <dgm:prSet presAssocID="{1673243B-429E-4E4A-96BD-F48C0F0B623A}" presName="FourNodes_3_text" presStyleLbl="node1" presStyleIdx="3" presStyleCnt="4">
+        <dgm:presLayoutVars>
+          <dgm:bulletEnabled val="1"/>
+        </dgm:presLayoutVars>
+      </dgm:prSet>
+      <dgm:spPr/>
+    </dgm:pt>
+    <dgm:pt modelId="{EEAA9E67-329C-4F8B-B2C8-917B2F81524F}" type="pres">
+      <dgm:prSet presAssocID="{1673243B-429E-4E4A-96BD-F48C0F0B623A}" presName="FourNodes_4_text" presStyleLbl="node1" presStyleIdx="3" presStyleCnt="4">
+        <dgm:presLayoutVars>
+          <dgm:bulletEnabled val="1"/>
+        </dgm:presLayoutVars>
+      </dgm:prSet>
+      <dgm:spPr/>
+    </dgm:pt>
+  </dgm:ptLst>
+  <dgm:cxnLst>
+    <dgm:cxn modelId="{A29A0516-37B2-4448-A9D6-E93E069D7684}" srcId="{1673243B-429E-4E4A-96BD-F48C0F0B623A}" destId="{2F7FF77A-D9AA-4AE8-B90B-DB0FE4760076}" srcOrd="0" destOrd="0" parTransId="{0CAF9BBE-FE4D-46DE-8E96-BFCF591DD1DD}" sibTransId="{547B8C00-74CB-46A1-8B7D-7237D51534E7}"/>
+    <dgm:cxn modelId="{78180929-B937-42FA-8CDE-D910B94E535A}" type="presOf" srcId="{2F7FF77A-D9AA-4AE8-B90B-DB0FE4760076}" destId="{3F3626D8-6028-4F7C-AF1A-7E2F82B921D4}" srcOrd="1" destOrd="0" presId="urn:microsoft.com/office/officeart/2005/8/layout/vProcess5"/>
+    <dgm:cxn modelId="{2B23212C-F356-4A02-9EEA-170A58E200D1}" type="presOf" srcId="{797F5901-BFA2-4478-8342-01DEED3355F8}" destId="{EEAA9E67-329C-4F8B-B2C8-917B2F81524F}" srcOrd="1" destOrd="0" presId="urn:microsoft.com/office/officeart/2005/8/layout/vProcess5"/>
+    <dgm:cxn modelId="{C8BB733A-02F5-4FEF-B3B4-FAFE50293FFC}" type="presOf" srcId="{DD46700B-14DB-4EDF-B4BE-6818A756171B}" destId="{387883A1-1D10-496C-BE7C-448178FC1BEB}" srcOrd="0" destOrd="0" presId="urn:microsoft.com/office/officeart/2005/8/layout/vProcess5"/>
+    <dgm:cxn modelId="{85E2B140-CB7B-48BA-8E82-444752C578B6}" type="presOf" srcId="{547B8C00-74CB-46A1-8B7D-7237D51534E7}" destId="{91CF6970-E58E-4A01-B287-AE9AA192F62D}" srcOrd="0" destOrd="0" presId="urn:microsoft.com/office/officeart/2005/8/layout/vProcess5"/>
+    <dgm:cxn modelId="{0B472673-E45F-40E2-92FC-769790CF14D6}" type="presOf" srcId="{E10A1D92-954A-4972-B1F2-F9886BB8BC70}" destId="{B9108713-055C-41E5-AB1C-C7B847092C75}" srcOrd="0" destOrd="0" presId="urn:microsoft.com/office/officeart/2005/8/layout/vProcess5"/>
+    <dgm:cxn modelId="{C634AF81-B912-4685-971F-905684AFD478}" type="presOf" srcId="{E115D566-2C04-44BD-BD7F-413FC13F8148}" destId="{63FF74A3-5F69-49BD-8549-1AFE5D06A429}" srcOrd="1" destOrd="0" presId="urn:microsoft.com/office/officeart/2005/8/layout/vProcess5"/>
+    <dgm:cxn modelId="{4EB2BD8A-773B-4EE2-8F66-1657DD6FFBA4}" type="presOf" srcId="{E10A1D92-954A-4972-B1F2-F9886BB8BC70}" destId="{40E0C1F8-38E7-4A8C-B377-B8821AA9B82C}" srcOrd="1" destOrd="0" presId="urn:microsoft.com/office/officeart/2005/8/layout/vProcess5"/>
+    <dgm:cxn modelId="{E2288F9D-2C0D-4302-9F4B-140E3056EBF2}" type="presOf" srcId="{1673243B-429E-4E4A-96BD-F48C0F0B623A}" destId="{0C8AD5E1-3569-4194-8C28-42E7C7CBCE66}" srcOrd="0" destOrd="0" presId="urn:microsoft.com/office/officeart/2005/8/layout/vProcess5"/>
+    <dgm:cxn modelId="{EDD51FA3-0731-430B-8AAF-0444CD8AA9BE}" type="presOf" srcId="{E115D566-2C04-44BD-BD7F-413FC13F8148}" destId="{2F922450-1474-47D3-B6EC-8ED8E6C58AC7}" srcOrd="0" destOrd="0" presId="urn:microsoft.com/office/officeart/2005/8/layout/vProcess5"/>
+    <dgm:cxn modelId="{4F9D50A5-5BA6-4AE5-863B-09D109DABF53}" type="presOf" srcId="{797F5901-BFA2-4478-8342-01DEED3355F8}" destId="{71E86244-8B40-41E8-85DB-D700C9DB842D}" srcOrd="0" destOrd="0" presId="urn:microsoft.com/office/officeart/2005/8/layout/vProcess5"/>
+    <dgm:cxn modelId="{D8DDDBA8-CD51-48BA-9BBA-629920E032EA}" srcId="{1673243B-429E-4E4A-96BD-F48C0F0B623A}" destId="{E10A1D92-954A-4972-B1F2-F9886BB8BC70}" srcOrd="2" destOrd="0" parTransId="{62A21C3D-E51B-4FB6-8E3A-EA91C39BDD14}" sibTransId="{DD46700B-14DB-4EDF-B4BE-6818A756171B}"/>
+    <dgm:cxn modelId="{36C91CA9-F71F-4251-BC48-05799382EA3E}" srcId="{1673243B-429E-4E4A-96BD-F48C0F0B623A}" destId="{797F5901-BFA2-4478-8342-01DEED3355F8}" srcOrd="3" destOrd="0" parTransId="{1445550F-732E-4751-AE33-58DCF3D4A824}" sibTransId="{46FBFB5C-DFC1-4ED7-A0FE-153CA1F766B9}"/>
+    <dgm:cxn modelId="{745A7CAC-E222-4337-857D-BCABF9AFCFDB}" srcId="{1673243B-429E-4E4A-96BD-F48C0F0B623A}" destId="{E115D566-2C04-44BD-BD7F-413FC13F8148}" srcOrd="1" destOrd="0" parTransId="{9348EDA6-D93C-4C26-AE1C-647BE73ED717}" sibTransId="{1CCD1337-301D-49F5-9ECA-E91EF2BBB4FA}"/>
+    <dgm:cxn modelId="{411868AD-CDB6-4285-8E88-776A0A1D3455}" type="presOf" srcId="{1CCD1337-301D-49F5-9ECA-E91EF2BBB4FA}" destId="{8D79F3E2-0AA9-4FF5-B65C-233059ECA208}" srcOrd="0" destOrd="0" presId="urn:microsoft.com/office/officeart/2005/8/layout/vProcess5"/>
+    <dgm:cxn modelId="{5E1BADDB-7ACC-4751-A4AD-5CBB68D97476}" type="presOf" srcId="{2F7FF77A-D9AA-4AE8-B90B-DB0FE4760076}" destId="{5B5325C3-384D-4440-97FB-21BD9803E939}" srcOrd="0" destOrd="0" presId="urn:microsoft.com/office/officeart/2005/8/layout/vProcess5"/>
+    <dgm:cxn modelId="{FBB9F69E-1A6C-4A4D-A1DC-AB9047AADCAE}" type="presParOf" srcId="{0C8AD5E1-3569-4194-8C28-42E7C7CBCE66}" destId="{2EB66115-60FB-4E32-9C60-E3FC3FE58FFF}" srcOrd="0" destOrd="0" presId="urn:microsoft.com/office/officeart/2005/8/layout/vProcess5"/>
+    <dgm:cxn modelId="{9FE5C9CF-9915-43E0-9846-CFCD9DFF4F60}" type="presParOf" srcId="{0C8AD5E1-3569-4194-8C28-42E7C7CBCE66}" destId="{5B5325C3-384D-4440-97FB-21BD9803E939}" srcOrd="1" destOrd="0" presId="urn:microsoft.com/office/officeart/2005/8/layout/vProcess5"/>
+    <dgm:cxn modelId="{B7F6B61F-4AFB-4271-9F76-C5DF73E32E50}" type="presParOf" srcId="{0C8AD5E1-3569-4194-8C28-42E7C7CBCE66}" destId="{2F922450-1474-47D3-B6EC-8ED8E6C58AC7}" srcOrd="2" destOrd="0" presId="urn:microsoft.com/office/officeart/2005/8/layout/vProcess5"/>
+    <dgm:cxn modelId="{1BB1A941-D25D-451F-86B9-4FA7AA3A83BA}" type="presParOf" srcId="{0C8AD5E1-3569-4194-8C28-42E7C7CBCE66}" destId="{B9108713-055C-41E5-AB1C-C7B847092C75}" srcOrd="3" destOrd="0" presId="urn:microsoft.com/office/officeart/2005/8/layout/vProcess5"/>
+    <dgm:cxn modelId="{5F6E39E7-09F2-407A-97AF-F3D640F6E11B}" type="presParOf" srcId="{0C8AD5E1-3569-4194-8C28-42E7C7CBCE66}" destId="{71E86244-8B40-41E8-85DB-D700C9DB842D}" srcOrd="4" destOrd="0" presId="urn:microsoft.com/office/officeart/2005/8/layout/vProcess5"/>
+    <dgm:cxn modelId="{3A273152-709F-4771-9F1A-6D48415F45C2}" type="presParOf" srcId="{0C8AD5E1-3569-4194-8C28-42E7C7CBCE66}" destId="{91CF6970-E58E-4A01-B287-AE9AA192F62D}" srcOrd="5" destOrd="0" presId="urn:microsoft.com/office/officeart/2005/8/layout/vProcess5"/>
+    <dgm:cxn modelId="{AFB0F990-1CF2-4C58-8C47-0F9E32BC5609}" type="presParOf" srcId="{0C8AD5E1-3569-4194-8C28-42E7C7CBCE66}" destId="{8D79F3E2-0AA9-4FF5-B65C-233059ECA208}" srcOrd="6" destOrd="0" presId="urn:microsoft.com/office/officeart/2005/8/layout/vProcess5"/>
+    <dgm:cxn modelId="{92A67454-57C4-45D8-A7A8-A5353BF4B6B2}" type="presParOf" srcId="{0C8AD5E1-3569-4194-8C28-42E7C7CBCE66}" destId="{387883A1-1D10-496C-BE7C-448178FC1BEB}" srcOrd="7" destOrd="0" presId="urn:microsoft.com/office/officeart/2005/8/layout/vProcess5"/>
+    <dgm:cxn modelId="{78D08BE1-3462-49C1-AA07-C28B884619E5}" type="presParOf" srcId="{0C8AD5E1-3569-4194-8C28-42E7C7CBCE66}" destId="{3F3626D8-6028-4F7C-AF1A-7E2F82B921D4}" srcOrd="8" destOrd="0" presId="urn:microsoft.com/office/officeart/2005/8/layout/vProcess5"/>
+    <dgm:cxn modelId="{3DE64CA3-E761-42EE-A426-555767E21E25}" type="presParOf" srcId="{0C8AD5E1-3569-4194-8C28-42E7C7CBCE66}" destId="{63FF74A3-5F69-49BD-8549-1AFE5D06A429}" srcOrd="9" destOrd="0" presId="urn:microsoft.com/office/officeart/2005/8/layout/vProcess5"/>
+    <dgm:cxn modelId="{52996AA4-168D-450A-8346-900A20FC0FCC}" type="presParOf" srcId="{0C8AD5E1-3569-4194-8C28-42E7C7CBCE66}" destId="{40E0C1F8-38E7-4A8C-B377-B8821AA9B82C}" srcOrd="10" destOrd="0" presId="urn:microsoft.com/office/officeart/2005/8/layout/vProcess5"/>
+    <dgm:cxn modelId="{4AD7BECE-ACF7-4B67-B390-5D3EB8A6DEA8}" type="presParOf" srcId="{0C8AD5E1-3569-4194-8C28-42E7C7CBCE66}" destId="{EEAA9E67-329C-4F8B-B2C8-917B2F81524F}" srcOrd="11" destOrd="0" presId="urn:microsoft.com/office/officeart/2005/8/layout/vProcess5"/>
+  </dgm:cxnLst>
+  <dgm:bg/>
+  <dgm:whole/>
+  <dgm:extLst>
+    <a:ext uri="http://schemas.microsoft.com/office/drawing/2008/diagram">
+      <dsp:dataModelExt xmlns:dsp="http://schemas.microsoft.com/office/drawing/2008/diagram" relId="rId6" minVer="http://schemas.openxmlformats.org/drawingml/2006/diagram"/>
+    </a:ext>
+  </dgm:extLst>
+</dgm:dataModel>
+</file>
+
+<file path=ppt/diagrams/drawing1.xml><?xml version="1.0" encoding="utf-8"?>
+<dsp:drawing xmlns:dgm="http://schemas.openxmlformats.org/drawingml/2006/diagram" xmlns:dsp="http://schemas.microsoft.com/office/drawing/2008/diagram" xmlns:a="http://schemas.openxmlformats.org/drawingml/2006/main">
+  <dsp:spTree>
+    <dsp:nvGrpSpPr>
+      <dsp:cNvPr id="0" name=""/>
+      <dsp:cNvGrpSpPr/>
+    </dsp:nvGrpSpPr>
+    <dsp:grpSpPr/>
+    <dsp:sp modelId="{5B5325C3-384D-4440-97FB-21BD9803E939}">
+      <dsp:nvSpPr>
+        <dsp:cNvPr id="0" name=""/>
+        <dsp:cNvSpPr/>
+      </dsp:nvSpPr>
+      <dsp:spPr>
+        <a:xfrm>
+          <a:off x="0" y="0"/>
+          <a:ext cx="4989887" cy="1004584"/>
+        </a:xfrm>
+        <a:prstGeom prst="roundRect">
+          <a:avLst>
+            <a:gd name="adj" fmla="val 10000"/>
+          </a:avLst>
+        </a:prstGeom>
+        <a:solidFill>
+          <a:schemeClr val="accent2">
+            <a:hueOff val="0"/>
+            <a:satOff val="0"/>
+            <a:lumOff val="0"/>
+            <a:alphaOff val="0"/>
+          </a:schemeClr>
+        </a:solidFill>
+        <a:ln w="15875" cap="rnd" cmpd="sng" algn="ctr">
+          <a:solidFill>
+            <a:schemeClr val="lt1">
+              <a:hueOff val="0"/>
+              <a:satOff val="0"/>
+              <a:lumOff val="0"/>
+              <a:alphaOff val="0"/>
+            </a:schemeClr>
+          </a:solidFill>
+          <a:prstDash val="solid"/>
+        </a:ln>
+        <a:effectLst/>
+      </dsp:spPr>
+      <dsp:style>
+        <a:lnRef idx="2">
+          <a:scrgbClr r="0" g="0" b="0"/>
+        </a:lnRef>
+        <a:fillRef idx="1">
+          <a:scrgbClr r="0" g="0" b="0"/>
+        </a:fillRef>
+        <a:effectRef idx="0">
+          <a:scrgbClr r="0" g="0" b="0"/>
+        </a:effectRef>
+        <a:fontRef idx="minor">
+          <a:schemeClr val="lt1"/>
+        </a:fontRef>
+      </dsp:style>
+      <dsp:txBody>
+        <a:bodyPr spcFirstLastPara="0" vert="horz" wrap="square" lIns="87630" tIns="87630" rIns="87630" bIns="87630" numCol="1" spcCol="1270" anchor="ctr" anchorCtr="0">
+          <a:noAutofit/>
+        </a:bodyPr>
+        <a:lstStyle/>
+        <a:p>
+          <a:pPr marL="0" lvl="0" indent="0" algn="l" defTabSz="1022350">
+            <a:lnSpc>
+              <a:spcPct val="90000"/>
+            </a:lnSpc>
+            <a:spcBef>
+              <a:spcPct val="0"/>
+            </a:spcBef>
+            <a:spcAft>
+              <a:spcPct val="35000"/>
+            </a:spcAft>
+            <a:buNone/>
+          </a:pPr>
+          <a:r>
+            <a:rPr lang="en-US" sz="2300" kern="1200"/>
+            <a:t>One Coordinator, routers and end devices.</a:t>
+          </a:r>
+        </a:p>
+      </dsp:txBody>
+      <dsp:txXfrm>
+        <a:off x="29423" y="29423"/>
+        <a:ext cx="3820975" cy="945738"/>
+      </dsp:txXfrm>
+    </dsp:sp>
+    <dsp:sp modelId="{2F922450-1474-47D3-B6EC-8ED8E6C58AC7}">
+      <dsp:nvSpPr>
+        <dsp:cNvPr id="0" name=""/>
+        <dsp:cNvSpPr/>
+      </dsp:nvSpPr>
+      <dsp:spPr>
+        <a:xfrm>
+          <a:off x="417903" y="1187235"/>
+          <a:ext cx="4989887" cy="1004584"/>
+        </a:xfrm>
+        <a:prstGeom prst="roundRect">
+          <a:avLst>
+            <a:gd name="adj" fmla="val 10000"/>
+          </a:avLst>
+        </a:prstGeom>
+        <a:solidFill>
+          <a:schemeClr val="accent3">
+            <a:hueOff val="0"/>
+            <a:satOff val="0"/>
+            <a:lumOff val="0"/>
+            <a:alphaOff val="0"/>
+          </a:schemeClr>
+        </a:solidFill>
+        <a:ln w="15875" cap="rnd" cmpd="sng" algn="ctr">
+          <a:solidFill>
+            <a:schemeClr val="lt1">
+              <a:hueOff val="0"/>
+              <a:satOff val="0"/>
+              <a:lumOff val="0"/>
+              <a:alphaOff val="0"/>
+            </a:schemeClr>
+          </a:solidFill>
+          <a:prstDash val="solid"/>
+        </a:ln>
+        <a:effectLst/>
+      </dsp:spPr>
+      <dsp:style>
+        <a:lnRef idx="2">
+          <a:scrgbClr r="0" g="0" b="0"/>
+        </a:lnRef>
+        <a:fillRef idx="1">
+          <a:scrgbClr r="0" g="0" b="0"/>
+        </a:fillRef>
+        <a:effectRef idx="0">
+          <a:scrgbClr r="0" g="0" b="0"/>
+        </a:effectRef>
+        <a:fontRef idx="minor">
+          <a:schemeClr val="lt1"/>
+        </a:fontRef>
+      </dsp:style>
+      <dsp:txBody>
+        <a:bodyPr spcFirstLastPara="0" vert="horz" wrap="square" lIns="87630" tIns="87630" rIns="87630" bIns="87630" numCol="1" spcCol="1270" anchor="ctr" anchorCtr="0">
+          <a:noAutofit/>
+        </a:bodyPr>
+        <a:lstStyle/>
+        <a:p>
+          <a:pPr marL="0" lvl="0" indent="0" algn="l" defTabSz="1022350">
+            <a:lnSpc>
+              <a:spcPct val="90000"/>
+            </a:lnSpc>
+            <a:spcBef>
+              <a:spcPct val="0"/>
+            </a:spcBef>
+            <a:spcAft>
+              <a:spcPct val="35000"/>
+            </a:spcAft>
+            <a:buNone/>
+          </a:pPr>
+          <a:r>
+            <a:rPr lang="en-US" sz="2300" kern="1200"/>
+            <a:t>Wide range</a:t>
+          </a:r>
+        </a:p>
+      </dsp:txBody>
+      <dsp:txXfrm>
+        <a:off x="447326" y="1216658"/>
+        <a:ext cx="3860158" cy="945738"/>
+      </dsp:txXfrm>
+    </dsp:sp>
+    <dsp:sp modelId="{B9108713-055C-41E5-AB1C-C7B847092C75}">
+      <dsp:nvSpPr>
+        <dsp:cNvPr id="0" name=""/>
+        <dsp:cNvSpPr/>
+      </dsp:nvSpPr>
+      <dsp:spPr>
+        <a:xfrm>
+          <a:off x="829568" y="2374471"/>
+          <a:ext cx="4989887" cy="1004584"/>
+        </a:xfrm>
+        <a:prstGeom prst="roundRect">
+          <a:avLst>
+            <a:gd name="adj" fmla="val 10000"/>
+          </a:avLst>
+        </a:prstGeom>
+        <a:solidFill>
+          <a:schemeClr val="accent4">
+            <a:hueOff val="0"/>
+            <a:satOff val="0"/>
+            <a:lumOff val="0"/>
+            <a:alphaOff val="0"/>
+          </a:schemeClr>
+        </a:solidFill>
+        <a:ln w="15875" cap="rnd" cmpd="sng" algn="ctr">
+          <a:solidFill>
+            <a:schemeClr val="lt1">
+              <a:hueOff val="0"/>
+              <a:satOff val="0"/>
+              <a:lumOff val="0"/>
+              <a:alphaOff val="0"/>
+            </a:schemeClr>
+          </a:solidFill>
+          <a:prstDash val="solid"/>
+        </a:ln>
+        <a:effectLst/>
+      </dsp:spPr>
+      <dsp:style>
+        <a:lnRef idx="2">
+          <a:scrgbClr r="0" g="0" b="0"/>
+        </a:lnRef>
+        <a:fillRef idx="1">
+          <a:scrgbClr r="0" g="0" b="0"/>
+        </a:fillRef>
+        <a:effectRef idx="0">
+          <a:scrgbClr r="0" g="0" b="0"/>
+        </a:effectRef>
+        <a:fontRef idx="minor">
+          <a:schemeClr val="lt1"/>
+        </a:fontRef>
+      </dsp:style>
+      <dsp:txBody>
+        <a:bodyPr spcFirstLastPara="0" vert="horz" wrap="square" lIns="87630" tIns="87630" rIns="87630" bIns="87630" numCol="1" spcCol="1270" anchor="ctr" anchorCtr="0">
+          <a:noAutofit/>
+        </a:bodyPr>
+        <a:lstStyle/>
+        <a:p>
+          <a:pPr marL="0" lvl="0" indent="0" algn="l" defTabSz="1022350">
+            <a:lnSpc>
+              <a:spcPct val="90000"/>
+            </a:lnSpc>
+            <a:spcBef>
+              <a:spcPct val="0"/>
+            </a:spcBef>
+            <a:spcAft>
+              <a:spcPct val="35000"/>
+            </a:spcAft>
+            <a:buNone/>
+          </a:pPr>
+          <a:r>
+            <a:rPr lang="en-US" sz="2300" kern="1200"/>
+            <a:t>Large number of devices with low power consumption.</a:t>
+          </a:r>
+        </a:p>
+      </dsp:txBody>
+      <dsp:txXfrm>
+        <a:off x="858991" y="2403894"/>
+        <a:ext cx="3866395" cy="945738"/>
+      </dsp:txXfrm>
+    </dsp:sp>
+    <dsp:sp modelId="{71E86244-8B40-41E8-85DB-D700C9DB842D}">
+      <dsp:nvSpPr>
+        <dsp:cNvPr id="0" name=""/>
+        <dsp:cNvSpPr/>
+      </dsp:nvSpPr>
+      <dsp:spPr>
+        <a:xfrm>
+          <a:off x="1247471" y="3561706"/>
+          <a:ext cx="4989887" cy="1004584"/>
+        </a:xfrm>
+        <a:prstGeom prst="roundRect">
+          <a:avLst>
+            <a:gd name="adj" fmla="val 10000"/>
+          </a:avLst>
+        </a:prstGeom>
+        <a:solidFill>
+          <a:schemeClr val="accent5">
+            <a:hueOff val="0"/>
+            <a:satOff val="0"/>
+            <a:lumOff val="0"/>
+            <a:alphaOff val="0"/>
+          </a:schemeClr>
+        </a:solidFill>
+        <a:ln w="15875" cap="rnd" cmpd="sng" algn="ctr">
+          <a:solidFill>
+            <a:schemeClr val="lt1">
+              <a:hueOff val="0"/>
+              <a:satOff val="0"/>
+              <a:lumOff val="0"/>
+              <a:alphaOff val="0"/>
+            </a:schemeClr>
+          </a:solidFill>
+          <a:prstDash val="solid"/>
+        </a:ln>
+        <a:effectLst/>
+      </dsp:spPr>
+      <dsp:style>
+        <a:lnRef idx="2">
+          <a:scrgbClr r="0" g="0" b="0"/>
+        </a:lnRef>
+        <a:fillRef idx="1">
+          <a:scrgbClr r="0" g="0" b="0"/>
+        </a:fillRef>
+        <a:effectRef idx="0">
+          <a:scrgbClr r="0" g="0" b="0"/>
+        </a:effectRef>
+        <a:fontRef idx="minor">
+          <a:schemeClr val="lt1"/>
+        </a:fontRef>
+      </dsp:style>
+      <dsp:txBody>
+        <a:bodyPr spcFirstLastPara="0" vert="horz" wrap="square" lIns="87630" tIns="87630" rIns="87630" bIns="87630" numCol="1" spcCol="1270" anchor="ctr" anchorCtr="0">
+          <a:noAutofit/>
+        </a:bodyPr>
+        <a:lstStyle/>
+        <a:p>
+          <a:pPr marL="0" lvl="0" indent="0" algn="l" defTabSz="1022350">
+            <a:lnSpc>
+              <a:spcPct val="90000"/>
+            </a:lnSpc>
+            <a:spcBef>
+              <a:spcPct val="0"/>
+            </a:spcBef>
+            <a:spcAft>
+              <a:spcPct val="35000"/>
+            </a:spcAft>
+            <a:buNone/>
+          </a:pPr>
+          <a:r>
+            <a:rPr lang="en-US" sz="2300" kern="1200"/>
+            <a:t>Long lasting for 3 month.  </a:t>
+          </a:r>
+        </a:p>
+      </dsp:txBody>
+      <dsp:txXfrm>
+        <a:off x="1276894" y="3591129"/>
+        <a:ext cx="3860158" cy="945738"/>
+      </dsp:txXfrm>
+    </dsp:sp>
+    <dsp:sp modelId="{91CF6970-E58E-4A01-B287-AE9AA192F62D}">
+      <dsp:nvSpPr>
+        <dsp:cNvPr id="0" name=""/>
+        <dsp:cNvSpPr/>
+      </dsp:nvSpPr>
+      <dsp:spPr>
+        <a:xfrm>
+          <a:off x="4336907" y="769420"/>
+          <a:ext cx="652979" cy="652979"/>
+        </a:xfrm>
+        <a:prstGeom prst="downArrow">
+          <a:avLst>
+            <a:gd name="adj1" fmla="val 55000"/>
+            <a:gd name="adj2" fmla="val 45000"/>
+          </a:avLst>
+        </a:prstGeom>
+        <a:solidFill>
+          <a:schemeClr val="accent2">
+            <a:tint val="40000"/>
+            <a:alpha val="90000"/>
+            <a:hueOff val="0"/>
+            <a:satOff val="0"/>
+            <a:lumOff val="0"/>
+            <a:alphaOff val="0"/>
+          </a:schemeClr>
+        </a:solidFill>
+        <a:ln w="15875" cap="rnd" cmpd="sng" algn="ctr">
+          <a:solidFill>
+            <a:schemeClr val="accent2">
+              <a:tint val="40000"/>
+              <a:alpha val="90000"/>
+              <a:hueOff val="0"/>
+              <a:satOff val="0"/>
+              <a:lumOff val="0"/>
+              <a:alphaOff val="0"/>
+            </a:schemeClr>
+          </a:solidFill>
+          <a:prstDash val="solid"/>
+        </a:ln>
+        <a:effectLst/>
+      </dsp:spPr>
+      <dsp:style>
+        <a:lnRef idx="2">
+          <a:scrgbClr r="0" g="0" b="0"/>
+        </a:lnRef>
+        <a:fillRef idx="1">
+          <a:scrgbClr r="0" g="0" b="0"/>
+        </a:fillRef>
+        <a:effectRef idx="0">
+          <a:scrgbClr r="0" g="0" b="0"/>
+        </a:effectRef>
+        <a:fontRef idx="minor"/>
+      </dsp:style>
+      <dsp:txBody>
+        <a:bodyPr spcFirstLastPara="0" vert="horz" wrap="square" lIns="36830" tIns="36830" rIns="36830" bIns="36830" numCol="1" spcCol="1270" anchor="ctr" anchorCtr="0">
+          <a:noAutofit/>
+        </a:bodyPr>
+        <a:lstStyle/>
+        <a:p>
+          <a:pPr marL="0" lvl="0" indent="0" algn="ctr" defTabSz="1289050">
+            <a:lnSpc>
+              <a:spcPct val="90000"/>
+            </a:lnSpc>
+            <a:spcBef>
+              <a:spcPct val="0"/>
+            </a:spcBef>
+            <a:spcAft>
+              <a:spcPct val="35000"/>
+            </a:spcAft>
+            <a:buNone/>
+          </a:pPr>
+          <a:endParaRPr lang="en-US" sz="2900" kern="1200"/>
+        </a:p>
+      </dsp:txBody>
+      <dsp:txXfrm>
+        <a:off x="4483827" y="769420"/>
+        <a:ext cx="359139" cy="491367"/>
+      </dsp:txXfrm>
+    </dsp:sp>
+    <dsp:sp modelId="{8D79F3E2-0AA9-4FF5-B65C-233059ECA208}">
+      <dsp:nvSpPr>
+        <dsp:cNvPr id="0" name=""/>
+        <dsp:cNvSpPr/>
+      </dsp:nvSpPr>
+      <dsp:spPr>
+        <a:xfrm>
+          <a:off x="4754810" y="1956655"/>
+          <a:ext cx="652979" cy="652979"/>
+        </a:xfrm>
+        <a:prstGeom prst="downArrow">
+          <a:avLst>
+            <a:gd name="adj1" fmla="val 55000"/>
+            <a:gd name="adj2" fmla="val 45000"/>
+          </a:avLst>
+        </a:prstGeom>
+        <a:solidFill>
+          <a:schemeClr val="accent3">
+            <a:tint val="40000"/>
+            <a:alpha val="90000"/>
+            <a:hueOff val="0"/>
+            <a:satOff val="0"/>
+            <a:lumOff val="0"/>
+            <a:alphaOff val="0"/>
+          </a:schemeClr>
+        </a:solidFill>
+        <a:ln w="15875" cap="rnd" cmpd="sng" algn="ctr">
+          <a:solidFill>
+            <a:schemeClr val="accent3">
+              <a:tint val="40000"/>
+              <a:alpha val="90000"/>
+              <a:hueOff val="0"/>
+              <a:satOff val="0"/>
+              <a:lumOff val="0"/>
+              <a:alphaOff val="0"/>
+            </a:schemeClr>
+          </a:solidFill>
+          <a:prstDash val="solid"/>
+        </a:ln>
+        <a:effectLst/>
+      </dsp:spPr>
+      <dsp:style>
+        <a:lnRef idx="2">
+          <a:scrgbClr r="0" g="0" b="0"/>
+        </a:lnRef>
+        <a:fillRef idx="1">
+          <a:scrgbClr r="0" g="0" b="0"/>
+        </a:fillRef>
+        <a:effectRef idx="0">
+          <a:scrgbClr r="0" g="0" b="0"/>
+        </a:effectRef>
+        <a:fontRef idx="minor"/>
+      </dsp:style>
+      <dsp:txBody>
+        <a:bodyPr spcFirstLastPara="0" vert="horz" wrap="square" lIns="36830" tIns="36830" rIns="36830" bIns="36830" numCol="1" spcCol="1270" anchor="ctr" anchorCtr="0">
+          <a:noAutofit/>
+        </a:bodyPr>
+        <a:lstStyle/>
+        <a:p>
+          <a:pPr marL="0" lvl="0" indent="0" algn="ctr" defTabSz="1289050">
+            <a:lnSpc>
+              <a:spcPct val="90000"/>
+            </a:lnSpc>
+            <a:spcBef>
+              <a:spcPct val="0"/>
+            </a:spcBef>
+            <a:spcAft>
+              <a:spcPct val="35000"/>
+            </a:spcAft>
+            <a:buNone/>
+          </a:pPr>
+          <a:endParaRPr lang="en-US" sz="2900" kern="1200"/>
+        </a:p>
+      </dsp:txBody>
+      <dsp:txXfrm>
+        <a:off x="4901730" y="1956655"/>
+        <a:ext cx="359139" cy="491367"/>
+      </dsp:txXfrm>
+    </dsp:sp>
+    <dsp:sp modelId="{387883A1-1D10-496C-BE7C-448178FC1BEB}">
+      <dsp:nvSpPr>
+        <dsp:cNvPr id="0" name=""/>
+        <dsp:cNvSpPr/>
+      </dsp:nvSpPr>
+      <dsp:spPr>
+        <a:xfrm>
+          <a:off x="5166476" y="3143891"/>
+          <a:ext cx="652979" cy="652979"/>
+        </a:xfrm>
+        <a:prstGeom prst="downArrow">
+          <a:avLst>
+            <a:gd name="adj1" fmla="val 55000"/>
+            <a:gd name="adj2" fmla="val 45000"/>
+          </a:avLst>
+        </a:prstGeom>
+        <a:solidFill>
+          <a:schemeClr val="accent4">
+            <a:tint val="40000"/>
+            <a:alpha val="90000"/>
+            <a:hueOff val="0"/>
+            <a:satOff val="0"/>
+            <a:lumOff val="0"/>
+            <a:alphaOff val="0"/>
+          </a:schemeClr>
+        </a:solidFill>
+        <a:ln w="15875" cap="rnd" cmpd="sng" algn="ctr">
+          <a:solidFill>
+            <a:schemeClr val="accent4">
+              <a:tint val="40000"/>
+              <a:alpha val="90000"/>
+              <a:hueOff val="0"/>
+              <a:satOff val="0"/>
+              <a:lumOff val="0"/>
+              <a:alphaOff val="0"/>
+            </a:schemeClr>
+          </a:solidFill>
+          <a:prstDash val="solid"/>
+        </a:ln>
+        <a:effectLst/>
+      </dsp:spPr>
+      <dsp:style>
+        <a:lnRef idx="2">
+          <a:scrgbClr r="0" g="0" b="0"/>
+        </a:lnRef>
+        <a:fillRef idx="1">
+          <a:scrgbClr r="0" g="0" b="0"/>
+        </a:fillRef>
+        <a:effectRef idx="0">
+          <a:scrgbClr r="0" g="0" b="0"/>
+        </a:effectRef>
+        <a:fontRef idx="minor"/>
+      </dsp:style>
+      <dsp:txBody>
+        <a:bodyPr spcFirstLastPara="0" vert="horz" wrap="square" lIns="36830" tIns="36830" rIns="36830" bIns="36830" numCol="1" spcCol="1270" anchor="ctr" anchorCtr="0">
+          <a:noAutofit/>
+        </a:bodyPr>
+        <a:lstStyle/>
+        <a:p>
+          <a:pPr marL="0" lvl="0" indent="0" algn="ctr" defTabSz="1289050">
+            <a:lnSpc>
+              <a:spcPct val="90000"/>
+            </a:lnSpc>
+            <a:spcBef>
+              <a:spcPct val="0"/>
+            </a:spcBef>
+            <a:spcAft>
+              <a:spcPct val="35000"/>
+            </a:spcAft>
+            <a:buNone/>
+          </a:pPr>
+          <a:endParaRPr lang="en-US" sz="2900" kern="1200"/>
+        </a:p>
+      </dsp:txBody>
+      <dsp:txXfrm>
+        <a:off x="5313396" y="3143891"/>
+        <a:ext cx="359139" cy="491367"/>
+      </dsp:txXfrm>
+    </dsp:sp>
+  </dsp:spTree>
+</dsp:drawing>
+</file>
+
+<file path=ppt/diagrams/layout1.xml><?xml version="1.0" encoding="utf-8"?>
+<dgm:layoutDef xmlns:dgm="http://schemas.openxmlformats.org/drawingml/2006/diagram" xmlns:a="http://schemas.openxmlformats.org/drawingml/2006/main" uniqueId="urn:microsoft.com/office/officeart/2005/8/layout/vProcess5">
+  <dgm:title val=""/>
+  <dgm:desc val=""/>
+  <dgm:catLst>
+    <dgm:cat type="process" pri="14000"/>
+  </dgm:catLst>
+  <dgm:sampData>
+    <dgm:dataModel>
+      <dgm:ptLst>
+        <dgm:pt modelId="0" type="doc"/>
+        <dgm:pt modelId="1">
+          <dgm:prSet phldr="1"/>
+        </dgm:pt>
+        <dgm:pt modelId="2">
+          <dgm:prSet phldr="1"/>
+        </dgm:pt>
+        <dgm:pt modelId="3">
+          <dgm:prSet phldr="1"/>
+        </dgm:pt>
+      </dgm:ptLst>
+      <dgm:cxnLst>
+        <dgm:cxn modelId="5" srcId="0" destId="1" srcOrd="0" destOrd="0"/>
+        <dgm:cxn modelId="6" srcId="0" destId="2" srcOrd="1" destOrd="0"/>
+        <dgm:cxn modelId="7" srcId="0" destId="3" srcOrd="2" destOrd="0"/>
+      </dgm:cxnLst>
+      <dgm:bg/>
+      <dgm:whole/>
+    </dgm:dataModel>
+  </dgm:sampData>
+  <dgm:styleData>
+    <dgm:dataModel>
+      <dgm:ptLst>
+        <dgm:pt modelId="0" type="doc"/>
+        <dgm:pt modelId="1"/>
+        <dgm:pt modelId="2"/>
+      </dgm:ptLst>
+      <dgm:cxnLst>
+        <dgm:cxn modelId="3" srcId="0" destId="1" srcOrd="0" destOrd="0"/>
+        <dgm:cxn modelId="4" srcId="0" destId="2" srcOrd="1" destOrd="0"/>
+      </dgm:cxnLst>
+      <dgm:bg/>
+      <dgm:whole/>
+    </dgm:dataModel>
+  </dgm:styleData>
+  <dgm:clrData>
+    <dgm:dataModel>
+      <dgm:ptLst>
+        <dgm:pt modelId="0" type="doc"/>
+        <dgm:pt modelId="1"/>
+        <dgm:pt modelId="2"/>
+        <dgm:pt modelId="3"/>
+        <dgm:pt modelId="4"/>
+      </dgm:ptLst>
+      <dgm:cxnLst>
+        <dgm:cxn modelId="6" srcId="0" destId="1" srcOrd="0" destOrd="0"/>
+        <dgm:cxn modelId="7" srcId="0" destId="2" srcOrd="1" destOrd="0"/>
+        <dgm:cxn modelId="8" srcId="0" destId="3" srcOrd="2" destOrd="0"/>
+        <dgm:cxn modelId="9" srcId="0" destId="4" srcOrd="3" destOrd="0"/>
+      </dgm:cxnLst>
+      <dgm:bg/>
+      <dgm:whole/>
+    </dgm:dataModel>
+  </dgm:clrData>
+  <dgm:layoutNode name="outerComposite">
+    <dgm:varLst>
+      <dgm:chMax val="5"/>
+      <dgm:dir/>
+      <dgm:resizeHandles val="exact"/>
+    </dgm:varLst>
+    <dgm:alg type="composite"/>
+    <dgm:shape xmlns:r="http://schemas.openxmlformats.org/officeDocument/2006/relationships" r:blip="">
+      <dgm:adjLst/>
+    </dgm:shape>
+    <dgm:presOf/>
+    <dgm:choose name="Name0">
+      <dgm:if name="Name1" func="var" arg="dir" op="equ" val="norm">
+        <dgm:constrLst>
+          <dgm:constr type="primFontSz" for="ch" ptType="node" op="equ" val="65"/>
+          <dgm:constr type="w" for="ch" forName="dummyMaxCanvas" refType="w"/>
+          <dgm:constr type="h" for="ch" forName="dummyMaxCanvas" refType="h"/>
+          <dgm:constr type="w" for="ch" forName="OneNode_1" refType="w"/>
+          <dgm:constr type="h" for="ch" forName="OneNode_1" refType="h" fact="0.5"/>
+          <dgm:constr type="ctrY" for="ch" forName="OneNode_1" refType="h" fact="0.5"/>
+          <dgm:constr type="w" for="ch" forName="TwoNodes_1" refType="w" fact="0.85"/>
+          <dgm:constr type="h" for="ch" forName="TwoNodes_1" refType="h" fact="0.45"/>
+          <dgm:constr type="t" for="ch" forName="TwoNodes_1"/>
+          <dgm:constr type="l" for="ch" forName="TwoNodes_1"/>
+          <dgm:constr type="w" for="ch" forName="TwoNodes_2" refType="w" fact="0.85"/>
+          <dgm:constr type="h" for="ch" forName="TwoNodes_2" refType="h" fact="0.45"/>
+          <dgm:constr type="b" for="ch" forName="TwoNodes_2" refType="h"/>
+          <dgm:constr type="r" for="ch" forName="TwoNodes_2" refType="w"/>
+          <dgm:constr type="w" for="ch" forName="TwoConn_1-2" refType="h" refFor="ch" refForName="TwoNodes_1" fact="0.65"/>
+          <dgm:constr type="h" for="ch" forName="TwoConn_1-2" refType="h" refFor="ch" refForName="TwoNodes_1" fact="0.65"/>
+          <dgm:constr type="ctrY" for="ch" forName="TwoConn_1-2" refType="h" fact="0.5"/>
+          <dgm:constr type="r" for="ch" forName="TwoConn_1-2" refType="r" refFor="ch" refForName="TwoNodes_1"/>
+          <dgm:constr type="r" for="ch" forName="TwoNodes_1_text" refType="l" refFor="ch" refForName="TwoConn_1-2"/>
+          <dgm:constr type="rOff" for="ch" forName="TwoNodes_1_text" refType="w" refFor="ch" refForName="TwoConn_1-2" fact="-0.5"/>
+          <dgm:constr type="t" for="ch" forName="TwoNodes_1_text" refType="t" refFor="ch" refForName="TwoNodes_1"/>
+          <dgm:constr type="b" for="ch" forName="TwoNodes_1_text" refType="b" refFor="ch" refForName="TwoNodes_1"/>
+          <dgm:constr type="l" for="ch" forName="TwoNodes_1_text" refType="l" refFor="ch" refForName="TwoNodes_1"/>
+          <dgm:constr type="r" for="ch" forName="TwoNodes_2_text" refType="l" refFor="ch" refForName="TwoConn_1-2"/>
+          <dgm:constr type="t" for="ch" forName="TwoNodes_2_text" refType="t" refFor="ch" refForName="TwoNodes_2"/>
+          <dgm:constr type="b" for="ch" forName="TwoNodes_2_text" refType="b" refFor="ch" refForName="TwoNodes_2"/>
+          <dgm:constr type="l" for="ch" forName="TwoNodes_2_text" refType="l" refFor="ch" refForName="TwoNodes_2"/>
+          <dgm:constr type="w" for="ch" forName="ThreeNodes_1" refType="w" fact="0.85"/>
+          <dgm:constr type="h" for="ch" forName="ThreeNodes_1" refType="h" fact="0.3"/>
+          <dgm:constr type="t" for="ch" forName="ThreeNodes_1"/>
+          <dgm:constr type="l" for="ch" forName="ThreeNodes_1"/>
+          <dgm:constr type="w" for="ch" forName="ThreeNodes_2" refType="w" fact="0.85"/>
+          <dgm:constr type="h" for="ch" forName="ThreeNodes_2" refType="h" fact="0.3"/>
+          <dgm:constr type="ctrY" for="ch" forName="ThreeNodes_2" refType="h" fact="0.5"/>
+          <dgm:constr type="ctrX" for="ch" forName="ThreeNodes_2" refType="w" fact="0.5"/>
+          <dgm:constr type="w" for="ch" forName="ThreeNodes_3" refType="w" fact="0.85"/>
+          <dgm:constr type="h" for="ch" forName="ThreeNodes_3" refType="h" fact="0.3"/>
+          <dgm:constr type="b" for="ch" forName="ThreeNodes_3" refType="h"/>
+          <dgm:constr type="r" for="ch" forName="ThreeNodes_3" refType="w"/>
+          <dgm:constr type="w" for="ch" forName="ThreeConn_1-2" refType="h" refFor="ch" refForName="ThreeNodes_1" fact="0.65"/>
+          <dgm:constr type="h" for="ch" forName="ThreeConn_1-2" refType="h" refFor="ch" refForName="ThreeNodes_1" fact="0.65"/>
+          <dgm:constr type="ctrY" for="ch" forName="ThreeConn_1-2" refType="h" fact="0.325"/>
+          <dgm:constr type="r" for="ch" forName="ThreeConn_1-2" refType="r" refFor="ch" refForName="ThreeNodes_1"/>
+          <dgm:constr type="w" for="ch" forName="ThreeConn_2-3" refType="h" refFor="ch" refForName="ThreeNodes_2" fact="0.65"/>
+          <dgm:constr type="h" for="ch" forName="ThreeConn_2-3" refType="h" refFor="ch" refForName="ThreeNodes_2" fact="0.65"/>
+          <dgm:constr type="ctrY" for="ch" forName="ThreeConn_2-3" refType="h" fact="0.673"/>
+          <dgm:constr type="r" for="ch" forName="ThreeConn_2-3" refType="r" refFor="ch" refForName="ThreeNodes_2"/>
+          <dgm:constr type="r" for="ch" forName="ThreeNodes_1_text" refType="l" refFor="ch" refForName="ThreeConn_1-2"/>
+          <dgm:constr type="rOff" for="ch" forName="ThreeNodes_1_text" refType="w" refFor="ch" refForName="ThreeConn_1-2" fact="-0.57"/>
+          <dgm:constr type="t" for="ch" forName="ThreeNodes_1_text" refType="t" refFor="ch" refForName="ThreeNodes_1"/>
+          <dgm:constr type="b" for="ch" forName="ThreeNodes_1_text" refType="b" refFor="ch" refForName="ThreeNodes_1"/>
+          <dgm:constr type="l" for="ch" forName="ThreeNodes_1_text" refType="l" refFor="ch" refForName="ThreeNodes_1"/>
+          <dgm:constr type="r" for="ch" forName="ThreeNodes_2_text" refType="l" refFor="ch" refForName="ThreeConn_1-2"/>
+          <dgm:constr type="t" for="ch" forName="ThreeNodes_2_text" refType="t" refFor="ch" refForName="ThreeNodes_2"/>
+          <dgm:constr type="b" for="ch" forName="ThreeNodes_2_text" refType="b" refFor="ch" refForName="ThreeNodes_2"/>
+          <dgm:constr type="l" for="ch" forName="ThreeNodes_2_text" refType="l" refFor="ch" refForName="ThreeNodes_2"/>
+          <dgm:constr type="r" for="ch" forName="ThreeNodes_3_text" refType="l" refFor="ch" refForName="ThreeConn_2-3"/>
+          <dgm:constr type="t" for="ch" forName="ThreeNodes_3_text" refType="t" refFor="ch" refForName="ThreeNodes_3"/>
+          <dgm:constr type="b" for="ch" forName="ThreeNodes_3_text" refType="b" refFor="ch" refForName="ThreeNodes_3"/>
+          <dgm:constr type="l" for="ch" forName="ThreeNodes_3_text" refType="l" refFor="ch" refForName="ThreeNodes_3"/>
+          <dgm:constr type="w" for="ch" forName="FourNodes_1" refType="w" fact="0.8"/>
+          <dgm:constr type="h" for="ch" forName="FourNodes_1" refType="h" fact="0.22"/>
+          <dgm:constr type="t" for="ch" forName="FourNodes_1"/>
+          <dgm:constr type="l" for="ch" forName="FourNodes_1"/>
+          <dgm:constr type="w" for="ch" forName="FourNodes_2" refType="w" fact="0.8"/>
+          <dgm:constr type="h" for="ch" forName="FourNodes_2" refType="h" fact="0.22"/>
+          <dgm:constr type="ctrY" for="ch" forName="FourNodes_2" refType="h" fact="0.37"/>
+          <dgm:constr type="ctrX" for="ch" forName="FourNodes_2" refType="w" fact="0.467"/>
+          <dgm:constr type="w" for="ch" forName="FourNodes_3" refType="w" fact="0.8"/>
+          <dgm:constr type="h" for="ch" forName="FourNodes_3" refType="h" fact="0.22"/>
+          <dgm:constr type="ctrY" for="ch" forName="FourNodes_3" refType="h" fact="0.63"/>
+          <dgm:constr type="ctrX" for="ch" forName="FourNodes_3" refType="w" fact="0.533"/>
+          <dgm:constr type="w" for="ch" forName="FourNodes_4" refType="w" fact="0.8"/>
+          <dgm:constr type="h" for="ch" forName="FourNodes_4" refType="h" fact="0.22"/>
+          <dgm:constr type="b" for="ch" forName="FourNodes_4" refType="h"/>
+          <dgm:constr type="r" for="ch" forName="FourNodes_4" refType="w"/>
+          <dgm:constr type="w" for="ch" forName="FourConn_1-2" refType="h" refFor="ch" refForName="FourNodes_1" fact="0.65"/>
+          <dgm:constr type="h" for="ch" forName="FourConn_1-2" refType="h" refFor="ch" refForName="FourNodes_1" fact="0.65"/>
+          <dgm:constr type="ctrY" for="ch" forName="FourConn_1-2" refType="h" fact="0.24"/>
+          <dgm:constr type="r" for="ch" forName="FourConn_1-2" refType="r" refFor="ch" refForName="FourNodes_1"/>
+          <dgm:constr type="w" for="ch" forName="FourConn_2-3" refType="h" refFor="ch" refForName="FourNodes_2" fact="0.65"/>
+          <dgm:constr type="h" for="ch" forName="FourConn_2-3" refType="h" refFor="ch" refForName="FourNodes_2" fact="0.65"/>
+          <dgm:constr type="ctrY" for="ch" forName="FourConn_2-3" refType="h" fact="0.5"/>
+          <dgm:constr type="r" for="ch" forName="FourConn_2-3" refType="r" refFor="ch" refForName="FourNodes_2"/>
+          <dgm:constr type="w" for="ch" forName="FourConn_3-4" refType="h" refFor="ch" refForName="FourNodes_3" fact="0.65"/>
+          <dgm:constr type="h" for="ch" forName="FourConn_3-4" refType="h" refFor="ch" refForName="FourNodes_3" fact="0.65"/>
+          <dgm:constr type="ctrY" for="ch" forName="FourConn_3-4" refType="h" fact="0.76"/>
+          <dgm:constr type="r" for="ch" forName="FourConn_3-4" refType="r" refFor="ch" refForName="FourNodes_3"/>
+          <dgm:constr type="r" for="ch" forName="FourNodes_1_text" refType="l" refFor="ch" refForName="FourConn_1-2"/>
+          <dgm:constr type="rOff" for="ch" forName="FourNodes_1_text" refType="w" refFor="ch" refForName="FourConn_1-2" fact="-0.7"/>
+          <dgm:constr type="t" for="ch" forName="FourNodes_1_text" refType="t" refFor="ch" refForName="FourNodes_1"/>
+          <dgm:constr type="b" for="ch" forName="FourNodes_1_text" refType="b" refFor="ch" refForName="FourNodes_1"/>
+          <dgm:constr type="l" for="ch" forName="FourNodes_1_text" refType="l" refFor="ch" refForName="FourNodes_1"/>
+          <dgm:constr type="r" for="ch" forName="FourNodes_2_text" refType="l" refFor="ch" refForName="FourConn_1-2"/>
+          <dgm:constr type="t" for="ch" forName="FourNodes_2_text" refType="t" refFor="ch" refForName="FourNodes_2"/>
+          <dgm:constr type="b" for="ch" forName="FourNodes_2_text" refType="b" refFor="ch" refForName="FourNodes_2"/>
+          <dgm:constr type="l" for="ch" forName="FourNodes_2_text" refType="l" refFor="ch" refForName="FourNodes_2"/>
+          <dgm:constr type="r" for="ch" forName="FourNodes_3_text" refType="l" refFor="ch" refForName="FourConn_2-3"/>
+          <dgm:constr type="t" for="ch" forName="FourNodes_3_text" refType="t" refFor="ch" refForName="FourNodes_3"/>
+          <dgm:constr type="b" for="ch" forName="FourNodes_3_text" refType="b" refFor="ch" refForName="FourNodes_3"/>
+          <dgm:constr type="l" for="ch" forName="FourNodes_3_text" refType="l" refFor="ch" refForName="FourNodes_3"/>
+          <dgm:constr type="r" for="ch" forName="FourNodes_4_text" refType="l" refFor="ch" refForName="FourConn_3-4"/>
+          <dgm:constr type="t" for="ch" forName="FourNodes_4_text" refType="t" refFor="ch" refForName="FourNodes_4"/>
+          <dgm:constr type="b" for="ch" forName="FourNodes_4_text" refType="b" refFor="ch" refForName="FourNodes_4"/>
+          <dgm:constr type="l" for="ch" forName="FourNodes_4_text" refType="l" refFor="ch" refForName="FourNodes_4"/>
+          <dgm:constr type="w" for="ch" forName="FiveNodes_1" refType="w" fact="0.77"/>
+          <dgm:constr type="h" for="ch" forName="FiveNodes_1" refType="h" fact="0.18"/>
+          <dgm:constr type="t" for="ch" forName="FiveNodes_1"/>
+          <dgm:constr type="l" for="ch" forName="FiveNodes_1"/>
+          <dgm:constr type="w" for="ch" forName="FiveNodes_2" refType="w" fact="0.77"/>
+          <dgm:constr type="h" for="ch" forName="FiveNodes_2" refType="h" fact="0.18"/>
+          <dgm:constr type="ctrY" for="ch" forName="FiveNodes_2" refType="h" fact="0.295"/>
+          <dgm:constr type="ctrX" for="ch" forName="FiveNodes_2" refType="w" fact="0.4425"/>
+          <dgm:constr type="w" for="ch" forName="FiveNodes_3" refType="w" fact="0.77"/>
+          <dgm:constr type="h" for="ch" forName="FiveNodes_3" refType="h" fact="0.18"/>
+          <dgm:constr type="ctrY" for="ch" forName="FiveNodes_3" refType="h" fact="0.5"/>
+          <dgm:constr type="ctrX" for="ch" forName="FiveNodes_3" refType="w" fact="0.5"/>
+          <dgm:constr type="w" for="ch" forName="FiveNodes_4" refType="w" fact="0.77"/>
+          <dgm:constr type="h" for="ch" forName="FiveNodes_4" refType="h" fact="0.18"/>
+          <dgm:constr type="ctrY" for="ch" forName="FiveNodes_4" refType="h" fact="0.705"/>
+          <dgm:constr type="ctrX" for="ch" forName="FiveNodes_4" refType="w" fact="0.5575"/>
+          <dgm:constr type="w" for="ch" forName="FiveNodes_5" refType="w" fact="0.77"/>
+          <dgm:constr type="h" for="ch" forName="FiveNodes_5" refType="h" fact="0.18"/>
+          <dgm:constr type="b" for="ch" forName="FiveNodes_5" refType="h"/>
+          <dgm:constr type="r" for="ch" forName="FiveNodes_5" refType="w"/>
+          <dgm:constr type="w" for="ch" forName="FiveConn_1-2" refType="h" refFor="ch" refForName="FiveNodes_1" fact="0.65"/>
+          <dgm:constr type="h" for="ch" forName="FiveConn_1-2" refType="h" refFor="ch" refForName="FiveNodes_1" fact="0.65"/>
+          <dgm:constr type="ctrY" for="ch" forName="FiveConn_1-2" refType="h" fact="0.19"/>
+          <dgm:constr type="r" for="ch" forName="FiveConn_1-2" refType="r" refFor="ch" refForName="FiveNodes_1"/>
+          <dgm:constr type="w" for="ch" forName="FiveConn_2-3" refType="h" refFor="ch" refForName="FiveNodes_2" fact="0.65"/>
+          <dgm:constr type="h" for="ch" forName="FiveConn_2-3" refType="h" refFor="ch" refForName="FiveNodes_2" fact="0.65"/>
+          <dgm:constr type="ctrY" for="ch" forName="FiveConn_2-3" refType="h" fact="0.395"/>
+          <dgm:constr type="r" for="ch" forName="FiveConn_2-3" refType="r" refFor="ch" refForName="FiveNodes_2"/>
+          <dgm:constr type="w" for="ch" forName="FiveConn_3-4" refType="h" refFor="ch" refForName="FiveNodes_3" fact="0.65"/>
+          <dgm:constr type="h" for="ch" forName="FiveConn_3-4" refType="h" refFor="ch" refForName="FiveNodes_3" fact="0.65"/>
+          <dgm:constr type="ctrY" for="ch" forName="FiveConn_3-4" refType="h" fact="0.597"/>
+          <dgm:constr type="r" for="ch" forName="FiveConn_3-4" refType="r" refFor="ch" refForName="FiveNodes_3"/>
+          <dgm:constr type="w" for="ch" forName="FiveConn_4-5" refType="h" refFor="ch" refForName="FiveNodes_4" fact="0.65"/>
+          <dgm:constr type="h" for="ch" forName="FiveConn_4-5" refType="h" refFor="ch" refForName="FiveNodes_4" fact="0.65"/>
+          <dgm:constr type="ctrY" for="ch" forName="FiveConn_4-5" refType="h" fact="0.804"/>
+          <dgm:constr type="r" for="ch" forName="FiveConn_4-5" refType="r" refFor="ch" refForName="FiveNodes_4"/>
+          <dgm:constr type="r" for="ch" forName="FiveNodes_1_text" refType="l" refFor="ch" refForName="FiveConn_1-2"/>
+          <dgm:constr type="rOff" for="ch" forName="FiveNodes_1_text" refType="w" refFor="ch" refForName="FiveConn_1-2" fact="-0.75"/>
+          <dgm:constr type="t" for="ch" forName="FiveNodes_1_text" refType="t" refFor="ch" refForName="FiveNodes_1"/>
+          <dgm:constr type="b" for="ch" forName="FiveNodes_1_text" refType="b" refFor="ch" refForName="FiveNodes_1"/>
+          <dgm:constr type="l" for="ch" forName="FiveNodes_1_text" refType="l" refFor="ch" refForName="FiveNodes_1"/>
+          <dgm:constr type="r" for="ch" forName="FiveNodes_2_text" refType="l" refFor="ch" refForName="FiveConn_1-2"/>
+          <dgm:constr type="t" for="ch" forName="FiveNodes_2_text" refType="t" refFor="ch" refForName="FiveNodes_2"/>
+          <dgm:constr type="b" for="ch" forName="FiveNodes_2_text" refType="b" refFor="ch" refForName="FiveNodes_2"/>
+          <dgm:constr type="l" for="ch" forName="FiveNodes_2_text" refType="l" refFor="ch" refForName="FiveNodes_2"/>
+          <dgm:constr type="r" for="ch" forName="FiveNodes_3_text" refType="l" refFor="ch" refForName="FiveConn_2-3"/>
+          <dgm:constr type="t" for="ch" forName="FiveNodes_3_text" refType="t" refFor="ch" refForName="FiveNodes_3"/>
+          <dgm:constr type="b" for="ch" forName="FiveNodes_3_text" refType="b" refFor="ch" refForName="FiveNodes_3"/>
+          <dgm:constr type="l" for="ch" forName="FiveNodes_3_text" refType="l" refFor="ch" refForName="FiveNodes_3"/>
+          <dgm:constr type="r" for="ch" forName="FiveNodes_4_text" refType="l" refFor="ch" refForName="FiveConn_3-4"/>
+          <dgm:constr type="t" for="ch" forName="FiveNodes_4_text" refType="t" refFor="ch" refForName="FiveNodes_4"/>
+          <dgm:constr type="b" for="ch" forName="FiveNodes_4_text" refType="b" refFor="ch" refForName="FiveNodes_4"/>
+          <dgm:constr type="l" for="ch" forName="FiveNodes_4_text" refType="l" refFor="ch" refForName="FiveNodes_4"/>
+          <dgm:constr type="r" for="ch" forName="FiveNodes_5_text" refType="l" refFor="ch" refForName="FiveConn_4-5"/>
+          <dgm:constr type="t" for="ch" forName="FiveNodes_5_text" refType="t" refFor="ch" refForName="FiveNodes_5"/>
+          <dgm:constr type="b" for="ch" forName="FiveNodes_5_text" refType="b" refFor="ch" refForName="FiveNodes_5"/>
+          <dgm:constr type="l" for="ch" forName="FiveNodes_5_text" refType="l" refFor="ch" refForName="FiveNodes_5"/>
+        </dgm:constrLst>
+      </dgm:if>
+      <dgm:else name="Name2">
+        <dgm:constrLst>
+          <dgm:constr type="primFontSz" for="ch" ptType="node" op="equ" val="65"/>
+          <dgm:constr type="w" for="ch" forName="dummyMaxCanvas" refType="w"/>
+          <dgm:constr type="h" for="ch" forName="dummyMaxCanvas" refType="h"/>
+          <dgm:constr type="w" for="ch" forName="OneNode_1" refType="w"/>
+          <dgm:constr type="h" for="ch" forName="OneNode_1" refType="h" fact="0.5"/>
+          <dgm:constr type="ctrY" for="ch" forName="OneNode_1" refType="h" fact="0.5"/>
+          <dgm:constr type="w" for="ch" forName="TwoNodes_1" refType="w" fact="0.85"/>
+          <dgm:constr type="h" for="ch" forName="TwoNodes_1" refType="h" fact="0.45"/>
+          <dgm:constr type="t" for="ch" forName="TwoNodes_1"/>
+          <dgm:constr type="r" for="ch" forName="TwoNodes_1" refType="w"/>
+          <dgm:constr type="w" for="ch" forName="TwoNodes_2" refType="w" fact="0.85"/>
+          <dgm:constr type="h" for="ch" forName="TwoNodes_2" refType="h" fact="0.45"/>
+          <dgm:constr type="b" for="ch" forName="TwoNodes_2" refType="h"/>
+          <dgm:constr type="l" for="ch" forName="TwoNodes_2"/>
+          <dgm:constr type="w" for="ch" forName="TwoConn_1-2" refType="h" refFor="ch" refForName="TwoNodes_1" fact="0.65"/>
+          <dgm:constr type="h" for="ch" forName="TwoConn_1-2" refType="h" refFor="ch" refForName="TwoNodes_1" fact="0.65"/>
+          <dgm:constr type="ctrY" for="ch" forName="TwoConn_1-2" refType="h" fact="0.5"/>
+          <dgm:constr type="l" for="ch" forName="TwoConn_1-2" refType="l" refFor="ch" refForName="TwoNodes_1"/>
+          <dgm:constr type="l" for="ch" forName="TwoNodes_1_text" refType="r" refFor="ch" refForName="TwoConn_1-2"/>
+          <dgm:constr type="lOff" for="ch" forName="TwoNodes_1_text" refType="w" refFor="ch" refForName="TwoConn_1-2" fact="0.5"/>
+          <dgm:constr type="t" for="ch" forName="TwoNodes_1_text" refType="t" refFor="ch" refForName="TwoNodes_1"/>
+          <dgm:constr type="b" for="ch" forName="TwoNodes_1_text" refType="b" refFor="ch" refForName="TwoNodes_1"/>
+          <dgm:constr type="r" for="ch" forName="TwoNodes_1_text" refType="r" refFor="ch" refForName="TwoNodes_1"/>
+          <dgm:constr type="l" for="ch" forName="TwoNodes_2_text" refType="r" refFor="ch" refForName="TwoConn_1-2"/>
+          <dgm:constr type="t" for="ch" forName="TwoNodes_2_text" refType="t" refFor="ch" refForName="TwoNodes_2"/>
+          <dgm:constr type="b" for="ch" forName="TwoNodes_2_text" refType="b" refFor="ch" refForName="TwoNodes_2"/>
+          <dgm:constr type="r" for="ch" forName="TwoNodes_2_text" refType="r" refFor="ch" refForName="TwoNodes_2"/>
+          <dgm:constr type="w" for="ch" forName="ThreeNodes_1" refType="w" fact="0.85"/>
+          <dgm:constr type="h" for="ch" forName="ThreeNodes_1" refType="h" fact="0.3"/>
+          <dgm:constr type="t" for="ch" forName="ThreeNodes_1"/>
+          <dgm:constr type="r" for="ch" forName="ThreeNodes_1" refType="w"/>
+          <dgm:constr type="w" for="ch" forName="ThreeNodes_2" refType="w" fact="0.85"/>
+          <dgm:constr type="h" for="ch" forName="ThreeNodes_2" refType="h" fact="0.3"/>
+          <dgm:constr type="ctrY" for="ch" forName="ThreeNodes_2" refType="h" fact="0.5"/>
+          <dgm:constr type="ctrX" for="ch" forName="ThreeNodes_2" refType="w" fact="0.5"/>
+          <dgm:constr type="w" for="ch" forName="ThreeNodes_3" refType="w" fact="0.85"/>
+          <dgm:constr type="h" for="ch" forName="ThreeNodes_3" refType="h" fact="0.3"/>
+          <dgm:constr type="b" for="ch" forName="ThreeNodes_3" refType="h"/>
+          <dgm:constr type="l" for="ch" forName="ThreeNodes_3"/>
+          <dgm:constr type="w" for="ch" forName="ThreeConn_1-2" refType="h" refFor="ch" refForName="ThreeNodes_1" fact="0.65"/>
+          <dgm:constr type="h" for="ch" forName="ThreeConn_1-2" refType="h" refFor="ch" refForName="ThreeNodes_1" fact="0.65"/>
+          <dgm:constr type="ctrY" for="ch" forName="ThreeConn_1-2" refType="h" fact="0.325"/>
+          <dgm:constr type="l" for="ch" forName="ThreeConn_1-2" refType="l" refFor="ch" refForName="ThreeNodes_1"/>
+          <dgm:constr type="w" for="ch" forName="ThreeConn_2-3" refType="h" refFor="ch" refForName="ThreeNodes_2" fact="0.65"/>
+          <dgm:constr type="h" for="ch" forName="ThreeConn_2-3" refType="h" refFor="ch" refForName="ThreeNodes_2" fact="0.65"/>
+          <dgm:constr type="ctrY" for="ch" forName="ThreeConn_2-3" refType="h" fact="0.673"/>
+          <dgm:constr type="l" for="ch" forName="ThreeConn_2-3" refType="l" refFor="ch" refForName="ThreeNodes_2"/>
+          <dgm:constr type="l" for="ch" forName="ThreeNodes_1_text" refType="r" refFor="ch" refForName="ThreeConn_1-2"/>
+          <dgm:constr type="lOff" for="ch" forName="ThreeNodes_1_text" refType="w" refFor="ch" refForName="ThreeConn_1-2" fact="0.55"/>
+          <dgm:constr type="t" for="ch" forName="ThreeNodes_1_text" refType="t" refFor="ch" refForName="ThreeNodes_1"/>
+          <dgm:constr type="b" for="ch" forName="ThreeNodes_1_text" refType="b" refFor="ch" refForName="ThreeNodes_1"/>
+          <dgm:constr type="r" for="ch" forName="ThreeNodes_1_text" refType="r" refFor="ch" refForName="ThreeNodes_1"/>
+          <dgm:constr type="l" for="ch" forName="ThreeNodes_2_text" refType="r" refFor="ch" refForName="ThreeConn_1-2"/>
+          <dgm:constr type="t" for="ch" forName="ThreeNodes_2_text" refType="t" refFor="ch" refForName="ThreeNodes_2"/>
+          <dgm:constr type="b" for="ch" forName="ThreeNodes_2_text" refType="b" refFor="ch" refForName="ThreeNodes_2"/>
+          <dgm:constr type="r" for="ch" forName="ThreeNodes_2_text" refType="r" refFor="ch" refForName="ThreeNodes_2"/>
+          <dgm:constr type="l" for="ch" forName="ThreeNodes_3_text" refType="r" refFor="ch" refForName="ThreeConn_2-3"/>
+          <dgm:constr type="t" for="ch" forName="ThreeNodes_3_text" refType="t" refFor="ch" refForName="ThreeNodes_3"/>
+          <dgm:constr type="b" for="ch" forName="ThreeNodes_3_text" refType="b" refFor="ch" refForName="ThreeNodes_3"/>
+          <dgm:constr type="r" for="ch" forName="ThreeNodes_3_text" refType="r" refFor="ch" refForName="ThreeNodes_3"/>
+          <dgm:constr type="w" for="ch" forName="FourNodes_1" refType="w" fact="0.8"/>
+          <dgm:constr type="h" for="ch" forName="FourNodes_1" refType="h" fact="0.22"/>
+          <dgm:constr type="t" for="ch" forName="FourNodes_1"/>
+          <dgm:constr type="r" for="ch" forName="FourNodes_1" refType="w"/>
+          <dgm:constr type="w" for="ch" forName="FourNodes_2" refType="w" fact="0.8"/>
+          <dgm:constr type="h" for="ch" forName="FourNodes_2" refType="h" fact="0.22"/>
+          <dgm:constr type="ctrY" for="ch" forName="FourNodes_2" refType="h" fact="0.37"/>
+          <dgm:constr type="ctrX" for="ch" forName="FourNodes_2" refType="w" fact="0.533"/>
+          <dgm:constr type="w" for="ch" forName="FourNodes_3" refType="w" fact="0.8"/>
+          <dgm:constr type="h" for="ch" forName="FourNodes_3" refType="h" fact="0.22"/>
+          <dgm:constr type="ctrY" for="ch" forName="FourNodes_3" refType="h" fact="0.63"/>
+          <dgm:constr type="ctrX" for="ch" forName="FourNodes_3" refType="w" fact="0.467"/>
+          <dgm:constr type="w" for="ch" forName="FourNodes_4" refType="w" fact="0.8"/>
+          <dgm:constr type="h" for="ch" forName="FourNodes_4" refType="h" fact="0.22"/>
+          <dgm:constr type="b" for="ch" forName="FourNodes_4" refType="h"/>
+          <dgm:constr type="l" for="ch" forName="FourNodes_4"/>
+          <dgm:constr type="w" for="ch" forName="FourConn_1-2" refType="h" refFor="ch" refForName="FourNodes_1" fact="0.65"/>
+          <dgm:constr type="h" for="ch" forName="FourConn_1-2" refType="h" refFor="ch" refForName="FourNodes_1" fact="0.65"/>
+          <dgm:constr type="ctrY" for="ch" forName="FourConn_1-2" refType="h" fact="0.24"/>
+          <dgm:constr type="l" for="ch" forName="FourConn_1-2" refType="l" refFor="ch" refForName="FourNodes_1"/>
+          <dgm:constr type="w" for="ch" forName="FourConn_2-3" refType="h" refFor="ch" refForName="FourNodes_2" fact="0.65"/>
+          <dgm:constr type="h" for="ch" forName="FourConn_2-3" refType="h" refFor="ch" refForName="FourNodes_2" fact="0.65"/>
+          <dgm:constr type="ctrY" for="ch" forName="FourConn_2-3" refType="h" fact="0.5"/>
+          <dgm:constr type="l" for="ch" forName="FourConn_2-3" refType="l" refFor="ch" refForName="FourNodes_2"/>
+          <dgm:constr type="w" for="ch" forName="FourConn_3-4" refType="h" refFor="ch" refForName="FourNodes_3" fact="0.65"/>
+          <dgm:constr type="h" for="ch" forName="FourConn_3-4" refType="h" refFor="ch" refForName="FourNodes_3" fact="0.65"/>
+          <dgm:constr type="ctrY" for="ch" forName="FourConn_3-4" refType="h" fact="0.76"/>
+          <dgm:constr type="l" for="ch" forName="FourConn_3-4" refType="l" refFor="ch" refForName="FourNodes_3"/>
+          <dgm:constr type="l" for="ch" forName="FourNodes_1_text" refType="r" refFor="ch" refForName="FourConn_1-2"/>
+          <dgm:constr type="lOff" for="ch" forName="FourNodes_1_text" refType="w" refFor="ch" refForName="FourConn_1-2" fact="0.69"/>
+          <dgm:constr type="t" for="ch" forName="FourNodes_1_text" refType="t" refFor="ch" refForName="FourNodes_1"/>
+          <dgm:constr type="b" for="ch" forName="FourNodes_1_text" refType="b" refFor="ch" refForName="FourNodes_1"/>
+          <dgm:constr type="r" for="ch" forName="FourNodes_1_text" refType="r" refFor="ch" refForName="FourNodes_1"/>
+          <dgm:constr type="l" for="ch" forName="FourNodes_2_text" refType="r" refFor="ch" refForName="FourConn_1-2"/>
+          <dgm:constr type="t" for="ch" forName="FourNodes_2_text" refType="t" refFor="ch" refForName="FourNodes_2"/>
+          <dgm:constr type="b" for="ch" forName="FourNodes_2_text" refType="b" refFor="ch" refForName="FourNodes_2"/>
+          <dgm:constr type="r" for="ch" forName="FourNodes_2_text" refType="r" refFor="ch" refForName="FourNodes_2"/>
+          <dgm:constr type="l" for="ch" forName="FourNodes_3_text" refType="r" refFor="ch" refForName="FourConn_2-3"/>
+          <dgm:constr type="t" for="ch" forName="FourNodes_3_text" refType="t" refFor="ch" refForName="FourNodes_3"/>
+          <dgm:constr type="b" for="ch" forName="FourNodes_3_text" refType="b" refFor="ch" refForName="FourNodes_3"/>
+          <dgm:constr type="r" for="ch" forName="FourNodes_3_text" refType="r" refFor="ch" refForName="FourNodes_3"/>
+          <dgm:constr type="l" for="ch" forName="FourNodes_4_text" refType="r" refFor="ch" refForName="FourConn_3-4"/>
+          <dgm:constr type="t" for="ch" forName="FourNodes_4_text" refType="t" refFor="ch" refForName="FourNodes_4"/>
+          <dgm:constr type="b" for="ch" forName="FourNodes_4_text" refType="b" refFor="ch" refForName="FourNodes_4"/>
+          <dgm:constr type="r" for="ch" forName="FourNodes_4_text" refType="r" refFor="ch" refForName="FourNodes_4"/>
+          <dgm:constr type="w" for="ch" forName="FiveNodes_1" refType="w" fact="0.77"/>
+          <dgm:constr type="h" for="ch" forName="FiveNodes_1" refType="h" fact="0.18"/>
+          <dgm:constr type="t" for="ch" forName="FiveNodes_1"/>
+          <dgm:constr type="r" for="ch" forName="FiveNodes_1" refType="w"/>
+          <dgm:constr type="w" for="ch" forName="FiveNodes_2" refType="w" fact="0.77"/>
+          <dgm:constr type="h" for="ch" forName="FiveNodes_2" refType="h" fact="0.18"/>
+          <dgm:constr type="ctrY" for="ch" forName="FiveNodes_2" refType="h" fact="0.295"/>
+          <dgm:constr type="ctrX" for="ch" forName="FiveNodes_2" refType="w" fact="0.5575"/>
+          <dgm:constr type="w" for="ch" forName="FiveNodes_3" refType="w" fact="0.77"/>
+          <dgm:constr type="h" for="ch" forName="FiveNodes_3" refType="h" fact="0.18"/>
+          <dgm:constr type="ctrY" for="ch" forName="FiveNodes_3" refType="h" fact="0.5"/>
+          <dgm:constr type="ctrX" for="ch" forName="FiveNodes_3" refType="w" fact="0.5"/>
+          <dgm:constr type="w" for="ch" forName="FiveNodes_4" refType="w" fact="0.77"/>
+          <dgm:constr type="h" for="ch" forName="FiveNodes_4" refType="h" fact="0.18"/>
+          <dgm:constr type="ctrY" for="ch" forName="FiveNodes_4" refType="h" fact="0.705"/>
+          <dgm:constr type="ctrX" for="ch" forName="FiveNodes_4" refType="w" fact="0.4425"/>
+          <dgm:constr type="w" for="ch" forName="FiveNodes_5" refType="w" fact="0.77"/>
+          <dgm:constr type="h" for="ch" forName="FiveNodes_5" refType="h" fact="0.18"/>
+          <dgm:constr type="b" for="ch" forName="FiveNodes_5" refType="h"/>
+          <dgm:constr type="l" for="ch" forName="FiveNodes_5"/>
+          <dgm:constr type="w" for="ch" forName="FiveConn_1-2" refType="h" refFor="ch" refForName="FiveNodes_1" fact="0.65"/>
+          <dgm:constr type="h" for="ch" forName="FiveConn_1-2" refType="h" refFor="ch" refForName="FiveNodes_1" fact="0.65"/>
+          <dgm:constr type="ctrY" for="ch" forName="FiveConn_1-2" refType="h" fact="0.19"/>
+          <dgm:constr type="l" for="ch" forName="FiveConn_1-2" refType="l" refFor="ch" refForName="FiveNodes_1"/>
+          <dgm:constr type="w" for="ch" forName="FiveConn_2-3" refType="h" refFor="ch" refForName="FiveNodes_2" fact="0.65"/>
+          <dgm:constr type="h" for="ch" forName="FiveConn_2-3" refType="h" refFor="ch" refForName="FiveNodes_2" fact="0.65"/>
+          <dgm:constr type="ctrY" for="ch" forName="FiveConn_2-3" refType="h" fact="0.395"/>
+          <dgm:constr type="l" for="ch" forName="FiveConn_2-3" refType="l" refFor="ch" refForName="FiveNodes_2"/>
+          <dgm:constr type="w" for="ch" forName="FiveConn_3-4" refType="h" refFor="ch" refForName="FiveNodes_3" fact="0.65"/>
+          <dgm:constr type="h" for="ch" forName="FiveConn_3-4" refType="h" refFor="ch" refForName="FiveNodes_3" fact="0.65"/>
+          <dgm:constr type="ctrY" for="ch" forName="FiveConn_3-4" refType="h" fact="0.597"/>
+          <dgm:constr type="l" for="ch" forName="FiveConn_3-4" refType="l" refFor="ch" refForName="FiveNodes_3"/>
+          <dgm:constr type="w" for="ch" forName="FiveConn_4-5" refType="h" refFor="ch" refForName="FiveNodes_4" fact="0.65"/>
+          <dgm:constr type="h" for="ch" forName="FiveConn_4-5" refType="h" refFor="ch" refForName="FiveNodes_4" fact="0.65"/>
+          <dgm:constr type="ctrY" for="ch" forName="FiveConn_4-5" refType="h" fact="0.804"/>
+          <dgm:constr type="l" for="ch" forName="FiveConn_4-5" refType="l" refFor="ch" refForName="FiveNodes_4"/>
+          <dgm:constr type="l" for="ch" forName="FiveNodes_1_text" refType="r" refFor="ch" refForName="FiveConn_1-2"/>
+          <dgm:constr type="lOff" for="ch" forName="FiveNodes_1_text" refType="w" refFor="ch" refForName="FiveConn_1-2" fact="0.73"/>
+          <dgm:constr type="t" for="ch" forName="FiveNodes_1_text" refType="t" refFor="ch" refForName="FiveNodes_1"/>
+          <dgm:constr type="b" for="ch" forName="FiveNodes_1_text" refType="b" refFor="ch" refForName="FiveNodes_1"/>
+          <dgm:constr type="r" for="ch" forName="FiveNodes_1_text" refType="r" refFor="ch" refForName="FiveNodes_1"/>
+          <dgm:constr type="l" for="ch" forName="FiveNodes_2_text" refType="r" refFor="ch" refForName="FiveConn_1-2"/>
+          <dgm:constr type="t" for="ch" forName="FiveNodes_2_text" refType="t" refFor="ch" refForName="FiveNodes_2"/>
+          <dgm:constr type="b" for="ch" forName="FiveNodes_2_text" refType="b" refFor="ch" refForName="FiveNodes_2"/>
+          <dgm:constr type="r" for="ch" forName="FiveNodes_2_text" refType="r" refFor="ch" refForName="FiveNodes_2"/>
+          <dgm:constr type="l" for="ch" forName="FiveNodes_3_text" refType="r" refFor="ch" refForName="FiveConn_2-3"/>
+          <dgm:constr type="t" for="ch" forName="FiveNodes_3_text" refType="t" refFor="ch" refForName="FiveNodes_3"/>
+          <dgm:constr type="b" for="ch" forName="FiveNodes_3_text" refType="b" refFor="ch" refForName="FiveNodes_3"/>
+          <dgm:constr type="r" for="ch" forName="FiveNodes_3_text" refType="r" refFor="ch" refForName="FiveNodes_3"/>
+          <dgm:constr type="l" for="ch" forName="FiveNodes_4_text" refType="r" refFor="ch" refForName="FiveConn_3-4"/>
+          <dgm:constr type="t" for="ch" forName="FiveNodes_4_text" refType="t" refFor="ch" refForName="FiveNodes_4"/>
+          <dgm:constr type="b" for="ch" forName="FiveNodes_4_text" refType="b" refFor="ch" refForName="FiveNodes_4"/>
+          <dgm:constr type="r" for="ch" forName="FiveNodes_4_text" refType="r" refFor="ch" refForName="FiveNodes_4"/>
+          <dgm:constr type="l" for="ch" forName="FiveNodes_5_text" refType="r" refFor="ch" refForName="FiveConn_4-5"/>
+          <dgm:constr type="t" for="ch" forName="FiveNodes_5_text" refType="t" refFor="ch" refForName="FiveNodes_5"/>
+          <dgm:constr type="b" for="ch" forName="FiveNodes_5_text" refType="b" refFor="ch" refForName="FiveNodes_5"/>
+          <dgm:constr type="r" for="ch" forName="FiveNodes_5_text" refType="r" refFor="ch" refForName="FiveNodes_5"/>
+        </dgm:constrLst>
+      </dgm:else>
+    </dgm:choose>
+    <dgm:ruleLst/>
+    <dgm:layoutNode name="dummyMaxCanvas">
+      <dgm:varLst/>
+      <dgm:alg type="sp"/>
+      <dgm:shape xmlns:r="http://schemas.openxmlformats.org/officeDocument/2006/relationships" r:blip="">
+        <dgm:adjLst/>
+      </dgm:shape>
+      <dgm:presOf/>
+      <dgm:constrLst/>
+      <dgm:ruleLst/>
+    </dgm:layoutNode>
+    <dgm:choose name="Name3">
+      <dgm:if name="Name4" axis="ch" ptType="node" func="cnt" op="equ" val="1">
+        <dgm:layoutNode name="OneNode_1">
+          <dgm:varLst>
+            <dgm:bulletEnabled val="1"/>
+          </dgm:varLst>
+          <dgm:alg type="tx"/>
+          <dgm:shape xmlns:r="http://schemas.openxmlformats.org/officeDocument/2006/relationships" type="roundRect" r:blip="">
+            <dgm:adjLst>
+              <dgm:adj idx="1" val="0.1"/>
+            </dgm:adjLst>
+          </dgm:shape>
+          <dgm:presOf axis="ch desOrSelf" ptType="node node" st="1 1" cnt="1 0"/>
+          <dgm:constrLst>
+            <dgm:constr type="lMarg" refType="primFontSz" fact="0.3"/>
+            <dgm:constr type="rMarg" refType="primFontSz" fact="0.3"/>
+            <dgm:constr type="tMarg" refType="primFontSz" fact="0.3"/>
+            <dgm:constr type="bMarg" refType="primFontSz" fact="0.3"/>
+          </dgm:constrLst>
+          <dgm:ruleLst>
+            <dgm:rule type="primFontSz" val="5" fact="NaN" max="NaN"/>
+          </dgm:ruleLst>
+        </dgm:layoutNode>
+      </dgm:if>
+      <dgm:else name="Name5">
+        <dgm:choose name="Name6">
+          <dgm:if name="Name7" axis="ch" ptType="node" func="cnt" op="equ" val="2">
+            <dgm:layoutNode name="TwoNodes_1">
+              <dgm:varLst>
+                <dgm:bulletEnabled val="1"/>
+              </dgm:varLst>
+              <dgm:alg type="sp"/>
+              <dgm:shape xmlns:r="http://schemas.openxmlformats.org/officeDocument/2006/relationships" type="roundRect" r:blip="">
+                <dgm:adjLst>
+                  <dgm:adj idx="1" val="0.1"/>
+                </dgm:adjLst>
+              </dgm:shape>
+              <dgm:presOf axis="ch desOrSelf" ptType="node node" st="1 1" cnt="1 0"/>
+              <dgm:constrLst/>
+              <dgm:ruleLst/>
+            </dgm:layoutNode>
+            <dgm:layoutNode name="TwoNodes_2">
+              <dgm:varLst>
+                <dgm:bulletEnabled val="1"/>
+              </dgm:varLst>
+              <dgm:alg type="sp"/>
+              <dgm:shape xmlns:r="http://schemas.openxmlformats.org/officeDocument/2006/relationships" type="roundRect" r:blip="">
+                <dgm:adjLst>
+                  <dgm:adj idx="1" val="0.1"/>
+                </dgm:adjLst>
+              </dgm:shape>
+              <dgm:presOf axis="ch desOrSelf" ptType="node node" st="2 1" cnt="1 0"/>
+              <dgm:constrLst/>
+              <dgm:ruleLst/>
+            </dgm:layoutNode>
+            <dgm:layoutNode name="TwoConn_1-2" styleLbl="fgAccFollowNode1">
+              <dgm:varLst>
+                <dgm:bulletEnabled val="1"/>
+              </dgm:varLst>
+              <dgm:alg type="tx"/>
+              <dgm:shape xmlns:r="http://schemas.openxmlformats.org/officeDocument/2006/relationships" type="downArrow" r:blip="">
+                <dgm:adjLst>
+                  <dgm:adj idx="1" val="0.55"/>
+                  <dgm:adj idx="2" val="0.45"/>
+                </dgm:adjLst>
+              </dgm:shape>
+              <dgm:presOf axis="ch" ptType="sibTrans" cnt="1"/>
+              <dgm:constrLst>
+                <dgm:constr type="lMarg" refType="primFontSz" fact="0.1"/>
+                <dgm:constr type="rMarg" refType="primFontSz" fact="0.1"/>
+                <dgm:constr type="tMarg" refType="primFontSz" fact="0.1"/>
+                <dgm:constr type="bMarg" refType="primFontSz" fact="0.1"/>
+              </dgm:constrLst>
+              <dgm:ruleLst>
+                <dgm:rule type="primFontSz" val="5" fact="NaN" max="NaN"/>
+              </dgm:ruleLst>
+            </dgm:layoutNode>
+            <dgm:layoutNode name="TwoNodes_1_text">
+              <dgm:varLst>
+                <dgm:bulletEnabled val="1"/>
+              </dgm:varLst>
+              <dgm:alg type="tx">
+                <dgm:param type="parTxLTRAlign" val="l"/>
+                <dgm:param type="txAnchorVertCh" val="mid"/>
+              </dgm:alg>
+              <dgm:shape xmlns:r="http://schemas.openxmlformats.org/officeDocument/2006/relationships" type="roundRect" r:blip="" hideGeom="1">
+                <dgm:adjLst>
+                  <dgm:adj idx="1" val="0.1"/>
+                </dgm:adjLst>
+              </dgm:shape>
+              <dgm:presOf axis="ch desOrSelf" ptType="node node" st="1 1" cnt="1 0"/>
+              <dgm:constrLst>
+                <dgm:constr type="lMarg" refType="primFontSz" fact="0.3"/>
+                <dgm:constr type="rMarg" refType="primFontSz" fact="0.3"/>
+                <dgm:constr type="tMarg" refType="primFontSz" fact="0.3"/>
+                <dgm:constr type="bMarg" refType="primFontSz" fact="0.3"/>
+              </dgm:constrLst>
+              <dgm:ruleLst>
+                <dgm:rule type="primFontSz" val="5" fact="NaN" max="NaN"/>
+              </dgm:ruleLst>
+            </dgm:layoutNode>
+            <dgm:layoutNode name="TwoNodes_2_text">
+              <dgm:varLst>
+                <dgm:bulletEnabled val="1"/>
+              </dgm:varLst>
+              <dgm:alg type="tx">
+                <dgm:param type="parTxLTRAlign" val="l"/>
+                <dgm:param type="txAnchorVertCh" val="mid"/>
+              </dgm:alg>
+              <dgm:shape xmlns:r="http://schemas.openxmlformats.org/officeDocument/2006/relationships" type="roundRect" r:blip="" hideGeom="1">
+                <dgm:adjLst>
+                  <dgm:adj idx="1" val="0.1"/>
+                </dgm:adjLst>
+              </dgm:shape>
+              <dgm:presOf axis="ch desOrSelf" ptType="node node" st="2 1" cnt="1 0"/>
+              <dgm:constrLst>
+                <dgm:constr type="lMarg" refType="primFontSz" fact="0.3"/>
+                <dgm:constr type="rMarg" refType="primFontSz" fact="0.3"/>
+                <dgm:constr type="tMarg" refType="primFontSz" fact="0.3"/>
+                <dgm:constr type="bMarg" refType="primFontSz" fact="0.3"/>
+              </dgm:constrLst>
+              <dgm:ruleLst>
+                <dgm:rule type="primFontSz" val="5" fact="NaN" max="NaN"/>
+              </dgm:ruleLst>
+            </dgm:layoutNode>
+          </dgm:if>
+          <dgm:else name="Name8">
+            <dgm:choose name="Name9">
+              <dgm:if name="Name10" axis="ch" ptType="node" func="cnt" op="equ" val="3">
+                <dgm:layoutNode name="ThreeNodes_1">
+                  <dgm:varLst>
+                    <dgm:bulletEnabled val="1"/>
+                  </dgm:varLst>
+                  <dgm:alg type="sp"/>
+                  <dgm:shape xmlns:r="http://schemas.openxmlformats.org/officeDocument/2006/relationships" type="roundRect" r:blip="">
+                    <dgm:adjLst>
+                      <dgm:adj idx="1" val="0.1"/>
+                    </dgm:adjLst>
+                  </dgm:shape>
+                  <dgm:presOf axis="ch desOrSelf" ptType="node node" st="1 1" cnt="1 0"/>
+                  <dgm:constrLst/>
+                  <dgm:ruleLst/>
+                </dgm:layoutNode>
+                <dgm:layoutNode name="ThreeNodes_2">
+                  <dgm:varLst>
+                    <dgm:bulletEnabled val="1"/>
+                  </dgm:varLst>
+                  <dgm:alg type="sp"/>
+                  <dgm:shape xmlns:r="http://schemas.openxmlformats.org/officeDocument/2006/relationships" type="roundRect" r:blip="">
+                    <dgm:adjLst>
+                      <dgm:adj idx="1" val="0.1"/>
+                    </dgm:adjLst>
+                  </dgm:shape>
+                  <dgm:presOf axis="ch desOrSelf" ptType="node node" st="2 1" cnt="1 0"/>
+                  <dgm:constrLst/>
+                  <dgm:ruleLst/>
+                </dgm:layoutNode>
+                <dgm:layoutNode name="ThreeNodes_3">
+                  <dgm:varLst>
+                    <dgm:bulletEnabled val="1"/>
+                  </dgm:varLst>
+                  <dgm:alg type="sp"/>
+                  <dgm:shape xmlns:r="http://schemas.openxmlformats.org/officeDocument/2006/relationships" type="roundRect" r:blip="">
+                    <dgm:adjLst>
+                      <dgm:adj idx="1" val="0.1"/>
+                    </dgm:adjLst>
+                  </dgm:shape>
+                  <dgm:presOf axis="ch desOrSelf" ptType="node node" st="3 1" cnt="1 0"/>
+                  <dgm:constrLst/>
+                  <dgm:ruleLst/>
+                </dgm:layoutNode>
+                <dgm:layoutNode name="ThreeConn_1-2" styleLbl="fgAccFollowNode1">
+                  <dgm:varLst>
+                    <dgm:bulletEnabled val="1"/>
+                  </dgm:varLst>
+                  <dgm:alg type="tx"/>
+                  <dgm:shape xmlns:r="http://schemas.openxmlformats.org/officeDocument/2006/relationships" type="downArrow" r:blip="">
+                    <dgm:adjLst>
+                      <dgm:adj idx="1" val="0.55"/>
+                      <dgm:adj idx="2" val="0.45"/>
+                    </dgm:adjLst>
+                  </dgm:shape>
+                  <dgm:presOf axis="ch" ptType="sibTrans" cnt="1"/>
+                  <dgm:constrLst>
+                    <dgm:constr type="lMarg" refType="primFontSz" fact="0.1"/>
+                    <dgm:constr type="rMarg" refType="primFontSz" fact="0.1"/>
+                    <dgm:constr type="tMarg" refType="primFontSz" fact="0.1"/>
+                    <dgm:constr type="bMarg" refType="primFontSz" fact="0.1"/>
+                  </dgm:constrLst>
+                  <dgm:ruleLst>
+                    <dgm:rule type="primFontSz" val="5" fact="NaN" max="NaN"/>
+                  </dgm:ruleLst>
+                </dgm:layoutNode>
+                <dgm:layoutNode name="ThreeConn_2-3" styleLbl="fgAccFollowNode1">
+                  <dgm:varLst>
+                    <dgm:bulletEnabled val="1"/>
+                  </dgm:varLst>
+                  <dgm:alg type="tx"/>
+                  <dgm:shape xmlns:r="http://schemas.openxmlformats.org/officeDocument/2006/relationships" type="downArrow" r:blip="">
+                    <dgm:adjLst>
+                      <dgm:adj idx="1" val="0.55"/>
+                      <dgm:adj idx="2" val="0.45"/>
+                    </dgm:adjLst>
+                  </dgm:shape>
+                  <dgm:presOf axis="ch" ptType="sibTrans" st="2" cnt="1"/>
+                  <dgm:constrLst>
+                    <dgm:constr type="lMarg" refType="primFontSz" fact="0.1"/>
+                    <dgm:constr type="rMarg" refType="primFontSz" fact="0.1"/>
+                    <dgm:constr type="tMarg" refType="primFontSz" fact="0.1"/>
+                    <dgm:constr type="bMarg" refType="primFontSz" fact="0.1"/>
+                  </dgm:constrLst>
+                  <dgm:ruleLst>
+                    <dgm:rule type="primFontSz" val="5" fact="NaN" max="NaN"/>
+                  </dgm:ruleLst>
+                </dgm:layoutNode>
+                <dgm:layoutNode name="ThreeNodes_1_text">
+                  <dgm:varLst>
+                    <dgm:bulletEnabled val="1"/>
+                  </dgm:varLst>
+                  <dgm:alg type="tx">
+                    <dgm:param type="parTxLTRAlign" val="l"/>
+                    <dgm:param type="txAnchorVertCh" val="mid"/>
+                  </dgm:alg>
+                  <dgm:shape xmlns:r="http://schemas.openxmlformats.org/officeDocument/2006/relationships" type="roundRect" r:blip="" hideGeom="1">
+                    <dgm:adjLst>
+                      <dgm:adj idx="1" val="0.1"/>
+                    </dgm:adjLst>
+                  </dgm:shape>
+                  <dgm:presOf axis="ch desOrSelf" ptType="node node" st="1 1" cnt="1 0"/>
+                  <dgm:constrLst>
+                    <dgm:constr type="lMarg" refType="primFontSz" fact="0.3"/>
+                    <dgm:constr type="rMarg" refType="primFontSz" fact="0.3"/>
+                    <dgm:constr type="tMarg" refType="primFontSz" fact="0.3"/>
+                    <dgm:constr type="bMarg" refType="primFontSz" fact="0.3"/>
+                  </dgm:constrLst>
+                  <dgm:ruleLst>
+                    <dgm:rule type="primFontSz" val="5" fact="NaN" max="NaN"/>
+                  </dgm:ruleLst>
+                </dgm:layoutNode>
+                <dgm:layoutNode name="ThreeNodes_2_text">
+                  <dgm:varLst>
+                    <dgm:bulletEnabled val="1"/>
+                  </dgm:varLst>
+                  <dgm:alg type="tx">
+                    <dgm:param type="parTxLTRAlign" val="l"/>
+                    <dgm:param type="txAnchorVertCh" val="mid"/>
+                  </dgm:alg>
+                  <dgm:shape xmlns:r="http://schemas.openxmlformats.org/officeDocument/2006/relationships" type="roundRect" r:blip="" hideGeom="1">
+                    <dgm:adjLst>
+                      <dgm:adj idx="1" val="0.1"/>
+                    </dgm:adjLst>
+                  </dgm:shape>
+                  <dgm:presOf axis="ch desOrSelf" ptType="node node" st="2 1" cnt="1 0"/>
+                  <dgm:constrLst>
+                    <dgm:constr type="lMarg" refType="primFontSz" fact="0.3"/>
+                    <dgm:constr type="rMarg" refType="primFontSz" fact="0.3"/>
+                    <dgm:constr type="tMarg" refType="primFontSz" fact="0.3"/>
+                    <dgm:constr type="bMarg" refType="primFontSz" fact="0.3"/>
+                  </dgm:constrLst>
+                  <dgm:ruleLst>
+                    <dgm:rule type="primFontSz" val="5" fact="NaN" max="NaN"/>
+                  </dgm:ruleLst>
+                </dgm:layoutNode>
+                <dgm:layoutNode name="ThreeNodes_3_text">
+                  <dgm:varLst>
+                    <dgm:bulletEnabled val="1"/>
+                  </dgm:varLst>
+                  <dgm:alg type="tx">
+                    <dgm:param type="parTxLTRAlign" val="l"/>
+                    <dgm:param type="txAnchorVertCh" val="mid"/>
+                  </dgm:alg>
+                  <dgm:shape xmlns:r="http://schemas.openxmlformats.org/officeDocument/2006/relationships" type="roundRect" r:blip="" hideGeom="1">
+                    <dgm:adjLst>
+                      <dgm:adj idx="1" val="0.1"/>
+                    </dgm:adjLst>
+                  </dgm:shape>
+                  <dgm:presOf axis="ch desOrSelf" ptType="node node" st="3 1" cnt="1 0"/>
+                  <dgm:constrLst>
+                    <dgm:constr type="lMarg" refType="primFontSz" fact="0.3"/>
+                    <dgm:constr type="rMarg" refType="primFontSz" fact="0.3"/>
+                    <dgm:constr type="tMarg" refType="primFontSz" fact="0.3"/>
+                    <dgm:constr type="bMarg" refType="primFontSz" fact="0.3"/>
+                  </dgm:constrLst>
+                  <dgm:ruleLst>
+                    <dgm:rule type="primFontSz" val="5" fact="NaN" max="NaN"/>
+                  </dgm:ruleLst>
+                </dgm:layoutNode>
+              </dgm:if>
+              <dgm:else name="Name11">
+                <dgm:choose name="Name12">
+                  <dgm:if name="Name13" axis="ch" ptType="node" func="cnt" op="equ" val="4">
+                    <dgm:layoutNode name="FourNodes_1">
+                      <dgm:varLst>
+                        <dgm:bulletEnabled val="1"/>
+                      </dgm:varLst>
+                      <dgm:alg type="sp"/>
+                      <dgm:shape xmlns:r="http://schemas.openxmlformats.org/officeDocument/2006/relationships" type="roundRect" r:blip="">
+                        <dgm:adjLst>
+                          <dgm:adj idx="1" val="0.1"/>
+                        </dgm:adjLst>
+                      </dgm:shape>
+                      <dgm:presOf axis="ch desOrSelf" ptType="node node" st="1 1" cnt="1 0"/>
+                      <dgm:constrLst/>
+                      <dgm:ruleLst/>
+                    </dgm:layoutNode>
+                    <dgm:layoutNode name="FourNodes_2">
+                      <dgm:varLst>
+                        <dgm:bulletEnabled val="1"/>
+                      </dgm:varLst>
+                      <dgm:alg type="sp"/>
+                      <dgm:shape xmlns:r="http://schemas.openxmlformats.org/officeDocument/2006/relationships" type="roundRect" r:blip="">
+                        <dgm:adjLst>
+                          <dgm:adj idx="1" val="0.1"/>
+                        </dgm:adjLst>
+                      </dgm:shape>
+                      <dgm:presOf axis="ch desOrSelf" ptType="node node" st="2 1" cnt="1 0"/>
+                      <dgm:constrLst/>
+                      <dgm:ruleLst/>
+                    </dgm:layoutNode>
+                    <dgm:layoutNode name="FourNodes_3">
+                      <dgm:varLst>
+                        <dgm:bulletEnabled val="1"/>
+                      </dgm:varLst>
+                      <dgm:alg type="sp"/>
+                      <dgm:shape xmlns:r="http://schemas.openxmlformats.org/officeDocument/2006/relationships" type="roundRect" r:blip="">
+                        <dgm:adjLst>
+                          <dgm:adj idx="1" val="0.1"/>
+                        </dgm:adjLst>
+                      </dgm:shape>
+                      <dgm:presOf axis="ch desOrSelf" ptType="node node" st="3 1" cnt="1 0"/>
+                      <dgm:constrLst/>
+                      <dgm:ruleLst/>
+                    </dgm:layoutNode>
+                    <dgm:layoutNode name="FourNodes_4">
+                      <dgm:varLst>
+                        <dgm:bulletEnabled val="1"/>
+                      </dgm:varLst>
+                      <dgm:alg type="sp"/>
+                      <dgm:shape xmlns:r="http://schemas.openxmlformats.org/officeDocument/2006/relationships" type="roundRect" r:blip="">
+                        <dgm:adjLst>
+                          <dgm:adj idx="1" val="0.1"/>
+                        </dgm:adjLst>
+                      </dgm:shape>
+                      <dgm:presOf axis="ch desOrSelf" ptType="node node" st="4 1" cnt="1 0"/>
+                      <dgm:constrLst/>
+                      <dgm:ruleLst/>
+                    </dgm:layoutNode>
+                    <dgm:layoutNode name="FourConn_1-2" styleLbl="fgAccFollowNode1">
+                      <dgm:varLst>
+                        <dgm:bulletEnabled val="1"/>
+                      </dgm:varLst>
+                      <dgm:alg type="tx"/>
+                      <dgm:shape xmlns:r="http://schemas.openxmlformats.org/officeDocument/2006/relationships" type="downArrow" r:blip="">
+                        <dgm:adjLst>
+                          <dgm:adj idx="1" val="0.55"/>
+                          <dgm:adj idx="2" val="0.45"/>
+                        </dgm:adjLst>
+                      </dgm:shape>
+                      <dgm:presOf axis="ch" ptType="sibTrans" cnt="1"/>
+                      <dgm:constrLst>
+                        <dgm:constr type="lMarg" refType="primFontSz" fact="0.1"/>
+                        <dgm:constr type="rMarg" refType="primFontSz" fact="0.1"/>
+                        <dgm:constr type="tMarg" refType="primFontSz" fact="0.1"/>
+                        <dgm:constr type="bMarg" refType="primFontSz" fact="0.1"/>
+                      </dgm:constrLst>
+                      <dgm:ruleLst>
+                        <dgm:rule type="primFontSz" val="5" fact="NaN" max="NaN"/>
+                      </dgm:ruleLst>
+                    </dgm:layoutNode>
+                    <dgm:layoutNode name="FourConn_2-3" styleLbl="fgAccFollowNode1">
+                      <dgm:varLst>
+                        <dgm:bulletEnabled val="1"/>
+                      </dgm:varLst>
+                      <dgm:alg type="tx"/>
+                      <dgm:shape xmlns:r="http://schemas.openxmlformats.org/officeDocument/2006/relationships" type="downArrow" r:blip="">
+                        <dgm:adjLst>
+                          <dgm:adj idx="1" val="0.55"/>
+                          <dgm:adj idx="2" val="0.45"/>
+                        </dgm:adjLst>
+                      </dgm:shape>
+                      <dgm:presOf axis="ch" ptType="sibTrans" st="2" cnt="1"/>
+                      <dgm:constrLst>
+                        <dgm:constr type="lMarg" refType="primFontSz" fact="0.1"/>
+                        <dgm:constr type="rMarg" refType="primFontSz" fact="0.1"/>
+                        <dgm:constr type="tMarg" refType="primFontSz" fact="0.1"/>
+                        <dgm:constr type="bMarg" refType="primFontSz" fact="0.1"/>
+                      </dgm:constrLst>
+                      <dgm:ruleLst>
+                        <dgm:rule type="primFontSz" val="5" fact="NaN" max="NaN"/>
+                      </dgm:ruleLst>
+                    </dgm:layoutNode>
+                    <dgm:layoutNode name="FourConn_3-4" styleLbl="fgAccFollowNode1">
+                      <dgm:varLst>
+                        <dgm:bulletEnabled val="1"/>
+                      </dgm:varLst>
+                      <dgm:alg type="tx"/>
+                      <dgm:shape xmlns:r="http://schemas.openxmlformats.org/officeDocument/2006/relationships" type="downArrow" r:blip="">
+                        <dgm:adjLst>
+                          <dgm:adj idx="1" val="0.55"/>
+                          <dgm:adj idx="2" val="0.45"/>
+                        </dgm:adjLst>
+                      </dgm:shape>
+                      <dgm:presOf axis="ch" ptType="sibTrans" st="3" cnt="1"/>
+                      <dgm:constrLst>
+                        <dgm:constr type="lMarg" refType="primFontSz" fact="0.1"/>
+                        <dgm:constr type="rMarg" refType="primFontSz" fact="0.1"/>
+                        <dgm:constr type="tMarg" refType="primFontSz" fact="0.1"/>
+                        <dgm:constr type="bMarg" refType="primFontSz" fact="0.1"/>
+                      </dgm:constrLst>
+                      <dgm:ruleLst>
+                        <dgm:rule type="primFontSz" val="5" fact="NaN" max="NaN"/>
+                      </dgm:ruleLst>
+                    </dgm:layoutNode>
+                    <dgm:layoutNode name="FourNodes_1_text">
+                      <dgm:varLst>
+                        <dgm:bulletEnabled val="1"/>
+                      </dgm:varLst>
+                      <dgm:alg type="tx">
+                        <dgm:param type="parTxLTRAlign" val="l"/>
+                        <dgm:param type="txAnchorVertCh" val="mid"/>
+                      </dgm:alg>
+                      <dgm:shape xmlns:r="http://schemas.openxmlformats.org/officeDocument/2006/relationships" type="roundRect" r:blip="" hideGeom="1">
+                        <dgm:adjLst>
+                          <dgm:adj idx="1" val="0.1"/>
+                        </dgm:adjLst>
+                      </dgm:shape>
+                      <dgm:presOf axis="ch desOrSelf" ptType="node node" st="1 1" cnt="1 0"/>
+                      <dgm:constrLst>
+                        <dgm:constr type="lMarg" refType="primFontSz" fact="0.3"/>
+                        <dgm:constr type="rMarg" refType="primFontSz" fact="0.3"/>
+                        <dgm:constr type="tMarg" refType="primFontSz" fact="0.3"/>
+                        <dgm:constr type="bMarg" refType="primFontSz" fact="0.3"/>
+                      </dgm:constrLst>
+                      <dgm:ruleLst>
+                        <dgm:rule type="primFontSz" val="5" fact="NaN" max="NaN"/>
+                      </dgm:ruleLst>
+                    </dgm:layoutNode>
+                    <dgm:layoutNode name="FourNodes_2_text">
+                      <dgm:varLst>
+                        <dgm:bulletEnabled val="1"/>
+                      </dgm:varLst>
+                      <dgm:alg type="tx">
+                        <dgm:param type="parTxLTRAlign" val="l"/>
+                        <dgm:param type="txAnchorVertCh" val="mid"/>
+                      </dgm:alg>
+                      <dgm:shape xmlns:r="http://schemas.openxmlformats.org/officeDocument/2006/relationships" type="roundRect" r:blip="" hideGeom="1">
+                        <dgm:adjLst>
+                          <dgm:adj idx="1" val="0.1"/>
+                        </dgm:adjLst>
+                      </dgm:shape>
+                      <dgm:presOf axis="ch desOrSelf" ptType="node node" st="2 1" cnt="1 0"/>
+                      <dgm:constrLst>
+                        <dgm:constr type="lMarg" refType="primFontSz" fact="0.3"/>
+                        <dgm:constr type="rMarg" refType="primFontSz" fact="0.3"/>
+                        <dgm:constr type="tMarg" refType="primFontSz" fact="0.3"/>
+                        <dgm:constr type="bMarg" refType="primFontSz" fact="0.3"/>
+                      </dgm:constrLst>
+                      <dgm:ruleLst>
+                        <dgm:rule type="primFontSz" val="5" fact="NaN" max="NaN"/>
+                      </dgm:ruleLst>
+                    </dgm:layoutNode>
+                    <dgm:layoutNode name="FourNodes_3_text">
+                      <dgm:varLst>
+                        <dgm:bulletEnabled val="1"/>
+                      </dgm:varLst>
+                      <dgm:alg type="tx">
+                        <dgm:param type="parTxLTRAlign" val="l"/>
+                        <dgm:param type="txAnchorVertCh" val="mid"/>
+                      </dgm:alg>
+                      <dgm:shape xmlns:r="http://schemas.openxmlformats.org/officeDocument/2006/relationships" type="roundRect" r:blip="" hideGeom="1">
+                        <dgm:adjLst>
+                          <dgm:adj idx="1" val="0.1"/>
+                        </dgm:adjLst>
+                      </dgm:shape>
+                      <dgm:presOf axis="ch desOrSelf" ptType="node node" st="3 1" cnt="1 0"/>
+                      <dgm:constrLst>
+                        <dgm:constr type="lMarg" refType="primFontSz" fact="0.3"/>
+                        <dgm:constr type="rMarg" refType="primFontSz" fact="0.3"/>
+                        <dgm:constr type="tMarg" refType="primFontSz" fact="0.3"/>
+                        <dgm:constr type="bMarg" refType="primFontSz" fact="0.3"/>
+                      </dgm:constrLst>
+                      <dgm:ruleLst>
+                        <dgm:rule type="primFontSz" val="5" fact="NaN" max="NaN"/>
+                      </dgm:ruleLst>
+                    </dgm:layoutNode>
+                    <dgm:layoutNode name="FourNodes_4_text">
+                      <dgm:varLst>
+                        <dgm:bulletEnabled val="1"/>
+                      </dgm:varLst>
+                      <dgm:alg type="tx">
+                        <dgm:param type="parTxLTRAlign" val="l"/>
+                        <dgm:param type="txAnchorVertCh" val="mid"/>
+                      </dgm:alg>
+                      <dgm:shape xmlns:r="http://schemas.openxmlformats.org/officeDocument/2006/relationships" type="roundRect" r:blip="" hideGeom="1">
+                        <dgm:adjLst>
+                          <dgm:adj idx="1" val="0.1"/>
+                        </dgm:adjLst>
+                      </dgm:shape>
+                      <dgm:presOf axis="ch desOrSelf" ptType="node node" st="4 1" cnt="1 0"/>
+                      <dgm:constrLst>
+                        <dgm:constr type="lMarg" refType="primFontSz" fact="0.3"/>
+                        <dgm:constr type="rMarg" refType="primFontSz" fact="0.3"/>
+                        <dgm:constr type="tMarg" refType="primFontSz" fact="0.3"/>
+                        <dgm:constr type="bMarg" refType="primFontSz" fact="0.3"/>
+                      </dgm:constrLst>
+                      <dgm:ruleLst>
+                        <dgm:rule type="primFontSz" val="5" fact="NaN" max="NaN"/>
+                      </dgm:ruleLst>
+                    </dgm:layoutNode>
+                  </dgm:if>
+                  <dgm:else name="Name14">
+                    <dgm:choose name="Name15">
+                      <dgm:if name="Name16" axis="ch" ptType="node" func="cnt" op="gte" val="5">
+                        <dgm:layoutNode name="FiveNodes_1">
+                          <dgm:varLst>
+                            <dgm:bulletEnabled val="1"/>
+                          </dgm:varLst>
+                          <dgm:alg type="sp"/>
+                          <dgm:shape xmlns:r="http://schemas.openxmlformats.org/officeDocument/2006/relationships" type="roundRect" r:blip="">
+                            <dgm:adjLst>
+                              <dgm:adj idx="1" val="0.1"/>
+                            </dgm:adjLst>
+                          </dgm:shape>
+                          <dgm:presOf axis="ch desOrSelf" ptType="node node" st="1 1" cnt="1 0"/>
+                          <dgm:constrLst/>
+                          <dgm:ruleLst/>
+                        </dgm:layoutNode>
+                        <dgm:layoutNode name="FiveNodes_2">
+                          <dgm:varLst>
+                            <dgm:bulletEnabled val="1"/>
+                          </dgm:varLst>
+                          <dgm:alg type="sp"/>
+                          <dgm:shape xmlns:r="http://schemas.openxmlformats.org/officeDocument/2006/relationships" type="roundRect" r:blip="">
+                            <dgm:adjLst>
+                              <dgm:adj idx="1" val="0.1"/>
+                            </dgm:adjLst>
+                          </dgm:shape>
+                          <dgm:presOf axis="ch desOrSelf" ptType="node node" st="2 1" cnt="1 0"/>
+                          <dgm:constrLst/>
+                          <dgm:ruleLst/>
+                        </dgm:layoutNode>
+                        <dgm:layoutNode name="FiveNodes_3">
+                          <dgm:varLst>
+                            <dgm:bulletEnabled val="1"/>
+                          </dgm:varLst>
+                          <dgm:alg type="sp"/>
+                          <dgm:shape xmlns:r="http://schemas.openxmlformats.org/officeDocument/2006/relationships" type="roundRect" r:blip="">
+                            <dgm:adjLst>
+                              <dgm:adj idx="1" val="0.1"/>
+                            </dgm:adjLst>
+                          </dgm:shape>
+                          <dgm:presOf axis="ch desOrSelf" ptType="node node" st="3 1" cnt="1 0"/>
+                          <dgm:constrLst/>
+                          <dgm:ruleLst/>
+                        </dgm:layoutNode>
+                        <dgm:layoutNode name="FiveNodes_4">
+                          <dgm:varLst>
+                            <dgm:bulletEnabled val="1"/>
+                          </dgm:varLst>
+                          <dgm:alg type="sp"/>
+                          <dgm:shape xmlns:r="http://schemas.openxmlformats.org/officeDocument/2006/relationships" type="roundRect" r:blip="">
+                            <dgm:adjLst>
+                              <dgm:adj idx="1" val="0.1"/>
+                            </dgm:adjLst>
+                          </dgm:shape>
+                          <dgm:presOf axis="ch desOrSelf" ptType="node node" st="4 1" cnt="1 0"/>
+                          <dgm:constrLst/>
+                          <dgm:ruleLst/>
+                        </dgm:layoutNode>
+                        <dgm:layoutNode name="FiveNodes_5">
+                          <dgm:varLst>
+                            <dgm:bulletEnabled val="1"/>
+                          </dgm:varLst>
+                          <dgm:alg type="sp"/>
+                          <dgm:shape xmlns:r="http://schemas.openxmlformats.org/officeDocument/2006/relationships" type="roundRect" r:blip="">
+                            <dgm:adjLst>
+                              <dgm:adj idx="1" val="0.1"/>
+                            </dgm:adjLst>
+                          </dgm:shape>
+                          <dgm:presOf axis="ch desOrSelf" ptType="node node" st="5 1" cnt="1 0"/>
+                          <dgm:constrLst/>
+                          <dgm:ruleLst/>
+                        </dgm:layoutNode>
+                        <dgm:layoutNode name="FiveConn_1-2" styleLbl="fgAccFollowNode1">
+                          <dgm:varLst>
+                            <dgm:bulletEnabled val="1"/>
+                          </dgm:varLst>
+                          <dgm:alg type="tx"/>
+                          <dgm:shape xmlns:r="http://schemas.openxmlformats.org/officeDocument/2006/relationships" type="downArrow" r:blip="">
+                            <dgm:adjLst>
+                              <dgm:adj idx="1" val="0.55"/>
+                              <dgm:adj idx="2" val="0.45"/>
+                            </dgm:adjLst>
+                          </dgm:shape>
+                          <dgm:presOf axis="ch" ptType="sibTrans" cnt="1"/>
+                          <dgm:constrLst>
+                            <dgm:constr type="lMarg" refType="primFontSz" fact="0.1"/>
+                            <dgm:constr type="rMarg" refType="primFontSz" fact="0.1"/>
+                            <dgm:constr type="tMarg" refType="primFontSz" fact="0.1"/>
+                            <dgm:constr type="bMarg" refType="primFontSz" fact="0.1"/>
+                          </dgm:constrLst>
+                          <dgm:ruleLst>
+                            <dgm:rule type="primFontSz" val="5" fact="NaN" max="NaN"/>
+                          </dgm:ruleLst>
+                        </dgm:layoutNode>
+                        <dgm:layoutNode name="FiveConn_2-3" styleLbl="fgAccFollowNode1">
+                          <dgm:varLst>
+                            <dgm:bulletEnabled val="1"/>
+                          </dgm:varLst>
+                          <dgm:alg type="tx"/>
+                          <dgm:shape xmlns:r="http://schemas.openxmlformats.org/officeDocument/2006/relationships" type="downArrow" r:blip="">
+                            <dgm:adjLst>
+                              <dgm:adj idx="1" val="0.55"/>
+                              <dgm:adj idx="2" val="0.45"/>
+                            </dgm:adjLst>
+                          </dgm:shape>
+                          <dgm:presOf axis="ch" ptType="sibTrans" st="2" cnt="1"/>
+                          <dgm:constrLst>
+                            <dgm:constr type="lMarg" refType="primFontSz" fact="0.1"/>
+                            <dgm:constr type="rMarg" refType="primFontSz" fact="0.1"/>
+                            <dgm:constr type="tMarg" refType="primFontSz" fact="0.1"/>
+                            <dgm:constr type="bMarg" refType="primFontSz" fact="0.1"/>
+                          </dgm:constrLst>
+                          <dgm:ruleLst>
+                            <dgm:rule type="primFontSz" val="5" fact="NaN" max="NaN"/>
+                          </dgm:ruleLst>
+                        </dgm:layoutNode>
+                        <dgm:layoutNode name="FiveConn_3-4" styleLbl="fgAccFollowNode1">
+                          <dgm:varLst>
+                            <dgm:bulletEnabled val="1"/>
+                          </dgm:varLst>
+                          <dgm:alg type="tx"/>
+                          <dgm:shape xmlns:r="http://schemas.openxmlformats.org/officeDocument/2006/relationships" type="downArrow" r:blip="">
+                            <dgm:adjLst>
+                              <dgm:adj idx="1" val="0.55"/>
+                              <dgm:adj idx="2" val="0.45"/>
+                            </dgm:adjLst>
+                          </dgm:shape>
+                          <dgm:presOf axis="ch" ptType="sibTrans" st="3" cnt="1"/>
+                          <dgm:constrLst>
+                            <dgm:constr type="lMarg" refType="primFontSz" fact="0.1"/>
+                            <dgm:constr type="rMarg" refType="primFontSz" fact="0.1"/>
+                            <dgm:constr type="tMarg" refType="primFontSz" fact="0.1"/>
+                            <dgm:constr type="bMarg" refType="primFontSz" fact="0.1"/>
+                          </dgm:constrLst>
+                          <dgm:ruleLst>
+                            <dgm:rule type="primFontSz" val="5" fact="NaN" max="NaN"/>
+                          </dgm:ruleLst>
+                        </dgm:layoutNode>
+                        <dgm:layoutNode name="FiveConn_4-5" styleLbl="fgAccFollowNode1">
+                          <dgm:varLst>
+                            <dgm:bulletEnabled val="1"/>
+                          </dgm:varLst>
+                          <dgm:alg type="tx"/>
+                          <dgm:shape xmlns:r="http://schemas.openxmlformats.org/officeDocument/2006/relationships" type="downArrow" r:blip="">
+                            <dgm:adjLst>
+                              <dgm:adj idx="1" val="0.55"/>
+                              <dgm:adj idx="2" val="0.45"/>
+                            </dgm:adjLst>
+                          </dgm:shape>
+                          <dgm:presOf axis="ch" ptType="sibTrans" st="4" cnt="1"/>
+                          <dgm:constrLst>
+                            <dgm:constr type="lMarg" refType="primFontSz" fact="0.1"/>
+                            <dgm:constr type="rMarg" refType="primFontSz" fact="0.1"/>
+                            <dgm:constr type="tMarg" refType="primFontSz" fact="0.1"/>
+                            <dgm:constr type="bMarg" refType="primFontSz" fact="0.1"/>
+                          </dgm:constrLst>
+                          <dgm:ruleLst>
+                            <dgm:rule type="primFontSz" val="5" fact="NaN" max="NaN"/>
+                          </dgm:ruleLst>
+                        </dgm:layoutNode>
+                        <dgm:layoutNode name="FiveNodes_1_text">
+                          <dgm:varLst>
+                            <dgm:bulletEnabled val="1"/>
+                          </dgm:varLst>
+                          <dgm:alg type="tx">
+                            <dgm:param type="parTxLTRAlign" val="l"/>
+                            <dgm:param type="txAnchorVertCh" val="mid"/>
+                          </dgm:alg>
+                          <dgm:shape xmlns:r="http://schemas.openxmlformats.org/officeDocument/2006/relationships" type="roundRect" r:blip="" hideGeom="1">
+                            <dgm:adjLst>
+                              <dgm:adj idx="1" val="0.1"/>
+                            </dgm:adjLst>
+                          </dgm:shape>
+                          <dgm:presOf axis="ch desOrSelf" ptType="node node" st="1 1" cnt="1 0"/>
+                          <dgm:constrLst>
+                            <dgm:constr type="lMarg" refType="primFontSz" fact="0.3"/>
+                            <dgm:constr type="rMarg" refType="primFontSz" fact="0.3"/>
+                            <dgm:constr type="tMarg" refType="primFontSz" fact="0.3"/>
+                            <dgm:constr type="bMarg" refType="primFontSz" fact="0.3"/>
+                          </dgm:constrLst>
+                          <dgm:ruleLst>
+                            <dgm:rule type="primFontSz" val="5" fact="NaN" max="NaN"/>
+                          </dgm:ruleLst>
+                        </dgm:layoutNode>
+                        <dgm:layoutNode name="FiveNodes_2_text">
+                          <dgm:varLst>
+                            <dgm:bulletEnabled val="1"/>
+                          </dgm:varLst>
+                          <dgm:alg type="tx">
+                            <dgm:param type="parTxLTRAlign" val="l"/>
+                            <dgm:param type="txAnchorVertCh" val="mid"/>
+                          </dgm:alg>
+                          <dgm:shape xmlns:r="http://schemas.openxmlformats.org/officeDocument/2006/relationships" type="roundRect" r:blip="" hideGeom="1">
+                            <dgm:adjLst>
+                              <dgm:adj idx="1" val="0.1"/>
+                            </dgm:adjLst>
+                          </dgm:shape>
+                          <dgm:presOf axis="ch desOrSelf" ptType="node node" st="2 1" cnt="1 0"/>
+                          <dgm:constrLst>
+                            <dgm:constr type="lMarg" refType="primFontSz" fact="0.3"/>
+                            <dgm:constr type="rMarg" refType="primFontSz" fact="0.3"/>
+                            <dgm:constr type="tMarg" refType="primFontSz" fact="0.3"/>
+                            <dgm:constr type="bMarg" refType="primFontSz" fact="0.3"/>
+                          </dgm:constrLst>
+                          <dgm:ruleLst>
+                            <dgm:rule type="primFontSz" val="5" fact="NaN" max="NaN"/>
+                          </dgm:ruleLst>
+                        </dgm:layoutNode>
+                        <dgm:layoutNode name="FiveNodes_3_text">
+                          <dgm:varLst>
+                            <dgm:bulletEnabled val="1"/>
+                          </dgm:varLst>
+                          <dgm:alg type="tx">
+                            <dgm:param type="parTxLTRAlign" val="l"/>
+                            <dgm:param type="txAnchorVertCh" val="mid"/>
+                          </dgm:alg>
+                          <dgm:shape xmlns:r="http://schemas.openxmlformats.org/officeDocument/2006/relationships" type="roundRect" r:blip="" hideGeom="1">
+                            <dgm:adjLst>
+                              <dgm:adj idx="1" val="0.1"/>
+                            </dgm:adjLst>
+                          </dgm:shape>
+                          <dgm:presOf axis="ch desOrSelf" ptType="node node" st="3 1" cnt="1 0"/>
+                          <dgm:constrLst>
+                            <dgm:constr type="lMarg" refType="primFontSz" fact="0.3"/>
+                            <dgm:constr type="rMarg" refType="primFontSz" fact="0.3"/>
+                            <dgm:constr type="tMarg" refType="primFontSz" fact="0.3"/>
+                            <dgm:constr type="bMarg" refType="primFontSz" fact="0.3"/>
+                          </dgm:constrLst>
+                          <dgm:ruleLst>
+                            <dgm:rule type="primFontSz" val="5" fact="NaN" max="NaN"/>
+                          </dgm:ruleLst>
+                        </dgm:layoutNode>
+                        <dgm:layoutNode name="FiveNodes_4_text">
+                          <dgm:varLst>
+                            <dgm:bulletEnabled val="1"/>
+                          </dgm:varLst>
+                          <dgm:alg type="tx">
+                            <dgm:param type="parTxLTRAlign" val="l"/>
+                            <dgm:param type="txAnchorVertCh" val="mid"/>
+                          </dgm:alg>
+                          <dgm:shape xmlns:r="http://schemas.openxmlformats.org/officeDocument/2006/relationships" type="roundRect" r:blip="" hideGeom="1">
+                            <dgm:adjLst>
+                              <dgm:adj idx="1" val="0.1"/>
+                            </dgm:adjLst>
+                          </dgm:shape>
+                          <dgm:presOf axis="ch desOrSelf" ptType="node node" st="4 1" cnt="1 0"/>
+                          <dgm:constrLst>
+                            <dgm:constr type="lMarg" refType="primFontSz" fact="0.3"/>
+                            <dgm:constr type="rMarg" refType="primFontSz" fact="0.3"/>
+                            <dgm:constr type="tMarg" refType="primFontSz" fact="0.3"/>
+                            <dgm:constr type="bMarg" refType="primFontSz" fact="0.3"/>
+                          </dgm:constrLst>
+                          <dgm:ruleLst>
+                            <dgm:rule type="primFontSz" val="5" fact="NaN" max="NaN"/>
+                          </dgm:ruleLst>
+                        </dgm:layoutNode>
+                        <dgm:layoutNode name="FiveNodes_5_text">
+                          <dgm:varLst>
+                            <dgm:bulletEnabled val="1"/>
+                          </dgm:varLst>
+                          <dgm:alg type="tx">
+                            <dgm:param type="parTxLTRAlign" val="l"/>
+                            <dgm:param type="txAnchorVertCh" val="mid"/>
+                          </dgm:alg>
+                          <dgm:shape xmlns:r="http://schemas.openxmlformats.org/officeDocument/2006/relationships" type="roundRect" r:blip="" hideGeom="1">
+                            <dgm:adjLst>
+                              <dgm:adj idx="1" val="0.1"/>
+                            </dgm:adjLst>
+                          </dgm:shape>
+                          <dgm:presOf axis="ch desOrSelf" ptType="node node" st="5 1" cnt="1 0"/>
+                          <dgm:constrLst>
+                            <dgm:constr type="lMarg" refType="primFontSz" fact="0.3"/>
+                            <dgm:constr type="rMarg" refType="primFontSz" fact="0.3"/>
+                            <dgm:constr type="tMarg" refType="primFontSz" fact="0.3"/>
+                            <dgm:constr type="bMarg" refType="primFontSz" fact="0.3"/>
+                          </dgm:constrLst>
+                          <dgm:ruleLst>
+                            <dgm:rule type="primFontSz" val="5" fact="NaN" max="NaN"/>
+                          </dgm:ruleLst>
+                        </dgm:layoutNode>
+                      </dgm:if>
+                      <dgm:else name="Name17"/>
+                    </dgm:choose>
+                  </dgm:else>
+                </dgm:choose>
+              </dgm:else>
+            </dgm:choose>
+          </dgm:else>
+        </dgm:choose>
+      </dgm:else>
+    </dgm:choose>
+  </dgm:layoutNode>
+</dgm:layoutDef>
+</file>
+
+<file path=ppt/diagrams/quickStyle1.xml><?xml version="1.0" encoding="utf-8"?>
+<dgm:styleDef xmlns:dgm="http://schemas.openxmlformats.org/drawingml/2006/diagram" xmlns:a="http://schemas.openxmlformats.org/drawingml/2006/main" uniqueId="urn:microsoft.com/office/officeart/2005/8/quickstyle/simple1">
+  <dgm:title val=""/>
+  <dgm:desc val=""/>
+  <dgm:catLst>
+    <dgm:cat type="simple" pri="10100"/>
+  </dgm:catLst>
+  <dgm:scene3d>
+    <a:camera prst="orthographicFront"/>
+    <a:lightRig rig="threePt" dir="t"/>
+  </dgm:scene3d>
+  <dgm:styleLbl name="node0">
+    <dgm:scene3d>
+      <a:camera prst="orthographicFront"/>
+      <a:lightRig rig="threePt" dir="t"/>
+    </dgm:scene3d>
+    <dgm:sp3d/>
+    <dgm:txPr/>
+    <dgm:style>
+      <a:lnRef idx="2">
+        <a:scrgbClr r="0" g="0" b="0"/>
+      </a:lnRef>
+      <a:fillRef idx="1">
+        <a:scrgbClr r="0" g="0" b="0"/>
+      </a:fillRef>
+      <a:effectRef idx="0">
+        <a:scrgbClr r="0" g="0" b="0"/>
+      </a:effectRef>
+      <a:fontRef idx="minor">
+        <a:schemeClr val="lt1"/>
+      </a:fontRef>
+    </dgm:style>
+  </dgm:styleLbl>
+  <dgm:styleLbl name="lnNode1">
+    <dgm:scene3d>
+      <a:camera prst="orthographicFront"/>
+      <a:lightRig rig="threePt" dir="t"/>
+    </dgm:scene3d>
+    <dgm:sp3d/>
+    <dgm:txPr/>
+    <dgm:style>
+      <a:lnRef idx="2">
+        <a:scrgbClr r="0" g="0" b="0"/>
+      </a:lnRef>
+      <a:fillRef idx="1">
+        <a:scrgbClr r="0" g="0" b="0"/>
+      </a:fillRef>
+      <a:effectRef idx="0">
+        <a:scrgbClr r="0" g="0" b="0"/>
+      </a:effectRef>
+      <a:fontRef idx="minor">
+        <a:schemeClr val="lt1"/>
+      </a:fontRef>
+    </dgm:style>
+  </dgm:styleLbl>
+  <dgm:styleLbl name="vennNode1">
+    <dgm:scene3d>
+      <a:camera prst="orthographicFront"/>
+      <a:lightRig rig="threePt" dir="t"/>
+    </dgm:scene3d>
+    <dgm:sp3d/>
+    <dgm:txPr/>
+    <dgm:style>
+      <a:lnRef idx="2">
+        <a:scrgbClr r="0" g="0" b="0"/>
+      </a:lnRef>
+      <a:fillRef idx="1">
+        <a:scrgbClr r="0" g="0" b="0"/>
+      </a:fillRef>
+      <a:effectRef idx="0">
+        <a:scrgbClr r="0" g="0" b="0"/>
+      </a:effectRef>
+      <a:fontRef idx="minor">
+        <a:schemeClr val="tx1"/>
+      </a:fontRef>
+    </dgm:style>
+  </dgm:styleLbl>
+  <dgm:styleLbl name="alignNode1">
+    <dgm:scene3d>
+      <a:camera prst="orthographicFront"/>
+      <a:lightRig rig="threePt" dir="t"/>
+    </dgm:scene3d>
+    <dgm:sp3d/>
+    <dgm:txPr/>
+    <dgm:style>
+      <a:lnRef idx="2">
+        <a:scrgbClr r="0" g="0" b="0"/>
+      </a:lnRef>
+      <a:fillRef idx="1">
+        <a:scrgbClr r="0" g="0" b="0"/>
+      </a:fillRef>
+      <a:effectRef idx="0">
+        <a:scrgbClr r="0" g="0" b="0"/>
+      </a:effectRef>
+      <a:fontRef idx="minor">
+        <a:schemeClr val="lt1"/>
+      </a:fontRef>
+    </dgm:style>
+  </dgm:styleLbl>
+  <dgm:styleLbl name="node1">
+    <dgm:scene3d>
+      <a:camera prst="orthographicFront"/>
+      <a:lightRig rig="threePt" dir="t"/>
+    </dgm:scene3d>
+    <dgm:sp3d/>
+    <dgm:txPr/>
+    <dgm:style>
+      <a:lnRef idx="2">
+        <a:scrgbClr r="0" g="0" b="0"/>
+      </a:lnRef>
+      <a:fillRef idx="1">
+        <a:scrgbClr r="0" g="0" b="0"/>
+      </a:fillRef>
+      <a:effectRef idx="0">
+        <a:scrgbClr r="0" g="0" b="0"/>
+      </a:effectRef>
+      <a:fontRef idx="minor">
+        <a:schemeClr val="lt1"/>
+      </a:fontRef>
+    </dgm:style>
+  </dgm:styleLbl>
+  <dgm:styleLbl name="node2">
+    <dgm:scene3d>
+      <a:camera prst="orthographicFront"/>
+      <a:lightRig rig="threePt" dir="t"/>
+    </dgm:scene3d>
+    <dgm:sp3d/>
+    <dgm:txPr/>
+    <dgm:style>
+      <a:lnRef idx="2">
+        <a:scrgbClr r="0" g="0" b="0"/>
+      </a:lnRef>
+      <a:fillRef idx="1">
+        <a:scrgbClr r="0" g="0" b="0"/>
+      </a:fillRef>
+      <a:effectRef idx="0">
+        <a:scrgbClr r="0" g="0" b="0"/>
+      </a:effectRef>
+      <a:fontRef idx="minor">
+        <a:schemeClr val="lt1"/>
+      </a:fontRef>
+    </dgm:style>
+  </dgm:styleLbl>
+  <dgm:styleLbl name="node3">
+    <dgm:scene3d>
+      <a:camera prst="orthographicFront"/>
+      <a:lightRig rig="threePt" dir="t"/>
+    </dgm:scene3d>
+    <dgm:sp3d/>
+    <dgm:txPr/>
+    <dgm:style>
+      <a:lnRef idx="2">
+        <a:scrgbClr r="0" g="0" b="0"/>
+      </a:lnRef>
+      <a:fillRef idx="1">
+        <a:scrgbClr r="0" g="0" b="0"/>
+      </a:fillRef>
+      <a:effectRef idx="0">
+        <a:scrgbClr r="0" g="0" b="0"/>
+      </a:effectRef>
+      <a:fontRef idx="minor">
+        <a:schemeClr val="lt1"/>
+      </a:fontRef>
+    </dgm:style>
+  </dgm:styleLbl>
+  <dgm:styleLbl name="node4">
+    <dgm:scene3d>
+      <a:camera prst="orthographicFront"/>
+      <a:lightRig rig="threePt" dir="t"/>
+    </dgm:scene3d>
+    <dgm:sp3d/>
+    <dgm:txPr/>
+    <dgm:style>
+      <a:lnRef idx="2">
+        <a:scrgbClr r="0" g="0" b="0"/>
+      </a:lnRef>
+      <a:fillRef idx="1">
+        <a:scrgbClr r="0" g="0" b="0"/>
+      </a:fillRef>
+      <a:effectRef idx="0">
+        <a:scrgbClr r="0" g="0" b="0"/>
+      </a:effectRef>
+      <a:fontRef idx="minor">
+        <a:schemeClr val="lt1"/>
+      </a:fontRef>
+    </dgm:style>
+  </dgm:styleLbl>
+  <dgm:styleLbl name="fgImgPlace1">
+    <dgm:scene3d>
+      <a:camera prst="orthographicFront"/>
+      <a:lightRig rig="threePt" dir="t"/>
+    </dgm:scene3d>
+    <dgm:sp3d/>
+    <dgm:txPr/>
+    <dgm:style>
+      <a:lnRef idx="2">
+        <a:scrgbClr r="0" g="0" b="0"/>
+      </a:lnRef>
+      <a:fillRef idx="1">
+        <a:scrgbClr r="0" g="0" b="0"/>
+      </a:fillRef>
+      <a:effectRef idx="0">
+        <a:scrgbClr r="0" g="0" b="0"/>
+      </a:effectRef>
+      <a:fontRef idx="minor"/>
+    </dgm:style>
+  </dgm:styleLbl>
+  <dgm:styleLbl name="alignImgPlace1">
+    <dgm:scene3d>
+      <a:camera prst="orthographicFront"/>
+      <a:lightRig rig="threePt" dir="t"/>
+    </dgm:scene3d>
+    <dgm:sp3d/>
+    <dgm:txPr/>
+    <dgm:style>
+      <a:lnRef idx="2">
+        <a:scrgbClr r="0" g="0" b="0"/>
+      </a:lnRef>
+      <a:fillRef idx="1">
+        <a:scrgbClr r="0" g="0" b="0"/>
+      </a:fillRef>
+      <a:effectRef idx="0">
+        <a:scrgbClr r="0" g="0" b="0"/>
+      </a:effectRef>
+      <a:fontRef idx="minor"/>
+    </dgm:style>
+  </dgm:styleLbl>
+  <dgm:styleLbl name="bgImgPlace1">
+    <dgm:scene3d>
+      <a:camera prst="orthographicFront"/>
+      <a:lightRig rig="threePt" dir="t"/>
+    </dgm:scene3d>
+    <dgm:sp3d/>
+    <dgm:txPr/>
+    <dgm:style>
+      <a:lnRef idx="2">
+        <a:scrgbClr r="0" g="0" b="0"/>
+      </a:lnRef>
+      <a:fillRef idx="1">
+        <a:scrgbClr r="0" g="0" b="0"/>
+      </a:fillRef>
+      <a:effectRef idx="0">
+        <a:scrgbClr r="0" g="0" b="0"/>
+      </a:effectRef>
+      <a:fontRef idx="minor"/>
+    </dgm:style>
+  </dgm:styleLbl>
+  <dgm:styleLbl name="sibTrans2D1">
+    <dgm:scene3d>
+      <a:camera prst="orthographicFront"/>
+      <a:lightRig rig="threePt" dir="t"/>
+    </dgm:scene3d>
+    <dgm:sp3d/>
+    <dgm:txPr/>
+    <dgm:style>
+      <a:lnRef idx="0">
+        <a:scrgbClr r="0" g="0" b="0"/>
+      </a:lnRef>
+      <a:fillRef idx="1">
+        <a:scrgbClr r="0" g="0" b="0"/>
+      </a:fillRef>
+      <a:effectRef idx="0">
+        <a:scrgbClr r="0" g="0" b="0"/>
+      </a:effectRef>
+      <a:fontRef idx="minor">
+        <a:schemeClr val="lt1"/>
+      </a:fontRef>
+    </dgm:style>
+  </dgm:styleLbl>
+  <dgm:styleLbl name="fgSibTrans2D1">
+    <dgm:scene3d>
+      <a:camera prst="orthographicFront"/>
+      <a:lightRig rig="threePt" dir="t"/>
+    </dgm:scene3d>
+    <dgm:sp3d/>
+    <dgm:txPr/>
+    <dgm:style>
+      <a:lnRef idx="0">
+        <a:scrgbClr r="0" g="0" b="0"/>
+      </a:lnRef>
+      <a:fillRef idx="1">
+        <a:scrgbClr r="0" g="0" b="0"/>
+      </a:fillRef>
+      <a:effectRef idx="0">
+        <a:scrgbClr r="0" g="0" b="0"/>
+      </a:effectRef>
+      <a:fontRef idx="minor">
+        <a:schemeClr val="lt1"/>
+      </a:fontRef>
+    </dgm:style>
+  </dgm:styleLbl>
+  <dgm:styleLbl name="bgSibTrans2D1">
+    <dgm:scene3d>
+      <a:camera prst="orthographicFront"/>
+      <a:lightRig rig="threePt" dir="t"/>
+    </dgm:scene3d>
+    <dgm:sp3d/>
+    <dgm:txPr/>
+    <dgm:style>
+      <a:lnRef idx="0">
+        <a:scrgbClr r="0" g="0" b="0"/>
+      </a:lnRef>
+      <a:fillRef idx="1">
+        <a:scrgbClr r="0" g="0" b="0"/>
+      </a:fillRef>
+      <a:effectRef idx="0">
+        <a:scrgbClr r="0" g="0" b="0"/>
+      </a:effectRef>
+      <a:fontRef idx="minor">
+        <a:schemeClr val="lt1"/>
+      </a:fontRef>
+    </dgm:style>
+  </dgm:styleLbl>
+  <dgm:styleLbl name="sibTrans1D1">
+    <dgm:scene3d>
+      <a:camera prst="orthographicFront"/>
+      <a:lightRig rig="threePt" dir="t"/>
+    </dgm:scene3d>
+    <dgm:sp3d/>
+    <dgm:txPr/>
+    <dgm:style>
+      <a:lnRef idx="1">
+        <a:scrgbClr r="0" g="0" b="0"/>
+      </a:lnRef>
+      <a:fillRef idx="0">
+        <a:scrgbClr r="0" g="0" b="0"/>
+      </a:fillRef>
+      <a:effectRef idx="0">
+        <a:scrgbClr r="0" g="0" b="0"/>
+      </a:effectRef>
+      <a:fontRef idx="minor"/>
+    </dgm:style>
+  </dgm:styleLbl>
+  <dgm:styleLbl name="callout">
+    <dgm:scene3d>
+      <a:camera prst="orthographicFront"/>
+      <a:lightRig rig="threePt" dir="t"/>
+    </dgm:scene3d>
+    <dgm:sp3d/>
+    <dgm:txPr/>
+    <dgm:style>
+      <a:lnRef idx="2">
+        <a:scrgbClr r="0" g="0" b="0"/>
+      </a:lnRef>
+      <a:fillRef idx="1">
+        <a:scrgbClr r="0" g="0" b="0"/>
+      </a:fillRef>
+      <a:effectRef idx="0">
+        <a:scrgbClr r="0" g="0" b="0"/>
+      </a:effectRef>
+      <a:fontRef idx="minor"/>
+    </dgm:style>
+  </dgm:styleLbl>
+  <dgm:styleLbl name="asst0">
+    <dgm:scene3d>
+      <a:camera prst="orthographicFront"/>
+      <a:lightRig rig="threePt" dir="t"/>
+    </dgm:scene3d>
+    <dgm:sp3d/>
+    <dgm:txPr/>
+    <dgm:style>
+      <a:lnRef idx="2">
+        <a:scrgbClr r="0" g="0" b="0"/>
+      </a:lnRef>
+      <a:fillRef idx="1">
+        <a:scrgbClr r="0" g="0" b="0"/>
+      </a:fillRef>
+      <a:effectRef idx="0">
+        <a:scrgbClr r="0" g="0" b="0"/>
+      </a:effectRef>
+      <a:fontRef idx="minor">
+        <a:schemeClr val="lt1"/>
+      </a:fontRef>
+    </dgm:style>
+  </dgm:styleLbl>
+  <dgm:styleLbl name="asst1">
+    <dgm:scene3d>
+      <a:camera prst="orthographicFront"/>
+      <a:lightRig rig="threePt" dir="t"/>
+    </dgm:scene3d>
+    <dgm:sp3d/>
+    <dgm:txPr/>
+    <dgm:style>
+      <a:lnRef idx="2">
+        <a:scrgbClr r="0" g="0" b="0"/>
+      </a:lnRef>
+      <a:fillRef idx="1">
+        <a:scrgbClr r="0" g="0" b="0"/>
+      </a:fillRef>
+      <a:effectRef idx="0">
+        <a:scrgbClr r="0" g="0" b="0"/>
+      </a:effectRef>
+      <a:fontRef idx="minor">
+        <a:schemeClr val="lt1"/>
+      </a:fontRef>
+    </dgm:style>
+  </dgm:styleLbl>
+  <dgm:styleLbl name="asst2">
+    <dgm:scene3d>
+      <a:camera prst="orthographicFront"/>
+      <a:lightRig rig="threePt" dir="t"/>
+    </dgm:scene3d>
+    <dgm:sp3d/>
+    <dgm:txPr/>
+    <dgm:style>
+      <a:lnRef idx="2">
+        <a:scrgbClr r="0" g="0" b="0"/>
+      </a:lnRef>
+      <a:fillRef idx="1">
+        <a:scrgbClr r="0" g="0" b="0"/>
+      </a:fillRef>
+      <a:effectRef idx="0">
+        <a:scrgbClr r="0" g="0" b="0"/>
+      </a:effectRef>
+      <a:fontRef idx="minor">
+        <a:schemeClr val="lt1"/>
+      </a:fontRef>
+    </dgm:style>
+  </dgm:styleLbl>
+  <dgm:styleLbl name="asst3">
+    <dgm:scene3d>
+      <a:camera prst="orthographicFront"/>
+      <a:lightRig rig="threePt" dir="t"/>
+    </dgm:scene3d>
+    <dgm:sp3d/>
+    <dgm:txPr/>
+    <dgm:style>
+      <a:lnRef idx="2">
+        <a:scrgbClr r="0" g="0" b="0"/>
+      </a:lnRef>
+      <a:fillRef idx="1">
+        <a:scrgbClr r="0" g="0" b="0"/>
+      </a:fillRef>
+      <a:effectRef idx="0">
+        <a:scrgbClr r="0" g="0" b="0"/>
+      </a:effectRef>
+      <a:fontRef idx="minor">
+        <a:schemeClr val="lt1"/>
+      </a:fontRef>
+    </dgm:style>
+  </dgm:styleLbl>
+  <dgm:styleLbl name="asst4">
+    <dgm:scene3d>
+      <a:camera prst="orthographicFront"/>
+      <a:lightRig rig="threePt" dir="t"/>
+    </dgm:scene3d>
+    <dgm:sp3d/>
+    <dgm:txPr/>
+    <dgm:style>
+      <a:lnRef idx="2">
+        <a:scrgbClr r="0" g="0" b="0"/>
+      </a:lnRef>
+      <a:fillRef idx="1">
+        <a:scrgbClr r="0" g="0" b="0"/>
+      </a:fillRef>
+      <a:effectRef idx="0">
+        <a:scrgbClr r="0" g="0" b="0"/>
+      </a:effectRef>
+      <a:fontRef idx="minor">
+        <a:schemeClr val="lt1"/>
+      </a:fontRef>
+    </dgm:style>
+  </dgm:styleLbl>
+  <dgm:styleLbl name="parChTrans2D1">
+    <dgm:scene3d>
+      <a:camera prst="orthographicFront"/>
+      <a:lightRig rig="threePt" dir="t"/>
+    </dgm:scene3d>
+    <dgm:sp3d/>
+    <dgm:txPr/>
+    <dgm:style>
+      <a:lnRef idx="2">
+        <a:scrgbClr r="0" g="0" b="0"/>
+      </a:lnRef>
+      <a:fillRef idx="1">
+        <a:scrgbClr r="0" g="0" b="0"/>
+      </a:fillRef>
+      <a:effectRef idx="0">
+        <a:scrgbClr r="0" g="0" b="0"/>
+      </a:effectRef>
+      <a:fontRef idx="minor">
+        <a:schemeClr val="lt1"/>
+      </a:fontRef>
+    </dgm:style>
+  </dgm:styleLbl>
+  <dgm:styleLbl name="parChTrans2D2">
+    <dgm:scene3d>
+      <a:camera prst="orthographicFront"/>
+      <a:lightRig rig="threePt" dir="t"/>
+    </dgm:scene3d>
+    <dgm:sp3d/>
+    <dgm:txPr/>
+    <dgm:style>
+      <a:lnRef idx="2">
+        <a:scrgbClr r="0" g="0" b="0"/>
+      </a:lnRef>
+      <a:fillRef idx="1">
+        <a:scrgbClr r="0" g="0" b="0"/>
+      </a:fillRef>
+      <a:effectRef idx="0">
+        <a:scrgbClr r="0" g="0" b="0"/>
+      </a:effectRef>
+      <a:fontRef idx="minor">
+        <a:schemeClr val="lt1"/>
+      </a:fontRef>
+    </dgm:style>
+  </dgm:styleLbl>
+  <dgm:styleLbl name="parChTrans2D3">
+    <dgm:scene3d>
+      <a:camera prst="orthographicFront"/>
+      <a:lightRig rig="threePt" dir="t"/>
+    </dgm:scene3d>
+    <dgm:sp3d/>
+    <dgm:txPr/>
+    <dgm:style>
+      <a:lnRef idx="2">
+        <a:scrgbClr r="0" g="0" b="0"/>
+      </a:lnRef>
+      <a:fillRef idx="1">
+        <a:scrgbClr r="0" g="0" b="0"/>
+      </a:fillRef>
+      <a:effectRef idx="0">
+        <a:scrgbClr r="0" g="0" b="0"/>
+      </a:effectRef>
+      <a:fontRef idx="minor">
+        <a:schemeClr val="lt1"/>
+      </a:fontRef>
+    </dgm:style>
+  </dgm:styleLbl>
+  <dgm:styleLbl name="parChTrans2D4">
+    <dgm:scene3d>
+      <a:camera prst="orthographicFront"/>
+      <a:lightRig rig="threePt" dir="t"/>
+    </dgm:scene3d>
+    <dgm:sp3d/>
+    <dgm:txPr/>
+    <dgm:style>
+      <a:lnRef idx="2">
+        <a:scrgbClr r="0" g="0" b="0"/>
+      </a:lnRef>
+      <a:fillRef idx="1">
+        <a:scrgbClr r="0" g="0" b="0"/>
+      </a:fillRef>
+      <a:effectRef idx="0">
+        <a:scrgbClr r="0" g="0" b="0"/>
+      </a:effectRef>
+      <a:fontRef idx="minor">
+        <a:schemeClr val="lt1"/>
+      </a:fontRef>
+    </dgm:style>
+  </dgm:styleLbl>
+  <dgm:styleLbl name="parChTrans1D1">
+    <dgm:scene3d>
+      <a:camera prst="orthographicFront"/>
+      <a:lightRig rig="threePt" dir="t"/>
+    </dgm:scene3d>
+    <dgm:sp3d/>
+    <dgm:txPr/>
+    <dgm:style>
+      <a:lnRef idx="2">
+        <a:scrgbClr r="0" g="0" b="0"/>
+      </a:lnRef>
+      <a:fillRef idx="0">
+        <a:scrgbClr r="0" g="0" b="0"/>
+      </a:fillRef>
+      <a:effectRef idx="0">
+        <a:scrgbClr r="0" g="0" b="0"/>
+      </a:effectRef>
+      <a:fontRef idx="minor"/>
+    </dgm:style>
+  </dgm:styleLbl>
+  <dgm:styleLbl name="parChTrans1D2">
+    <dgm:scene3d>
+      <a:camera prst="orthographicFront"/>
+      <a:lightRig rig="threePt" dir="t"/>
+    </dgm:scene3d>
+    <dgm:sp3d/>
+    <dgm:txPr/>
+    <dgm:style>
+      <a:lnRef idx="2">
+        <a:scrgbClr r="0" g="0" b="0"/>
+      </a:lnRef>
+      <a:fillRef idx="0">
+        <a:scrgbClr r="0" g="0" b="0"/>
+      </a:fillRef>
+      <a:effectRef idx="0">
+        <a:scrgbClr r="0" g="0" b="0"/>
+      </a:effectRef>
+      <a:fontRef idx="minor"/>
+    </dgm:style>
+  </dgm:styleLbl>
+  <dgm:styleLbl name="parChTrans1D3">
+    <dgm:scene3d>
+      <a:camera prst="orthographicFront"/>
+      <a:lightRig rig="threePt" dir="t"/>
+    </dgm:scene3d>
+    <dgm:sp3d/>
+    <dgm:txPr/>
+    <dgm:style>
+      <a:lnRef idx="2">
+        <a:scrgbClr r="0" g="0" b="0"/>
+      </a:lnRef>
+      <a:fillRef idx="0">
+        <a:scrgbClr r="0" g="0" b="0"/>
+      </a:fillRef>
+      <a:effectRef idx="0">
+        <a:scrgbClr r="0" g="0" b="0"/>
+      </a:effectRef>
+      <a:fontRef idx="minor"/>
+    </dgm:style>
+  </dgm:styleLbl>
+  <dgm:styleLbl name="parChTrans1D4">
+    <dgm:scene3d>
+      <a:camera prst="orthographicFront"/>
+      <a:lightRig rig="threePt" dir="t"/>
+    </dgm:scene3d>
+    <dgm:sp3d/>
+    <dgm:txPr/>
+    <dgm:style>
+      <a:lnRef idx="2">
+        <a:scrgbClr r="0" g="0" b="0"/>
+      </a:lnRef>
+      <a:fillRef idx="0">
+        <a:scrgbClr r="0" g="0" b="0"/>
+      </a:fillRef>
+      <a:effectRef idx="0">
+        <a:scrgbClr r="0" g="0" b="0"/>
+      </a:effectRef>
+      <a:fontRef idx="minor"/>
+    </dgm:style>
+  </dgm:styleLbl>
+  <dgm:styleLbl name="fgAcc1">
+    <dgm:scene3d>
+      <a:camera prst="orthographicFront"/>
+      <a:lightRig rig="threePt" dir="t"/>
+    </dgm:scene3d>
+    <dgm:sp3d/>
+    <dgm:txPr/>
+    <dgm:style>
+      <a:lnRef idx="2">
+        <a:scrgbClr r="0" g="0" b="0"/>
+      </a:lnRef>
+      <a:fillRef idx="1">
+        <a:scrgbClr r="0" g="0" b="0"/>
+      </a:fillRef>
+      <a:effectRef idx="0">
+        <a:scrgbClr r="0" g="0" b="0"/>
+      </a:effectRef>
+      <a:fontRef idx="minor"/>
+    </dgm:style>
+  </dgm:styleLbl>
+  <dgm:styleLbl name="conFgAcc1">
+    <dgm:scene3d>
+      <a:camera prst="orthographicFront"/>
+      <a:lightRig rig="threePt" dir="t"/>
+    </dgm:scene3d>
+    <dgm:sp3d/>
+    <dgm:txPr/>
+    <dgm:style>
+      <a:lnRef idx="2">
+        <a:scrgbClr r="0" g="0" b="0"/>
+      </a:lnRef>
+      <a:fillRef idx="1">
+        <a:scrgbClr r="0" g="0" b="0"/>
+      </a:fillRef>
+      <a:effectRef idx="0">
+        <a:scrgbClr r="0" g="0" b="0"/>
+      </a:effectRef>
+      <a:fontRef idx="minor"/>
+    </dgm:style>
+  </dgm:styleLbl>
+  <dgm:styleLbl name="alignAcc1">
+    <dgm:scene3d>
+      <a:camera prst="orthographicFront"/>
+      <a:lightRig rig="threePt" dir="t"/>
+    </dgm:scene3d>
+    <dgm:sp3d/>
+    <dgm:txPr/>
+    <dgm:style>
+      <a:lnRef idx="2">
+        <a:scrgbClr r="0" g="0" b="0"/>
+      </a:lnRef>
+      <a:fillRef idx="1">
+        <a:scrgbClr r="0" g="0" b="0"/>
+      </a:fillRef>
+      <a:effectRef idx="0">
+        <a:scrgbClr r="0" g="0" b="0"/>
+      </a:effectRef>
+      <a:fontRef idx="minor"/>
+    </dgm:style>
+  </dgm:styleLbl>
+  <dgm:styleLbl name="trAlignAcc1">
+    <dgm:scene3d>
+      <a:camera prst="orthographicFront"/>
+      <a:lightRig rig="threePt" dir="t"/>
+    </dgm:scene3d>
+    <dgm:sp3d/>
+    <dgm:txPr/>
+    <dgm:style>
+      <a:lnRef idx="1">
+        <a:scrgbClr r="0" g="0" b="0"/>
+      </a:lnRef>
+      <a:fillRef idx="1">
+        <a:scrgbClr r="0" g="0" b="0"/>
+      </a:fillRef>
+      <a:effectRef idx="0">
+        <a:scrgbClr r="0" g="0" b="0"/>
+      </a:effectRef>
+      <a:fontRef idx="minor"/>
+    </dgm:style>
+  </dgm:styleLbl>
+  <dgm:styleLbl name="bgAcc1">
+    <dgm:scene3d>
+      <a:camera prst="orthographicFront"/>
+      <a:lightRig rig="threePt" dir="t"/>
+    </dgm:scene3d>
+    <dgm:sp3d/>
+    <dgm:txPr/>
+    <dgm:style>
+      <a:lnRef idx="2">
+        <a:scrgbClr r="0" g="0" b="0"/>
+      </a:lnRef>
+      <a:fillRef idx="1">
+        <a:scrgbClr r="0" g="0" b="0"/>
+      </a:fillRef>
+      <a:effectRef idx="0">
+        <a:scrgbClr r="0" g="0" b="0"/>
+      </a:effectRef>
+      <a:fontRef idx="minor"/>
+    </dgm:style>
+  </dgm:styleLbl>
+  <dgm:styleLbl name="solidFgAcc1">
+    <dgm:scene3d>
+      <a:camera prst="orthographicFront"/>
+      <a:lightRig rig="threePt" dir="t"/>
+    </dgm:scene3d>
+    <dgm:sp3d/>
+    <dgm:txPr/>
+    <dgm:style>
+      <a:lnRef idx="2">
+        <a:scrgbClr r="0" g="0" b="0"/>
+      </a:lnRef>
+      <a:fillRef idx="1">
+        <a:scrgbClr r="0" g="0" b="0"/>
+      </a:fillRef>
+      <a:effectRef idx="0">
+        <a:scrgbClr r="0" g="0" b="0"/>
+      </a:effectRef>
+      <a:fontRef idx="minor"/>
+    </dgm:style>
+  </dgm:styleLbl>
+  <dgm:styleLbl name="solidAlignAcc1">
+    <dgm:scene3d>
+      <a:camera prst="orthographicFront"/>
+      <a:lightRig rig="threePt" dir="t"/>
+    </dgm:scene3d>
+    <dgm:sp3d/>
+    <dgm:txPr/>
+    <dgm:style>
+      <a:lnRef idx="2">
+        <a:scrgbClr r="0" g="0" b="0"/>
+      </a:lnRef>
+      <a:fillRef idx="1">
+        <a:scrgbClr r="0" g="0" b="0"/>
+      </a:fillRef>
+      <a:effectRef idx="0">
+        <a:scrgbClr r="0" g="0" b="0"/>
+      </a:effectRef>
+      <a:fontRef idx="minor"/>
+    </dgm:style>
+  </dgm:styleLbl>
+  <dgm:styleLbl name="solidBgAcc1">
+    <dgm:scene3d>
+      <a:camera prst="orthographicFront"/>
+      <a:lightRig rig="threePt" dir="t"/>
+    </dgm:scene3d>
+    <dgm:sp3d/>
+    <dgm:txPr/>
+    <dgm:style>
+      <a:lnRef idx="2">
+        <a:scrgbClr r="0" g="0" b="0"/>
+      </a:lnRef>
+      <a:fillRef idx="1">
+        <a:scrgbClr r="0" g="0" b="0"/>
+      </a:fillRef>
+      <a:effectRef idx="0">
+        <a:scrgbClr r="0" g="0" b="0"/>
+      </a:effectRef>
+      <a:fontRef idx="minor"/>
+    </dgm:style>
+  </dgm:styleLbl>
+  <dgm:styleLbl name="fgAccFollowNode1">
+    <dgm:scene3d>
+      <a:camera prst="orthographicFront"/>
+      <a:lightRig rig="threePt" dir="t"/>
+    </dgm:scene3d>
+    <dgm:sp3d/>
+    <dgm:txPr/>
+    <dgm:style>
+      <a:lnRef idx="2">
+        <a:scrgbClr r="0" g="0" b="0"/>
+      </a:lnRef>
+      <a:fillRef idx="1">
+        <a:scrgbClr r="0" g="0" b="0"/>
+      </a:fillRef>
+      <a:effectRef idx="0">
+        <a:scrgbClr r="0" g="0" b="0"/>
+      </a:effectRef>
+      <a:fontRef idx="minor"/>
+    </dgm:style>
+  </dgm:styleLbl>
+  <dgm:styleLbl name="alignAccFollowNode1">
+    <dgm:scene3d>
+      <a:camera prst="orthographicFront"/>
+      <a:lightRig rig="threePt" dir="t"/>
+    </dgm:scene3d>
+    <dgm:sp3d/>
+    <dgm:txPr/>
+    <dgm:style>
+      <a:lnRef idx="2">
+        <a:scrgbClr r="0" g="0" b="0"/>
+      </a:lnRef>
+      <a:fillRef idx="1">
+        <a:scrgbClr r="0" g="0" b="0"/>
+      </a:fillRef>
+      <a:effectRef idx="0">
+        <a:scrgbClr r="0" g="0" b="0"/>
+      </a:effectRef>
+      <a:fontRef idx="minor"/>
+    </dgm:style>
+  </dgm:styleLbl>
+  <dgm:styleLbl name="bgAccFollowNode1">
+    <dgm:scene3d>
+      <a:camera prst="orthographicFront"/>
+      <a:lightRig rig="threePt" dir="t"/>
+    </dgm:scene3d>
+    <dgm:sp3d/>
+    <dgm:txPr/>
+    <dgm:style>
+      <a:lnRef idx="2">
+        <a:scrgbClr r="0" g="0" b="0"/>
+      </a:lnRef>
+      <a:fillRef idx="1">
+        <a:scrgbClr r="0" g="0" b="0"/>
+      </a:fillRef>
+      <a:effectRef idx="0">
+        <a:scrgbClr r="0" g="0" b="0"/>
+      </a:effectRef>
+      <a:fontRef idx="minor"/>
+    </dgm:style>
+  </dgm:styleLbl>
+  <dgm:styleLbl name="fgAcc0">
+    <dgm:scene3d>
+      <a:camera prst="orthographicFront"/>
+      <a:lightRig rig="threePt" dir="t"/>
+    </dgm:scene3d>
+    <dgm:sp3d/>
+    <dgm:txPr/>
+    <dgm:style>
+      <a:lnRef idx="2">
+        <a:scrgbClr r="0" g="0" b="0"/>
+      </a:lnRef>
+      <a:fillRef idx="1">
+        <a:scrgbClr r="0" g="0" b="0"/>
+      </a:fillRef>
+      <a:effectRef idx="0">
+        <a:scrgbClr r="0" g="0" b="0"/>
+      </a:effectRef>
+      <a:fontRef idx="minor"/>
+    </dgm:style>
+  </dgm:styleLbl>
+  <dgm:styleLbl name="fgAcc2">
+    <dgm:scene3d>
+      <a:camera prst="orthographicFront"/>
+      <a:lightRig rig="threePt" dir="t"/>
+    </dgm:scene3d>
+    <dgm:sp3d/>
+    <dgm:txPr/>
+    <dgm:style>
+      <a:lnRef idx="2">
+        <a:scrgbClr r="0" g="0" b="0"/>
+      </a:lnRef>
+      <a:fillRef idx="1">
+        <a:scrgbClr r="0" g="0" b="0"/>
+      </a:fillRef>
+      <a:effectRef idx="0">
+        <a:scrgbClr r="0" g="0" b="0"/>
+      </a:effectRef>
+      <a:fontRef idx="minor"/>
+    </dgm:style>
+  </dgm:styleLbl>
+  <dgm:styleLbl name="fgAcc3">
+    <dgm:scene3d>
+      <a:camera prst="orthographicFront"/>
+      <a:lightRig rig="threePt" dir="t"/>
+    </dgm:scene3d>
+    <dgm:sp3d/>
+    <dgm:txPr/>
+    <dgm:style>
+      <a:lnRef idx="2">
+        <a:scrgbClr r="0" g="0" b="0"/>
+      </a:lnRef>
+      <a:fillRef idx="1">
+        <a:scrgbClr r="0" g="0" b="0"/>
+      </a:fillRef>
+      <a:effectRef idx="0">
+        <a:scrgbClr r="0" g="0" b="0"/>
+      </a:effectRef>
+      <a:fontRef idx="minor"/>
+    </dgm:style>
+  </dgm:styleLbl>
+  <dgm:styleLbl name="fgAcc4">
+    <dgm:scene3d>
+      <a:camera prst="orthographicFront"/>
+      <a:lightRig rig="threePt" dir="t"/>
+    </dgm:scene3d>
+    <dgm:sp3d/>
+    <dgm:txPr/>
+    <dgm:style>
+      <a:lnRef idx="2">
+        <a:scrgbClr r="0" g="0" b="0"/>
+      </a:lnRef>
+      <a:fillRef idx="1">
+        <a:scrgbClr r="0" g="0" b="0"/>
+      </a:fillRef>
+      <a:effectRef idx="0">
+        <a:scrgbClr r="0" g="0" b="0"/>
+      </a:effectRef>
+      <a:fontRef idx="minor"/>
+    </dgm:style>
+  </dgm:styleLbl>
+  <dgm:styleLbl name="bgShp">
+    <dgm:scene3d>
+      <a:camera prst="orthographicFront"/>
+      <a:lightRig rig="threePt" dir="t"/>
+    </dgm:scene3d>
+    <dgm:sp3d/>
+    <dgm:txPr/>
+    <dgm:style>
+      <a:lnRef idx="0">
+        <a:scrgbClr r="0" g="0" b="0"/>
+      </a:lnRef>
+      <a:fillRef idx="1">
+        <a:scrgbClr r="0" g="0" b="0"/>
+      </a:fillRef>
+      <a:effectRef idx="0">
+        <a:scrgbClr r="0" g="0" b="0"/>
+      </a:effectRef>
+      <a:fontRef idx="minor"/>
+    </dgm:style>
+  </dgm:styleLbl>
+  <dgm:styleLbl name="dkBgShp">
+    <dgm:scene3d>
+      <a:camera prst="orthographicFront"/>
+      <a:lightRig rig="threePt" dir="t"/>
+    </dgm:scene3d>
+    <dgm:sp3d/>
+    <dgm:txPr/>
+    <dgm:style>
+      <a:lnRef idx="0">
+        <a:scrgbClr r="0" g="0" b="0"/>
+      </a:lnRef>
+      <a:fillRef idx="1">
+        <a:scrgbClr r="0" g="0" b="0"/>
+      </a:fillRef>
+      <a:effectRef idx="0">
+        <a:scrgbClr r="0" g="0" b="0"/>
+      </a:effectRef>
+      <a:fontRef idx="minor"/>
+    </dgm:style>
+  </dgm:styleLbl>
+  <dgm:styleLbl name="trBgShp">
+    <dgm:scene3d>
+      <a:camera prst="orthographicFront"/>
+      <a:lightRig rig="threePt" dir="t"/>
+    </dgm:scene3d>
+    <dgm:sp3d/>
+    <dgm:txPr/>
+    <dgm:style>
+      <a:lnRef idx="0">
+        <a:scrgbClr r="0" g="0" b="0"/>
+      </a:lnRef>
+      <a:fillRef idx="1">
+        <a:scrgbClr r="0" g="0" b="0"/>
+      </a:fillRef>
+      <a:effectRef idx="0">
+        <a:scrgbClr r="0" g="0" b="0"/>
+      </a:effectRef>
+      <a:fontRef idx="minor"/>
+    </dgm:style>
+  </dgm:styleLbl>
+  <dgm:styleLbl name="fgShp">
+    <dgm:scene3d>
+      <a:camera prst="orthographicFront"/>
+      <a:lightRig rig="threePt" dir="t"/>
+    </dgm:scene3d>
+    <dgm:sp3d/>
+    <dgm:txPr/>
+    <dgm:style>
+      <a:lnRef idx="2">
+        <a:scrgbClr r="0" g="0" b="0"/>
+      </a:lnRef>
+      <a:fillRef idx="1">
+        <a:scrgbClr r="0" g="0" b="0"/>
+      </a:fillRef>
+      <a:effectRef idx="0">
+        <a:scrgbClr r="0" g="0" b="0"/>
+      </a:effectRef>
+      <a:fontRef idx="minor"/>
+    </dgm:style>
+  </dgm:styleLbl>
+  <dgm:styleLbl name="revTx">
+    <dgm:scene3d>
+      <a:camera prst="orthographicFront"/>
+      <a:lightRig rig="threePt" dir="t"/>
+    </dgm:scene3d>
+    <dgm:sp3d/>
+    <dgm:txPr/>
+    <dgm:style>
+      <a:lnRef idx="0">
+        <a:scrgbClr r="0" g="0" b="0"/>
+      </a:lnRef>
+      <a:fillRef idx="0">
+        <a:scrgbClr r="0" g="0" b="0"/>
+      </a:fillRef>
+      <a:effectRef idx="0">
+        <a:scrgbClr r="0" g="0" b="0"/>
+      </a:effectRef>
+      <a:fontRef idx="minor"/>
+    </dgm:style>
+  </dgm:styleLbl>
+</dgm:styleDef>
 </file>
 
 <file path=ppt/slideLayouts/slideLayout1.xml><?xml version="1.0" encoding="utf-8"?>
@@ -618,7 +4672,7 @@
           <a:p>
             <a:fld id="{78054F6C-6B88-4200-BC70-6B88F3BEA8B2}" type="datetimeFigureOut">
               <a:rPr lang="en-US" smtClean="0"/>
-              <a:t>4/5/2022</a:t>
+              <a:t>4/6/2022</a:t>
             </a:fld>
             <a:endParaRPr lang="en-US"/>
           </a:p>
@@ -914,7 +4968,7 @@
           <a:p>
             <a:fld id="{78054F6C-6B88-4200-BC70-6B88F3BEA8B2}" type="datetimeFigureOut">
               <a:rPr lang="en-US" smtClean="0"/>
-              <a:t>4/5/2022</a:t>
+              <a:t>4/6/2022</a:t>
             </a:fld>
             <a:endParaRPr lang="en-US"/>
           </a:p>
@@ -1162,7 +5216,7 @@
           <a:p>
             <a:fld id="{78054F6C-6B88-4200-BC70-6B88F3BEA8B2}" type="datetimeFigureOut">
               <a:rPr lang="en-US" smtClean="0"/>
-              <a:t>4/5/2022</a:t>
+              <a:t>4/6/2022</a:t>
             </a:fld>
             <a:endParaRPr lang="en-US"/>
           </a:p>
@@ -1702,7 +5756,7 @@
           <a:p>
             <a:fld id="{78054F6C-6B88-4200-BC70-6B88F3BEA8B2}" type="datetimeFigureOut">
               <a:rPr lang="en-US" smtClean="0"/>
-              <a:t>4/5/2022</a:t>
+              <a:t>4/6/2022</a:t>
             </a:fld>
             <a:endParaRPr lang="en-US"/>
           </a:p>
@@ -1950,7 +6004,7 @@
           <a:p>
             <a:fld id="{78054F6C-6B88-4200-BC70-6B88F3BEA8B2}" type="datetimeFigureOut">
               <a:rPr lang="en-US" smtClean="0"/>
-              <a:t>4/5/2022</a:t>
+              <a:t>4/6/2022</a:t>
             </a:fld>
             <a:endParaRPr lang="en-US"/>
           </a:p>
@@ -2482,7 +6536,7 @@
           <a:p>
             <a:fld id="{78054F6C-6B88-4200-BC70-6B88F3BEA8B2}" type="datetimeFigureOut">
               <a:rPr lang="en-US" smtClean="0"/>
-              <a:t>4/5/2022</a:t>
+              <a:t>4/6/2022</a:t>
             </a:fld>
             <a:endParaRPr lang="en-US"/>
           </a:p>
@@ -2779,7 +6833,7 @@
           <a:p>
             <a:fld id="{78054F6C-6B88-4200-BC70-6B88F3BEA8B2}" type="datetimeFigureOut">
               <a:rPr lang="en-US" smtClean="0"/>
-              <a:t>4/5/2022</a:t>
+              <a:t>4/6/2022</a:t>
             </a:fld>
             <a:endParaRPr lang="en-US"/>
           </a:p>
@@ -2953,7 +7007,7 @@
           <a:p>
             <a:fld id="{78054F6C-6B88-4200-BC70-6B88F3BEA8B2}" type="datetimeFigureOut">
               <a:rPr lang="en-US" smtClean="0"/>
-              <a:t>4/5/2022</a:t>
+              <a:t>4/6/2022</a:t>
             </a:fld>
             <a:endParaRPr lang="en-US"/>
           </a:p>
@@ -3133,7 +7187,7 @@
           <a:p>
             <a:fld id="{78054F6C-6B88-4200-BC70-6B88F3BEA8B2}" type="datetimeFigureOut">
               <a:rPr lang="en-US" smtClean="0"/>
-              <a:t>4/5/2022</a:t>
+              <a:t>4/6/2022</a:t>
             </a:fld>
             <a:endParaRPr lang="en-US"/>
           </a:p>
@@ -3303,7 +7357,7 @@
           <a:p>
             <a:fld id="{78054F6C-6B88-4200-BC70-6B88F3BEA8B2}" type="datetimeFigureOut">
               <a:rPr lang="en-US" smtClean="0"/>
-              <a:t>4/5/2022</a:t>
+              <a:t>4/6/2022</a:t>
             </a:fld>
             <a:endParaRPr lang="en-US"/>
           </a:p>
@@ -3554,7 +7608,7 @@
           <a:p>
             <a:fld id="{78054F6C-6B88-4200-BC70-6B88F3BEA8B2}" type="datetimeFigureOut">
               <a:rPr lang="en-US" smtClean="0"/>
-              <a:t>4/5/2022</a:t>
+              <a:t>4/6/2022</a:t>
             </a:fld>
             <a:endParaRPr lang="en-US"/>
           </a:p>
@@ -3851,7 +7905,7 @@
           <a:p>
             <a:fld id="{78054F6C-6B88-4200-BC70-6B88F3BEA8B2}" type="datetimeFigureOut">
               <a:rPr lang="en-US" smtClean="0"/>
-              <a:t>4/5/2022</a:t>
+              <a:t>4/6/2022</a:t>
             </a:fld>
             <a:endParaRPr lang="en-US"/>
           </a:p>
@@ -4293,7 +8347,7 @@
           <a:p>
             <a:fld id="{78054F6C-6B88-4200-BC70-6B88F3BEA8B2}" type="datetimeFigureOut">
               <a:rPr lang="en-US" smtClean="0"/>
-              <a:t>4/5/2022</a:t>
+              <a:t>4/6/2022</a:t>
             </a:fld>
             <a:endParaRPr lang="en-US"/>
           </a:p>
@@ -4411,7 +8465,7 @@
           <a:p>
             <a:fld id="{78054F6C-6B88-4200-BC70-6B88F3BEA8B2}" type="datetimeFigureOut">
               <a:rPr lang="en-US" smtClean="0"/>
-              <a:t>4/5/2022</a:t>
+              <a:t>4/6/2022</a:t>
             </a:fld>
             <a:endParaRPr lang="en-US"/>
           </a:p>
@@ -4506,7 +8560,7 @@
           <a:p>
             <a:fld id="{78054F6C-6B88-4200-BC70-6B88F3BEA8B2}" type="datetimeFigureOut">
               <a:rPr lang="en-US" smtClean="0"/>
-              <a:t>4/5/2022</a:t>
+              <a:t>4/6/2022</a:t>
             </a:fld>
             <a:endParaRPr lang="en-US"/>
           </a:p>
@@ -4789,7 +8843,7 @@
           <a:p>
             <a:fld id="{78054F6C-6B88-4200-BC70-6B88F3BEA8B2}" type="datetimeFigureOut">
               <a:rPr lang="en-US" smtClean="0"/>
-              <a:t>4/5/2022</a:t>
+              <a:t>4/6/2022</a:t>
             </a:fld>
             <a:endParaRPr lang="en-US"/>
           </a:p>
@@ -5080,7 +9134,7 @@
           <a:p>
             <a:fld id="{78054F6C-6B88-4200-BC70-6B88F3BEA8B2}" type="datetimeFigureOut">
               <a:rPr lang="en-US" smtClean="0"/>
-              <a:t>4/5/2022</a:t>
+              <a:t>4/6/2022</a:t>
             </a:fld>
             <a:endParaRPr lang="en-US"/>
           </a:p>
@@ -5610,7 +9664,7 @@
           <a:p>
             <a:fld id="{78054F6C-6B88-4200-BC70-6B88F3BEA8B2}" type="datetimeFigureOut">
               <a:rPr lang="en-US" smtClean="0"/>
-              <a:t>4/5/2022</a:t>
+              <a:t>4/6/2022</a:t>
             </a:fld>
             <a:endParaRPr lang="en-US"/>
           </a:p>
@@ -6127,6 +10181,631 @@
 <file path=ppt/slides/slide1.xml><?xml version="1.0" encoding="utf-8"?>
 <p:sld xmlns:a="http://schemas.openxmlformats.org/drawingml/2006/main" xmlns:r="http://schemas.openxmlformats.org/officeDocument/2006/relationships" xmlns:p="http://schemas.openxmlformats.org/presentationml/2006/main">
   <p:cSld>
+    <p:bg>
+      <p:bgPr>
+        <a:blipFill rotWithShape="1">
+          <a:blip r:embed="rId2">
+            <a:duotone>
+              <a:schemeClr val="bg2">
+                <a:shade val="76000"/>
+                <a:satMod val="180000"/>
+              </a:schemeClr>
+              <a:schemeClr val="bg2">
+                <a:tint val="80000"/>
+                <a:satMod val="120000"/>
+                <a:lumMod val="180000"/>
+              </a:schemeClr>
+            </a:duotone>
+          </a:blip>
+          <a:stretch/>
+        </a:blipFill>
+        <a:effectLst/>
+      </p:bgPr>
+    </p:bg>
+    <p:spTree>
+      <p:nvGrpSpPr>
+        <p:cNvPr id="1" name=""/>
+        <p:cNvGrpSpPr/>
+        <p:nvPr/>
+      </p:nvGrpSpPr>
+      <p:grpSpPr>
+        <a:xfrm>
+          <a:off x="0" y="0"/>
+          <a:ext cx="0" cy="0"/>
+          <a:chOff x="0" y="0"/>
+          <a:chExt cx="0" cy="0"/>
+        </a:xfrm>
+      </p:grpSpPr>
+      <p:pic>
+        <p:nvPicPr>
+          <p:cNvPr id="5" name="Picture 4" descr="Digital financial graph">
+            <a:extLst>
+              <a:ext uri="{FF2B5EF4-FFF2-40B4-BE49-F238E27FC236}">
+                <a16:creationId xmlns:a16="http://schemas.microsoft.com/office/drawing/2014/main" id="{64581C78-FC12-DFD0-16F1-9C6221913A3E}"/>
+              </a:ext>
+            </a:extLst>
+          </p:cNvPr>
+          <p:cNvPicPr>
+            <a:picLocks noChangeAspect="1"/>
+          </p:cNvPicPr>
+          <p:nvPr/>
+        </p:nvPicPr>
+        <p:blipFill rotWithShape="1">
+          <a:blip r:embed="rId3">
+            <a:duotone>
+              <a:schemeClr val="bg2">
+                <a:shade val="45000"/>
+                <a:satMod val="135000"/>
+              </a:schemeClr>
+              <a:prstClr val="white"/>
+            </a:duotone>
+            <a:alphaModFix amt="35000"/>
+          </a:blip>
+          <a:srcRect/>
+          <a:stretch/>
+        </p:blipFill>
+        <p:spPr>
+          <a:xfrm>
+            <a:off x="20" y="10"/>
+            <a:ext cx="12191980" cy="6857990"/>
+          </a:xfrm>
+          <a:prstGeom prst="rect">
+            <a:avLst/>
+          </a:prstGeom>
+        </p:spPr>
+      </p:pic>
+      <p:grpSp>
+        <p:nvGrpSpPr>
+          <p:cNvPr id="9" name="Group 8">
+            <a:extLst>
+              <a:ext uri="{FF2B5EF4-FFF2-40B4-BE49-F238E27FC236}">
+                <a16:creationId xmlns:a16="http://schemas.microsoft.com/office/drawing/2014/main" id="{503816F2-40D5-4C23-AF57-063E3923610A}"/>
+              </a:ext>
+              <a:ext uri="{C183D7F6-B498-43B3-948B-1728B52AA6E4}">
+                <adec:decorative xmlns:adec="http://schemas.microsoft.com/office/drawing/2017/decorative" val="1"/>
+              </a:ext>
+            </a:extLst>
+          </p:cNvPr>
+          <p:cNvGrpSpPr>
+            <a:grpSpLocks noGrp="1" noUngrp="1" noRot="1" noChangeAspect="1" noMove="1" noResize="1"/>
+          </p:cNvGrpSpPr>
+          <p:nvPr>
+            <p:extLst>
+              <p:ext uri="{386F3935-93C4-4BCD-93E2-E3B085C9AB24}">
+                <p16:designElem xmlns:p16="http://schemas.microsoft.com/office/powerpoint/2015/main" val="1"/>
+              </p:ext>
+            </p:extLst>
+          </p:nvPr>
+        </p:nvGrpSpPr>
+        <p:grpSpPr>
+          <a:xfrm>
+            <a:off x="546100" y="-4763"/>
+            <a:ext cx="5014912" cy="6862763"/>
+            <a:chOff x="2928938" y="-4763"/>
+            <a:chExt cx="5014912" cy="6862763"/>
+          </a:xfrm>
+        </p:grpSpPr>
+        <p:sp>
+          <p:nvSpPr>
+            <p:cNvPr id="10" name="Freeform 6">
+              <a:extLst>
+                <a:ext uri="{FF2B5EF4-FFF2-40B4-BE49-F238E27FC236}">
+                  <a16:creationId xmlns:a16="http://schemas.microsoft.com/office/drawing/2014/main" id="{DBF222D0-66E9-48F8-B249-75AF858DFD1E}"/>
+                </a:ext>
+                <a:ext uri="{C183D7F6-B498-43B3-948B-1728B52AA6E4}">
+                  <adec:decorative xmlns:adec="http://schemas.microsoft.com/office/drawing/2017/decorative" val="1"/>
+                </a:ext>
+              </a:extLst>
+            </p:cNvPr>
+            <p:cNvSpPr/>
+            <p:nvPr>
+              <p:extLst>
+                <p:ext uri="{386F3935-93C4-4BCD-93E2-E3B085C9AB24}">
+                  <p16:designElem xmlns:p16="http://schemas.microsoft.com/office/powerpoint/2015/main" val="1"/>
+                </p:ext>
+              </p:extLst>
+            </p:nvPr>
+          </p:nvSpPr>
+          <p:spPr bwMode="auto">
+            <a:xfrm>
+              <a:off x="3367088" y="-4763"/>
+              <a:ext cx="1063625" cy="2782888"/>
+            </a:xfrm>
+            <a:custGeom>
+              <a:avLst/>
+              <a:gdLst/>
+              <a:ahLst/>
+              <a:cxnLst/>
+              <a:rect l="0" t="0" r="r" b="b"/>
+              <a:pathLst>
+                <a:path w="670" h="1753">
+                  <a:moveTo>
+                    <a:pt x="0" y="1696"/>
+                  </a:moveTo>
+                  <a:lnTo>
+                    <a:pt x="225" y="1753"/>
+                  </a:lnTo>
+                  <a:lnTo>
+                    <a:pt x="670" y="0"/>
+                  </a:lnTo>
+                  <a:lnTo>
+                    <a:pt x="430" y="0"/>
+                  </a:lnTo>
+                  <a:lnTo>
+                    <a:pt x="0" y="1696"/>
+                  </a:lnTo>
+                  <a:close/>
+                </a:path>
+              </a:pathLst>
+            </a:custGeom>
+            <a:solidFill>
+              <a:schemeClr val="accent1"/>
+            </a:solidFill>
+            <a:ln>
+              <a:noFill/>
+            </a:ln>
+          </p:spPr>
+        </p:sp>
+        <p:sp>
+          <p:nvSpPr>
+            <p:cNvPr id="11" name="Freeform 7">
+              <a:extLst>
+                <a:ext uri="{FF2B5EF4-FFF2-40B4-BE49-F238E27FC236}">
+                  <a16:creationId xmlns:a16="http://schemas.microsoft.com/office/drawing/2014/main" id="{5312FABD-B1AF-4E20-A8BF-0A6F0C42C8BE}"/>
+                </a:ext>
+                <a:ext uri="{C183D7F6-B498-43B3-948B-1728B52AA6E4}">
+                  <adec:decorative xmlns:adec="http://schemas.microsoft.com/office/drawing/2017/decorative" val="1"/>
+                </a:ext>
+              </a:extLst>
+            </p:cNvPr>
+            <p:cNvSpPr/>
+            <p:nvPr>
+              <p:extLst>
+                <p:ext uri="{386F3935-93C4-4BCD-93E2-E3B085C9AB24}">
+                  <p16:designElem xmlns:p16="http://schemas.microsoft.com/office/powerpoint/2015/main" val="1"/>
+                </p:ext>
+              </p:extLst>
+            </p:nvPr>
+          </p:nvSpPr>
+          <p:spPr bwMode="auto">
+            <a:xfrm>
+              <a:off x="2928938" y="-4763"/>
+              <a:ext cx="1035050" cy="2673350"/>
+            </a:xfrm>
+            <a:custGeom>
+              <a:avLst/>
+              <a:gdLst/>
+              <a:ahLst/>
+              <a:cxnLst/>
+              <a:rect l="0" t="0" r="r" b="b"/>
+              <a:pathLst>
+                <a:path w="652" h="1684">
+                  <a:moveTo>
+                    <a:pt x="225" y="1684"/>
+                  </a:moveTo>
+                  <a:lnTo>
+                    <a:pt x="652" y="0"/>
+                  </a:lnTo>
+                  <a:lnTo>
+                    <a:pt x="411" y="0"/>
+                  </a:lnTo>
+                  <a:lnTo>
+                    <a:pt x="0" y="1627"/>
+                  </a:lnTo>
+                  <a:lnTo>
+                    <a:pt x="219" y="1681"/>
+                  </a:lnTo>
+                  <a:lnTo>
+                    <a:pt x="225" y="1684"/>
+                  </a:lnTo>
+                  <a:close/>
+                </a:path>
+              </a:pathLst>
+            </a:custGeom>
+            <a:solidFill>
+              <a:schemeClr val="tx1">
+                <a:lumMod val="65000"/>
+                <a:lumOff val="35000"/>
+              </a:schemeClr>
+            </a:solidFill>
+            <a:ln>
+              <a:noFill/>
+            </a:ln>
+          </p:spPr>
+        </p:sp>
+        <p:sp>
+          <p:nvSpPr>
+            <p:cNvPr id="12" name="Freeform 9">
+              <a:extLst>
+                <a:ext uri="{FF2B5EF4-FFF2-40B4-BE49-F238E27FC236}">
+                  <a16:creationId xmlns:a16="http://schemas.microsoft.com/office/drawing/2014/main" id="{E6E2E6E5-F3C0-4B1A-8CEF-1F057A280403}"/>
+                </a:ext>
+                <a:ext uri="{C183D7F6-B498-43B3-948B-1728B52AA6E4}">
+                  <adec:decorative xmlns:adec="http://schemas.microsoft.com/office/drawing/2017/decorative" val="1"/>
+                </a:ext>
+              </a:extLst>
+            </p:cNvPr>
+            <p:cNvSpPr/>
+            <p:nvPr>
+              <p:extLst>
+                <p:ext uri="{386F3935-93C4-4BCD-93E2-E3B085C9AB24}">
+                  <p16:designElem xmlns:p16="http://schemas.microsoft.com/office/powerpoint/2015/main" val="1"/>
+                </p:ext>
+              </p:extLst>
+            </p:nvPr>
+          </p:nvSpPr>
+          <p:spPr bwMode="auto">
+            <a:xfrm>
+              <a:off x="2928938" y="2582862"/>
+              <a:ext cx="2693987" cy="4275138"/>
+            </a:xfrm>
+            <a:custGeom>
+              <a:avLst/>
+              <a:gdLst/>
+              <a:ahLst/>
+              <a:cxnLst/>
+              <a:rect l="0" t="0" r="r" b="b"/>
+              <a:pathLst>
+                <a:path w="1697" h="2693">
+                  <a:moveTo>
+                    <a:pt x="0" y="0"/>
+                  </a:moveTo>
+                  <a:lnTo>
+                    <a:pt x="1622" y="2693"/>
+                  </a:lnTo>
+                  <a:lnTo>
+                    <a:pt x="1697" y="2693"/>
+                  </a:lnTo>
+                  <a:lnTo>
+                    <a:pt x="0" y="0"/>
+                  </a:lnTo>
+                  <a:close/>
+                </a:path>
+              </a:pathLst>
+            </a:custGeom>
+            <a:solidFill>
+              <a:schemeClr val="tx1">
+                <a:lumMod val="85000"/>
+                <a:lumOff val="15000"/>
+              </a:schemeClr>
+            </a:solidFill>
+            <a:ln>
+              <a:noFill/>
+            </a:ln>
+          </p:spPr>
+        </p:sp>
+        <p:sp>
+          <p:nvSpPr>
+            <p:cNvPr id="13" name="Freeform 10">
+              <a:extLst>
+                <a:ext uri="{FF2B5EF4-FFF2-40B4-BE49-F238E27FC236}">
+                  <a16:creationId xmlns:a16="http://schemas.microsoft.com/office/drawing/2014/main" id="{850A45DB-9259-4551-88A8-0D3D3E4FD460}"/>
+                </a:ext>
+                <a:ext uri="{C183D7F6-B498-43B3-948B-1728B52AA6E4}">
+                  <adec:decorative xmlns:adec="http://schemas.microsoft.com/office/drawing/2017/decorative" val="1"/>
+                </a:ext>
+              </a:extLst>
+            </p:cNvPr>
+            <p:cNvSpPr/>
+            <p:nvPr>
+              <p:extLst>
+                <p:ext uri="{386F3935-93C4-4BCD-93E2-E3B085C9AB24}">
+                  <p16:designElem xmlns:p16="http://schemas.microsoft.com/office/powerpoint/2015/main" val="1"/>
+                </p:ext>
+              </p:extLst>
+            </p:nvPr>
+          </p:nvSpPr>
+          <p:spPr bwMode="auto">
+            <a:xfrm>
+              <a:off x="3371850" y="2692400"/>
+              <a:ext cx="3332162" cy="4165600"/>
+            </a:xfrm>
+            <a:custGeom>
+              <a:avLst/>
+              <a:gdLst/>
+              <a:ahLst/>
+              <a:cxnLst/>
+              <a:rect l="0" t="0" r="r" b="b"/>
+              <a:pathLst>
+                <a:path w="2099" h="2624">
+                  <a:moveTo>
+                    <a:pt x="2099" y="2624"/>
+                  </a:moveTo>
+                  <a:lnTo>
+                    <a:pt x="0" y="0"/>
+                  </a:lnTo>
+                  <a:lnTo>
+                    <a:pt x="2021" y="2624"/>
+                  </a:lnTo>
+                  <a:lnTo>
+                    <a:pt x="2099" y="2624"/>
+                  </a:lnTo>
+                  <a:close/>
+                </a:path>
+              </a:pathLst>
+            </a:custGeom>
+            <a:solidFill>
+              <a:schemeClr val="accent1">
+                <a:lumMod val="50000"/>
+              </a:schemeClr>
+            </a:solidFill>
+            <a:ln>
+              <a:noFill/>
+            </a:ln>
+          </p:spPr>
+        </p:sp>
+        <p:sp>
+          <p:nvSpPr>
+            <p:cNvPr id="14" name="Freeform 11">
+              <a:extLst>
+                <a:ext uri="{FF2B5EF4-FFF2-40B4-BE49-F238E27FC236}">
+                  <a16:creationId xmlns:a16="http://schemas.microsoft.com/office/drawing/2014/main" id="{615A3848-AC67-4C67-A516-2823179F071D}"/>
+                </a:ext>
+                <a:ext uri="{C183D7F6-B498-43B3-948B-1728B52AA6E4}">
+                  <adec:decorative xmlns:adec="http://schemas.microsoft.com/office/drawing/2017/decorative" val="1"/>
+                </a:ext>
+              </a:extLst>
+            </p:cNvPr>
+            <p:cNvSpPr/>
+            <p:nvPr>
+              <p:extLst>
+                <p:ext uri="{386F3935-93C4-4BCD-93E2-E3B085C9AB24}">
+                  <p16:designElem xmlns:p16="http://schemas.microsoft.com/office/powerpoint/2015/main" val="1"/>
+                </p:ext>
+              </p:extLst>
+            </p:nvPr>
+          </p:nvSpPr>
+          <p:spPr bwMode="auto">
+            <a:xfrm>
+              <a:off x="3367088" y="2687637"/>
+              <a:ext cx="4576762" cy="4170363"/>
+            </a:xfrm>
+            <a:custGeom>
+              <a:avLst/>
+              <a:gdLst/>
+              <a:ahLst/>
+              <a:cxnLst/>
+              <a:rect l="0" t="0" r="r" b="b"/>
+              <a:pathLst>
+                <a:path w="2883" h="2627">
+                  <a:moveTo>
+                    <a:pt x="0" y="0"/>
+                  </a:moveTo>
+                  <a:lnTo>
+                    <a:pt x="3" y="3"/>
+                  </a:lnTo>
+                  <a:lnTo>
+                    <a:pt x="2102" y="2627"/>
+                  </a:lnTo>
+                  <a:lnTo>
+                    <a:pt x="2883" y="2627"/>
+                  </a:lnTo>
+                  <a:lnTo>
+                    <a:pt x="225" y="57"/>
+                  </a:lnTo>
+                  <a:lnTo>
+                    <a:pt x="0" y="0"/>
+                  </a:lnTo>
+                  <a:close/>
+                </a:path>
+              </a:pathLst>
+            </a:custGeom>
+            <a:solidFill>
+              <a:schemeClr val="accent1">
+                <a:lumMod val="75000"/>
+              </a:schemeClr>
+            </a:solidFill>
+            <a:ln>
+              <a:noFill/>
+            </a:ln>
+          </p:spPr>
+        </p:sp>
+        <p:sp>
+          <p:nvSpPr>
+            <p:cNvPr id="15" name="Freeform 12">
+              <a:extLst>
+                <a:ext uri="{FF2B5EF4-FFF2-40B4-BE49-F238E27FC236}">
+                  <a16:creationId xmlns:a16="http://schemas.microsoft.com/office/drawing/2014/main" id="{13BA5F40-CE6A-44DD-BBCE-EA36A12F39AC}"/>
+                </a:ext>
+                <a:ext uri="{C183D7F6-B498-43B3-948B-1728B52AA6E4}">
+                  <adec:decorative xmlns:adec="http://schemas.microsoft.com/office/drawing/2017/decorative" val="1"/>
+                </a:ext>
+              </a:extLst>
+            </p:cNvPr>
+            <p:cNvSpPr/>
+            <p:nvPr>
+              <p:extLst>
+                <p:ext uri="{386F3935-93C4-4BCD-93E2-E3B085C9AB24}">
+                  <p16:designElem xmlns:p16="http://schemas.microsoft.com/office/powerpoint/2015/main" val="1"/>
+                </p:ext>
+              </p:extLst>
+            </p:nvPr>
+          </p:nvSpPr>
+          <p:spPr bwMode="auto">
+            <a:xfrm>
+              <a:off x="2928938" y="2578100"/>
+              <a:ext cx="3584575" cy="4279900"/>
+            </a:xfrm>
+            <a:custGeom>
+              <a:avLst/>
+              <a:gdLst/>
+              <a:ahLst/>
+              <a:cxnLst/>
+              <a:rect l="0" t="0" r="r" b="b"/>
+              <a:pathLst>
+                <a:path w="2258" h="2696">
+                  <a:moveTo>
+                    <a:pt x="2258" y="2696"/>
+                  </a:moveTo>
+                  <a:lnTo>
+                    <a:pt x="264" y="111"/>
+                  </a:lnTo>
+                  <a:lnTo>
+                    <a:pt x="228" y="60"/>
+                  </a:lnTo>
+                  <a:lnTo>
+                    <a:pt x="225" y="57"/>
+                  </a:lnTo>
+                  <a:lnTo>
+                    <a:pt x="0" y="0"/>
+                  </a:lnTo>
+                  <a:lnTo>
+                    <a:pt x="0" y="3"/>
+                  </a:lnTo>
+                  <a:lnTo>
+                    <a:pt x="1697" y="2696"/>
+                  </a:lnTo>
+                  <a:lnTo>
+                    <a:pt x="2258" y="2696"/>
+                  </a:lnTo>
+                  <a:close/>
+                </a:path>
+              </a:pathLst>
+            </a:custGeom>
+            <a:solidFill>
+              <a:schemeClr val="tx1">
+                <a:lumMod val="75000"/>
+                <a:lumOff val="25000"/>
+              </a:schemeClr>
+            </a:solidFill>
+            <a:ln>
+              <a:noFill/>
+            </a:ln>
+          </p:spPr>
+        </p:sp>
+      </p:grpSp>
+      <p:sp>
+        <p:nvSpPr>
+          <p:cNvPr id="2" name="Title 1">
+            <a:extLst>
+              <a:ext uri="{FF2B5EF4-FFF2-40B4-BE49-F238E27FC236}">
+                <a16:creationId xmlns:a16="http://schemas.microsoft.com/office/drawing/2014/main" id="{532700F0-521F-433D-9049-B7CC9857E18B}"/>
+              </a:ext>
+            </a:extLst>
+          </p:cNvPr>
+          <p:cNvSpPr>
+            <a:spLocks noGrp="1"/>
+          </p:cNvSpPr>
+          <p:nvPr>
+            <p:ph type="ctrTitle"/>
+          </p:nvPr>
+        </p:nvSpPr>
+        <p:spPr>
+          <a:xfrm>
+            <a:off x="2928401" y="1380068"/>
+            <a:ext cx="8574622" cy="2616199"/>
+          </a:xfrm>
+        </p:spPr>
+        <p:txBody>
+          <a:bodyPr>
+            <a:normAutofit/>
+          </a:bodyPr>
+          <a:lstStyle/>
+          <a:p>
+            <a:r>
+              <a:rPr lang="en-US" dirty="0"/>
+              <a:t>Remote Monitoring System</a:t>
+            </a:r>
+          </a:p>
+        </p:txBody>
+      </p:sp>
+      <p:sp>
+        <p:nvSpPr>
+          <p:cNvPr id="3" name="Subtitle 2">
+            <a:extLst>
+              <a:ext uri="{FF2B5EF4-FFF2-40B4-BE49-F238E27FC236}">
+                <a16:creationId xmlns:a16="http://schemas.microsoft.com/office/drawing/2014/main" id="{99A03AF7-EB47-4754-B2EC-E949AEC05572}"/>
+              </a:ext>
+            </a:extLst>
+          </p:cNvPr>
+          <p:cNvSpPr>
+            <a:spLocks noGrp="1"/>
+          </p:cNvSpPr>
+          <p:nvPr>
+            <p:ph type="subTitle" idx="1"/>
+          </p:nvPr>
+        </p:nvSpPr>
+        <p:spPr>
+          <a:xfrm>
+            <a:off x="4515377" y="3996267"/>
+            <a:ext cx="6987645" cy="1388534"/>
+          </a:xfrm>
+        </p:spPr>
+        <p:txBody>
+          <a:bodyPr>
+            <a:normAutofit/>
+          </a:bodyPr>
+          <a:lstStyle/>
+          <a:p>
+            <a:pPr>
+              <a:lnSpc>
+                <a:spcPct val="90000"/>
+              </a:lnSpc>
+            </a:pPr>
+            <a:r>
+              <a:rPr lang="en-US" sz="1600"/>
+              <a:t>Design: Tianze(Bruce) Wu</a:t>
+            </a:r>
+          </a:p>
+          <a:p>
+            <a:pPr>
+              <a:lnSpc>
+                <a:spcPct val="90000"/>
+              </a:lnSpc>
+            </a:pPr>
+            <a:r>
+              <a:rPr lang="en-US" sz="1600"/>
+              <a:t>Mentor: Steven McClain</a:t>
+            </a:r>
+          </a:p>
+          <a:p>
+            <a:pPr>
+              <a:lnSpc>
+                <a:spcPct val="90000"/>
+              </a:lnSpc>
+            </a:pPr>
+            <a:r>
+              <a:rPr lang="en-US" sz="1600"/>
+              <a:t>April 6</a:t>
+            </a:r>
+            <a:r>
+              <a:rPr lang="en-US" sz="1600" baseline="30000"/>
+              <a:t>th</a:t>
+            </a:r>
+            <a:r>
+              <a:rPr lang="en-US" sz="1600"/>
+              <a:t> 2022</a:t>
+            </a:r>
+          </a:p>
+          <a:p>
+            <a:pPr>
+              <a:lnSpc>
+                <a:spcPct val="90000"/>
+              </a:lnSpc>
+            </a:pPr>
+            <a:r>
+              <a:rPr lang="en-US" sz="1600"/>
+              <a:t>COMM2443/ELEX4560</a:t>
+            </a:r>
+          </a:p>
+        </p:txBody>
+      </p:sp>
+    </p:spTree>
+    <p:extLst>
+      <p:ext uri="{BB962C8B-B14F-4D97-AF65-F5344CB8AC3E}">
+        <p14:creationId xmlns:p14="http://schemas.microsoft.com/office/powerpoint/2010/main" val="3653689032"/>
+      </p:ext>
+    </p:extLst>
+  </p:cSld>
+  <p:clrMapOvr>
+    <a:masterClrMapping/>
+  </p:clrMapOvr>
+</p:sld>
+</file>
+
+<file path=ppt/slides/slide10.xml><?xml version="1.0" encoding="utf-8"?>
+<p:sld xmlns:a="http://schemas.openxmlformats.org/drawingml/2006/main" xmlns:r="http://schemas.openxmlformats.org/officeDocument/2006/relationships" xmlns:p="http://schemas.openxmlformats.org/presentationml/2006/main">
+  <p:cSld>
     <p:spTree>
       <p:nvGrpSpPr>
         <p:cNvPr id="1" name=""/>
@@ -6146,7 +10825,7 @@
           <p:cNvPr id="2" name="Title 1">
             <a:extLst>
               <a:ext uri="{FF2B5EF4-FFF2-40B4-BE49-F238E27FC236}">
-                <a16:creationId xmlns:a16="http://schemas.microsoft.com/office/drawing/2014/main" id="{532700F0-521F-433D-9049-B7CC9857E18B}"/>
+                <a16:creationId xmlns:a16="http://schemas.microsoft.com/office/drawing/2014/main" id="{BFA8F037-1777-4096-82FC-70AD5943F26D}"/>
               </a:ext>
             </a:extLst>
           </p:cNvPr>
@@ -6154,32 +10833,27 @@
             <a:spLocks noGrp="1"/>
           </p:cNvSpPr>
           <p:nvPr>
-            <p:ph type="ctrTitle"/>
+            <p:ph type="title"/>
           </p:nvPr>
         </p:nvSpPr>
-        <p:spPr>
-          <a:xfrm>
-            <a:off x="2188724" y="245534"/>
-            <a:ext cx="9207295" cy="2616199"/>
-          </a:xfrm>
-        </p:spPr>
+        <p:spPr/>
         <p:txBody>
           <a:bodyPr/>
           <a:lstStyle/>
           <a:p>
             <a:r>
               <a:rPr lang="en-US" dirty="0"/>
-              <a:t>Remote Monitoring System</a:t>
+              <a:t>Demonstration</a:t>
             </a:r>
           </a:p>
         </p:txBody>
       </p:sp>
       <p:sp>
         <p:nvSpPr>
-          <p:cNvPr id="3" name="Subtitle 2">
+          <p:cNvPr id="3" name="Content Placeholder 2">
             <a:extLst>
               <a:ext uri="{FF2B5EF4-FFF2-40B4-BE49-F238E27FC236}">
-                <a16:creationId xmlns:a16="http://schemas.microsoft.com/office/drawing/2014/main" id="{99A03AF7-EB47-4754-B2EC-E949AEC05572}"/>
+                <a16:creationId xmlns:a16="http://schemas.microsoft.com/office/drawing/2014/main" id="{1A8D4E1F-502C-4D42-AAFE-F6D6B9756783}"/>
               </a:ext>
             </a:extLst>
           </p:cNvPr>
@@ -6187,45 +10861,41 @@
             <a:spLocks noGrp="1"/>
           </p:cNvSpPr>
           <p:nvPr>
-            <p:ph type="subTitle" idx="1"/>
+            <p:ph idx="1"/>
           </p:nvPr>
         </p:nvSpPr>
         <p:spPr/>
         <p:txBody>
-          <a:bodyPr>
-            <a:normAutofit fontScale="85000" lnSpcReduction="20000"/>
-          </a:bodyPr>
+          <a:bodyPr/>
           <a:lstStyle/>
           <a:p>
+            <a:pPr lvl="1">
+              <a:buFont typeface="Wingdings" panose="05000000000000000000" pitchFamily="2" charset="2"/>
+              <a:buChar char="§"/>
+            </a:pPr>
             <a:r>
               <a:rPr lang="en-US" dirty="0"/>
-              <a:t>Design: Tianze(Bruce) Wu</a:t>
+              <a:t>Alarm –  Trigger the alarm when Temperature/Moisture reach the preset value for entire system. </a:t>
             </a:r>
           </a:p>
           <a:p>
+            <a:pPr lvl="1">
+              <a:buFont typeface="Wingdings" panose="05000000000000000000" pitchFamily="2" charset="2"/>
+              <a:buChar char="§"/>
+            </a:pPr>
             <a:r>
               <a:rPr lang="en-US" dirty="0"/>
-              <a:t>Mentor: Steven McClain</a:t>
+              <a:t>Data Monitoring – View the data on a web site</a:t>
             </a:r>
           </a:p>
           <a:p>
+            <a:pPr lvl="1">
+              <a:buFont typeface="Wingdings" panose="05000000000000000000" pitchFamily="2" charset="2"/>
+              <a:buChar char="§"/>
+            </a:pPr>
             <a:r>
               <a:rPr lang="en-US" dirty="0"/>
-              <a:t>April 6</a:t>
-            </a:r>
-            <a:r>
-              <a:rPr lang="en-US" baseline="30000" dirty="0"/>
-              <a:t>th</a:t>
-            </a:r>
-            <a:r>
-              <a:rPr lang="en-US" dirty="0"/>
-              <a:t> 2022</a:t>
-            </a:r>
-          </a:p>
-          <a:p>
-            <a:r>
-              <a:rPr lang="en-US" dirty="0"/>
-              <a:t>COMM2443/ELEX4560</a:t>
+              <a:t>Remote Access – Access from anywhere in the network</a:t>
             </a:r>
           </a:p>
         </p:txBody>
@@ -6233,7 +10903,7 @@
     </p:spTree>
     <p:extLst>
       <p:ext uri="{BB962C8B-B14F-4D97-AF65-F5344CB8AC3E}">
-        <p14:creationId xmlns:p14="http://schemas.microsoft.com/office/powerpoint/2010/main" val="3653689032"/>
+        <p14:creationId xmlns:p14="http://schemas.microsoft.com/office/powerpoint/2010/main" val="1671548081"/>
       </p:ext>
     </p:extLst>
   </p:cSld>
@@ -6243,7 +10913,7 @@
 </p:sld>
 </file>
 
-<file path=ppt/slides/slide10.xml><?xml version="1.0" encoding="utf-8"?>
+<file path=ppt/slides/slide11.xml><?xml version="1.0" encoding="utf-8"?>
 <p:sld xmlns:a="http://schemas.openxmlformats.org/drawingml/2006/main" xmlns:r="http://schemas.openxmlformats.org/officeDocument/2006/relationships" xmlns:p="http://schemas.openxmlformats.org/presentationml/2006/main">
   <p:cSld>
     <p:spTree>
@@ -6301,6 +10971,1390 @@
     <p:extLst>
       <p:ext uri="{BB962C8B-B14F-4D97-AF65-F5344CB8AC3E}">
         <p14:creationId xmlns:p14="http://schemas.microsoft.com/office/powerpoint/2010/main" val="3411084843"/>
+      </p:ext>
+    </p:extLst>
+  </p:cSld>
+  <p:clrMapOvr>
+    <a:masterClrMapping/>
+  </p:clrMapOvr>
+</p:sld>
+</file>
+
+<file path=ppt/slides/slide12.xml><?xml version="1.0" encoding="utf-8"?>
+<p:sld xmlns:a="http://schemas.openxmlformats.org/drawingml/2006/main" xmlns:r="http://schemas.openxmlformats.org/officeDocument/2006/relationships" xmlns:p="http://schemas.openxmlformats.org/presentationml/2006/main">
+  <p:cSld>
+    <p:bg>
+      <p:bgPr>
+        <a:blipFill rotWithShape="1">
+          <a:blip r:embed="rId2">
+            <a:duotone>
+              <a:schemeClr val="bg2">
+                <a:shade val="76000"/>
+                <a:satMod val="180000"/>
+              </a:schemeClr>
+              <a:schemeClr val="bg2">
+                <a:tint val="80000"/>
+                <a:satMod val="120000"/>
+                <a:lumMod val="180000"/>
+              </a:schemeClr>
+            </a:duotone>
+          </a:blip>
+          <a:stretch/>
+        </a:blipFill>
+        <a:effectLst/>
+      </p:bgPr>
+    </p:bg>
+    <p:spTree>
+      <p:nvGrpSpPr>
+        <p:cNvPr id="1" name=""/>
+        <p:cNvGrpSpPr/>
+        <p:nvPr/>
+      </p:nvGrpSpPr>
+      <p:grpSpPr>
+        <a:xfrm>
+          <a:off x="0" y="0"/>
+          <a:ext cx="0" cy="0"/>
+          <a:chOff x="0" y="0"/>
+          <a:chExt cx="0" cy="0"/>
+        </a:xfrm>
+      </p:grpSpPr>
+      <p:sp useBgFill="1">
+        <p:nvSpPr>
+          <p:cNvPr id="9" name="Rectangle 8">
+            <a:extLst>
+              <a:ext uri="{FF2B5EF4-FFF2-40B4-BE49-F238E27FC236}">
+                <a16:creationId xmlns:a16="http://schemas.microsoft.com/office/drawing/2014/main" id="{85428F22-76B3-4107-AADE-3F9EC95FD325}"/>
+              </a:ext>
+              <a:ext uri="{C183D7F6-B498-43B3-948B-1728B52AA6E4}">
+                <adec:decorative xmlns:adec="http://schemas.microsoft.com/office/drawing/2017/decorative" val="1"/>
+              </a:ext>
+            </a:extLst>
+          </p:cNvPr>
+          <p:cNvSpPr>
+            <a:spLocks noGrp="1" noRot="1" noChangeAspect="1" noMove="1" noResize="1" noEditPoints="1" noAdjustHandles="1" noChangeArrowheads="1" noChangeShapeType="1" noTextEdit="1"/>
+          </p:cNvSpPr>
+          <p:nvPr>
+            <p:extLst>
+              <p:ext uri="{386F3935-93C4-4BCD-93E2-E3B085C9AB24}">
+                <p16:designElem xmlns:p16="http://schemas.microsoft.com/office/powerpoint/2015/main" val="1"/>
+              </p:ext>
+            </p:extLst>
+          </p:nvPr>
+        </p:nvSpPr>
+        <p:spPr>
+          <a:xfrm>
+            <a:off x="0" y="0"/>
+            <a:ext cx="12192000" cy="6858000"/>
+          </a:xfrm>
+          <a:prstGeom prst="rect">
+            <a:avLst/>
+          </a:prstGeom>
+          <a:ln>
+            <a:noFill/>
+          </a:ln>
+        </p:spPr>
+        <p:style>
+          <a:lnRef idx="2">
+            <a:schemeClr val="accent1">
+              <a:shade val="50000"/>
+            </a:schemeClr>
+          </a:lnRef>
+          <a:fillRef idx="1">
+            <a:schemeClr val="accent1"/>
+          </a:fillRef>
+          <a:effectRef idx="0">
+            <a:schemeClr val="accent1"/>
+          </a:effectRef>
+          <a:fontRef idx="minor">
+            <a:schemeClr val="lt1"/>
+          </a:fontRef>
+        </p:style>
+        <p:txBody>
+          <a:bodyPr rtlCol="0" anchor="ctr"/>
+          <a:lstStyle/>
+          <a:p>
+            <a:pPr algn="ctr"/>
+            <a:endParaRPr lang="en-US"/>
+          </a:p>
+        </p:txBody>
+      </p:sp>
+      <p:grpSp>
+        <p:nvGrpSpPr>
+          <p:cNvPr id="11" name="Group 10">
+            <a:extLst>
+              <a:ext uri="{FF2B5EF4-FFF2-40B4-BE49-F238E27FC236}">
+                <a16:creationId xmlns:a16="http://schemas.microsoft.com/office/drawing/2014/main" id="{5346FBCF-5353-4172-96F5-4B7EB07777C4}"/>
+              </a:ext>
+              <a:ext uri="{C183D7F6-B498-43B3-948B-1728B52AA6E4}">
+                <adec:decorative xmlns:adec="http://schemas.microsoft.com/office/drawing/2017/decorative" val="1"/>
+              </a:ext>
+            </a:extLst>
+          </p:cNvPr>
+          <p:cNvGrpSpPr>
+            <a:grpSpLocks noGrp="1" noUngrp="1" noRot="1" noChangeAspect="1" noMove="1" noResize="1"/>
+          </p:cNvGrpSpPr>
+          <p:nvPr>
+            <p:extLst>
+              <p:ext uri="{386F3935-93C4-4BCD-93E2-E3B085C9AB24}">
+                <p16:designElem xmlns:p16="http://schemas.microsoft.com/office/powerpoint/2015/main" val="1"/>
+              </p:ext>
+            </p:extLst>
+          </p:nvPr>
+        </p:nvGrpSpPr>
+        <p:grpSpPr>
+          <a:xfrm>
+            <a:off x="2290265" y="-12875"/>
+            <a:ext cx="2604396" cy="6890194"/>
+            <a:chOff x="2199787" y="-12875"/>
+            <a:chExt cx="2679011" cy="6890194"/>
+          </a:xfrm>
+        </p:grpSpPr>
+        <p:sp useBgFill="1">
+          <p:nvSpPr>
+            <p:cNvPr id="12" name="Rectangle 19">
+              <a:extLst>
+                <a:ext uri="{FF2B5EF4-FFF2-40B4-BE49-F238E27FC236}">
+                  <a16:creationId xmlns:a16="http://schemas.microsoft.com/office/drawing/2014/main" id="{343F3E6D-808D-43AD-9485-AD0014BEAE2A}"/>
+                </a:ext>
+                <a:ext uri="{C183D7F6-B498-43B3-948B-1728B52AA6E4}">
+                  <adec:decorative xmlns:adec="http://schemas.microsoft.com/office/drawing/2017/decorative" val="1"/>
+                </a:ext>
+              </a:extLst>
+            </p:cNvPr>
+            <p:cNvSpPr/>
+            <p:nvPr>
+              <p:extLst>
+                <p:ext uri="{386F3935-93C4-4BCD-93E2-E3B085C9AB24}">
+                  <p16:designElem xmlns:p16="http://schemas.microsoft.com/office/powerpoint/2015/main" val="1"/>
+                </p:ext>
+              </p:extLst>
+            </p:nvPr>
+          </p:nvSpPr>
+          <p:spPr bwMode="white">
+            <a:xfrm>
+              <a:off x="2199787" y="-12875"/>
+              <a:ext cx="2679011" cy="5301468"/>
+            </a:xfrm>
+            <a:custGeom>
+              <a:avLst/>
+              <a:gdLst>
+                <a:gd name="connsiteX0" fmla="*/ 0 w 2570017"/>
+                <a:gd name="connsiteY0" fmla="*/ 0 h 2554287"/>
+                <a:gd name="connsiteX1" fmla="*/ 2570017 w 2570017"/>
+                <a:gd name="connsiteY1" fmla="*/ 0 h 2554287"/>
+                <a:gd name="connsiteX2" fmla="*/ 2570017 w 2570017"/>
+                <a:gd name="connsiteY2" fmla="*/ 2554287 h 2554287"/>
+                <a:gd name="connsiteX3" fmla="*/ 0 w 2570017"/>
+                <a:gd name="connsiteY3" fmla="*/ 2554287 h 2554287"/>
+                <a:gd name="connsiteX4" fmla="*/ 0 w 2570017"/>
+                <a:gd name="connsiteY4" fmla="*/ 0 h 2554287"/>
+                <a:gd name="connsiteX0" fmla="*/ 904009 w 2570017"/>
+                <a:gd name="connsiteY0" fmla="*/ 0 h 2554287"/>
+                <a:gd name="connsiteX1" fmla="*/ 2570017 w 2570017"/>
+                <a:gd name="connsiteY1" fmla="*/ 0 h 2554287"/>
+                <a:gd name="connsiteX2" fmla="*/ 2570017 w 2570017"/>
+                <a:gd name="connsiteY2" fmla="*/ 2554287 h 2554287"/>
+                <a:gd name="connsiteX3" fmla="*/ 0 w 2570017"/>
+                <a:gd name="connsiteY3" fmla="*/ 2554287 h 2554287"/>
+                <a:gd name="connsiteX4" fmla="*/ 904009 w 2570017"/>
+                <a:gd name="connsiteY4" fmla="*/ 0 h 2554287"/>
+                <a:gd name="connsiteX0" fmla="*/ 644236 w 2570017"/>
+                <a:gd name="connsiteY0" fmla="*/ 10391 h 2554287"/>
+                <a:gd name="connsiteX1" fmla="*/ 2570017 w 2570017"/>
+                <a:gd name="connsiteY1" fmla="*/ 0 h 2554287"/>
+                <a:gd name="connsiteX2" fmla="*/ 2570017 w 2570017"/>
+                <a:gd name="connsiteY2" fmla="*/ 2554287 h 2554287"/>
+                <a:gd name="connsiteX3" fmla="*/ 0 w 2570017"/>
+                <a:gd name="connsiteY3" fmla="*/ 2554287 h 2554287"/>
+                <a:gd name="connsiteX4" fmla="*/ 644236 w 2570017"/>
+                <a:gd name="connsiteY4" fmla="*/ 10391 h 2554287"/>
+                <a:gd name="connsiteX0" fmla="*/ 633845 w 2570017"/>
+                <a:gd name="connsiteY0" fmla="*/ 0 h 2554287"/>
+                <a:gd name="connsiteX1" fmla="*/ 2570017 w 2570017"/>
+                <a:gd name="connsiteY1" fmla="*/ 0 h 2554287"/>
+                <a:gd name="connsiteX2" fmla="*/ 2570017 w 2570017"/>
+                <a:gd name="connsiteY2" fmla="*/ 2554287 h 2554287"/>
+                <a:gd name="connsiteX3" fmla="*/ 0 w 2570017"/>
+                <a:gd name="connsiteY3" fmla="*/ 2554287 h 2554287"/>
+                <a:gd name="connsiteX4" fmla="*/ 633845 w 2570017"/>
+                <a:gd name="connsiteY4" fmla="*/ 0 h 2554287"/>
+                <a:gd name="connsiteX0" fmla="*/ 675409 w 2611581"/>
+                <a:gd name="connsiteY0" fmla="*/ 0 h 2554287"/>
+                <a:gd name="connsiteX1" fmla="*/ 2611581 w 2611581"/>
+                <a:gd name="connsiteY1" fmla="*/ 0 h 2554287"/>
+                <a:gd name="connsiteX2" fmla="*/ 2611581 w 2611581"/>
+                <a:gd name="connsiteY2" fmla="*/ 2554287 h 2554287"/>
+                <a:gd name="connsiteX3" fmla="*/ 0 w 2611581"/>
+                <a:gd name="connsiteY3" fmla="*/ 2554287 h 2554287"/>
+                <a:gd name="connsiteX4" fmla="*/ 675409 w 2611581"/>
+                <a:gd name="connsiteY4" fmla="*/ 0 h 2554287"/>
+                <a:gd name="connsiteX0" fmla="*/ 650979 w 2587151"/>
+                <a:gd name="connsiteY0" fmla="*/ 0 h 2554287"/>
+                <a:gd name="connsiteX1" fmla="*/ 2587151 w 2587151"/>
+                <a:gd name="connsiteY1" fmla="*/ 0 h 2554287"/>
+                <a:gd name="connsiteX2" fmla="*/ 2587151 w 2587151"/>
+                <a:gd name="connsiteY2" fmla="*/ 2554287 h 2554287"/>
+                <a:gd name="connsiteX3" fmla="*/ 0 w 2587151"/>
+                <a:gd name="connsiteY3" fmla="*/ 2548595 h 2554287"/>
+                <a:gd name="connsiteX4" fmla="*/ 650979 w 2587151"/>
+                <a:gd name="connsiteY4" fmla="*/ 0 h 2554287"/>
+                <a:gd name="connsiteX0" fmla="*/ 730379 w 2587151"/>
+                <a:gd name="connsiteY0" fmla="*/ 5692 h 2554287"/>
+                <a:gd name="connsiteX1" fmla="*/ 2587151 w 2587151"/>
+                <a:gd name="connsiteY1" fmla="*/ 0 h 2554287"/>
+                <a:gd name="connsiteX2" fmla="*/ 2587151 w 2587151"/>
+                <a:gd name="connsiteY2" fmla="*/ 2554287 h 2554287"/>
+                <a:gd name="connsiteX3" fmla="*/ 0 w 2587151"/>
+                <a:gd name="connsiteY3" fmla="*/ 2548595 h 2554287"/>
+                <a:gd name="connsiteX4" fmla="*/ 730379 w 2587151"/>
+                <a:gd name="connsiteY4" fmla="*/ 5692 h 2554287"/>
+                <a:gd name="connsiteX0" fmla="*/ 864750 w 2587151"/>
+                <a:gd name="connsiteY0" fmla="*/ 2847 h 2554287"/>
+                <a:gd name="connsiteX1" fmla="*/ 2587151 w 2587151"/>
+                <a:gd name="connsiteY1" fmla="*/ 0 h 2554287"/>
+                <a:gd name="connsiteX2" fmla="*/ 2587151 w 2587151"/>
+                <a:gd name="connsiteY2" fmla="*/ 2554287 h 2554287"/>
+                <a:gd name="connsiteX3" fmla="*/ 0 w 2587151"/>
+                <a:gd name="connsiteY3" fmla="*/ 2548595 h 2554287"/>
+                <a:gd name="connsiteX4" fmla="*/ 864750 w 2587151"/>
+                <a:gd name="connsiteY4" fmla="*/ 2847 h 2554287"/>
+                <a:gd name="connsiteX0" fmla="*/ 883073 w 2587151"/>
+                <a:gd name="connsiteY0" fmla="*/ 1 h 2554287"/>
+                <a:gd name="connsiteX1" fmla="*/ 2587151 w 2587151"/>
+                <a:gd name="connsiteY1" fmla="*/ 0 h 2554287"/>
+                <a:gd name="connsiteX2" fmla="*/ 2587151 w 2587151"/>
+                <a:gd name="connsiteY2" fmla="*/ 2554287 h 2554287"/>
+                <a:gd name="connsiteX3" fmla="*/ 0 w 2587151"/>
+                <a:gd name="connsiteY3" fmla="*/ 2548595 h 2554287"/>
+                <a:gd name="connsiteX4" fmla="*/ 883073 w 2587151"/>
+                <a:gd name="connsiteY4" fmla="*/ 1 h 2554287"/>
+                <a:gd name="connsiteX0" fmla="*/ 895288 w 2599366"/>
+                <a:gd name="connsiteY0" fmla="*/ 1 h 2554287"/>
+                <a:gd name="connsiteX1" fmla="*/ 2599366 w 2599366"/>
+                <a:gd name="connsiteY1" fmla="*/ 0 h 2554287"/>
+                <a:gd name="connsiteX2" fmla="*/ 2599366 w 2599366"/>
+                <a:gd name="connsiteY2" fmla="*/ 2554287 h 2554287"/>
+                <a:gd name="connsiteX3" fmla="*/ 0 w 2599366"/>
+                <a:gd name="connsiteY3" fmla="*/ 2542904 h 2554287"/>
+                <a:gd name="connsiteX4" fmla="*/ 895288 w 2599366"/>
+                <a:gd name="connsiteY4" fmla="*/ 1 h 2554287"/>
+                <a:gd name="connsiteX0" fmla="*/ 895288 w 2599366"/>
+                <a:gd name="connsiteY0" fmla="*/ 1 h 2554287"/>
+                <a:gd name="connsiteX1" fmla="*/ 2599366 w 2599366"/>
+                <a:gd name="connsiteY1" fmla="*/ 0 h 2554287"/>
+                <a:gd name="connsiteX2" fmla="*/ 2599366 w 2599366"/>
+                <a:gd name="connsiteY2" fmla="*/ 2554287 h 2554287"/>
+                <a:gd name="connsiteX3" fmla="*/ 0 w 2599366"/>
+                <a:gd name="connsiteY3" fmla="*/ 2542904 h 2554287"/>
+                <a:gd name="connsiteX4" fmla="*/ 895288 w 2599366"/>
+                <a:gd name="connsiteY4" fmla="*/ 1 h 2554287"/>
+                <a:gd name="connsiteX0" fmla="*/ 895288 w 2611581"/>
+                <a:gd name="connsiteY0" fmla="*/ 1 h 2565670"/>
+                <a:gd name="connsiteX1" fmla="*/ 2599366 w 2611581"/>
+                <a:gd name="connsiteY1" fmla="*/ 0 h 2565670"/>
+                <a:gd name="connsiteX2" fmla="*/ 2611581 w 2611581"/>
+                <a:gd name="connsiteY2" fmla="*/ 2565670 h 2565670"/>
+                <a:gd name="connsiteX3" fmla="*/ 0 w 2611581"/>
+                <a:gd name="connsiteY3" fmla="*/ 2542904 h 2565670"/>
+                <a:gd name="connsiteX4" fmla="*/ 895288 w 2611581"/>
+                <a:gd name="connsiteY4" fmla="*/ 1 h 2565670"/>
+                <a:gd name="connsiteX0" fmla="*/ 895288 w 2611581"/>
+                <a:gd name="connsiteY0" fmla="*/ 1 h 2565670"/>
+                <a:gd name="connsiteX1" fmla="*/ 2599366 w 2611581"/>
+                <a:gd name="connsiteY1" fmla="*/ 0 h 2565670"/>
+                <a:gd name="connsiteX2" fmla="*/ 2611581 w 2611581"/>
+                <a:gd name="connsiteY2" fmla="*/ 2565670 h 2565670"/>
+                <a:gd name="connsiteX3" fmla="*/ 0 w 2611581"/>
+                <a:gd name="connsiteY3" fmla="*/ 2542904 h 2565670"/>
+                <a:gd name="connsiteX4" fmla="*/ 895288 w 2611581"/>
+                <a:gd name="connsiteY4" fmla="*/ 1 h 2565670"/>
+                <a:gd name="connsiteX0" fmla="*/ 895288 w 2611581"/>
+                <a:gd name="connsiteY0" fmla="*/ 1 h 2565670"/>
+                <a:gd name="connsiteX1" fmla="*/ 2599366 w 2611581"/>
+                <a:gd name="connsiteY1" fmla="*/ 0 h 2565670"/>
+                <a:gd name="connsiteX2" fmla="*/ 2611581 w 2611581"/>
+                <a:gd name="connsiteY2" fmla="*/ 2565670 h 2565670"/>
+                <a:gd name="connsiteX3" fmla="*/ 0 w 2611581"/>
+                <a:gd name="connsiteY3" fmla="*/ 2545750 h 2565670"/>
+                <a:gd name="connsiteX4" fmla="*/ 895288 w 2611581"/>
+                <a:gd name="connsiteY4" fmla="*/ 1 h 2565670"/>
+                <a:gd name="connsiteX0" fmla="*/ 1544433 w 3260726"/>
+                <a:gd name="connsiteY0" fmla="*/ 1 h 2565670"/>
+                <a:gd name="connsiteX1" fmla="*/ 3248511 w 3260726"/>
+                <a:gd name="connsiteY1" fmla="*/ 0 h 2565670"/>
+                <a:gd name="connsiteX2" fmla="*/ 3260726 w 3260726"/>
+                <a:gd name="connsiteY2" fmla="*/ 2565670 h 2565670"/>
+                <a:gd name="connsiteX3" fmla="*/ 0 w 3260726"/>
+                <a:gd name="connsiteY3" fmla="*/ 2521058 h 2565670"/>
+                <a:gd name="connsiteX4" fmla="*/ 1544433 w 3260726"/>
+                <a:gd name="connsiteY4" fmla="*/ 1 h 2565670"/>
+                <a:gd name="connsiteX0" fmla="*/ 921784 w 3260726"/>
+                <a:gd name="connsiteY0" fmla="*/ 12347 h 2565670"/>
+                <a:gd name="connsiteX1" fmla="*/ 3248511 w 3260726"/>
+                <a:gd name="connsiteY1" fmla="*/ 0 h 2565670"/>
+                <a:gd name="connsiteX2" fmla="*/ 3260726 w 3260726"/>
+                <a:gd name="connsiteY2" fmla="*/ 2565670 h 2565670"/>
+                <a:gd name="connsiteX3" fmla="*/ 0 w 3260726"/>
+                <a:gd name="connsiteY3" fmla="*/ 2521058 h 2565670"/>
+                <a:gd name="connsiteX4" fmla="*/ 921784 w 3260726"/>
+                <a:gd name="connsiteY4" fmla="*/ 12347 h 2565670"/>
+                <a:gd name="connsiteX0" fmla="*/ 921784 w 3260726"/>
+                <a:gd name="connsiteY0" fmla="*/ 12347 h 2565670"/>
+                <a:gd name="connsiteX1" fmla="*/ 2321160 w 3260726"/>
+                <a:gd name="connsiteY1" fmla="*/ 0 h 2565670"/>
+                <a:gd name="connsiteX2" fmla="*/ 3260726 w 3260726"/>
+                <a:gd name="connsiteY2" fmla="*/ 2565670 h 2565670"/>
+                <a:gd name="connsiteX3" fmla="*/ 0 w 3260726"/>
+                <a:gd name="connsiteY3" fmla="*/ 2521058 h 2565670"/>
+                <a:gd name="connsiteX4" fmla="*/ 921784 w 3260726"/>
+                <a:gd name="connsiteY4" fmla="*/ 12347 h 2565670"/>
+                <a:gd name="connsiteX0" fmla="*/ 921784 w 2322228"/>
+                <a:gd name="connsiteY0" fmla="*/ 12347 h 2565670"/>
+                <a:gd name="connsiteX1" fmla="*/ 2321160 w 2322228"/>
+                <a:gd name="connsiteY1" fmla="*/ 0 h 2565670"/>
+                <a:gd name="connsiteX2" fmla="*/ 2320129 w 2322228"/>
+                <a:gd name="connsiteY2" fmla="*/ 2565670 h 2565670"/>
+                <a:gd name="connsiteX3" fmla="*/ 0 w 2322228"/>
+                <a:gd name="connsiteY3" fmla="*/ 2521058 h 2565670"/>
+                <a:gd name="connsiteX4" fmla="*/ 921784 w 2322228"/>
+                <a:gd name="connsiteY4" fmla="*/ 12347 h 2565670"/>
+                <a:gd name="connsiteX0" fmla="*/ 921784 w 2322228"/>
+                <a:gd name="connsiteY0" fmla="*/ 0 h 2571841"/>
+                <a:gd name="connsiteX1" fmla="*/ 2321160 w 2322228"/>
+                <a:gd name="connsiteY1" fmla="*/ 6171 h 2571841"/>
+                <a:gd name="connsiteX2" fmla="*/ 2320129 w 2322228"/>
+                <a:gd name="connsiteY2" fmla="*/ 2571841 h 2571841"/>
+                <a:gd name="connsiteX3" fmla="*/ 0 w 2322228"/>
+                <a:gd name="connsiteY3" fmla="*/ 2527229 h 2571841"/>
+                <a:gd name="connsiteX4" fmla="*/ 921784 w 2322228"/>
+                <a:gd name="connsiteY4" fmla="*/ 0 h 2571841"/>
+                <a:gd name="connsiteX0" fmla="*/ 921784 w 2611583"/>
+                <a:gd name="connsiteY0" fmla="*/ 0 h 2540977"/>
+                <a:gd name="connsiteX1" fmla="*/ 2321160 w 2611583"/>
+                <a:gd name="connsiteY1" fmla="*/ 6171 h 2540977"/>
+                <a:gd name="connsiteX2" fmla="*/ 2611583 w 2611583"/>
+                <a:gd name="connsiteY2" fmla="*/ 2540977 h 2540977"/>
+                <a:gd name="connsiteX3" fmla="*/ 0 w 2611583"/>
+                <a:gd name="connsiteY3" fmla="*/ 2527229 h 2540977"/>
+                <a:gd name="connsiteX4" fmla="*/ 921784 w 2611583"/>
+                <a:gd name="connsiteY4" fmla="*/ 0 h 2540977"/>
+                <a:gd name="connsiteX0" fmla="*/ 921784 w 2611583"/>
+                <a:gd name="connsiteY0" fmla="*/ 2 h 2540979"/>
+                <a:gd name="connsiteX1" fmla="*/ 2572870 w 2611583"/>
+                <a:gd name="connsiteY1" fmla="*/ 0 h 2540979"/>
+                <a:gd name="connsiteX2" fmla="*/ 2611583 w 2611583"/>
+                <a:gd name="connsiteY2" fmla="*/ 2540979 h 2540979"/>
+                <a:gd name="connsiteX3" fmla="*/ 0 w 2611583"/>
+                <a:gd name="connsiteY3" fmla="*/ 2527231 h 2540979"/>
+                <a:gd name="connsiteX4" fmla="*/ 921784 w 2611583"/>
+                <a:gd name="connsiteY4" fmla="*/ 2 h 2540979"/>
+                <a:gd name="connsiteX0" fmla="*/ 921784 w 2705467"/>
+                <a:gd name="connsiteY0" fmla="*/ 0 h 2540977"/>
+                <a:gd name="connsiteX1" fmla="*/ 2705349 w 2705467"/>
+                <a:gd name="connsiteY1" fmla="*/ 6171 h 2540977"/>
+                <a:gd name="connsiteX2" fmla="*/ 2611583 w 2705467"/>
+                <a:gd name="connsiteY2" fmla="*/ 2540977 h 2540977"/>
+                <a:gd name="connsiteX3" fmla="*/ 0 w 2705467"/>
+                <a:gd name="connsiteY3" fmla="*/ 2527229 h 2540977"/>
+                <a:gd name="connsiteX4" fmla="*/ 921784 w 2705467"/>
+                <a:gd name="connsiteY4" fmla="*/ 0 h 2540977"/>
+                <a:gd name="connsiteX0" fmla="*/ 921784 w 2718702"/>
+                <a:gd name="connsiteY0" fmla="*/ 2 h 2540979"/>
+                <a:gd name="connsiteX1" fmla="*/ 2718597 w 2718702"/>
+                <a:gd name="connsiteY1" fmla="*/ 0 h 2540979"/>
+                <a:gd name="connsiteX2" fmla="*/ 2611583 w 2718702"/>
+                <a:gd name="connsiteY2" fmla="*/ 2540979 h 2540979"/>
+                <a:gd name="connsiteX3" fmla="*/ 0 w 2718702"/>
+                <a:gd name="connsiteY3" fmla="*/ 2527231 h 2540979"/>
+                <a:gd name="connsiteX4" fmla="*/ 921784 w 2718702"/>
+                <a:gd name="connsiteY4" fmla="*/ 2 h 2540979"/>
+                <a:gd name="connsiteX0" fmla="*/ 921784 w 2679012"/>
+                <a:gd name="connsiteY0" fmla="*/ 0 h 2540977"/>
+                <a:gd name="connsiteX1" fmla="*/ 2678853 w 2679012"/>
+                <a:gd name="connsiteY1" fmla="*/ 6171 h 2540977"/>
+                <a:gd name="connsiteX2" fmla="*/ 2611583 w 2679012"/>
+                <a:gd name="connsiteY2" fmla="*/ 2540977 h 2540977"/>
+                <a:gd name="connsiteX3" fmla="*/ 0 w 2679012"/>
+                <a:gd name="connsiteY3" fmla="*/ 2527229 h 2540977"/>
+                <a:gd name="connsiteX4" fmla="*/ 921784 w 2679012"/>
+                <a:gd name="connsiteY4" fmla="*/ 0 h 2540977"/>
+              </a:gdLst>
+              <a:ahLst/>
+              <a:cxnLst>
+                <a:cxn ang="0">
+                  <a:pos x="connsiteX0" y="connsiteY0"/>
+                </a:cxn>
+                <a:cxn ang="0">
+                  <a:pos x="connsiteX1" y="connsiteY1"/>
+                </a:cxn>
+                <a:cxn ang="0">
+                  <a:pos x="connsiteX2" y="connsiteY2"/>
+                </a:cxn>
+                <a:cxn ang="0">
+                  <a:pos x="connsiteX3" y="connsiteY3"/>
+                </a:cxn>
+                <a:cxn ang="0">
+                  <a:pos x="connsiteX4" y="connsiteY4"/>
+                </a:cxn>
+              </a:cxnLst>
+              <a:rect l="l" t="t" r="r" b="b"/>
+              <a:pathLst>
+                <a:path w="2679012" h="2540977">
+                  <a:moveTo>
+                    <a:pt x="921784" y="0"/>
+                  </a:moveTo>
+                  <a:lnTo>
+                    <a:pt x="2678853" y="6171"/>
+                  </a:lnTo>
+                  <a:cubicBezTo>
+                    <a:pt x="2682925" y="861394"/>
+                    <a:pt x="2607511" y="1685754"/>
+                    <a:pt x="2611583" y="2540977"/>
+                  </a:cubicBezTo>
+                  <a:lnTo>
+                    <a:pt x="0" y="2527229"/>
+                  </a:lnTo>
+                  <a:lnTo>
+                    <a:pt x="921784" y="0"/>
+                  </a:lnTo>
+                  <a:close/>
+                </a:path>
+              </a:pathLst>
+            </a:custGeom>
+            <a:blipFill rotWithShape="0">
+              <a:blip r:embed="rId2">
+                <a:duotone>
+                  <a:schemeClr val="bg2">
+                    <a:shade val="76000"/>
+                    <a:satMod val="180000"/>
+                  </a:schemeClr>
+                  <a:schemeClr val="bg2">
+                    <a:tint val="80000"/>
+                    <a:satMod val="120000"/>
+                    <a:lumMod val="180000"/>
+                  </a:schemeClr>
+                </a:duotone>
+              </a:blip>
+              <a:stretch>
+                <a:fillRect l="-114598" r="-265621" b="-28686"/>
+              </a:stretch>
+            </a:blipFill>
+            <a:ln>
+              <a:noFill/>
+            </a:ln>
+          </p:spPr>
+          <p:style>
+            <a:lnRef idx="2">
+              <a:schemeClr val="accent1">
+                <a:shade val="50000"/>
+              </a:schemeClr>
+            </a:lnRef>
+            <a:fillRef idx="1">
+              <a:schemeClr val="accent1"/>
+            </a:fillRef>
+            <a:effectRef idx="0">
+              <a:schemeClr val="accent1"/>
+            </a:effectRef>
+            <a:fontRef idx="minor">
+              <a:schemeClr val="lt1"/>
+            </a:fontRef>
+          </p:style>
+          <p:txBody>
+            <a:bodyPr rtlCol="0" anchor="ctr"/>
+            <a:lstStyle/>
+            <a:p>
+              <a:pPr algn="ctr"/>
+              <a:endParaRPr lang="en-US"/>
+            </a:p>
+          </p:txBody>
+        </p:sp>
+        <p:sp useBgFill="1">
+          <p:nvSpPr>
+            <p:cNvPr id="13" name="Rectangle 20">
+              <a:extLst>
+                <a:ext uri="{FF2B5EF4-FFF2-40B4-BE49-F238E27FC236}">
+                  <a16:creationId xmlns:a16="http://schemas.microsoft.com/office/drawing/2014/main" id="{03DB1AC6-5430-4CD3-BD83-86E675A11A3F}"/>
+                </a:ext>
+                <a:ext uri="{C183D7F6-B498-43B3-948B-1728B52AA6E4}">
+                  <adec:decorative xmlns:adec="http://schemas.microsoft.com/office/drawing/2017/decorative" val="1"/>
+                </a:ext>
+              </a:extLst>
+            </p:cNvPr>
+            <p:cNvSpPr/>
+            <p:nvPr>
+              <p:extLst>
+                <p:ext uri="{386F3935-93C4-4BCD-93E2-E3B085C9AB24}">
+                  <p16:designElem xmlns:p16="http://schemas.microsoft.com/office/powerpoint/2015/main" val="1"/>
+                </p:ext>
+              </p:extLst>
+            </p:nvPr>
+          </p:nvSpPr>
+          <p:spPr bwMode="white">
+            <a:xfrm>
+              <a:off x="2211875" y="5257482"/>
+              <a:ext cx="2586931" cy="1619837"/>
+            </a:xfrm>
+            <a:custGeom>
+              <a:avLst/>
+              <a:gdLst>
+                <a:gd name="connsiteX0" fmla="*/ 0 w 2611581"/>
+                <a:gd name="connsiteY0" fmla="*/ 0 h 4303713"/>
+                <a:gd name="connsiteX1" fmla="*/ 2611581 w 2611581"/>
+                <a:gd name="connsiteY1" fmla="*/ 0 h 4303713"/>
+                <a:gd name="connsiteX2" fmla="*/ 2611581 w 2611581"/>
+                <a:gd name="connsiteY2" fmla="*/ 4303713 h 4303713"/>
+                <a:gd name="connsiteX3" fmla="*/ 0 w 2611581"/>
+                <a:gd name="connsiteY3" fmla="*/ 4303713 h 4303713"/>
+                <a:gd name="connsiteX4" fmla="*/ 0 w 2611581"/>
+                <a:gd name="connsiteY4" fmla="*/ 0 h 4303713"/>
+                <a:gd name="connsiteX0" fmla="*/ 0 w 2611581"/>
+                <a:gd name="connsiteY0" fmla="*/ 0 h 4314104"/>
+                <a:gd name="connsiteX1" fmla="*/ 2611581 w 2611581"/>
+                <a:gd name="connsiteY1" fmla="*/ 0 h 4314104"/>
+                <a:gd name="connsiteX2" fmla="*/ 2611581 w 2611581"/>
+                <a:gd name="connsiteY2" fmla="*/ 4303713 h 4314104"/>
+                <a:gd name="connsiteX3" fmla="*/ 1693718 w 2611581"/>
+                <a:gd name="connsiteY3" fmla="*/ 4314104 h 4314104"/>
+                <a:gd name="connsiteX4" fmla="*/ 0 w 2611581"/>
+                <a:gd name="connsiteY4" fmla="*/ 0 h 4314104"/>
+                <a:gd name="connsiteX0" fmla="*/ 0 w 2611581"/>
+                <a:gd name="connsiteY0" fmla="*/ 0 h 4314104"/>
+                <a:gd name="connsiteX1" fmla="*/ 2611581 w 2611581"/>
+                <a:gd name="connsiteY1" fmla="*/ 0 h 4314104"/>
+                <a:gd name="connsiteX2" fmla="*/ 2611581 w 2611581"/>
+                <a:gd name="connsiteY2" fmla="*/ 4303713 h 4314104"/>
+                <a:gd name="connsiteX3" fmla="*/ 1963882 w 2611581"/>
+                <a:gd name="connsiteY3" fmla="*/ 4314104 h 4314104"/>
+                <a:gd name="connsiteX4" fmla="*/ 0 w 2611581"/>
+                <a:gd name="connsiteY4" fmla="*/ 0 h 4314104"/>
+                <a:gd name="connsiteX0" fmla="*/ 0 w 2611581"/>
+                <a:gd name="connsiteY0" fmla="*/ 0 h 4303713"/>
+                <a:gd name="connsiteX1" fmla="*/ 2611581 w 2611581"/>
+                <a:gd name="connsiteY1" fmla="*/ 0 h 4303713"/>
+                <a:gd name="connsiteX2" fmla="*/ 2611581 w 2611581"/>
+                <a:gd name="connsiteY2" fmla="*/ 4303713 h 4303713"/>
+                <a:gd name="connsiteX3" fmla="*/ 2213264 w 2611581"/>
+                <a:gd name="connsiteY3" fmla="*/ 4293322 h 4303713"/>
+                <a:gd name="connsiteX4" fmla="*/ 0 w 2611581"/>
+                <a:gd name="connsiteY4" fmla="*/ 0 h 4303713"/>
+                <a:gd name="connsiteX0" fmla="*/ 0 w 2611581"/>
+                <a:gd name="connsiteY0" fmla="*/ 0 h 4303713"/>
+                <a:gd name="connsiteX1" fmla="*/ 2611581 w 2611581"/>
+                <a:gd name="connsiteY1" fmla="*/ 0 h 4303713"/>
+                <a:gd name="connsiteX2" fmla="*/ 2611581 w 2611581"/>
+                <a:gd name="connsiteY2" fmla="*/ 4303713 h 4303713"/>
+                <a:gd name="connsiteX3" fmla="*/ 2171701 w 2611581"/>
+                <a:gd name="connsiteY3" fmla="*/ 3638695 h 4303713"/>
+                <a:gd name="connsiteX4" fmla="*/ 0 w 2611581"/>
+                <a:gd name="connsiteY4" fmla="*/ 0 h 4303713"/>
+                <a:gd name="connsiteX0" fmla="*/ 0 w 2720934"/>
+                <a:gd name="connsiteY0" fmla="*/ 268283 h 4303713"/>
+                <a:gd name="connsiteX1" fmla="*/ 2720934 w 2720934"/>
+                <a:gd name="connsiteY1" fmla="*/ 0 h 4303713"/>
+                <a:gd name="connsiteX2" fmla="*/ 2720934 w 2720934"/>
+                <a:gd name="connsiteY2" fmla="*/ 4303713 h 4303713"/>
+                <a:gd name="connsiteX3" fmla="*/ 2281054 w 2720934"/>
+                <a:gd name="connsiteY3" fmla="*/ 3638695 h 4303713"/>
+                <a:gd name="connsiteX4" fmla="*/ 0 w 2720934"/>
+                <a:gd name="connsiteY4" fmla="*/ 268283 h 4303713"/>
+                <a:gd name="connsiteX0" fmla="*/ 0 w 2720934"/>
+                <a:gd name="connsiteY0" fmla="*/ 268283 h 4303713"/>
+                <a:gd name="connsiteX1" fmla="*/ 2720934 w 2720934"/>
+                <a:gd name="connsiteY1" fmla="*/ 0 h 4303713"/>
+                <a:gd name="connsiteX2" fmla="*/ 2720934 w 2720934"/>
+                <a:gd name="connsiteY2" fmla="*/ 4303713 h 4303713"/>
+                <a:gd name="connsiteX3" fmla="*/ 2264231 w 2720934"/>
+                <a:gd name="connsiteY3" fmla="*/ 3717600 h 4303713"/>
+                <a:gd name="connsiteX4" fmla="*/ 0 w 2720934"/>
+                <a:gd name="connsiteY4" fmla="*/ 268283 h 4303713"/>
+                <a:gd name="connsiteX0" fmla="*/ 0 w 2720934"/>
+                <a:gd name="connsiteY0" fmla="*/ 268283 h 4335275"/>
+                <a:gd name="connsiteX1" fmla="*/ 2720934 w 2720934"/>
+                <a:gd name="connsiteY1" fmla="*/ 0 h 4335275"/>
+                <a:gd name="connsiteX2" fmla="*/ 2653639 w 2720934"/>
+                <a:gd name="connsiteY2" fmla="*/ 4335275 h 4335275"/>
+                <a:gd name="connsiteX3" fmla="*/ 2264231 w 2720934"/>
+                <a:gd name="connsiteY3" fmla="*/ 3717600 h 4335275"/>
+                <a:gd name="connsiteX4" fmla="*/ 0 w 2720934"/>
+                <a:gd name="connsiteY4" fmla="*/ 268283 h 4335275"/>
+                <a:gd name="connsiteX0" fmla="*/ 0 w 2737757"/>
+                <a:gd name="connsiteY0" fmla="*/ 236721 h 4335275"/>
+                <a:gd name="connsiteX1" fmla="*/ 2737757 w 2737757"/>
+                <a:gd name="connsiteY1" fmla="*/ 0 h 4335275"/>
+                <a:gd name="connsiteX2" fmla="*/ 2670462 w 2737757"/>
+                <a:gd name="connsiteY2" fmla="*/ 4335275 h 4335275"/>
+                <a:gd name="connsiteX3" fmla="*/ 2281054 w 2737757"/>
+                <a:gd name="connsiteY3" fmla="*/ 3717600 h 4335275"/>
+                <a:gd name="connsiteX4" fmla="*/ 0 w 2737757"/>
+                <a:gd name="connsiteY4" fmla="*/ 236721 h 4335275"/>
+                <a:gd name="connsiteX0" fmla="*/ 0 w 2729346"/>
+                <a:gd name="connsiteY0" fmla="*/ 0 h 4098554"/>
+                <a:gd name="connsiteX1" fmla="*/ 2729346 w 2729346"/>
+                <a:gd name="connsiteY1" fmla="*/ 126250 h 4098554"/>
+                <a:gd name="connsiteX2" fmla="*/ 2670462 w 2729346"/>
+                <a:gd name="connsiteY2" fmla="*/ 4098554 h 4098554"/>
+                <a:gd name="connsiteX3" fmla="*/ 2281054 w 2729346"/>
+                <a:gd name="connsiteY3" fmla="*/ 3480879 h 4098554"/>
+                <a:gd name="connsiteX4" fmla="*/ 0 w 2729346"/>
+                <a:gd name="connsiteY4" fmla="*/ 0 h 4098554"/>
+                <a:gd name="connsiteX0" fmla="*/ 0 w 2720934"/>
+                <a:gd name="connsiteY0" fmla="*/ 0 h 4098554"/>
+                <a:gd name="connsiteX1" fmla="*/ 2720934 w 2720934"/>
+                <a:gd name="connsiteY1" fmla="*/ 31562 h 4098554"/>
+                <a:gd name="connsiteX2" fmla="*/ 2670462 w 2720934"/>
+                <a:gd name="connsiteY2" fmla="*/ 4098554 h 4098554"/>
+                <a:gd name="connsiteX3" fmla="*/ 2281054 w 2720934"/>
+                <a:gd name="connsiteY3" fmla="*/ 3480879 h 4098554"/>
+                <a:gd name="connsiteX4" fmla="*/ 0 w 2720934"/>
+                <a:gd name="connsiteY4" fmla="*/ 0 h 4098554"/>
+                <a:gd name="connsiteX0" fmla="*/ 0 w 2720934"/>
+                <a:gd name="connsiteY0" fmla="*/ 15782 h 4114336"/>
+                <a:gd name="connsiteX1" fmla="*/ 2720934 w 2720934"/>
+                <a:gd name="connsiteY1" fmla="*/ 0 h 4114336"/>
+                <a:gd name="connsiteX2" fmla="*/ 2670462 w 2720934"/>
+                <a:gd name="connsiteY2" fmla="*/ 4114336 h 4114336"/>
+                <a:gd name="connsiteX3" fmla="*/ 2281054 w 2720934"/>
+                <a:gd name="connsiteY3" fmla="*/ 3496661 h 4114336"/>
+                <a:gd name="connsiteX4" fmla="*/ 0 w 2720934"/>
+                <a:gd name="connsiteY4" fmla="*/ 15782 h 4114336"/>
+                <a:gd name="connsiteX0" fmla="*/ 0 w 2820289"/>
+                <a:gd name="connsiteY0" fmla="*/ 15782 h 4114336"/>
+                <a:gd name="connsiteX1" fmla="*/ 2820289 w 2820289"/>
+                <a:gd name="connsiteY1" fmla="*/ 0 h 4114336"/>
+                <a:gd name="connsiteX2" fmla="*/ 2769817 w 2820289"/>
+                <a:gd name="connsiteY2" fmla="*/ 4114336 h 4114336"/>
+                <a:gd name="connsiteX3" fmla="*/ 2380409 w 2820289"/>
+                <a:gd name="connsiteY3" fmla="*/ 3496661 h 4114336"/>
+                <a:gd name="connsiteX4" fmla="*/ 0 w 2820289"/>
+                <a:gd name="connsiteY4" fmla="*/ 15782 h 4114336"/>
+                <a:gd name="connsiteX0" fmla="*/ 0 w 2820289"/>
+                <a:gd name="connsiteY0" fmla="*/ 15782 h 4114336"/>
+                <a:gd name="connsiteX1" fmla="*/ 2820289 w 2820289"/>
+                <a:gd name="connsiteY1" fmla="*/ 0 h 4114336"/>
+                <a:gd name="connsiteX2" fmla="*/ 2769817 w 2820289"/>
+                <a:gd name="connsiteY2" fmla="*/ 4114336 h 4114336"/>
+                <a:gd name="connsiteX3" fmla="*/ 2362876 w 2820289"/>
+                <a:gd name="connsiteY3" fmla="*/ 3517980 h 4114336"/>
+                <a:gd name="connsiteX4" fmla="*/ 0 w 2820289"/>
+                <a:gd name="connsiteY4" fmla="*/ 15782 h 4114336"/>
+                <a:gd name="connsiteX0" fmla="*/ 0 w 2820289"/>
+                <a:gd name="connsiteY0" fmla="*/ 15782 h 4114336"/>
+                <a:gd name="connsiteX1" fmla="*/ 2820289 w 2820289"/>
+                <a:gd name="connsiteY1" fmla="*/ 0 h 4114336"/>
+                <a:gd name="connsiteX2" fmla="*/ 2763972 w 2820289"/>
+                <a:gd name="connsiteY2" fmla="*/ 4114336 h 4114336"/>
+                <a:gd name="connsiteX3" fmla="*/ 2362876 w 2820289"/>
+                <a:gd name="connsiteY3" fmla="*/ 3517980 h 4114336"/>
+                <a:gd name="connsiteX4" fmla="*/ 0 w 2820289"/>
+                <a:gd name="connsiteY4" fmla="*/ 15782 h 4114336"/>
+                <a:gd name="connsiteX0" fmla="*/ 0 w 3721149"/>
+                <a:gd name="connsiteY0" fmla="*/ 0 h 4269703"/>
+                <a:gd name="connsiteX1" fmla="*/ 3721149 w 3721149"/>
+                <a:gd name="connsiteY1" fmla="*/ 155367 h 4269703"/>
+                <a:gd name="connsiteX2" fmla="*/ 3664832 w 3721149"/>
+                <a:gd name="connsiteY2" fmla="*/ 4269703 h 4269703"/>
+                <a:gd name="connsiteX3" fmla="*/ 3263736 w 3721149"/>
+                <a:gd name="connsiteY3" fmla="*/ 3673347 h 4269703"/>
+                <a:gd name="connsiteX4" fmla="*/ 0 w 3721149"/>
+                <a:gd name="connsiteY4" fmla="*/ 0 h 4269703"/>
+                <a:gd name="connsiteX0" fmla="*/ 0 w 3721149"/>
+                <a:gd name="connsiteY0" fmla="*/ 0 h 4289488"/>
+                <a:gd name="connsiteX1" fmla="*/ 3721149 w 3721149"/>
+                <a:gd name="connsiteY1" fmla="*/ 155367 h 4289488"/>
+                <a:gd name="connsiteX2" fmla="*/ 3664832 w 3721149"/>
+                <a:gd name="connsiteY2" fmla="*/ 4269703 h 4289488"/>
+                <a:gd name="connsiteX3" fmla="*/ 1705997 w 3721149"/>
+                <a:gd name="connsiteY3" fmla="*/ 4289488 h 4289488"/>
+                <a:gd name="connsiteX4" fmla="*/ 0 w 3721149"/>
+                <a:gd name="connsiteY4" fmla="*/ 0 h 4289488"/>
+                <a:gd name="connsiteX0" fmla="*/ 0 w 3664846"/>
+                <a:gd name="connsiteY0" fmla="*/ 15785 h 4305273"/>
+                <a:gd name="connsiteX1" fmla="*/ 3664846 w 3664846"/>
+                <a:gd name="connsiteY1" fmla="*/ 0 h 4305273"/>
+                <a:gd name="connsiteX2" fmla="*/ 3664832 w 3664846"/>
+                <a:gd name="connsiteY2" fmla="*/ 4285488 h 4305273"/>
+                <a:gd name="connsiteX3" fmla="*/ 1705997 w 3664846"/>
+                <a:gd name="connsiteY3" fmla="*/ 4305273 h 4305273"/>
+                <a:gd name="connsiteX4" fmla="*/ 0 w 3664846"/>
+                <a:gd name="connsiteY4" fmla="*/ 15785 h 4305273"/>
+              </a:gdLst>
+              <a:ahLst/>
+              <a:cxnLst>
+                <a:cxn ang="0">
+                  <a:pos x="connsiteX0" y="connsiteY0"/>
+                </a:cxn>
+                <a:cxn ang="0">
+                  <a:pos x="connsiteX1" y="connsiteY1"/>
+                </a:cxn>
+                <a:cxn ang="0">
+                  <a:pos x="connsiteX2" y="connsiteY2"/>
+                </a:cxn>
+                <a:cxn ang="0">
+                  <a:pos x="connsiteX3" y="connsiteY3"/>
+                </a:cxn>
+                <a:cxn ang="0">
+                  <a:pos x="connsiteX4" y="connsiteY4"/>
+                </a:cxn>
+              </a:cxnLst>
+              <a:rect l="l" t="t" r="r" b="b"/>
+              <a:pathLst>
+                <a:path w="3664846" h="4305273">
+                  <a:moveTo>
+                    <a:pt x="0" y="15785"/>
+                  </a:moveTo>
+                  <a:lnTo>
+                    <a:pt x="3664846" y="0"/>
+                  </a:lnTo>
+                  <a:cubicBezTo>
+                    <a:pt x="3664841" y="1428496"/>
+                    <a:pt x="3664837" y="2856992"/>
+                    <a:pt x="3664832" y="4285488"/>
+                  </a:cubicBezTo>
+                  <a:lnTo>
+                    <a:pt x="1705997" y="4305273"/>
+                  </a:lnTo>
+                  <a:lnTo>
+                    <a:pt x="0" y="15785"/>
+                  </a:lnTo>
+                  <a:close/>
+                </a:path>
+              </a:pathLst>
+            </a:custGeom>
+            <a:blipFill rotWithShape="0">
+              <a:blip r:embed="rId2">
+                <a:duotone>
+                  <a:schemeClr val="bg2">
+                    <a:shade val="76000"/>
+                    <a:satMod val="180000"/>
+                  </a:schemeClr>
+                  <a:schemeClr val="bg2">
+                    <a:tint val="80000"/>
+                    <a:satMod val="120000"/>
+                    <a:lumMod val="180000"/>
+                  </a:schemeClr>
+                </a:duotone>
+              </a:blip>
+              <a:stretch>
+                <a:fillRect l="-163116" t="-323529" r="-398251"/>
+              </a:stretch>
+            </a:blipFill>
+            <a:ln>
+              <a:noFill/>
+            </a:ln>
+          </p:spPr>
+          <p:style>
+            <a:lnRef idx="2">
+              <a:schemeClr val="accent1">
+                <a:shade val="50000"/>
+              </a:schemeClr>
+            </a:lnRef>
+            <a:fillRef idx="1">
+              <a:schemeClr val="accent1"/>
+            </a:fillRef>
+            <a:effectRef idx="0">
+              <a:schemeClr val="accent1"/>
+            </a:effectRef>
+            <a:fontRef idx="minor">
+              <a:schemeClr val="lt1"/>
+            </a:fontRef>
+          </p:style>
+          <p:txBody>
+            <a:bodyPr rtlCol="0" anchor="ctr"/>
+            <a:lstStyle/>
+            <a:p>
+              <a:pPr algn="ctr"/>
+              <a:endParaRPr lang="en-US"/>
+            </a:p>
+          </p:txBody>
+        </p:sp>
+      </p:grpSp>
+      <p:grpSp>
+        <p:nvGrpSpPr>
+          <p:cNvPr id="15" name="Group 14">
+            <a:extLst>
+              <a:ext uri="{FF2B5EF4-FFF2-40B4-BE49-F238E27FC236}">
+                <a16:creationId xmlns:a16="http://schemas.microsoft.com/office/drawing/2014/main" id="{78326E10-C8CB-487F-A110-F861268DE619}"/>
+              </a:ext>
+              <a:ext uri="{C183D7F6-B498-43B3-948B-1728B52AA6E4}">
+                <adec:decorative xmlns:adec="http://schemas.microsoft.com/office/drawing/2017/decorative" val="1"/>
+              </a:ext>
+            </a:extLst>
+          </p:cNvPr>
+          <p:cNvGrpSpPr>
+            <a:grpSpLocks noGrp="1" noUngrp="1" noRot="1" noChangeAspect="1" noMove="1" noResize="1"/>
+          </p:cNvGrpSpPr>
+          <p:nvPr>
+            <p:extLst>
+              <p:ext uri="{386F3935-93C4-4BCD-93E2-E3B085C9AB24}">
+                <p16:designElem xmlns:p16="http://schemas.microsoft.com/office/powerpoint/2015/main" val="1"/>
+              </p:ext>
+            </p:extLst>
+          </p:nvPr>
+        </p:nvGrpSpPr>
+        <p:grpSpPr>
+          <a:xfrm>
+            <a:off x="2360612" y="0"/>
+            <a:ext cx="2436813" cy="6858001"/>
+            <a:chOff x="1320800" y="0"/>
+            <a:chExt cx="2436813" cy="6858001"/>
+          </a:xfrm>
+        </p:grpSpPr>
+        <p:sp>
+          <p:nvSpPr>
+            <p:cNvPr id="16" name="Freeform 6">
+              <a:extLst>
+                <a:ext uri="{FF2B5EF4-FFF2-40B4-BE49-F238E27FC236}">
+                  <a16:creationId xmlns:a16="http://schemas.microsoft.com/office/drawing/2014/main" id="{3279962B-46D2-4E19-B632-39B80D1E80AA}"/>
+                </a:ext>
+                <a:ext uri="{C183D7F6-B498-43B3-948B-1728B52AA6E4}">
+                  <adec:decorative xmlns:adec="http://schemas.microsoft.com/office/drawing/2017/decorative" val="1"/>
+                </a:ext>
+              </a:extLst>
+            </p:cNvPr>
+            <p:cNvSpPr/>
+            <p:nvPr>
+              <p:extLst>
+                <p:ext uri="{386F3935-93C4-4BCD-93E2-E3B085C9AB24}">
+                  <p16:designElem xmlns:p16="http://schemas.microsoft.com/office/powerpoint/2015/main" val="1"/>
+                </p:ext>
+              </p:extLst>
+            </p:nvPr>
+          </p:nvSpPr>
+          <p:spPr bwMode="auto">
+            <a:xfrm>
+              <a:off x="1627188" y="0"/>
+              <a:ext cx="1122363" cy="5329238"/>
+            </a:xfrm>
+            <a:custGeom>
+              <a:avLst/>
+              <a:gdLst/>
+              <a:ahLst/>
+              <a:cxnLst/>
+              <a:rect l="0" t="0" r="r" b="b"/>
+              <a:pathLst>
+                <a:path w="707" h="3357">
+                  <a:moveTo>
+                    <a:pt x="0" y="3330"/>
+                  </a:moveTo>
+                  <a:lnTo>
+                    <a:pt x="156" y="3357"/>
+                  </a:lnTo>
+                  <a:lnTo>
+                    <a:pt x="707" y="0"/>
+                  </a:lnTo>
+                  <a:lnTo>
+                    <a:pt x="547" y="0"/>
+                  </a:lnTo>
+                  <a:lnTo>
+                    <a:pt x="0" y="3330"/>
+                  </a:lnTo>
+                  <a:close/>
+                </a:path>
+              </a:pathLst>
+            </a:custGeom>
+            <a:solidFill>
+              <a:schemeClr val="accent1"/>
+            </a:solidFill>
+            <a:ln>
+              <a:noFill/>
+            </a:ln>
+          </p:spPr>
+        </p:sp>
+        <p:sp>
+          <p:nvSpPr>
+            <p:cNvPr id="17" name="Freeform 7">
+              <a:extLst>
+                <a:ext uri="{FF2B5EF4-FFF2-40B4-BE49-F238E27FC236}">
+                  <a16:creationId xmlns:a16="http://schemas.microsoft.com/office/drawing/2014/main" id="{321A335A-53CB-4C17-AB51-5D9C2DCB45E0}"/>
+                </a:ext>
+                <a:ext uri="{C183D7F6-B498-43B3-948B-1728B52AA6E4}">
+                  <adec:decorative xmlns:adec="http://schemas.microsoft.com/office/drawing/2017/decorative" val="1"/>
+                </a:ext>
+              </a:extLst>
+            </p:cNvPr>
+            <p:cNvSpPr/>
+            <p:nvPr>
+              <p:extLst>
+                <p:ext uri="{386F3935-93C4-4BCD-93E2-E3B085C9AB24}">
+                  <p16:designElem xmlns:p16="http://schemas.microsoft.com/office/powerpoint/2015/main" val="1"/>
+                </p:ext>
+              </p:extLst>
+            </p:nvPr>
+          </p:nvSpPr>
+          <p:spPr bwMode="auto">
+            <a:xfrm>
+              <a:off x="1320800" y="0"/>
+              <a:ext cx="1117600" cy="5276850"/>
+            </a:xfrm>
+            <a:custGeom>
+              <a:avLst/>
+              <a:gdLst/>
+              <a:ahLst/>
+              <a:cxnLst/>
+              <a:rect l="0" t="0" r="r" b="b"/>
+              <a:pathLst>
+                <a:path w="704" h="3324">
+                  <a:moveTo>
+                    <a:pt x="704" y="0"/>
+                  </a:moveTo>
+                  <a:lnTo>
+                    <a:pt x="545" y="0"/>
+                  </a:lnTo>
+                  <a:lnTo>
+                    <a:pt x="0" y="3300"/>
+                  </a:lnTo>
+                  <a:lnTo>
+                    <a:pt x="157" y="3324"/>
+                  </a:lnTo>
+                  <a:lnTo>
+                    <a:pt x="704" y="0"/>
+                  </a:lnTo>
+                  <a:close/>
+                </a:path>
+              </a:pathLst>
+            </a:custGeom>
+            <a:solidFill>
+              <a:schemeClr val="tx1">
+                <a:lumMod val="65000"/>
+                <a:lumOff val="35000"/>
+              </a:schemeClr>
+            </a:solidFill>
+            <a:ln>
+              <a:noFill/>
+            </a:ln>
+          </p:spPr>
+        </p:sp>
+        <p:sp>
+          <p:nvSpPr>
+            <p:cNvPr id="18" name="Freeform 8">
+              <a:extLst>
+                <a:ext uri="{FF2B5EF4-FFF2-40B4-BE49-F238E27FC236}">
+                  <a16:creationId xmlns:a16="http://schemas.microsoft.com/office/drawing/2014/main" id="{A0E0D557-405B-469F-AEDE-4E3404AA416D}"/>
+                </a:ext>
+                <a:ext uri="{C183D7F6-B498-43B3-948B-1728B52AA6E4}">
+                  <adec:decorative xmlns:adec="http://schemas.microsoft.com/office/drawing/2017/decorative" val="1"/>
+                </a:ext>
+              </a:extLst>
+            </p:cNvPr>
+            <p:cNvSpPr/>
+            <p:nvPr>
+              <p:extLst>
+                <p:ext uri="{386F3935-93C4-4BCD-93E2-E3B085C9AB24}">
+                  <p16:designElem xmlns:p16="http://schemas.microsoft.com/office/powerpoint/2015/main" val="1"/>
+                </p:ext>
+              </p:extLst>
+            </p:nvPr>
+          </p:nvSpPr>
+          <p:spPr bwMode="auto">
+            <a:xfrm>
+              <a:off x="1320800" y="5238750"/>
+              <a:ext cx="1228725" cy="1619250"/>
+            </a:xfrm>
+            <a:custGeom>
+              <a:avLst/>
+              <a:gdLst/>
+              <a:ahLst/>
+              <a:cxnLst/>
+              <a:rect l="0" t="0" r="r" b="b"/>
+              <a:pathLst>
+                <a:path w="774" h="1020">
+                  <a:moveTo>
+                    <a:pt x="0" y="0"/>
+                  </a:moveTo>
+                  <a:lnTo>
+                    <a:pt x="740" y="1020"/>
+                  </a:lnTo>
+                  <a:lnTo>
+                    <a:pt x="774" y="1020"/>
+                  </a:lnTo>
+                  <a:lnTo>
+                    <a:pt x="0" y="0"/>
+                  </a:lnTo>
+                  <a:close/>
+                </a:path>
+              </a:pathLst>
+            </a:custGeom>
+            <a:solidFill>
+              <a:schemeClr val="tx1">
+                <a:lumMod val="85000"/>
+                <a:lumOff val="15000"/>
+              </a:schemeClr>
+            </a:solidFill>
+            <a:ln>
+              <a:noFill/>
+            </a:ln>
+          </p:spPr>
+        </p:sp>
+        <p:sp>
+          <p:nvSpPr>
+            <p:cNvPr id="19" name="Freeform 9">
+              <a:extLst>
+                <a:ext uri="{FF2B5EF4-FFF2-40B4-BE49-F238E27FC236}">
+                  <a16:creationId xmlns:a16="http://schemas.microsoft.com/office/drawing/2014/main" id="{D8D4E62F-9393-40A6-9E85-9F3B59C4628C}"/>
+                </a:ext>
+                <a:ext uri="{C183D7F6-B498-43B3-948B-1728B52AA6E4}">
+                  <adec:decorative xmlns:adec="http://schemas.microsoft.com/office/drawing/2017/decorative" val="1"/>
+                </a:ext>
+              </a:extLst>
+            </p:cNvPr>
+            <p:cNvSpPr/>
+            <p:nvPr>
+              <p:extLst>
+                <p:ext uri="{386F3935-93C4-4BCD-93E2-E3B085C9AB24}">
+                  <p16:designElem xmlns:p16="http://schemas.microsoft.com/office/powerpoint/2015/main" val="1"/>
+                </p:ext>
+              </p:extLst>
+            </p:nvPr>
+          </p:nvSpPr>
+          <p:spPr bwMode="auto">
+            <a:xfrm>
+              <a:off x="1627188" y="5291138"/>
+              <a:ext cx="1495425" cy="1566863"/>
+            </a:xfrm>
+            <a:custGeom>
+              <a:avLst/>
+              <a:gdLst/>
+              <a:ahLst/>
+              <a:cxnLst/>
+              <a:rect l="0" t="0" r="r" b="b"/>
+              <a:pathLst>
+                <a:path w="942" h="987">
+                  <a:moveTo>
+                    <a:pt x="0" y="0"/>
+                  </a:moveTo>
+                  <a:lnTo>
+                    <a:pt x="909" y="987"/>
+                  </a:lnTo>
+                  <a:lnTo>
+                    <a:pt x="942" y="987"/>
+                  </a:lnTo>
+                  <a:lnTo>
+                    <a:pt x="0" y="0"/>
+                  </a:lnTo>
+                  <a:close/>
+                </a:path>
+              </a:pathLst>
+            </a:custGeom>
+            <a:solidFill>
+              <a:schemeClr val="accent1">
+                <a:lumMod val="50000"/>
+              </a:schemeClr>
+            </a:solidFill>
+            <a:ln>
+              <a:noFill/>
+            </a:ln>
+          </p:spPr>
+        </p:sp>
+        <p:sp>
+          <p:nvSpPr>
+            <p:cNvPr id="20" name="Freeform 10">
+              <a:extLst>
+                <a:ext uri="{FF2B5EF4-FFF2-40B4-BE49-F238E27FC236}">
+                  <a16:creationId xmlns:a16="http://schemas.microsoft.com/office/drawing/2014/main" id="{FABD11B1-DE89-45BC-8204-968C88AADC31}"/>
+                </a:ext>
+                <a:ext uri="{C183D7F6-B498-43B3-948B-1728B52AA6E4}">
+                  <adec:decorative xmlns:adec="http://schemas.microsoft.com/office/drawing/2017/decorative" val="1"/>
+                </a:ext>
+              </a:extLst>
+            </p:cNvPr>
+            <p:cNvSpPr/>
+            <p:nvPr>
+              <p:extLst>
+                <p:ext uri="{386F3935-93C4-4BCD-93E2-E3B085C9AB24}">
+                  <p16:designElem xmlns:p16="http://schemas.microsoft.com/office/powerpoint/2015/main" val="1"/>
+                </p:ext>
+              </p:extLst>
+            </p:nvPr>
+          </p:nvSpPr>
+          <p:spPr bwMode="auto">
+            <a:xfrm>
+              <a:off x="1627188" y="5286375"/>
+              <a:ext cx="2130425" cy="1571625"/>
+            </a:xfrm>
+            <a:custGeom>
+              <a:avLst/>
+              <a:gdLst/>
+              <a:ahLst/>
+              <a:cxnLst/>
+              <a:rect l="0" t="0" r="r" b="b"/>
+              <a:pathLst>
+                <a:path w="1342" h="990">
+                  <a:moveTo>
+                    <a:pt x="0" y="3"/>
+                  </a:moveTo>
+                  <a:lnTo>
+                    <a:pt x="942" y="990"/>
+                  </a:lnTo>
+                  <a:lnTo>
+                    <a:pt x="1342" y="990"/>
+                  </a:lnTo>
+                  <a:lnTo>
+                    <a:pt x="156" y="27"/>
+                  </a:lnTo>
+                  <a:lnTo>
+                    <a:pt x="0" y="0"/>
+                  </a:lnTo>
+                  <a:lnTo>
+                    <a:pt x="0" y="3"/>
+                  </a:lnTo>
+                  <a:close/>
+                </a:path>
+              </a:pathLst>
+            </a:custGeom>
+            <a:solidFill>
+              <a:schemeClr val="accent1">
+                <a:lumMod val="75000"/>
+              </a:schemeClr>
+            </a:solidFill>
+            <a:ln>
+              <a:noFill/>
+            </a:ln>
+          </p:spPr>
+        </p:sp>
+        <p:sp>
+          <p:nvSpPr>
+            <p:cNvPr id="21" name="Freeform 11">
+              <a:extLst>
+                <a:ext uri="{FF2B5EF4-FFF2-40B4-BE49-F238E27FC236}">
+                  <a16:creationId xmlns:a16="http://schemas.microsoft.com/office/drawing/2014/main" id="{AFA4965A-1FBC-44B8-B96A-3F5275C3AEF7}"/>
+                </a:ext>
+                <a:ext uri="{C183D7F6-B498-43B3-948B-1728B52AA6E4}">
+                  <adec:decorative xmlns:adec="http://schemas.microsoft.com/office/drawing/2017/decorative" val="1"/>
+                </a:ext>
+              </a:extLst>
+            </p:cNvPr>
+            <p:cNvSpPr/>
+            <p:nvPr>
+              <p:extLst>
+                <p:ext uri="{386F3935-93C4-4BCD-93E2-E3B085C9AB24}">
+                  <p16:designElem xmlns:p16="http://schemas.microsoft.com/office/powerpoint/2015/main" val="1"/>
+                </p:ext>
+              </p:extLst>
+            </p:nvPr>
+          </p:nvSpPr>
+          <p:spPr bwMode="auto">
+            <a:xfrm>
+              <a:off x="1320800" y="5238750"/>
+              <a:ext cx="1695450" cy="1619250"/>
+            </a:xfrm>
+            <a:custGeom>
+              <a:avLst/>
+              <a:gdLst/>
+              <a:ahLst/>
+              <a:cxnLst/>
+              <a:rect l="0" t="0" r="r" b="b"/>
+              <a:pathLst>
+                <a:path w="1068" h="1020">
+                  <a:moveTo>
+                    <a:pt x="1068" y="1020"/>
+                  </a:moveTo>
+                  <a:lnTo>
+                    <a:pt x="184" y="60"/>
+                  </a:lnTo>
+                  <a:lnTo>
+                    <a:pt x="154" y="27"/>
+                  </a:lnTo>
+                  <a:lnTo>
+                    <a:pt x="157" y="27"/>
+                  </a:lnTo>
+                  <a:lnTo>
+                    <a:pt x="157" y="24"/>
+                  </a:lnTo>
+                  <a:lnTo>
+                    <a:pt x="154" y="24"/>
+                  </a:lnTo>
+                  <a:lnTo>
+                    <a:pt x="0" y="0"/>
+                  </a:lnTo>
+                  <a:lnTo>
+                    <a:pt x="0" y="0"/>
+                  </a:lnTo>
+                  <a:lnTo>
+                    <a:pt x="774" y="1020"/>
+                  </a:lnTo>
+                  <a:lnTo>
+                    <a:pt x="1068" y="1020"/>
+                  </a:lnTo>
+                  <a:close/>
+                </a:path>
+              </a:pathLst>
+            </a:custGeom>
+            <a:solidFill>
+              <a:schemeClr val="tx1">
+                <a:lumMod val="75000"/>
+                <a:lumOff val="25000"/>
+              </a:schemeClr>
+            </a:solidFill>
+            <a:ln>
+              <a:noFill/>
+            </a:ln>
+          </p:spPr>
+        </p:sp>
+      </p:grpSp>
+      <p:sp>
+        <p:nvSpPr>
+          <p:cNvPr id="2" name="Title 1">
+            <a:extLst>
+              <a:ext uri="{FF2B5EF4-FFF2-40B4-BE49-F238E27FC236}">
+                <a16:creationId xmlns:a16="http://schemas.microsoft.com/office/drawing/2014/main" id="{D5F35177-7F0D-4857-9039-6820010DF2A5}"/>
+              </a:ext>
+            </a:extLst>
+          </p:cNvPr>
+          <p:cNvSpPr>
+            <a:spLocks noGrp="1"/>
+          </p:cNvSpPr>
+          <p:nvPr>
+            <p:ph type="title"/>
+          </p:nvPr>
+        </p:nvSpPr>
+        <p:spPr>
+          <a:xfrm>
+            <a:off x="3962399" y="685800"/>
+            <a:ext cx="7345891" cy="1413933"/>
+          </a:xfrm>
+        </p:spPr>
+        <p:txBody>
+          <a:bodyPr>
+            <a:normAutofit/>
+          </a:bodyPr>
+          <a:lstStyle/>
+          <a:p>
+            <a:r>
+              <a:rPr lang="en-US" dirty="0"/>
+              <a:t>Reference </a:t>
+            </a:r>
+          </a:p>
+        </p:txBody>
+      </p:sp>
+      <p:pic>
+        <p:nvPicPr>
+          <p:cNvPr id="5" name="Picture 4" descr="Red drawing pins on a map">
+            <a:extLst>
+              <a:ext uri="{FF2B5EF4-FFF2-40B4-BE49-F238E27FC236}">
+                <a16:creationId xmlns:a16="http://schemas.microsoft.com/office/drawing/2014/main" id="{4783DD62-4126-64C3-7880-0EA071D10DD7}"/>
+              </a:ext>
+            </a:extLst>
+          </p:cNvPr>
+          <p:cNvPicPr>
+            <a:picLocks noChangeAspect="1"/>
+          </p:cNvPicPr>
+          <p:nvPr/>
+        </p:nvPicPr>
+        <p:blipFill rotWithShape="1">
+          <a:blip r:embed="rId3"/>
+          <a:srcRect l="27170" r="35001"/>
+          <a:stretch/>
+        </p:blipFill>
+        <p:spPr>
+          <a:xfrm>
+            <a:off x="20" y="10"/>
+            <a:ext cx="3459143" cy="6857990"/>
+          </a:xfrm>
+          <a:custGeom>
+            <a:avLst/>
+            <a:gdLst/>
+            <a:ahLst/>
+            <a:cxnLst/>
+            <a:rect l="l" t="t" r="r" b="b"/>
+            <a:pathLst>
+              <a:path w="3458633" h="6858000">
+                <a:moveTo>
+                  <a:pt x="0" y="0"/>
+                </a:moveTo>
+                <a:lnTo>
+                  <a:pt x="3174999" y="0"/>
+                </a:lnTo>
+                <a:lnTo>
+                  <a:pt x="2294466" y="5223932"/>
+                </a:lnTo>
+                <a:lnTo>
+                  <a:pt x="3458633" y="6853767"/>
+                </a:lnTo>
+                <a:lnTo>
+                  <a:pt x="0" y="6858000"/>
+                </a:lnTo>
+                <a:lnTo>
+                  <a:pt x="0" y="0"/>
+                </a:lnTo>
+                <a:close/>
+              </a:path>
+            </a:pathLst>
+          </a:custGeom>
+          <a:ln w="38100">
+            <a:noFill/>
+          </a:ln>
+          <a:effectLst/>
+        </p:spPr>
+      </p:pic>
+      <p:sp>
+        <p:nvSpPr>
+          <p:cNvPr id="3" name="Content Placeholder 2">
+            <a:extLst>
+              <a:ext uri="{FF2B5EF4-FFF2-40B4-BE49-F238E27FC236}">
+                <a16:creationId xmlns:a16="http://schemas.microsoft.com/office/drawing/2014/main" id="{F269BDCF-7CCC-4BB0-B371-9D0206A62CC0}"/>
+              </a:ext>
+            </a:extLst>
+          </p:cNvPr>
+          <p:cNvSpPr>
+            <a:spLocks noGrp="1"/>
+          </p:cNvSpPr>
+          <p:nvPr>
+            <p:ph idx="1"/>
+          </p:nvPr>
+        </p:nvSpPr>
+        <p:spPr>
+          <a:xfrm>
+            <a:off x="3843867" y="2048933"/>
+            <a:ext cx="7659156" cy="3742267"/>
+          </a:xfrm>
+        </p:spPr>
+        <p:txBody>
+          <a:bodyPr>
+            <a:normAutofit/>
+          </a:bodyPr>
+          <a:lstStyle/>
+          <a:p>
+            <a:r>
+              <a:rPr lang="en-US" dirty="0">
+                <a:hlinkClick r:id="rId4"/>
+              </a:rPr>
+              <a:t>https://fcit.usf.edu/network/chap5/chap5.htm</a:t>
+            </a:r>
+            <a:endParaRPr lang="en-US" dirty="0"/>
+          </a:p>
+          <a:p>
+            <a:r>
+              <a:rPr lang="en-US" dirty="0">
+                <a:hlinkClick r:id="rId5"/>
+              </a:rPr>
+              <a:t>https://revisionworld.com/gcse-revision/ict/networks-internet/computer-computer-communication/star-topology</a:t>
+            </a:r>
+            <a:endParaRPr lang="en-US" dirty="0"/>
+          </a:p>
+          <a:p>
+            <a:r>
+              <a:rPr lang="en-US" dirty="0">
+                <a:hlinkClick r:id="rId6"/>
+              </a:rPr>
+              <a:t>https://nodered.org/</a:t>
+            </a:r>
+            <a:endParaRPr lang="en-US" dirty="0"/>
+          </a:p>
+          <a:p>
+            <a:r>
+              <a:rPr lang="en-US" dirty="0">
+                <a:hlinkClick r:id="rId7"/>
+              </a:rPr>
+              <a:t>https://www.digi.com/xbee</a:t>
+            </a:r>
+            <a:endParaRPr lang="en-US" dirty="0"/>
+          </a:p>
+        </p:txBody>
+      </p:sp>
+    </p:spTree>
+    <p:extLst>
+      <p:ext uri="{BB962C8B-B14F-4D97-AF65-F5344CB8AC3E}">
+        <p14:creationId xmlns:p14="http://schemas.microsoft.com/office/powerpoint/2010/main" val="3455434773"/>
       </p:ext>
     </p:extLst>
   </p:cSld>
@@ -6378,8 +12432,8 @@
         </p:nvSpPr>
         <p:spPr>
           <a:xfrm>
-            <a:off x="2231864" y="1433003"/>
-            <a:ext cx="3725054" cy="5296271"/>
+            <a:off x="2010189" y="1744857"/>
+            <a:ext cx="3725054" cy="2252994"/>
           </a:xfrm>
         </p:spPr>
         <p:txBody>
@@ -6419,16 +12473,6 @@
             <a:r>
               <a:rPr lang="en-US" dirty="0"/>
               <a:t>3D Print</a:t>
-            </a:r>
-          </a:p>
-          <a:p>
-            <a:pPr lvl="1">
-              <a:buFont typeface="Wingdings" panose="05000000000000000000" pitchFamily="2" charset="2"/>
-              <a:buChar char="§"/>
-            </a:pPr>
-            <a:r>
-              <a:rPr lang="en-US" dirty="0"/>
-              <a:t>Power Management</a:t>
             </a:r>
           </a:p>
         </p:txBody>
@@ -6449,8 +12493,8 @@
         </p:nvSpPr>
         <p:spPr>
           <a:xfrm>
-            <a:off x="6235082" y="1433002"/>
-            <a:ext cx="3725054" cy="5296271"/>
+            <a:off x="6456757" y="1501773"/>
+            <a:ext cx="3725054" cy="2739163"/>
           </a:xfrm>
           <a:prstGeom prst="rect">
             <a:avLst/>
@@ -6723,11 +12767,43 @@
               <a:t>Remote Access</a:t>
             </a:r>
           </a:p>
+        </p:txBody>
+      </p:sp>
+      <p:sp>
+        <p:nvSpPr>
+          <p:cNvPr id="4" name="TextBox 3">
+            <a:extLst>
+              <a:ext uri="{FF2B5EF4-FFF2-40B4-BE49-F238E27FC236}">
+                <a16:creationId xmlns:a16="http://schemas.microsoft.com/office/drawing/2014/main" id="{5DCFA15C-2B0F-4F37-A0AC-CC2F34709CC8}"/>
+              </a:ext>
+            </a:extLst>
+          </p:cNvPr>
+          <p:cNvSpPr txBox="1"/>
+          <p:nvPr/>
+        </p:nvSpPr>
+        <p:spPr>
+          <a:xfrm>
+            <a:off x="8319284" y="5742709"/>
+            <a:ext cx="3408219" cy="954107"/>
+          </a:xfrm>
+          <a:prstGeom prst="rect">
+            <a:avLst/>
+          </a:prstGeom>
+          <a:noFill/>
+        </p:spPr>
+        <p:txBody>
+          <a:bodyPr wrap="square" rtlCol="0">
+            <a:spAutoFit/>
+          </a:bodyPr>
+          <a:lstStyle/>
           <a:p>
             <a:r>
-              <a:rPr lang="en-US" dirty="0"/>
+              <a:rPr lang="en-US" sz="2800" b="1" dirty="0"/>
               <a:t>Question &amp; Answer</a:t>
             </a:r>
+          </a:p>
+          <a:p>
+            <a:endParaRPr lang="en-US" sz="2800" b="1" dirty="0"/>
           </a:p>
         </p:txBody>
       </p:sp>
@@ -6788,9 +12864,10 @@
           <a:lstStyle/>
           <a:p>
             <a:r>
-              <a:rPr lang="en-US" dirty="0"/>
+              <a:rPr lang="en-US"/>
               <a:t>Wire?</a:t>
             </a:r>
+            <a:endParaRPr lang="en-US" dirty="0"/>
           </a:p>
         </p:txBody>
       </p:sp>
@@ -6916,6 +12993,138 @@
   <p:clrMapOvr>
     <a:masterClrMapping/>
   </p:clrMapOvr>
+  <p:timing>
+    <p:tnLst>
+      <p:par>
+        <p:cTn id="1" dur="indefinite" restart="never" nodeType="tmRoot">
+          <p:childTnLst>
+            <p:seq concurrent="1" nextAc="seek">
+              <p:cTn id="2" dur="indefinite" nodeType="mainSeq">
+                <p:childTnLst>
+                  <p:par>
+                    <p:cTn id="3" fill="hold">
+                      <p:stCondLst>
+                        <p:cond delay="indefinite"/>
+                      </p:stCondLst>
+                      <p:childTnLst>
+                        <p:par>
+                          <p:cTn id="4" fill="hold">
+                            <p:stCondLst>
+                              <p:cond delay="0"/>
+                            </p:stCondLst>
+                            <p:childTnLst>
+                              <p:par>
+                                <p:cTn id="5" presetID="42" presetClass="entr" presetSubtype="0" fill="hold" grpId="0" nodeType="clickEffect">
+                                  <p:stCondLst>
+                                    <p:cond delay="0"/>
+                                  </p:stCondLst>
+                                  <p:childTnLst>
+                                    <p:set>
+                                      <p:cBhvr>
+                                        <p:cTn id="6" dur="1" fill="hold">
+                                          <p:stCondLst>
+                                            <p:cond delay="0"/>
+                                          </p:stCondLst>
+                                        </p:cTn>
+                                        <p:tgtEl>
+                                          <p:spTgt spid="4"/>
+                                        </p:tgtEl>
+                                        <p:attrNameLst>
+                                          <p:attrName>style.visibility</p:attrName>
+                                        </p:attrNameLst>
+                                      </p:cBhvr>
+                                      <p:to>
+                                        <p:strVal val="visible"/>
+                                      </p:to>
+                                    </p:set>
+                                    <p:animEffect transition="in" filter="fade">
+                                      <p:cBhvr>
+                                        <p:cTn id="7" dur="1000"/>
+                                        <p:tgtEl>
+                                          <p:spTgt spid="4"/>
+                                        </p:tgtEl>
+                                      </p:cBhvr>
+                                    </p:animEffect>
+                                    <p:anim calcmode="lin" valueType="num">
+                                      <p:cBhvr>
+                                        <p:cTn id="8" dur="1000" fill="hold"/>
+                                        <p:tgtEl>
+                                          <p:spTgt spid="4"/>
+                                        </p:tgtEl>
+                                        <p:attrNameLst>
+                                          <p:attrName>ppt_x</p:attrName>
+                                        </p:attrNameLst>
+                                      </p:cBhvr>
+                                      <p:tavLst>
+                                        <p:tav tm="0">
+                                          <p:val>
+                                            <p:strVal val="#ppt_x"/>
+                                          </p:val>
+                                        </p:tav>
+                                        <p:tav tm="100000">
+                                          <p:val>
+                                            <p:strVal val="#ppt_x"/>
+                                          </p:val>
+                                        </p:tav>
+                                      </p:tavLst>
+                                    </p:anim>
+                                    <p:anim calcmode="lin" valueType="num">
+                                      <p:cBhvr>
+                                        <p:cTn id="9" dur="1000" fill="hold"/>
+                                        <p:tgtEl>
+                                          <p:spTgt spid="4"/>
+                                        </p:tgtEl>
+                                        <p:attrNameLst>
+                                          <p:attrName>ppt_y</p:attrName>
+                                        </p:attrNameLst>
+                                      </p:cBhvr>
+                                      <p:tavLst>
+                                        <p:tav tm="0">
+                                          <p:val>
+                                            <p:strVal val="#ppt_y+.1"/>
+                                          </p:val>
+                                        </p:tav>
+                                        <p:tav tm="100000">
+                                          <p:val>
+                                            <p:strVal val="#ppt_y"/>
+                                          </p:val>
+                                        </p:tav>
+                                      </p:tavLst>
+                                    </p:anim>
+                                  </p:childTnLst>
+                                </p:cTn>
+                              </p:par>
+                            </p:childTnLst>
+                          </p:cTn>
+                        </p:par>
+                      </p:childTnLst>
+                    </p:cTn>
+                  </p:par>
+                </p:childTnLst>
+              </p:cTn>
+              <p:prevCondLst>
+                <p:cond evt="onPrev" delay="0">
+                  <p:tgtEl>
+                    <p:sldTgt/>
+                  </p:tgtEl>
+                </p:cond>
+              </p:prevCondLst>
+              <p:nextCondLst>
+                <p:cond evt="onNext" delay="0">
+                  <p:tgtEl>
+                    <p:sldTgt/>
+                  </p:tgtEl>
+                </p:cond>
+              </p:nextCondLst>
+            </p:seq>
+          </p:childTnLst>
+        </p:cTn>
+      </p:par>
+    </p:tnLst>
+    <p:bldLst>
+      <p:bldP spid="4" grpId="0"/>
+    </p:bldLst>
+  </p:timing>
 </p:sld>
 </file>
 
@@ -7134,6 +13343,14 @@
 <file path=ppt/slides/slide5.xml><?xml version="1.0" encoding="utf-8"?>
 <p:sld xmlns:a="http://schemas.openxmlformats.org/drawingml/2006/main" xmlns:r="http://schemas.openxmlformats.org/officeDocument/2006/relationships" xmlns:p="http://schemas.openxmlformats.org/presentationml/2006/main">
   <p:cSld>
+    <p:bg>
+      <p:bgPr>
+        <a:solidFill>
+          <a:schemeClr val="bg1"/>
+        </a:solidFill>
+        <a:effectLst/>
+      </p:bgPr>
+    </p:bg>
     <p:spTree>
       <p:nvGrpSpPr>
         <p:cNvPr id="1" name=""/>
@@ -7150,10 +13367,493 @@
       </p:grpSpPr>
       <p:sp>
         <p:nvSpPr>
+          <p:cNvPr id="9" name="Rectangle 8">
+            <a:extLst>
+              <a:ext uri="{FF2B5EF4-FFF2-40B4-BE49-F238E27FC236}">
+                <a16:creationId xmlns:a16="http://schemas.microsoft.com/office/drawing/2014/main" id="{BED1B64B-251E-446A-A285-6626C4EC010D}"/>
+              </a:ext>
+              <a:ext uri="{C183D7F6-B498-43B3-948B-1728B52AA6E4}">
+                <adec:decorative xmlns:adec="http://schemas.microsoft.com/office/drawing/2017/decorative" val="1"/>
+              </a:ext>
+            </a:extLst>
+          </p:cNvPr>
+          <p:cNvSpPr>
+            <a:spLocks noGrp="1" noRot="1" noChangeAspect="1" noMove="1" noResize="1" noEditPoints="1" noAdjustHandles="1" noChangeArrowheads="1" noChangeShapeType="1" noTextEdit="1"/>
+          </p:cNvSpPr>
+          <p:nvPr>
+            <p:extLst>
+              <p:ext uri="{386F3935-93C4-4BCD-93E2-E3B085C9AB24}">
+                <p16:designElem xmlns:p16="http://schemas.microsoft.com/office/powerpoint/2015/main" val="1"/>
+              </p:ext>
+            </p:extLst>
+          </p:nvPr>
+        </p:nvSpPr>
+        <p:spPr>
+          <a:xfrm>
+            <a:off x="0" y="0"/>
+            <a:ext cx="12192000" cy="6858000"/>
+          </a:xfrm>
+          <a:prstGeom prst="rect">
+            <a:avLst/>
+          </a:prstGeom>
+          <a:ln>
+            <a:noFill/>
+          </a:ln>
+        </p:spPr>
+        <p:style>
+          <a:lnRef idx="2">
+            <a:schemeClr val="accent1">
+              <a:shade val="50000"/>
+            </a:schemeClr>
+          </a:lnRef>
+          <a:fillRef idx="1003">
+            <a:schemeClr val="lt2"/>
+          </a:fillRef>
+          <a:effectRef idx="0">
+            <a:schemeClr val="accent1"/>
+          </a:effectRef>
+          <a:fontRef idx="minor">
+            <a:schemeClr val="lt1"/>
+          </a:fontRef>
+        </p:style>
+        <p:txBody>
+          <a:bodyPr rtlCol="0" anchor="ctr"/>
+          <a:lstStyle/>
+          <a:p>
+            <a:pPr algn="ctr"/>
+            <a:endParaRPr lang="en-US"/>
+          </a:p>
+        </p:txBody>
+      </p:sp>
+      <p:grpSp>
+        <p:nvGrpSpPr>
+          <p:cNvPr id="11" name="Group 10">
+            <a:extLst>
+              <a:ext uri="{FF2B5EF4-FFF2-40B4-BE49-F238E27FC236}">
+                <a16:creationId xmlns:a16="http://schemas.microsoft.com/office/drawing/2014/main" id="{CD02B5D1-60D4-4D5B-AFD9-C986E227431B}"/>
+              </a:ext>
+              <a:ext uri="{C183D7F6-B498-43B3-948B-1728B52AA6E4}">
+                <adec:decorative xmlns:adec="http://schemas.microsoft.com/office/drawing/2017/decorative" val="1"/>
+              </a:ext>
+            </a:extLst>
+          </p:cNvPr>
+          <p:cNvGrpSpPr>
+            <a:grpSpLocks noGrp="1" noUngrp="1" noRot="1" noChangeAspect="1" noMove="1" noResize="1"/>
+          </p:cNvGrpSpPr>
+          <p:nvPr>
+            <p:extLst>
+              <p:ext uri="{386F3935-93C4-4BCD-93E2-E3B085C9AB24}">
+                <p16:designElem xmlns:p16="http://schemas.microsoft.com/office/powerpoint/2015/main" val="1"/>
+              </p:ext>
+            </p:extLst>
+          </p:nvPr>
+        </p:nvGrpSpPr>
+        <p:grpSpPr>
+          <a:xfrm>
+            <a:off x="150812" y="0"/>
+            <a:ext cx="2436813" cy="6858001"/>
+            <a:chOff x="1320800" y="0"/>
+            <a:chExt cx="2436813" cy="6858001"/>
+          </a:xfrm>
+        </p:grpSpPr>
+        <p:sp>
+          <p:nvSpPr>
+            <p:cNvPr id="12" name="Freeform 6">
+              <a:extLst>
+                <a:ext uri="{FF2B5EF4-FFF2-40B4-BE49-F238E27FC236}">
+                  <a16:creationId xmlns:a16="http://schemas.microsoft.com/office/drawing/2014/main" id="{54E16489-5A93-4D86-AAAD-52DB55A814D6}"/>
+                </a:ext>
+                <a:ext uri="{C183D7F6-B498-43B3-948B-1728B52AA6E4}">
+                  <adec:decorative xmlns:adec="http://schemas.microsoft.com/office/drawing/2017/decorative" val="1"/>
+                </a:ext>
+              </a:extLst>
+            </p:cNvPr>
+            <p:cNvSpPr/>
+            <p:nvPr>
+              <p:extLst>
+                <p:ext uri="{386F3935-93C4-4BCD-93E2-E3B085C9AB24}">
+                  <p16:designElem xmlns:p16="http://schemas.microsoft.com/office/powerpoint/2015/main" val="1"/>
+                </p:ext>
+              </p:extLst>
+            </p:nvPr>
+          </p:nvSpPr>
+          <p:spPr bwMode="auto">
+            <a:xfrm>
+              <a:off x="1627188" y="0"/>
+              <a:ext cx="1122363" cy="5329238"/>
+            </a:xfrm>
+            <a:custGeom>
+              <a:avLst/>
+              <a:gdLst/>
+              <a:ahLst/>
+              <a:cxnLst/>
+              <a:rect l="0" t="0" r="r" b="b"/>
+              <a:pathLst>
+                <a:path w="707" h="3357">
+                  <a:moveTo>
+                    <a:pt x="0" y="3330"/>
+                  </a:moveTo>
+                  <a:lnTo>
+                    <a:pt x="156" y="3357"/>
+                  </a:lnTo>
+                  <a:lnTo>
+                    <a:pt x="707" y="0"/>
+                  </a:lnTo>
+                  <a:lnTo>
+                    <a:pt x="547" y="0"/>
+                  </a:lnTo>
+                  <a:lnTo>
+                    <a:pt x="0" y="3330"/>
+                  </a:lnTo>
+                  <a:close/>
+                </a:path>
+              </a:pathLst>
+            </a:custGeom>
+            <a:solidFill>
+              <a:schemeClr val="accent1"/>
+            </a:solidFill>
+            <a:ln>
+              <a:noFill/>
+            </a:ln>
+          </p:spPr>
+        </p:sp>
+        <p:sp>
+          <p:nvSpPr>
+            <p:cNvPr id="13" name="Freeform 7">
+              <a:extLst>
+                <a:ext uri="{FF2B5EF4-FFF2-40B4-BE49-F238E27FC236}">
+                  <a16:creationId xmlns:a16="http://schemas.microsoft.com/office/drawing/2014/main" id="{BC99456E-7EAD-49F1-B2FE-C2C561C0BE30}"/>
+                </a:ext>
+                <a:ext uri="{C183D7F6-B498-43B3-948B-1728B52AA6E4}">
+                  <adec:decorative xmlns:adec="http://schemas.microsoft.com/office/drawing/2017/decorative" val="1"/>
+                </a:ext>
+              </a:extLst>
+            </p:cNvPr>
+            <p:cNvSpPr/>
+            <p:nvPr>
+              <p:extLst>
+                <p:ext uri="{386F3935-93C4-4BCD-93E2-E3B085C9AB24}">
+                  <p16:designElem xmlns:p16="http://schemas.microsoft.com/office/powerpoint/2015/main" val="1"/>
+                </p:ext>
+              </p:extLst>
+            </p:nvPr>
+          </p:nvSpPr>
+          <p:spPr bwMode="auto">
+            <a:xfrm>
+              <a:off x="1320800" y="0"/>
+              <a:ext cx="1117600" cy="5276850"/>
+            </a:xfrm>
+            <a:custGeom>
+              <a:avLst/>
+              <a:gdLst/>
+              <a:ahLst/>
+              <a:cxnLst/>
+              <a:rect l="0" t="0" r="r" b="b"/>
+              <a:pathLst>
+                <a:path w="704" h="3324">
+                  <a:moveTo>
+                    <a:pt x="704" y="0"/>
+                  </a:moveTo>
+                  <a:lnTo>
+                    <a:pt x="545" y="0"/>
+                  </a:lnTo>
+                  <a:lnTo>
+                    <a:pt x="0" y="3300"/>
+                  </a:lnTo>
+                  <a:lnTo>
+                    <a:pt x="157" y="3324"/>
+                  </a:lnTo>
+                  <a:lnTo>
+                    <a:pt x="704" y="0"/>
+                  </a:lnTo>
+                  <a:close/>
+                </a:path>
+              </a:pathLst>
+            </a:custGeom>
+            <a:solidFill>
+              <a:schemeClr val="tx1">
+                <a:lumMod val="65000"/>
+                <a:lumOff val="35000"/>
+              </a:schemeClr>
+            </a:solidFill>
+            <a:ln>
+              <a:noFill/>
+            </a:ln>
+          </p:spPr>
+        </p:sp>
+        <p:sp>
+          <p:nvSpPr>
+            <p:cNvPr id="14" name="Freeform 8">
+              <a:extLst>
+                <a:ext uri="{FF2B5EF4-FFF2-40B4-BE49-F238E27FC236}">
+                  <a16:creationId xmlns:a16="http://schemas.microsoft.com/office/drawing/2014/main" id="{922702DF-10E7-4320-B99B-75D2EE97FC34}"/>
+                </a:ext>
+                <a:ext uri="{C183D7F6-B498-43B3-948B-1728B52AA6E4}">
+                  <adec:decorative xmlns:adec="http://schemas.microsoft.com/office/drawing/2017/decorative" val="1"/>
+                </a:ext>
+              </a:extLst>
+            </p:cNvPr>
+            <p:cNvSpPr/>
+            <p:nvPr>
+              <p:extLst>
+                <p:ext uri="{386F3935-93C4-4BCD-93E2-E3B085C9AB24}">
+                  <p16:designElem xmlns:p16="http://schemas.microsoft.com/office/powerpoint/2015/main" val="1"/>
+                </p:ext>
+              </p:extLst>
+            </p:nvPr>
+          </p:nvSpPr>
+          <p:spPr bwMode="auto">
+            <a:xfrm>
+              <a:off x="1320800" y="5238750"/>
+              <a:ext cx="1228725" cy="1619250"/>
+            </a:xfrm>
+            <a:custGeom>
+              <a:avLst/>
+              <a:gdLst/>
+              <a:ahLst/>
+              <a:cxnLst/>
+              <a:rect l="0" t="0" r="r" b="b"/>
+              <a:pathLst>
+                <a:path w="774" h="1020">
+                  <a:moveTo>
+                    <a:pt x="0" y="0"/>
+                  </a:moveTo>
+                  <a:lnTo>
+                    <a:pt x="740" y="1020"/>
+                  </a:lnTo>
+                  <a:lnTo>
+                    <a:pt x="774" y="1020"/>
+                  </a:lnTo>
+                  <a:lnTo>
+                    <a:pt x="0" y="0"/>
+                  </a:lnTo>
+                  <a:close/>
+                </a:path>
+              </a:pathLst>
+            </a:custGeom>
+            <a:solidFill>
+              <a:schemeClr val="tx1">
+                <a:lumMod val="85000"/>
+                <a:lumOff val="15000"/>
+              </a:schemeClr>
+            </a:solidFill>
+            <a:ln>
+              <a:noFill/>
+            </a:ln>
+          </p:spPr>
+        </p:sp>
+        <p:sp>
+          <p:nvSpPr>
+            <p:cNvPr id="15" name="Freeform 9">
+              <a:extLst>
+                <a:ext uri="{FF2B5EF4-FFF2-40B4-BE49-F238E27FC236}">
+                  <a16:creationId xmlns:a16="http://schemas.microsoft.com/office/drawing/2014/main" id="{1EFA49A8-FE55-4D51-B1C9-11F13FFB71BF}"/>
+                </a:ext>
+                <a:ext uri="{C183D7F6-B498-43B3-948B-1728B52AA6E4}">
+                  <adec:decorative xmlns:adec="http://schemas.microsoft.com/office/drawing/2017/decorative" val="1"/>
+                </a:ext>
+              </a:extLst>
+            </p:cNvPr>
+            <p:cNvSpPr/>
+            <p:nvPr>
+              <p:extLst>
+                <p:ext uri="{386F3935-93C4-4BCD-93E2-E3B085C9AB24}">
+                  <p16:designElem xmlns:p16="http://schemas.microsoft.com/office/powerpoint/2015/main" val="1"/>
+                </p:ext>
+              </p:extLst>
+            </p:nvPr>
+          </p:nvSpPr>
+          <p:spPr bwMode="auto">
+            <a:xfrm>
+              <a:off x="1627188" y="5291138"/>
+              <a:ext cx="1495425" cy="1566863"/>
+            </a:xfrm>
+            <a:custGeom>
+              <a:avLst/>
+              <a:gdLst/>
+              <a:ahLst/>
+              <a:cxnLst/>
+              <a:rect l="0" t="0" r="r" b="b"/>
+              <a:pathLst>
+                <a:path w="942" h="987">
+                  <a:moveTo>
+                    <a:pt x="0" y="0"/>
+                  </a:moveTo>
+                  <a:lnTo>
+                    <a:pt x="909" y="987"/>
+                  </a:lnTo>
+                  <a:lnTo>
+                    <a:pt x="942" y="987"/>
+                  </a:lnTo>
+                  <a:lnTo>
+                    <a:pt x="0" y="0"/>
+                  </a:lnTo>
+                  <a:close/>
+                </a:path>
+              </a:pathLst>
+            </a:custGeom>
+            <a:solidFill>
+              <a:schemeClr val="accent1">
+                <a:lumMod val="50000"/>
+              </a:schemeClr>
+            </a:solidFill>
+            <a:ln>
+              <a:noFill/>
+            </a:ln>
+          </p:spPr>
+        </p:sp>
+        <p:sp>
+          <p:nvSpPr>
+            <p:cNvPr id="16" name="Freeform 10">
+              <a:extLst>
+                <a:ext uri="{FF2B5EF4-FFF2-40B4-BE49-F238E27FC236}">
+                  <a16:creationId xmlns:a16="http://schemas.microsoft.com/office/drawing/2014/main" id="{4C63B37C-8CEE-4A72-AFD8-3C2DBD3725BC}"/>
+                </a:ext>
+                <a:ext uri="{C183D7F6-B498-43B3-948B-1728B52AA6E4}">
+                  <adec:decorative xmlns:adec="http://schemas.microsoft.com/office/drawing/2017/decorative" val="1"/>
+                </a:ext>
+              </a:extLst>
+            </p:cNvPr>
+            <p:cNvSpPr/>
+            <p:nvPr>
+              <p:extLst>
+                <p:ext uri="{386F3935-93C4-4BCD-93E2-E3B085C9AB24}">
+                  <p16:designElem xmlns:p16="http://schemas.microsoft.com/office/powerpoint/2015/main" val="1"/>
+                </p:ext>
+              </p:extLst>
+            </p:nvPr>
+          </p:nvSpPr>
+          <p:spPr bwMode="auto">
+            <a:xfrm>
+              <a:off x="1627188" y="5286375"/>
+              <a:ext cx="2130425" cy="1571625"/>
+            </a:xfrm>
+            <a:custGeom>
+              <a:avLst/>
+              <a:gdLst/>
+              <a:ahLst/>
+              <a:cxnLst/>
+              <a:rect l="0" t="0" r="r" b="b"/>
+              <a:pathLst>
+                <a:path w="1342" h="990">
+                  <a:moveTo>
+                    <a:pt x="0" y="3"/>
+                  </a:moveTo>
+                  <a:lnTo>
+                    <a:pt x="942" y="990"/>
+                  </a:lnTo>
+                  <a:lnTo>
+                    <a:pt x="1342" y="990"/>
+                  </a:lnTo>
+                  <a:lnTo>
+                    <a:pt x="156" y="27"/>
+                  </a:lnTo>
+                  <a:lnTo>
+                    <a:pt x="0" y="0"/>
+                  </a:lnTo>
+                  <a:lnTo>
+                    <a:pt x="0" y="3"/>
+                  </a:lnTo>
+                  <a:close/>
+                </a:path>
+              </a:pathLst>
+            </a:custGeom>
+            <a:solidFill>
+              <a:schemeClr val="accent1">
+                <a:lumMod val="75000"/>
+              </a:schemeClr>
+            </a:solidFill>
+            <a:ln>
+              <a:noFill/>
+            </a:ln>
+          </p:spPr>
+        </p:sp>
+        <p:sp>
+          <p:nvSpPr>
+            <p:cNvPr id="17" name="Freeform 11">
+              <a:extLst>
+                <a:ext uri="{FF2B5EF4-FFF2-40B4-BE49-F238E27FC236}">
+                  <a16:creationId xmlns:a16="http://schemas.microsoft.com/office/drawing/2014/main" id="{31245F86-6106-4758-A825-71AC9D6F9EA8}"/>
+                </a:ext>
+                <a:ext uri="{C183D7F6-B498-43B3-948B-1728B52AA6E4}">
+                  <adec:decorative xmlns:adec="http://schemas.microsoft.com/office/drawing/2017/decorative" val="1"/>
+                </a:ext>
+              </a:extLst>
+            </p:cNvPr>
+            <p:cNvSpPr/>
+            <p:nvPr>
+              <p:extLst>
+                <p:ext uri="{386F3935-93C4-4BCD-93E2-E3B085C9AB24}">
+                  <p16:designElem xmlns:p16="http://schemas.microsoft.com/office/powerpoint/2015/main" val="1"/>
+                </p:ext>
+              </p:extLst>
+            </p:nvPr>
+          </p:nvSpPr>
+          <p:spPr bwMode="auto">
+            <a:xfrm>
+              <a:off x="1320800" y="5238750"/>
+              <a:ext cx="1695450" cy="1619250"/>
+            </a:xfrm>
+            <a:custGeom>
+              <a:avLst/>
+              <a:gdLst/>
+              <a:ahLst/>
+              <a:cxnLst/>
+              <a:rect l="0" t="0" r="r" b="b"/>
+              <a:pathLst>
+                <a:path w="1068" h="1020">
+                  <a:moveTo>
+                    <a:pt x="1068" y="1020"/>
+                  </a:moveTo>
+                  <a:lnTo>
+                    <a:pt x="184" y="60"/>
+                  </a:lnTo>
+                  <a:lnTo>
+                    <a:pt x="154" y="27"/>
+                  </a:lnTo>
+                  <a:lnTo>
+                    <a:pt x="157" y="27"/>
+                  </a:lnTo>
+                  <a:lnTo>
+                    <a:pt x="157" y="24"/>
+                  </a:lnTo>
+                  <a:lnTo>
+                    <a:pt x="154" y="24"/>
+                  </a:lnTo>
+                  <a:lnTo>
+                    <a:pt x="0" y="0"/>
+                  </a:lnTo>
+                  <a:lnTo>
+                    <a:pt x="0" y="0"/>
+                  </a:lnTo>
+                  <a:lnTo>
+                    <a:pt x="774" y="1020"/>
+                  </a:lnTo>
+                  <a:lnTo>
+                    <a:pt x="1068" y="1020"/>
+                  </a:lnTo>
+                  <a:close/>
+                </a:path>
+              </a:pathLst>
+            </a:custGeom>
+            <a:solidFill>
+              <a:schemeClr val="tx1">
+                <a:lumMod val="75000"/>
+                <a:lumOff val="25000"/>
+              </a:schemeClr>
+            </a:solidFill>
+            <a:ln>
+              <a:noFill/>
+            </a:ln>
+          </p:spPr>
+        </p:sp>
+      </p:grpSp>
+      <p:sp>
+        <p:nvSpPr>
           <p:cNvPr id="2" name="Title 1">
             <a:extLst>
               <a:ext uri="{FF2B5EF4-FFF2-40B4-BE49-F238E27FC236}">
-                <a16:creationId xmlns:a16="http://schemas.microsoft.com/office/drawing/2014/main" id="{2BF98CE6-2D57-478B-AE1D-BD8EE8533D57}"/>
+                <a16:creationId xmlns:a16="http://schemas.microsoft.com/office/drawing/2014/main" id="{36F7133A-1398-4266-A5A5-95186B25BFB2}"/>
               </a:ext>
             </a:extLst>
           </p:cNvPr>
@@ -7164,56 +13864,146 @@
             <p:ph type="title"/>
           </p:nvPr>
         </p:nvSpPr>
-        <p:spPr/>
+        <p:spPr>
+          <a:xfrm>
+            <a:off x="1484312" y="1284051"/>
+            <a:ext cx="2812385" cy="3723836"/>
+          </a:xfrm>
+        </p:spPr>
         <p:txBody>
-          <a:bodyPr/>
+          <a:bodyPr>
+            <a:normAutofit/>
+          </a:bodyPr>
           <a:lstStyle/>
           <a:p>
             <a:r>
-              <a:rPr lang="en-US" dirty="0"/>
-              <a:t>Advantages</a:t>
+              <a:rPr lang="en-US" sz="3600">
+                <a:solidFill>
+                  <a:srgbClr val="000000"/>
+                </a:solidFill>
+              </a:rPr>
+              <a:t>ZigBee/XBee</a:t>
             </a:r>
           </a:p>
         </p:txBody>
       </p:sp>
-      <p:sp>
+      <p:sp useBgFill="1">
         <p:nvSpPr>
-          <p:cNvPr id="3" name="Content Placeholder 2">
+          <p:cNvPr id="19" name="Rounded Rectangle 16">
             <a:extLst>
               <a:ext uri="{FF2B5EF4-FFF2-40B4-BE49-F238E27FC236}">
-                <a16:creationId xmlns:a16="http://schemas.microsoft.com/office/drawing/2014/main" id="{915ED8B3-0B64-4797-8DBA-92F187C6B16D}"/>
+                <a16:creationId xmlns:a16="http://schemas.microsoft.com/office/drawing/2014/main" id="{A27AE693-58E8-48BC-8ED0-568ABFEABB35}"/>
+              </a:ext>
+              <a:ext uri="{C183D7F6-B498-43B3-948B-1728B52AA6E4}">
+                <adec:decorative xmlns:adec="http://schemas.microsoft.com/office/drawing/2017/decorative" val="1"/>
               </a:ext>
             </a:extLst>
           </p:cNvPr>
           <p:cNvSpPr>
-            <a:spLocks noGrp="1"/>
+            <a:spLocks noGrp="1" noRot="1" noChangeAspect="1" noMove="1" noResize="1" noEditPoints="1" noAdjustHandles="1" noChangeArrowheads="1" noChangeShapeType="1" noTextEdit="1"/>
           </p:cNvSpPr>
           <p:nvPr>
-            <p:ph idx="1"/>
+            <p:extLst>
+              <p:ext uri="{386F3935-93C4-4BCD-93E2-E3B085C9AB24}">
+                <p16:designElem xmlns:p16="http://schemas.microsoft.com/office/powerpoint/2015/main" val="1"/>
+              </p:ext>
+            </p:extLst>
           </p:nvPr>
         </p:nvSpPr>
-        <p:spPr/>
+        <p:spPr>
+          <a:xfrm>
+            <a:off x="4621162" y="648931"/>
+            <a:ext cx="6881862" cy="5231964"/>
+          </a:xfrm>
+          <a:prstGeom prst="roundRect">
+            <a:avLst>
+              <a:gd name="adj" fmla="val 4834"/>
+            </a:avLst>
+          </a:prstGeom>
+          <a:ln w="38100">
+            <a:gradFill flip="none" rotWithShape="1">
+              <a:gsLst>
+                <a:gs pos="0">
+                  <a:schemeClr val="bg2"/>
+                </a:gs>
+                <a:gs pos="100000">
+                  <a:schemeClr val="bg2">
+                    <a:lumMod val="75000"/>
+                  </a:schemeClr>
+                </a:gs>
+              </a:gsLst>
+              <a:lin ang="5400000" scaled="0"/>
+              <a:tileRect/>
+            </a:gradFill>
+          </a:ln>
+          <a:effectLst>
+            <a:innerShdw blurRad="57150" dist="38100" dir="14460000">
+              <a:srgbClr val="000000">
+                <a:alpha val="70000"/>
+              </a:srgbClr>
+            </a:innerShdw>
+          </a:effectLst>
+        </p:spPr>
+        <p:style>
+          <a:lnRef idx="2">
+            <a:schemeClr val="accent1">
+              <a:shade val="50000"/>
+            </a:schemeClr>
+          </a:lnRef>
+          <a:fillRef idx="1">
+            <a:schemeClr val="accent1"/>
+          </a:fillRef>
+          <a:effectRef idx="0">
+            <a:schemeClr val="accent1"/>
+          </a:effectRef>
+          <a:fontRef idx="minor">
+            <a:schemeClr val="lt1"/>
+          </a:fontRef>
+        </p:style>
         <p:txBody>
-          <a:bodyPr/>
+          <a:bodyPr rtlCol="0" anchor="ctr"/>
           <a:lstStyle/>
           <a:p>
-            <a:r>
-              <a:rPr lang="en-US" dirty="0"/>
-              <a:t>Low Power Consumption compared to WIFI</a:t>
-            </a:r>
-          </a:p>
-          <a:p>
-            <a:r>
-              <a:rPr lang="en-US" dirty="0"/>
-              <a:t>Wide Range</a:t>
-            </a:r>
+            <a:pPr algn="ctr"/>
+            <a:endParaRPr lang="en-US"/>
           </a:p>
         </p:txBody>
       </p:sp>
+      <p:graphicFrame>
+        <p:nvGraphicFramePr>
+          <p:cNvPr id="5" name="Content Placeholder 2">
+            <a:extLst>
+              <a:ext uri="{FF2B5EF4-FFF2-40B4-BE49-F238E27FC236}">
+                <a16:creationId xmlns:a16="http://schemas.microsoft.com/office/drawing/2014/main" id="{D174E092-5BFC-DD2C-602D-D3979033DCF7}"/>
+              </a:ext>
+            </a:extLst>
+          </p:cNvPr>
+          <p:cNvGraphicFramePr>
+            <a:graphicFrameLocks noGrp="1"/>
+          </p:cNvGraphicFramePr>
+          <p:nvPr>
+            <p:ph idx="1"/>
+            <p:extLst>
+              <p:ext uri="{D42A27DB-BD31-4B8C-83A1-F6EECF244321}">
+                <p14:modId xmlns:p14="http://schemas.microsoft.com/office/powerpoint/2010/main" val="1343379623"/>
+              </p:ext>
+            </p:extLst>
+          </p:nvPr>
+        </p:nvGraphicFramePr>
+        <p:xfrm>
+          <a:off x="4941201" y="992181"/>
+          <a:ext cx="6237359" cy="4566291"/>
+        </p:xfrm>
+        <a:graphic>
+          <a:graphicData uri="http://schemas.openxmlformats.org/drawingml/2006/diagram">
+            <dgm:relIds xmlns:dgm="http://schemas.openxmlformats.org/drawingml/2006/diagram" xmlns:r="http://schemas.openxmlformats.org/officeDocument/2006/relationships" r:dm="rId2" r:lo="rId3" r:qs="rId4" r:cs="rId5"/>
+          </a:graphicData>
+        </a:graphic>
+      </p:graphicFrame>
     </p:spTree>
     <p:extLst>
       <p:ext uri="{BB962C8B-B14F-4D97-AF65-F5344CB8AC3E}">
-        <p14:creationId xmlns:p14="http://schemas.microsoft.com/office/powerpoint/2010/main" val="1496552705"/>
+        <p14:creationId xmlns:p14="http://schemas.microsoft.com/office/powerpoint/2010/main" val="1465398344"/>
       </p:ext>
     </p:extLst>
   </p:cSld>
@@ -7226,6 +14016,27 @@
 <file path=ppt/slides/slide6.xml><?xml version="1.0" encoding="utf-8"?>
 <p:sld xmlns:a="http://schemas.openxmlformats.org/drawingml/2006/main" xmlns:r="http://schemas.openxmlformats.org/officeDocument/2006/relationships" xmlns:p="http://schemas.openxmlformats.org/presentationml/2006/main">
   <p:cSld>
+    <p:bg>
+      <p:bgPr>
+        <a:blipFill rotWithShape="1">
+          <a:blip r:embed="rId2">
+            <a:duotone>
+              <a:schemeClr val="bg2">
+                <a:shade val="76000"/>
+                <a:satMod val="180000"/>
+              </a:schemeClr>
+              <a:schemeClr val="bg2">
+                <a:tint val="80000"/>
+                <a:satMod val="120000"/>
+                <a:lumMod val="180000"/>
+              </a:schemeClr>
+            </a:duotone>
+          </a:blip>
+          <a:stretch/>
+        </a:blipFill>
+        <a:effectLst/>
+      </p:bgPr>
+    </p:bg>
     <p:spTree>
       <p:nvGrpSpPr>
         <p:cNvPr id="1" name=""/>
@@ -7256,22 +14067,80 @@
             <p:ph type="title"/>
           </p:nvPr>
         </p:nvSpPr>
-        <p:spPr/>
+        <p:spPr>
+          <a:xfrm>
+            <a:off x="1484311" y="685800"/>
+            <a:ext cx="10018713" cy="1752599"/>
+          </a:xfrm>
+        </p:spPr>
         <p:txBody>
-          <a:bodyPr/>
+          <a:bodyPr>
+            <a:normAutofit/>
+          </a:bodyPr>
           <a:lstStyle/>
           <a:p>
             <a:r>
               <a:rPr lang="en-US" dirty="0"/>
               <a:t>Node-Red</a:t>
             </a:r>
-            <a:br>
-              <a:rPr lang="en-US" dirty="0"/>
-            </a:br>
-            <a:endParaRPr lang="en-US" dirty="0"/>
           </a:p>
         </p:txBody>
       </p:sp>
+      <p:pic>
+        <p:nvPicPr>
+          <p:cNvPr id="4" name="Picture 3">
+            <a:extLst>
+              <a:ext uri="{FF2B5EF4-FFF2-40B4-BE49-F238E27FC236}">
+                <a16:creationId xmlns:a16="http://schemas.microsoft.com/office/drawing/2014/main" id="{9DB67E37-BFFD-4D6A-B18E-11D5ACC6B8D4}"/>
+              </a:ext>
+            </a:extLst>
+          </p:cNvPr>
+          <p:cNvPicPr>
+            <a:picLocks noChangeAspect="1"/>
+          </p:cNvPicPr>
+          <p:nvPr/>
+        </p:nvPicPr>
+        <p:blipFill>
+          <a:blip r:embed="rId3"/>
+          <a:stretch>
+            <a:fillRect/>
+          </a:stretch>
+        </p:blipFill>
+        <p:spPr>
+          <a:xfrm>
+            <a:off x="2107761" y="2743199"/>
+            <a:ext cx="3047999" cy="3047999"/>
+          </a:xfrm>
+          <a:prstGeom prst="roundRect">
+            <a:avLst>
+              <a:gd name="adj" fmla="val 4380"/>
+            </a:avLst>
+          </a:prstGeom>
+          <a:ln w="38100">
+            <a:gradFill flip="none" rotWithShape="1">
+              <a:gsLst>
+                <a:gs pos="0">
+                  <a:schemeClr val="bg2"/>
+                </a:gs>
+                <a:gs pos="100000">
+                  <a:schemeClr val="bg2">
+                    <a:lumMod val="75000"/>
+                  </a:schemeClr>
+                </a:gs>
+              </a:gsLst>
+              <a:lin ang="5400000" scaled="0"/>
+              <a:tileRect/>
+            </a:gradFill>
+          </a:ln>
+          <a:effectLst>
+            <a:innerShdw blurRad="57150" dist="38100" dir="14460000">
+              <a:srgbClr val="000000">
+                <a:alpha val="70000"/>
+              </a:srgbClr>
+            </a:innerShdw>
+          </a:effectLst>
+        </p:spPr>
+      </p:pic>
       <p:sp>
         <p:nvSpPr>
           <p:cNvPr id="3" name="Content Placeholder 2">
@@ -7290,12 +14159,14 @@
         </p:nvSpPr>
         <p:spPr>
           <a:xfrm>
-            <a:off x="1484311" y="1788110"/>
-            <a:ext cx="10018713" cy="3124201"/>
+            <a:off x="6016336" y="2666999"/>
+            <a:ext cx="5486687" cy="3124201"/>
           </a:xfrm>
         </p:spPr>
         <p:txBody>
-          <a:bodyPr/>
+          <a:bodyPr anchor="t">
+            <a:normAutofit/>
+          </a:bodyPr>
           <a:lstStyle/>
           <a:p>
             <a:pPr marL="0" indent="0">
@@ -7303,7 +14174,7 @@
             </a:pPr>
             <a:r>
               <a:rPr lang="en-US" dirty="0"/>
-              <a:t>Node-RED is a flow-based development tool for visual programming developed originally by IBM for wiring together hardware devices, APIs and online services as part of the Internet of Things.</a:t>
+              <a:t>Node red is a programming tool for wiring together hardware devices, API and online services in new and efficient way.</a:t>
             </a:r>
           </a:p>
         </p:txBody>
@@ -7324,6 +14195,27 @@
 <file path=ppt/slides/slide7.xml><?xml version="1.0" encoding="utf-8"?>
 <p:sld xmlns:a="http://schemas.openxmlformats.org/drawingml/2006/main" xmlns:r="http://schemas.openxmlformats.org/officeDocument/2006/relationships" xmlns:p="http://schemas.openxmlformats.org/presentationml/2006/main">
   <p:cSld>
+    <p:bg>
+      <p:bgPr>
+        <a:blipFill rotWithShape="1">
+          <a:blip r:embed="rId2">
+            <a:duotone>
+              <a:schemeClr val="bg2">
+                <a:shade val="76000"/>
+                <a:satMod val="180000"/>
+              </a:schemeClr>
+              <a:schemeClr val="bg2">
+                <a:tint val="80000"/>
+                <a:satMod val="120000"/>
+                <a:lumMod val="180000"/>
+              </a:schemeClr>
+            </a:duotone>
+          </a:blip>
+          <a:stretch/>
+        </a:blipFill>
+        <a:effectLst/>
+      </p:bgPr>
+    </p:bg>
     <p:spTree>
       <p:nvGrpSpPr>
         <p:cNvPr id="1" name=""/>
@@ -7338,6 +14230,1235 @@
           <a:chExt cx="0" cy="0"/>
         </a:xfrm>
       </p:grpSpPr>
+      <p:grpSp>
+        <p:nvGrpSpPr>
+          <p:cNvPr id="9" name="Group 8">
+            <a:extLst>
+              <a:ext uri="{FF2B5EF4-FFF2-40B4-BE49-F238E27FC236}">
+                <a16:creationId xmlns:a16="http://schemas.microsoft.com/office/drawing/2014/main" id="{28A4A409-9242-444A-AC1F-809866828B50}"/>
+              </a:ext>
+              <a:ext uri="{C183D7F6-B498-43B3-948B-1728B52AA6E4}">
+                <adec:decorative xmlns:adec="http://schemas.microsoft.com/office/drawing/2017/decorative" val="1"/>
+              </a:ext>
+            </a:extLst>
+          </p:cNvPr>
+          <p:cNvGrpSpPr>
+            <a:grpSpLocks noGrp="1" noUngrp="1" noRot="1" noChangeAspect="1" noMove="1" noResize="1"/>
+          </p:cNvGrpSpPr>
+          <p:nvPr>
+            <p:extLst>
+              <p:ext uri="{386F3935-93C4-4BCD-93E2-E3B085C9AB24}">
+                <p16:designElem xmlns:p16="http://schemas.microsoft.com/office/powerpoint/2015/main" val="1"/>
+              </p:ext>
+            </p:extLst>
+          </p:nvPr>
+        </p:nvGrpSpPr>
+        <p:grpSpPr>
+          <a:xfrm>
+            <a:off x="150812" y="0"/>
+            <a:ext cx="2436813" cy="6858001"/>
+            <a:chOff x="1320800" y="0"/>
+            <a:chExt cx="2436813" cy="6858001"/>
+          </a:xfrm>
+        </p:grpSpPr>
+        <p:sp>
+          <p:nvSpPr>
+            <p:cNvPr id="10" name="Freeform 6">
+              <a:extLst>
+                <a:ext uri="{FF2B5EF4-FFF2-40B4-BE49-F238E27FC236}">
+                  <a16:creationId xmlns:a16="http://schemas.microsoft.com/office/drawing/2014/main" id="{ABF65108-5AB6-40BD-BCAF-526D8E309105}"/>
+                </a:ext>
+                <a:ext uri="{C183D7F6-B498-43B3-948B-1728B52AA6E4}">
+                  <adec:decorative xmlns:adec="http://schemas.microsoft.com/office/drawing/2017/decorative" val="1"/>
+                </a:ext>
+              </a:extLst>
+            </p:cNvPr>
+            <p:cNvSpPr/>
+            <p:nvPr>
+              <p:extLst>
+                <p:ext uri="{386F3935-93C4-4BCD-93E2-E3B085C9AB24}">
+                  <p16:designElem xmlns:p16="http://schemas.microsoft.com/office/powerpoint/2015/main" val="1"/>
+                </p:ext>
+              </p:extLst>
+            </p:nvPr>
+          </p:nvSpPr>
+          <p:spPr bwMode="auto">
+            <a:xfrm>
+              <a:off x="1627188" y="0"/>
+              <a:ext cx="1122363" cy="5329238"/>
+            </a:xfrm>
+            <a:custGeom>
+              <a:avLst/>
+              <a:gdLst/>
+              <a:ahLst/>
+              <a:cxnLst/>
+              <a:rect l="0" t="0" r="r" b="b"/>
+              <a:pathLst>
+                <a:path w="707" h="3357">
+                  <a:moveTo>
+                    <a:pt x="0" y="3330"/>
+                  </a:moveTo>
+                  <a:lnTo>
+                    <a:pt x="156" y="3357"/>
+                  </a:lnTo>
+                  <a:lnTo>
+                    <a:pt x="707" y="0"/>
+                  </a:lnTo>
+                  <a:lnTo>
+                    <a:pt x="547" y="0"/>
+                  </a:lnTo>
+                  <a:lnTo>
+                    <a:pt x="0" y="3330"/>
+                  </a:lnTo>
+                  <a:close/>
+                </a:path>
+              </a:pathLst>
+            </a:custGeom>
+            <a:solidFill>
+              <a:schemeClr val="accent1"/>
+            </a:solidFill>
+            <a:ln>
+              <a:noFill/>
+            </a:ln>
+          </p:spPr>
+        </p:sp>
+        <p:sp>
+          <p:nvSpPr>
+            <p:cNvPr id="11" name="Freeform 7">
+              <a:extLst>
+                <a:ext uri="{FF2B5EF4-FFF2-40B4-BE49-F238E27FC236}">
+                  <a16:creationId xmlns:a16="http://schemas.microsoft.com/office/drawing/2014/main" id="{C77C904B-BC3A-472F-BB70-8750D41E41DE}"/>
+                </a:ext>
+                <a:ext uri="{C183D7F6-B498-43B3-948B-1728B52AA6E4}">
+                  <adec:decorative xmlns:adec="http://schemas.microsoft.com/office/drawing/2017/decorative" val="1"/>
+                </a:ext>
+              </a:extLst>
+            </p:cNvPr>
+            <p:cNvSpPr/>
+            <p:nvPr>
+              <p:extLst>
+                <p:ext uri="{386F3935-93C4-4BCD-93E2-E3B085C9AB24}">
+                  <p16:designElem xmlns:p16="http://schemas.microsoft.com/office/powerpoint/2015/main" val="1"/>
+                </p:ext>
+              </p:extLst>
+            </p:nvPr>
+          </p:nvSpPr>
+          <p:spPr bwMode="auto">
+            <a:xfrm>
+              <a:off x="1320800" y="0"/>
+              <a:ext cx="1117600" cy="5276850"/>
+            </a:xfrm>
+            <a:custGeom>
+              <a:avLst/>
+              <a:gdLst/>
+              <a:ahLst/>
+              <a:cxnLst/>
+              <a:rect l="0" t="0" r="r" b="b"/>
+              <a:pathLst>
+                <a:path w="704" h="3324">
+                  <a:moveTo>
+                    <a:pt x="704" y="0"/>
+                  </a:moveTo>
+                  <a:lnTo>
+                    <a:pt x="545" y="0"/>
+                  </a:lnTo>
+                  <a:lnTo>
+                    <a:pt x="0" y="3300"/>
+                  </a:lnTo>
+                  <a:lnTo>
+                    <a:pt x="157" y="3324"/>
+                  </a:lnTo>
+                  <a:lnTo>
+                    <a:pt x="704" y="0"/>
+                  </a:lnTo>
+                  <a:close/>
+                </a:path>
+              </a:pathLst>
+            </a:custGeom>
+            <a:solidFill>
+              <a:schemeClr val="tx1">
+                <a:lumMod val="65000"/>
+                <a:lumOff val="35000"/>
+              </a:schemeClr>
+            </a:solidFill>
+            <a:ln>
+              <a:noFill/>
+            </a:ln>
+          </p:spPr>
+        </p:sp>
+        <p:sp>
+          <p:nvSpPr>
+            <p:cNvPr id="12" name="Freeform 8">
+              <a:extLst>
+                <a:ext uri="{FF2B5EF4-FFF2-40B4-BE49-F238E27FC236}">
+                  <a16:creationId xmlns:a16="http://schemas.microsoft.com/office/drawing/2014/main" id="{E910D569-2CFD-4010-B886-2F31BB8EC9C7}"/>
+                </a:ext>
+                <a:ext uri="{C183D7F6-B498-43B3-948B-1728B52AA6E4}">
+                  <adec:decorative xmlns:adec="http://schemas.microsoft.com/office/drawing/2017/decorative" val="1"/>
+                </a:ext>
+              </a:extLst>
+            </p:cNvPr>
+            <p:cNvSpPr/>
+            <p:nvPr>
+              <p:extLst>
+                <p:ext uri="{386F3935-93C4-4BCD-93E2-E3B085C9AB24}">
+                  <p16:designElem xmlns:p16="http://schemas.microsoft.com/office/powerpoint/2015/main" val="1"/>
+                </p:ext>
+              </p:extLst>
+            </p:nvPr>
+          </p:nvSpPr>
+          <p:spPr bwMode="auto">
+            <a:xfrm>
+              <a:off x="1320800" y="5238750"/>
+              <a:ext cx="1228725" cy="1619250"/>
+            </a:xfrm>
+            <a:custGeom>
+              <a:avLst/>
+              <a:gdLst/>
+              <a:ahLst/>
+              <a:cxnLst/>
+              <a:rect l="0" t="0" r="r" b="b"/>
+              <a:pathLst>
+                <a:path w="774" h="1020">
+                  <a:moveTo>
+                    <a:pt x="0" y="0"/>
+                  </a:moveTo>
+                  <a:lnTo>
+                    <a:pt x="740" y="1020"/>
+                  </a:lnTo>
+                  <a:lnTo>
+                    <a:pt x="774" y="1020"/>
+                  </a:lnTo>
+                  <a:lnTo>
+                    <a:pt x="0" y="0"/>
+                  </a:lnTo>
+                  <a:close/>
+                </a:path>
+              </a:pathLst>
+            </a:custGeom>
+            <a:solidFill>
+              <a:schemeClr val="tx1">
+                <a:lumMod val="85000"/>
+                <a:lumOff val="15000"/>
+              </a:schemeClr>
+            </a:solidFill>
+            <a:ln>
+              <a:noFill/>
+            </a:ln>
+          </p:spPr>
+        </p:sp>
+        <p:sp>
+          <p:nvSpPr>
+            <p:cNvPr id="13" name="Freeform 9">
+              <a:extLst>
+                <a:ext uri="{FF2B5EF4-FFF2-40B4-BE49-F238E27FC236}">
+                  <a16:creationId xmlns:a16="http://schemas.microsoft.com/office/drawing/2014/main" id="{5A816932-FBAD-46C0-AA92-336589A5A912}"/>
+                </a:ext>
+                <a:ext uri="{C183D7F6-B498-43B3-948B-1728B52AA6E4}">
+                  <adec:decorative xmlns:adec="http://schemas.microsoft.com/office/drawing/2017/decorative" val="1"/>
+                </a:ext>
+              </a:extLst>
+            </p:cNvPr>
+            <p:cNvSpPr/>
+            <p:nvPr>
+              <p:extLst>
+                <p:ext uri="{386F3935-93C4-4BCD-93E2-E3B085C9AB24}">
+                  <p16:designElem xmlns:p16="http://schemas.microsoft.com/office/powerpoint/2015/main" val="1"/>
+                </p:ext>
+              </p:extLst>
+            </p:nvPr>
+          </p:nvSpPr>
+          <p:spPr bwMode="auto">
+            <a:xfrm>
+              <a:off x="1627188" y="5291138"/>
+              <a:ext cx="1495425" cy="1566863"/>
+            </a:xfrm>
+            <a:custGeom>
+              <a:avLst/>
+              <a:gdLst/>
+              <a:ahLst/>
+              <a:cxnLst/>
+              <a:rect l="0" t="0" r="r" b="b"/>
+              <a:pathLst>
+                <a:path w="942" h="987">
+                  <a:moveTo>
+                    <a:pt x="0" y="0"/>
+                  </a:moveTo>
+                  <a:lnTo>
+                    <a:pt x="909" y="987"/>
+                  </a:lnTo>
+                  <a:lnTo>
+                    <a:pt x="942" y="987"/>
+                  </a:lnTo>
+                  <a:lnTo>
+                    <a:pt x="0" y="0"/>
+                  </a:lnTo>
+                  <a:close/>
+                </a:path>
+              </a:pathLst>
+            </a:custGeom>
+            <a:solidFill>
+              <a:schemeClr val="accent1">
+                <a:lumMod val="50000"/>
+              </a:schemeClr>
+            </a:solidFill>
+            <a:ln>
+              <a:noFill/>
+            </a:ln>
+          </p:spPr>
+        </p:sp>
+        <p:sp>
+          <p:nvSpPr>
+            <p:cNvPr id="14" name="Freeform 10">
+              <a:extLst>
+                <a:ext uri="{FF2B5EF4-FFF2-40B4-BE49-F238E27FC236}">
+                  <a16:creationId xmlns:a16="http://schemas.microsoft.com/office/drawing/2014/main" id="{3D914BDD-E5E0-4DFB-8072-5B498F94A690}"/>
+                </a:ext>
+                <a:ext uri="{C183D7F6-B498-43B3-948B-1728B52AA6E4}">
+                  <adec:decorative xmlns:adec="http://schemas.microsoft.com/office/drawing/2017/decorative" val="1"/>
+                </a:ext>
+              </a:extLst>
+            </p:cNvPr>
+            <p:cNvSpPr/>
+            <p:nvPr>
+              <p:extLst>
+                <p:ext uri="{386F3935-93C4-4BCD-93E2-E3B085C9AB24}">
+                  <p16:designElem xmlns:p16="http://schemas.microsoft.com/office/powerpoint/2015/main" val="1"/>
+                </p:ext>
+              </p:extLst>
+            </p:nvPr>
+          </p:nvSpPr>
+          <p:spPr bwMode="auto">
+            <a:xfrm>
+              <a:off x="1627188" y="5286375"/>
+              <a:ext cx="2130425" cy="1571625"/>
+            </a:xfrm>
+            <a:custGeom>
+              <a:avLst/>
+              <a:gdLst/>
+              <a:ahLst/>
+              <a:cxnLst/>
+              <a:rect l="0" t="0" r="r" b="b"/>
+              <a:pathLst>
+                <a:path w="1342" h="990">
+                  <a:moveTo>
+                    <a:pt x="0" y="3"/>
+                  </a:moveTo>
+                  <a:lnTo>
+                    <a:pt x="942" y="990"/>
+                  </a:lnTo>
+                  <a:lnTo>
+                    <a:pt x="1342" y="990"/>
+                  </a:lnTo>
+                  <a:lnTo>
+                    <a:pt x="156" y="27"/>
+                  </a:lnTo>
+                  <a:lnTo>
+                    <a:pt x="0" y="0"/>
+                  </a:lnTo>
+                  <a:lnTo>
+                    <a:pt x="0" y="3"/>
+                  </a:lnTo>
+                  <a:close/>
+                </a:path>
+              </a:pathLst>
+            </a:custGeom>
+            <a:solidFill>
+              <a:schemeClr val="accent1">
+                <a:lumMod val="75000"/>
+              </a:schemeClr>
+            </a:solidFill>
+            <a:ln>
+              <a:noFill/>
+            </a:ln>
+          </p:spPr>
+        </p:sp>
+        <p:sp>
+          <p:nvSpPr>
+            <p:cNvPr id="15" name="Freeform 11">
+              <a:extLst>
+                <a:ext uri="{FF2B5EF4-FFF2-40B4-BE49-F238E27FC236}">
+                  <a16:creationId xmlns:a16="http://schemas.microsoft.com/office/drawing/2014/main" id="{ED9E392E-46C2-4B84-A121-9B2BC452F020}"/>
+                </a:ext>
+                <a:ext uri="{C183D7F6-B498-43B3-948B-1728B52AA6E4}">
+                  <adec:decorative xmlns:adec="http://schemas.microsoft.com/office/drawing/2017/decorative" val="1"/>
+                </a:ext>
+              </a:extLst>
+            </p:cNvPr>
+            <p:cNvSpPr/>
+            <p:nvPr>
+              <p:extLst>
+                <p:ext uri="{386F3935-93C4-4BCD-93E2-E3B085C9AB24}">
+                  <p16:designElem xmlns:p16="http://schemas.microsoft.com/office/powerpoint/2015/main" val="1"/>
+                </p:ext>
+              </p:extLst>
+            </p:nvPr>
+          </p:nvSpPr>
+          <p:spPr bwMode="auto">
+            <a:xfrm>
+              <a:off x="1320800" y="5238750"/>
+              <a:ext cx="1695450" cy="1619250"/>
+            </a:xfrm>
+            <a:custGeom>
+              <a:avLst/>
+              <a:gdLst/>
+              <a:ahLst/>
+              <a:cxnLst/>
+              <a:rect l="0" t="0" r="r" b="b"/>
+              <a:pathLst>
+                <a:path w="1068" h="1020">
+                  <a:moveTo>
+                    <a:pt x="1068" y="1020"/>
+                  </a:moveTo>
+                  <a:lnTo>
+                    <a:pt x="184" y="60"/>
+                  </a:lnTo>
+                  <a:lnTo>
+                    <a:pt x="154" y="27"/>
+                  </a:lnTo>
+                  <a:lnTo>
+                    <a:pt x="157" y="27"/>
+                  </a:lnTo>
+                  <a:lnTo>
+                    <a:pt x="157" y="24"/>
+                  </a:lnTo>
+                  <a:lnTo>
+                    <a:pt x="154" y="24"/>
+                  </a:lnTo>
+                  <a:lnTo>
+                    <a:pt x="0" y="0"/>
+                  </a:lnTo>
+                  <a:lnTo>
+                    <a:pt x="0" y="0"/>
+                  </a:lnTo>
+                  <a:lnTo>
+                    <a:pt x="774" y="1020"/>
+                  </a:lnTo>
+                  <a:lnTo>
+                    <a:pt x="1068" y="1020"/>
+                  </a:lnTo>
+                  <a:close/>
+                </a:path>
+              </a:pathLst>
+            </a:custGeom>
+            <a:solidFill>
+              <a:schemeClr val="tx1">
+                <a:lumMod val="75000"/>
+                <a:lumOff val="25000"/>
+              </a:schemeClr>
+            </a:solidFill>
+            <a:ln>
+              <a:noFill/>
+            </a:ln>
+          </p:spPr>
+        </p:sp>
+      </p:grpSp>
+      <p:sp>
+        <p:nvSpPr>
+          <p:cNvPr id="2" name="Title 1">
+            <a:extLst>
+              <a:ext uri="{FF2B5EF4-FFF2-40B4-BE49-F238E27FC236}">
+                <a16:creationId xmlns:a16="http://schemas.microsoft.com/office/drawing/2014/main" id="{2BB15CCF-D37B-4553-A724-FC2EE0141936}"/>
+              </a:ext>
+            </a:extLst>
+          </p:cNvPr>
+          <p:cNvSpPr>
+            <a:spLocks noGrp="1"/>
+          </p:cNvSpPr>
+          <p:nvPr>
+            <p:ph type="title"/>
+          </p:nvPr>
+        </p:nvSpPr>
+        <p:spPr>
+          <a:xfrm>
+            <a:off x="1484312" y="685800"/>
+            <a:ext cx="2812385" cy="1752599"/>
+          </a:xfrm>
+        </p:spPr>
+        <p:txBody>
+          <a:bodyPr>
+            <a:normAutofit/>
+          </a:bodyPr>
+          <a:lstStyle/>
+          <a:p>
+            <a:r>
+              <a:rPr lang="en-US" sz="3200"/>
+              <a:t>Node-Red</a:t>
+            </a:r>
+          </a:p>
+        </p:txBody>
+      </p:sp>
+      <p:sp>
+        <p:nvSpPr>
+          <p:cNvPr id="3" name="Content Placeholder 2">
+            <a:extLst>
+              <a:ext uri="{FF2B5EF4-FFF2-40B4-BE49-F238E27FC236}">
+                <a16:creationId xmlns:a16="http://schemas.microsoft.com/office/drawing/2014/main" id="{E8EC912C-040D-4579-9A0B-312D86248D03}"/>
+              </a:ext>
+            </a:extLst>
+          </p:cNvPr>
+          <p:cNvSpPr>
+            <a:spLocks noGrp="1"/>
+          </p:cNvSpPr>
+          <p:nvPr>
+            <p:ph idx="1"/>
+          </p:nvPr>
+        </p:nvSpPr>
+        <p:spPr>
+          <a:xfrm>
+            <a:off x="1484310" y="2666999"/>
+            <a:ext cx="2812387" cy="3124201"/>
+          </a:xfrm>
+        </p:spPr>
+        <p:txBody>
+          <a:bodyPr>
+            <a:normAutofit/>
+          </a:bodyPr>
+          <a:lstStyle/>
+          <a:p>
+            <a:r>
+              <a:rPr lang="en-US" sz="1800"/>
+              <a:t>Flowchart</a:t>
+            </a:r>
+          </a:p>
+          <a:p>
+            <a:r>
+              <a:rPr lang="en-US" sz="1800"/>
+              <a:t>Few JavaScript </a:t>
+            </a:r>
+          </a:p>
+          <a:p>
+            <a:r>
+              <a:rPr lang="en-US" sz="1800"/>
+              <a:t>Some parameter</a:t>
+            </a:r>
+          </a:p>
+          <a:p>
+            <a:r>
+              <a:rPr lang="en-US" sz="1800"/>
+              <a:t>And done!</a:t>
+            </a:r>
+          </a:p>
+        </p:txBody>
+      </p:sp>
+      <p:sp>
+        <p:nvSpPr>
+          <p:cNvPr id="17" name="Rounded Rectangle 16">
+            <a:extLst>
+              <a:ext uri="{FF2B5EF4-FFF2-40B4-BE49-F238E27FC236}">
+                <a16:creationId xmlns:a16="http://schemas.microsoft.com/office/drawing/2014/main" id="{21ECAAB0-702B-4C08-B30F-0AFAC3479ADF}"/>
+              </a:ext>
+              <a:ext uri="{C183D7F6-B498-43B3-948B-1728B52AA6E4}">
+                <adec:decorative xmlns:adec="http://schemas.microsoft.com/office/drawing/2017/decorative" val="1"/>
+              </a:ext>
+            </a:extLst>
+          </p:cNvPr>
+          <p:cNvSpPr>
+            <a:spLocks noGrp="1" noRot="1" noChangeAspect="1" noMove="1" noResize="1" noEditPoints="1" noAdjustHandles="1" noChangeArrowheads="1" noChangeShapeType="1" noTextEdit="1"/>
+          </p:cNvSpPr>
+          <p:nvPr>
+            <p:extLst>
+              <p:ext uri="{386F3935-93C4-4BCD-93E2-E3B085C9AB24}">
+                <p16:designElem xmlns:p16="http://schemas.microsoft.com/office/powerpoint/2015/main" val="1"/>
+              </p:ext>
+            </p:extLst>
+          </p:nvPr>
+        </p:nvSpPr>
+        <p:spPr>
+          <a:xfrm>
+            <a:off x="4621162" y="648931"/>
+            <a:ext cx="6881862" cy="5231964"/>
+          </a:xfrm>
+          <a:prstGeom prst="roundRect">
+            <a:avLst>
+              <a:gd name="adj" fmla="val 4834"/>
+            </a:avLst>
+          </a:prstGeom>
+          <a:solidFill>
+            <a:schemeClr val="bg1"/>
+          </a:solidFill>
+          <a:ln w="38100">
+            <a:gradFill flip="none" rotWithShape="1">
+              <a:gsLst>
+                <a:gs pos="0">
+                  <a:schemeClr val="bg2"/>
+                </a:gs>
+                <a:gs pos="100000">
+                  <a:schemeClr val="bg2">
+                    <a:lumMod val="75000"/>
+                  </a:schemeClr>
+                </a:gs>
+              </a:gsLst>
+              <a:lin ang="5400000" scaled="0"/>
+              <a:tileRect/>
+            </a:gradFill>
+          </a:ln>
+          <a:effectLst>
+            <a:innerShdw blurRad="57150" dist="38100" dir="14460000">
+              <a:srgbClr val="000000">
+                <a:alpha val="70000"/>
+              </a:srgbClr>
+            </a:innerShdw>
+          </a:effectLst>
+        </p:spPr>
+        <p:style>
+          <a:lnRef idx="2">
+            <a:schemeClr val="accent1">
+              <a:shade val="50000"/>
+            </a:schemeClr>
+          </a:lnRef>
+          <a:fillRef idx="1">
+            <a:schemeClr val="accent1"/>
+          </a:fillRef>
+          <a:effectRef idx="0">
+            <a:schemeClr val="accent1"/>
+          </a:effectRef>
+          <a:fontRef idx="minor">
+            <a:schemeClr val="lt1"/>
+          </a:fontRef>
+        </p:style>
+        <p:txBody>
+          <a:bodyPr rtlCol="0" anchor="ctr"/>
+          <a:lstStyle/>
+          <a:p>
+            <a:pPr algn="ctr"/>
+            <a:endParaRPr lang="en-US"/>
+          </a:p>
+        </p:txBody>
+      </p:sp>
+      <p:pic>
+        <p:nvPicPr>
+          <p:cNvPr id="4" name="Picture 3">
+            <a:extLst>
+              <a:ext uri="{FF2B5EF4-FFF2-40B4-BE49-F238E27FC236}">
+                <a16:creationId xmlns:a16="http://schemas.microsoft.com/office/drawing/2014/main" id="{7BC3FE0B-2BDD-4B60-9419-FA5664786AFE}"/>
+              </a:ext>
+            </a:extLst>
+          </p:cNvPr>
+          <p:cNvPicPr>
+            <a:picLocks noChangeAspect="1"/>
+          </p:cNvPicPr>
+          <p:nvPr/>
+        </p:nvPicPr>
+        <p:blipFill>
+          <a:blip r:embed="rId3"/>
+          <a:stretch>
+            <a:fillRect/>
+          </a:stretch>
+        </p:blipFill>
+        <p:spPr>
+          <a:xfrm>
+            <a:off x="4941202" y="1647813"/>
+            <a:ext cx="6237359" cy="3274612"/>
+          </a:xfrm>
+          <a:prstGeom prst="rect">
+            <a:avLst/>
+          </a:prstGeom>
+        </p:spPr>
+      </p:pic>
+    </p:spTree>
+    <p:extLst>
+      <p:ext uri="{BB962C8B-B14F-4D97-AF65-F5344CB8AC3E}">
+        <p14:creationId xmlns:p14="http://schemas.microsoft.com/office/powerpoint/2010/main" val="2761337033"/>
+      </p:ext>
+    </p:extLst>
+  </p:cSld>
+  <p:clrMapOvr>
+    <a:masterClrMapping/>
+  </p:clrMapOvr>
+</p:sld>
+</file>
+
+<file path=ppt/slides/slide8.xml><?xml version="1.0" encoding="utf-8"?>
+<p:sld xmlns:a="http://schemas.openxmlformats.org/drawingml/2006/main" xmlns:r="http://schemas.openxmlformats.org/officeDocument/2006/relationships" xmlns:p="http://schemas.openxmlformats.org/presentationml/2006/main">
+  <p:cSld>
+    <p:bg>
+      <p:bgPr>
+        <a:blipFill rotWithShape="1">
+          <a:blip r:embed="rId2">
+            <a:duotone>
+              <a:schemeClr val="bg2">
+                <a:shade val="76000"/>
+                <a:satMod val="180000"/>
+              </a:schemeClr>
+              <a:schemeClr val="bg2">
+                <a:tint val="80000"/>
+                <a:satMod val="120000"/>
+                <a:lumMod val="180000"/>
+              </a:schemeClr>
+            </a:duotone>
+          </a:blip>
+          <a:stretch/>
+        </a:blipFill>
+        <a:effectLst/>
+      </p:bgPr>
+    </p:bg>
+    <p:spTree>
+      <p:nvGrpSpPr>
+        <p:cNvPr id="1" name=""/>
+        <p:cNvGrpSpPr/>
+        <p:nvPr/>
+      </p:nvGrpSpPr>
+      <p:grpSpPr>
+        <a:xfrm>
+          <a:off x="0" y="0"/>
+          <a:ext cx="0" cy="0"/>
+          <a:chOff x="0" y="0"/>
+          <a:chExt cx="0" cy="0"/>
+        </a:xfrm>
+      </p:grpSpPr>
+      <p:sp useBgFill="1">
+        <p:nvSpPr>
+          <p:cNvPr id="71" name="Rectangle 70">
+            <a:extLst>
+              <a:ext uri="{FF2B5EF4-FFF2-40B4-BE49-F238E27FC236}">
+                <a16:creationId xmlns:a16="http://schemas.microsoft.com/office/drawing/2014/main" id="{6AD30037-67ED-4367-9BE0-45787510BF13}"/>
+              </a:ext>
+              <a:ext uri="{C183D7F6-B498-43B3-948B-1728B52AA6E4}">
+                <adec:decorative xmlns:adec="http://schemas.microsoft.com/office/drawing/2017/decorative" val="1"/>
+              </a:ext>
+            </a:extLst>
+          </p:cNvPr>
+          <p:cNvSpPr>
+            <a:spLocks noGrp="1" noRot="1" noChangeAspect="1" noMove="1" noResize="1" noEditPoints="1" noAdjustHandles="1" noChangeArrowheads="1" noChangeShapeType="1" noTextEdit="1"/>
+          </p:cNvSpPr>
+          <p:nvPr>
+            <p:extLst>
+              <p:ext uri="{386F3935-93C4-4BCD-93E2-E3B085C9AB24}">
+                <p16:designElem xmlns:p16="http://schemas.microsoft.com/office/powerpoint/2015/main" val="1"/>
+              </p:ext>
+            </p:extLst>
+          </p:nvPr>
+        </p:nvSpPr>
+        <p:spPr>
+          <a:xfrm>
+            <a:off x="0" y="0"/>
+            <a:ext cx="12192000" cy="6858000"/>
+          </a:xfrm>
+          <a:prstGeom prst="rect">
+            <a:avLst/>
+          </a:prstGeom>
+          <a:ln>
+            <a:noFill/>
+          </a:ln>
+        </p:spPr>
+        <p:style>
+          <a:lnRef idx="2">
+            <a:schemeClr val="accent1">
+              <a:shade val="50000"/>
+            </a:schemeClr>
+          </a:lnRef>
+          <a:fillRef idx="1">
+            <a:schemeClr val="accent1"/>
+          </a:fillRef>
+          <a:effectRef idx="0">
+            <a:schemeClr val="accent1"/>
+          </a:effectRef>
+          <a:fontRef idx="minor">
+            <a:schemeClr val="lt1"/>
+          </a:fontRef>
+        </p:style>
+        <p:txBody>
+          <a:bodyPr rtlCol="0" anchor="ctr"/>
+          <a:lstStyle/>
+          <a:p>
+            <a:pPr algn="ctr"/>
+            <a:endParaRPr lang="en-US"/>
+          </a:p>
+        </p:txBody>
+      </p:sp>
+      <p:pic>
+        <p:nvPicPr>
+          <p:cNvPr id="2050" name="Picture 2">
+            <a:extLst>
+              <a:ext uri="{FF2B5EF4-FFF2-40B4-BE49-F238E27FC236}">
+                <a16:creationId xmlns:a16="http://schemas.microsoft.com/office/drawing/2014/main" id="{970348CF-E6A7-4EDF-9B9B-E4E9C2FFF8F0}"/>
+              </a:ext>
+            </a:extLst>
+          </p:cNvPr>
+          <p:cNvPicPr>
+            <a:picLocks noChangeAspect="1" noChangeArrowheads="1"/>
+          </p:cNvPicPr>
+          <p:nvPr/>
+        </p:nvPicPr>
+        <p:blipFill rotWithShape="1">
+          <a:blip r:embed="rId3">
+            <a:extLst>
+              <a:ext uri="{28A0092B-C50C-407E-A947-70E740481C1C}">
+                <a14:useLocalDpi xmlns:a14="http://schemas.microsoft.com/office/drawing/2010/main" val="0"/>
+              </a:ext>
+            </a:extLst>
+          </a:blip>
+          <a:srcRect r="2" b="2938"/>
+          <a:stretch/>
+        </p:blipFill>
+        <p:spPr bwMode="auto">
+          <a:xfrm>
+            <a:off x="6892924" y="10"/>
+            <a:ext cx="5299077" cy="6857990"/>
+          </a:xfrm>
+          <a:custGeom>
+            <a:avLst/>
+            <a:gdLst/>
+            <a:ahLst/>
+            <a:cxnLst/>
+            <a:rect l="l" t="t" r="r" b="b"/>
+            <a:pathLst>
+              <a:path w="5299077" h="6858000">
+                <a:moveTo>
+                  <a:pt x="836871" y="0"/>
+                </a:moveTo>
+                <a:lnTo>
+                  <a:pt x="5299077" y="0"/>
+                </a:lnTo>
+                <a:lnTo>
+                  <a:pt x="5299077" y="6858000"/>
+                </a:lnTo>
+                <a:lnTo>
+                  <a:pt x="1911312" y="6858000"/>
+                </a:lnTo>
+                <a:lnTo>
+                  <a:pt x="0" y="5333999"/>
+                </a:lnTo>
+                <a:close/>
+              </a:path>
+            </a:pathLst>
+          </a:custGeom>
+          <a:noFill/>
+          <a:extLst>
+            <a:ext uri="{909E8E84-426E-40DD-AFC4-6F175D3DCCD1}">
+              <a14:hiddenFill xmlns:a14="http://schemas.microsoft.com/office/drawing/2010/main">
+                <a:solidFill>
+                  <a:srgbClr val="FFFFFF"/>
+                </a:solidFill>
+              </a14:hiddenFill>
+            </a:ext>
+          </a:extLst>
+        </p:spPr>
+      </p:pic>
+      <p:grpSp>
+        <p:nvGrpSpPr>
+          <p:cNvPr id="73" name="Group 72">
+            <a:extLst>
+              <a:ext uri="{FF2B5EF4-FFF2-40B4-BE49-F238E27FC236}">
+                <a16:creationId xmlns:a16="http://schemas.microsoft.com/office/drawing/2014/main" id="{50841A4E-5BC1-44B4-83CF-D524E8AEAD64}"/>
+              </a:ext>
+              <a:ext uri="{C183D7F6-B498-43B3-948B-1728B52AA6E4}">
+                <adec:decorative xmlns:adec="http://schemas.microsoft.com/office/drawing/2017/decorative" val="1"/>
+              </a:ext>
+            </a:extLst>
+          </p:cNvPr>
+          <p:cNvGrpSpPr>
+            <a:grpSpLocks noGrp="1" noUngrp="1" noRot="1" noChangeAspect="1" noMove="1" noResize="1"/>
+          </p:cNvGrpSpPr>
+          <p:nvPr>
+            <p:extLst>
+              <p:ext uri="{386F3935-93C4-4BCD-93E2-E3B085C9AB24}">
+                <p16:designElem xmlns:p16="http://schemas.microsoft.com/office/powerpoint/2015/main" val="1"/>
+              </p:ext>
+            </p:extLst>
+          </p:nvPr>
+        </p:nvGrpSpPr>
+        <p:grpSpPr>
+          <a:xfrm>
+            <a:off x="6232760" y="0"/>
+            <a:ext cx="2436813" cy="6858001"/>
+            <a:chOff x="1320800" y="0"/>
+            <a:chExt cx="2436813" cy="6858001"/>
+          </a:xfrm>
+        </p:grpSpPr>
+        <p:sp>
+          <p:nvSpPr>
+            <p:cNvPr id="74" name="Freeform 6">
+              <a:extLst>
+                <a:ext uri="{FF2B5EF4-FFF2-40B4-BE49-F238E27FC236}">
+                  <a16:creationId xmlns:a16="http://schemas.microsoft.com/office/drawing/2014/main" id="{BF371BCC-8954-44E2-8C4F-29DC188727AC}"/>
+                </a:ext>
+                <a:ext uri="{C183D7F6-B498-43B3-948B-1728B52AA6E4}">
+                  <adec:decorative xmlns:adec="http://schemas.microsoft.com/office/drawing/2017/decorative" val="1"/>
+                </a:ext>
+              </a:extLst>
+            </p:cNvPr>
+            <p:cNvSpPr/>
+            <p:nvPr>
+              <p:extLst>
+                <p:ext uri="{386F3935-93C4-4BCD-93E2-E3B085C9AB24}">
+                  <p16:designElem xmlns:p16="http://schemas.microsoft.com/office/powerpoint/2015/main" val="1"/>
+                </p:ext>
+              </p:extLst>
+            </p:nvPr>
+          </p:nvSpPr>
+          <p:spPr bwMode="auto">
+            <a:xfrm>
+              <a:off x="1627188" y="0"/>
+              <a:ext cx="1122363" cy="5329238"/>
+            </a:xfrm>
+            <a:custGeom>
+              <a:avLst/>
+              <a:gdLst/>
+              <a:ahLst/>
+              <a:cxnLst/>
+              <a:rect l="0" t="0" r="r" b="b"/>
+              <a:pathLst>
+                <a:path w="707" h="3357">
+                  <a:moveTo>
+                    <a:pt x="0" y="3330"/>
+                  </a:moveTo>
+                  <a:lnTo>
+                    <a:pt x="156" y="3357"/>
+                  </a:lnTo>
+                  <a:lnTo>
+                    <a:pt x="707" y="0"/>
+                  </a:lnTo>
+                  <a:lnTo>
+                    <a:pt x="547" y="0"/>
+                  </a:lnTo>
+                  <a:lnTo>
+                    <a:pt x="0" y="3330"/>
+                  </a:lnTo>
+                  <a:close/>
+                </a:path>
+              </a:pathLst>
+            </a:custGeom>
+            <a:solidFill>
+              <a:schemeClr val="accent1"/>
+            </a:solidFill>
+            <a:ln>
+              <a:noFill/>
+            </a:ln>
+          </p:spPr>
+        </p:sp>
+        <p:sp>
+          <p:nvSpPr>
+            <p:cNvPr id="75" name="Freeform 7">
+              <a:extLst>
+                <a:ext uri="{FF2B5EF4-FFF2-40B4-BE49-F238E27FC236}">
+                  <a16:creationId xmlns:a16="http://schemas.microsoft.com/office/drawing/2014/main" id="{CD3505BE-B420-41C5-BE34-3E7652D37A5F}"/>
+                </a:ext>
+                <a:ext uri="{C183D7F6-B498-43B3-948B-1728B52AA6E4}">
+                  <adec:decorative xmlns:adec="http://schemas.microsoft.com/office/drawing/2017/decorative" val="1"/>
+                </a:ext>
+              </a:extLst>
+            </p:cNvPr>
+            <p:cNvSpPr/>
+            <p:nvPr>
+              <p:extLst>
+                <p:ext uri="{386F3935-93C4-4BCD-93E2-E3B085C9AB24}">
+                  <p16:designElem xmlns:p16="http://schemas.microsoft.com/office/powerpoint/2015/main" val="1"/>
+                </p:ext>
+              </p:extLst>
+            </p:nvPr>
+          </p:nvSpPr>
+          <p:spPr bwMode="auto">
+            <a:xfrm>
+              <a:off x="1320800" y="0"/>
+              <a:ext cx="1117600" cy="5276850"/>
+            </a:xfrm>
+            <a:custGeom>
+              <a:avLst/>
+              <a:gdLst/>
+              <a:ahLst/>
+              <a:cxnLst/>
+              <a:rect l="0" t="0" r="r" b="b"/>
+              <a:pathLst>
+                <a:path w="704" h="3324">
+                  <a:moveTo>
+                    <a:pt x="704" y="0"/>
+                  </a:moveTo>
+                  <a:lnTo>
+                    <a:pt x="545" y="0"/>
+                  </a:lnTo>
+                  <a:lnTo>
+                    <a:pt x="0" y="3300"/>
+                  </a:lnTo>
+                  <a:lnTo>
+                    <a:pt x="157" y="3324"/>
+                  </a:lnTo>
+                  <a:lnTo>
+                    <a:pt x="704" y="0"/>
+                  </a:lnTo>
+                  <a:close/>
+                </a:path>
+              </a:pathLst>
+            </a:custGeom>
+            <a:solidFill>
+              <a:schemeClr val="tx1">
+                <a:lumMod val="65000"/>
+                <a:lumOff val="35000"/>
+              </a:schemeClr>
+            </a:solidFill>
+            <a:ln>
+              <a:noFill/>
+            </a:ln>
+          </p:spPr>
+        </p:sp>
+        <p:sp>
+          <p:nvSpPr>
+            <p:cNvPr id="76" name="Freeform 8">
+              <a:extLst>
+                <a:ext uri="{FF2B5EF4-FFF2-40B4-BE49-F238E27FC236}">
+                  <a16:creationId xmlns:a16="http://schemas.microsoft.com/office/drawing/2014/main" id="{4B68A05B-A78B-4D59-8CF9-1900731A2188}"/>
+                </a:ext>
+                <a:ext uri="{C183D7F6-B498-43B3-948B-1728B52AA6E4}">
+                  <adec:decorative xmlns:adec="http://schemas.microsoft.com/office/drawing/2017/decorative" val="1"/>
+                </a:ext>
+              </a:extLst>
+            </p:cNvPr>
+            <p:cNvSpPr/>
+            <p:nvPr>
+              <p:extLst>
+                <p:ext uri="{386F3935-93C4-4BCD-93E2-E3B085C9AB24}">
+                  <p16:designElem xmlns:p16="http://schemas.microsoft.com/office/powerpoint/2015/main" val="1"/>
+                </p:ext>
+              </p:extLst>
+            </p:nvPr>
+          </p:nvSpPr>
+          <p:spPr bwMode="auto">
+            <a:xfrm>
+              <a:off x="1320800" y="5238750"/>
+              <a:ext cx="1228725" cy="1619250"/>
+            </a:xfrm>
+            <a:custGeom>
+              <a:avLst/>
+              <a:gdLst/>
+              <a:ahLst/>
+              <a:cxnLst/>
+              <a:rect l="0" t="0" r="r" b="b"/>
+              <a:pathLst>
+                <a:path w="774" h="1020">
+                  <a:moveTo>
+                    <a:pt x="0" y="0"/>
+                  </a:moveTo>
+                  <a:lnTo>
+                    <a:pt x="740" y="1020"/>
+                  </a:lnTo>
+                  <a:lnTo>
+                    <a:pt x="774" y="1020"/>
+                  </a:lnTo>
+                  <a:lnTo>
+                    <a:pt x="0" y="0"/>
+                  </a:lnTo>
+                  <a:close/>
+                </a:path>
+              </a:pathLst>
+            </a:custGeom>
+            <a:solidFill>
+              <a:schemeClr val="tx1">
+                <a:lumMod val="85000"/>
+                <a:lumOff val="15000"/>
+              </a:schemeClr>
+            </a:solidFill>
+            <a:ln>
+              <a:noFill/>
+            </a:ln>
+          </p:spPr>
+        </p:sp>
+        <p:sp>
+          <p:nvSpPr>
+            <p:cNvPr id="77" name="Freeform 9">
+              <a:extLst>
+                <a:ext uri="{FF2B5EF4-FFF2-40B4-BE49-F238E27FC236}">
+                  <a16:creationId xmlns:a16="http://schemas.microsoft.com/office/drawing/2014/main" id="{84D57A01-C112-4FF2-B5ED-0B762AAD9CE2}"/>
+                </a:ext>
+                <a:ext uri="{C183D7F6-B498-43B3-948B-1728B52AA6E4}">
+                  <adec:decorative xmlns:adec="http://schemas.microsoft.com/office/drawing/2017/decorative" val="1"/>
+                </a:ext>
+              </a:extLst>
+            </p:cNvPr>
+            <p:cNvSpPr/>
+            <p:nvPr>
+              <p:extLst>
+                <p:ext uri="{386F3935-93C4-4BCD-93E2-E3B085C9AB24}">
+                  <p16:designElem xmlns:p16="http://schemas.microsoft.com/office/powerpoint/2015/main" val="1"/>
+                </p:ext>
+              </p:extLst>
+            </p:nvPr>
+          </p:nvSpPr>
+          <p:spPr bwMode="auto">
+            <a:xfrm>
+              <a:off x="1627188" y="5291138"/>
+              <a:ext cx="1495425" cy="1566863"/>
+            </a:xfrm>
+            <a:custGeom>
+              <a:avLst/>
+              <a:gdLst/>
+              <a:ahLst/>
+              <a:cxnLst/>
+              <a:rect l="0" t="0" r="r" b="b"/>
+              <a:pathLst>
+                <a:path w="942" h="987">
+                  <a:moveTo>
+                    <a:pt x="0" y="0"/>
+                  </a:moveTo>
+                  <a:lnTo>
+                    <a:pt x="909" y="987"/>
+                  </a:lnTo>
+                  <a:lnTo>
+                    <a:pt x="942" y="987"/>
+                  </a:lnTo>
+                  <a:lnTo>
+                    <a:pt x="0" y="0"/>
+                  </a:lnTo>
+                  <a:close/>
+                </a:path>
+              </a:pathLst>
+            </a:custGeom>
+            <a:solidFill>
+              <a:schemeClr val="accent1">
+                <a:lumMod val="50000"/>
+              </a:schemeClr>
+            </a:solidFill>
+            <a:ln>
+              <a:noFill/>
+            </a:ln>
+          </p:spPr>
+        </p:sp>
+        <p:sp>
+          <p:nvSpPr>
+            <p:cNvPr id="78" name="Freeform 10">
+              <a:extLst>
+                <a:ext uri="{FF2B5EF4-FFF2-40B4-BE49-F238E27FC236}">
+                  <a16:creationId xmlns:a16="http://schemas.microsoft.com/office/drawing/2014/main" id="{6CCCCDF1-5D4F-4CA1-8400-DFBB96BB011D}"/>
+                </a:ext>
+                <a:ext uri="{C183D7F6-B498-43B3-948B-1728B52AA6E4}">
+                  <adec:decorative xmlns:adec="http://schemas.microsoft.com/office/drawing/2017/decorative" val="1"/>
+                </a:ext>
+              </a:extLst>
+            </p:cNvPr>
+            <p:cNvSpPr/>
+            <p:nvPr>
+              <p:extLst>
+                <p:ext uri="{386F3935-93C4-4BCD-93E2-E3B085C9AB24}">
+                  <p16:designElem xmlns:p16="http://schemas.microsoft.com/office/powerpoint/2015/main" val="1"/>
+                </p:ext>
+              </p:extLst>
+            </p:nvPr>
+          </p:nvSpPr>
+          <p:spPr bwMode="auto">
+            <a:xfrm>
+              <a:off x="1627188" y="5286375"/>
+              <a:ext cx="2130425" cy="1571625"/>
+            </a:xfrm>
+            <a:custGeom>
+              <a:avLst/>
+              <a:gdLst/>
+              <a:ahLst/>
+              <a:cxnLst/>
+              <a:rect l="0" t="0" r="r" b="b"/>
+              <a:pathLst>
+                <a:path w="1342" h="990">
+                  <a:moveTo>
+                    <a:pt x="0" y="3"/>
+                  </a:moveTo>
+                  <a:lnTo>
+                    <a:pt x="942" y="990"/>
+                  </a:lnTo>
+                  <a:lnTo>
+                    <a:pt x="1342" y="990"/>
+                  </a:lnTo>
+                  <a:lnTo>
+                    <a:pt x="156" y="27"/>
+                  </a:lnTo>
+                  <a:lnTo>
+                    <a:pt x="0" y="0"/>
+                  </a:lnTo>
+                  <a:lnTo>
+                    <a:pt x="0" y="3"/>
+                  </a:lnTo>
+                  <a:close/>
+                </a:path>
+              </a:pathLst>
+            </a:custGeom>
+            <a:solidFill>
+              <a:schemeClr val="accent1">
+                <a:lumMod val="75000"/>
+              </a:schemeClr>
+            </a:solidFill>
+            <a:ln>
+              <a:noFill/>
+            </a:ln>
+          </p:spPr>
+        </p:sp>
+        <p:sp>
+          <p:nvSpPr>
+            <p:cNvPr id="79" name="Freeform 11">
+              <a:extLst>
+                <a:ext uri="{FF2B5EF4-FFF2-40B4-BE49-F238E27FC236}">
+                  <a16:creationId xmlns:a16="http://schemas.microsoft.com/office/drawing/2014/main" id="{20A090B2-5344-43CD-BC70-A6D44F15E800}"/>
+                </a:ext>
+                <a:ext uri="{C183D7F6-B498-43B3-948B-1728B52AA6E4}">
+                  <adec:decorative xmlns:adec="http://schemas.microsoft.com/office/drawing/2017/decorative" val="1"/>
+                </a:ext>
+              </a:extLst>
+            </p:cNvPr>
+            <p:cNvSpPr/>
+            <p:nvPr>
+              <p:extLst>
+                <p:ext uri="{386F3935-93C4-4BCD-93E2-E3B085C9AB24}">
+                  <p16:designElem xmlns:p16="http://schemas.microsoft.com/office/powerpoint/2015/main" val="1"/>
+                </p:ext>
+              </p:extLst>
+            </p:nvPr>
+          </p:nvSpPr>
+          <p:spPr bwMode="auto">
+            <a:xfrm>
+              <a:off x="1320800" y="5238750"/>
+              <a:ext cx="1695450" cy="1619250"/>
+            </a:xfrm>
+            <a:custGeom>
+              <a:avLst/>
+              <a:gdLst/>
+              <a:ahLst/>
+              <a:cxnLst/>
+              <a:rect l="0" t="0" r="r" b="b"/>
+              <a:pathLst>
+                <a:path w="1068" h="1020">
+                  <a:moveTo>
+                    <a:pt x="1068" y="1020"/>
+                  </a:moveTo>
+                  <a:lnTo>
+                    <a:pt x="184" y="60"/>
+                  </a:lnTo>
+                  <a:lnTo>
+                    <a:pt x="154" y="27"/>
+                  </a:lnTo>
+                  <a:lnTo>
+                    <a:pt x="157" y="27"/>
+                  </a:lnTo>
+                  <a:lnTo>
+                    <a:pt x="157" y="24"/>
+                  </a:lnTo>
+                  <a:lnTo>
+                    <a:pt x="154" y="24"/>
+                  </a:lnTo>
+                  <a:lnTo>
+                    <a:pt x="0" y="0"/>
+                  </a:lnTo>
+                  <a:lnTo>
+                    <a:pt x="0" y="0"/>
+                  </a:lnTo>
+                  <a:lnTo>
+                    <a:pt x="774" y="1020"/>
+                  </a:lnTo>
+                  <a:lnTo>
+                    <a:pt x="1068" y="1020"/>
+                  </a:lnTo>
+                  <a:close/>
+                </a:path>
+              </a:pathLst>
+            </a:custGeom>
+            <a:solidFill>
+              <a:schemeClr val="tx1">
+                <a:lumMod val="75000"/>
+                <a:lumOff val="25000"/>
+              </a:schemeClr>
+            </a:solidFill>
+            <a:ln>
+              <a:noFill/>
+            </a:ln>
+          </p:spPr>
+        </p:sp>
+      </p:grpSp>
       <p:sp>
         <p:nvSpPr>
           <p:cNvPr id="2" name="Title 1">
@@ -7354,19 +15475,27 @@
             <p:ph type="title"/>
           </p:nvPr>
         </p:nvSpPr>
-        <p:spPr/>
+        <p:spPr>
+          <a:xfrm>
+            <a:off x="972080" y="685800"/>
+            <a:ext cx="5260680" cy="1752599"/>
+          </a:xfrm>
+        </p:spPr>
         <p:txBody>
-          <a:bodyPr/>
+          <a:bodyPr vert="horz" lIns="91440" tIns="45720" rIns="91440" bIns="45720" rtlCol="0" anchor="ctr">
+            <a:normAutofit/>
+          </a:bodyPr>
           <a:lstStyle/>
           <a:p>
+            <a:pPr algn="l"/>
             <a:r>
               <a:rPr lang="en-US" dirty="0"/>
-              <a:t>3D Print</a:t>
+              <a:t>3D Printing</a:t>
             </a:r>
             <a:br>
               <a:rPr lang="en-US" dirty="0"/>
             </a:br>
-            <a:endParaRPr lang="en-US" dirty="0"/>
+            <a:endParaRPr lang="en-US"/>
           </a:p>
         </p:txBody>
       </p:sp>
@@ -7384,51 +15513,581 @@
         </p:nvSpPr>
         <p:spPr>
           <a:xfrm>
-            <a:off x="6731540" y="2438399"/>
-            <a:ext cx="3579779" cy="646331"/>
+            <a:off x="643468" y="2666999"/>
+            <a:ext cx="5260680" cy="3124201"/>
           </a:xfrm>
           <a:prstGeom prst="rect">
             <a:avLst/>
           </a:prstGeom>
-          <a:noFill/>
         </p:spPr>
         <p:txBody>
-          <a:bodyPr wrap="square" rtlCol="0">
-            <a:spAutoFit/>
+          <a:bodyPr vert="horz" lIns="91440" tIns="45720" rIns="91440" bIns="45720" rtlCol="0" anchor="ctr">
+            <a:normAutofit/>
           </a:bodyPr>
           <a:lstStyle/>
           <a:p>
             <a:pPr marL="285750" indent="-285750">
-              <a:buFont typeface="Arial" panose="020B0604020202020204" pitchFamily="34" charset="0"/>
+              <a:spcBef>
+                <a:spcPct val="20000"/>
+              </a:spcBef>
+              <a:spcAft>
+                <a:spcPts val="600"/>
+              </a:spcAft>
+              <a:buClr>
+                <a:schemeClr val="accent1">
+                  <a:lumMod val="75000"/>
+                </a:schemeClr>
+              </a:buClr>
+              <a:buSzPct val="145000"/>
+              <a:buFont typeface="Arial"/>
               <a:buChar char="•"/>
             </a:pPr>
             <a:r>
-              <a:rPr lang="en-US" dirty="0"/>
+              <a:rPr lang="en-US" sz="2000"/>
               <a:t>Reliable</a:t>
             </a:r>
           </a:p>
           <a:p>
             <a:pPr marL="285750" indent="-285750">
-              <a:buFont typeface="Arial" panose="020B0604020202020204" pitchFamily="34" charset="0"/>
+              <a:spcBef>
+                <a:spcPct val="20000"/>
+              </a:spcBef>
+              <a:spcAft>
+                <a:spcPts val="600"/>
+              </a:spcAft>
+              <a:buClr>
+                <a:schemeClr val="accent1">
+                  <a:lumMod val="75000"/>
+                </a:schemeClr>
+              </a:buClr>
+              <a:buSzPct val="145000"/>
+              <a:buFont typeface="Arial"/>
               <a:buChar char="•"/>
             </a:pPr>
             <a:r>
-              <a:rPr lang="en-US" altLang="zh-CN" dirty="0"/>
+              <a:rPr lang="en-US" altLang="zh-CN" sz="2000"/>
               <a:t>C</a:t>
             </a:r>
             <a:r>
-              <a:rPr lang="en-US" dirty="0"/>
+              <a:rPr lang="en-US" sz="2000"/>
               <a:t>ustomizable</a:t>
+            </a:r>
+          </a:p>
+        </p:txBody>
+      </p:sp>
+    </p:spTree>
+    <p:extLst>
+      <p:ext uri="{BB962C8B-B14F-4D97-AF65-F5344CB8AC3E}">
+        <p14:creationId xmlns:p14="http://schemas.microsoft.com/office/powerpoint/2010/main" val="2740137727"/>
+      </p:ext>
+    </p:extLst>
+  </p:cSld>
+  <p:clrMapOvr>
+    <a:masterClrMapping/>
+  </p:clrMapOvr>
+</p:sld>
+</file>
+
+<file path=ppt/slides/slide9.xml><?xml version="1.0" encoding="utf-8"?>
+<p:sld xmlns:a="http://schemas.openxmlformats.org/drawingml/2006/main" xmlns:r="http://schemas.openxmlformats.org/officeDocument/2006/relationships" xmlns:p="http://schemas.openxmlformats.org/presentationml/2006/main">
+  <p:cSld>
+    <p:bg>
+      <p:bgPr>
+        <a:blipFill rotWithShape="1">
+          <a:blip r:embed="rId2">
+            <a:duotone>
+              <a:schemeClr val="bg2">
+                <a:shade val="76000"/>
+                <a:satMod val="180000"/>
+              </a:schemeClr>
+              <a:schemeClr val="bg2">
+                <a:tint val="80000"/>
+                <a:satMod val="120000"/>
+                <a:lumMod val="180000"/>
+              </a:schemeClr>
+            </a:duotone>
+          </a:blip>
+          <a:stretch/>
+        </a:blipFill>
+        <a:effectLst/>
+      </p:bgPr>
+    </p:bg>
+    <p:spTree>
+      <p:nvGrpSpPr>
+        <p:cNvPr id="1" name=""/>
+        <p:cNvGrpSpPr/>
+        <p:nvPr/>
+      </p:nvGrpSpPr>
+      <p:grpSpPr>
+        <a:xfrm>
+          <a:off x="0" y="0"/>
+          <a:ext cx="0" cy="0"/>
+          <a:chOff x="0" y="0"/>
+          <a:chExt cx="0" cy="0"/>
+        </a:xfrm>
+      </p:grpSpPr>
+      <p:grpSp>
+        <p:nvGrpSpPr>
+          <p:cNvPr id="71" name="Group 70">
+            <a:extLst>
+              <a:ext uri="{FF2B5EF4-FFF2-40B4-BE49-F238E27FC236}">
+                <a16:creationId xmlns:a16="http://schemas.microsoft.com/office/drawing/2014/main" id="{08F94D66-27EC-4CB8-8226-D7F41C161863}"/>
+              </a:ext>
+              <a:ext uri="{C183D7F6-B498-43B3-948B-1728B52AA6E4}">
+                <adec:decorative xmlns:adec="http://schemas.microsoft.com/office/drawing/2017/decorative" val="1"/>
+              </a:ext>
+            </a:extLst>
+          </p:cNvPr>
+          <p:cNvGrpSpPr>
+            <a:grpSpLocks noGrp="1" noUngrp="1" noRot="1" noChangeAspect="1" noMove="1" noResize="1"/>
+          </p:cNvGrpSpPr>
+          <p:nvPr>
+            <p:extLst>
+              <p:ext uri="{386F3935-93C4-4BCD-93E2-E3B085C9AB24}">
+                <p16:designElem xmlns:p16="http://schemas.microsoft.com/office/powerpoint/2015/main" val="1"/>
+              </p:ext>
+            </p:extLst>
+          </p:nvPr>
+        </p:nvGrpSpPr>
+        <p:grpSpPr>
+          <a:xfrm>
+            <a:off x="546100" y="-4763"/>
+            <a:ext cx="5014912" cy="6862763"/>
+            <a:chOff x="2928938" y="-4763"/>
+            <a:chExt cx="5014912" cy="6862763"/>
+          </a:xfrm>
+        </p:grpSpPr>
+        <p:sp>
+          <p:nvSpPr>
+            <p:cNvPr id="72" name="Freeform 6">
+              <a:extLst>
+                <a:ext uri="{FF2B5EF4-FFF2-40B4-BE49-F238E27FC236}">
+                  <a16:creationId xmlns:a16="http://schemas.microsoft.com/office/drawing/2014/main" id="{1A53964C-7D93-4C48-A4A6-C4C2C393C59D}"/>
+                </a:ext>
+                <a:ext uri="{C183D7F6-B498-43B3-948B-1728B52AA6E4}">
+                  <adec:decorative xmlns:adec="http://schemas.microsoft.com/office/drawing/2017/decorative" val="1"/>
+                </a:ext>
+              </a:extLst>
+            </p:cNvPr>
+            <p:cNvSpPr/>
+            <p:nvPr>
+              <p:extLst>
+                <p:ext uri="{386F3935-93C4-4BCD-93E2-E3B085C9AB24}">
+                  <p16:designElem xmlns:p16="http://schemas.microsoft.com/office/powerpoint/2015/main" val="1"/>
+                </p:ext>
+              </p:extLst>
+            </p:nvPr>
+          </p:nvSpPr>
+          <p:spPr bwMode="auto">
+            <a:xfrm>
+              <a:off x="3367088" y="-4763"/>
+              <a:ext cx="1063625" cy="2782888"/>
+            </a:xfrm>
+            <a:custGeom>
+              <a:avLst/>
+              <a:gdLst/>
+              <a:ahLst/>
+              <a:cxnLst/>
+              <a:rect l="0" t="0" r="r" b="b"/>
+              <a:pathLst>
+                <a:path w="670" h="1753">
+                  <a:moveTo>
+                    <a:pt x="0" y="1696"/>
+                  </a:moveTo>
+                  <a:lnTo>
+                    <a:pt x="225" y="1753"/>
+                  </a:lnTo>
+                  <a:lnTo>
+                    <a:pt x="670" y="0"/>
+                  </a:lnTo>
+                  <a:lnTo>
+                    <a:pt x="430" y="0"/>
+                  </a:lnTo>
+                  <a:lnTo>
+                    <a:pt x="0" y="1696"/>
+                  </a:lnTo>
+                  <a:close/>
+                </a:path>
+              </a:pathLst>
+            </a:custGeom>
+            <a:solidFill>
+              <a:schemeClr val="accent1"/>
+            </a:solidFill>
+            <a:ln>
+              <a:noFill/>
+            </a:ln>
+          </p:spPr>
+        </p:sp>
+        <p:sp>
+          <p:nvSpPr>
+            <p:cNvPr id="73" name="Freeform 7">
+              <a:extLst>
+                <a:ext uri="{FF2B5EF4-FFF2-40B4-BE49-F238E27FC236}">
+                  <a16:creationId xmlns:a16="http://schemas.microsoft.com/office/drawing/2014/main" id="{9C944EEC-539E-4389-8785-58E65D04E8DC}"/>
+                </a:ext>
+                <a:ext uri="{C183D7F6-B498-43B3-948B-1728B52AA6E4}">
+                  <adec:decorative xmlns:adec="http://schemas.microsoft.com/office/drawing/2017/decorative" val="1"/>
+                </a:ext>
+              </a:extLst>
+            </p:cNvPr>
+            <p:cNvSpPr/>
+            <p:nvPr>
+              <p:extLst>
+                <p:ext uri="{386F3935-93C4-4BCD-93E2-E3B085C9AB24}">
+                  <p16:designElem xmlns:p16="http://schemas.microsoft.com/office/powerpoint/2015/main" val="1"/>
+                </p:ext>
+              </p:extLst>
+            </p:nvPr>
+          </p:nvSpPr>
+          <p:spPr bwMode="auto">
+            <a:xfrm>
+              <a:off x="2928938" y="-4763"/>
+              <a:ext cx="1035050" cy="2673350"/>
+            </a:xfrm>
+            <a:custGeom>
+              <a:avLst/>
+              <a:gdLst/>
+              <a:ahLst/>
+              <a:cxnLst/>
+              <a:rect l="0" t="0" r="r" b="b"/>
+              <a:pathLst>
+                <a:path w="652" h="1684">
+                  <a:moveTo>
+                    <a:pt x="225" y="1684"/>
+                  </a:moveTo>
+                  <a:lnTo>
+                    <a:pt x="652" y="0"/>
+                  </a:lnTo>
+                  <a:lnTo>
+                    <a:pt x="411" y="0"/>
+                  </a:lnTo>
+                  <a:lnTo>
+                    <a:pt x="0" y="1627"/>
+                  </a:lnTo>
+                  <a:lnTo>
+                    <a:pt x="219" y="1681"/>
+                  </a:lnTo>
+                  <a:lnTo>
+                    <a:pt x="225" y="1684"/>
+                  </a:lnTo>
+                  <a:close/>
+                </a:path>
+              </a:pathLst>
+            </a:custGeom>
+            <a:solidFill>
+              <a:schemeClr val="tx1">
+                <a:lumMod val="65000"/>
+                <a:lumOff val="35000"/>
+              </a:schemeClr>
+            </a:solidFill>
+            <a:ln>
+              <a:noFill/>
+            </a:ln>
+          </p:spPr>
+        </p:sp>
+        <p:sp>
+          <p:nvSpPr>
+            <p:cNvPr id="74" name="Freeform 9">
+              <a:extLst>
+                <a:ext uri="{FF2B5EF4-FFF2-40B4-BE49-F238E27FC236}">
+                  <a16:creationId xmlns:a16="http://schemas.microsoft.com/office/drawing/2014/main" id="{7836EB7E-895C-4D68-B92E-312B371CBDBF}"/>
+                </a:ext>
+                <a:ext uri="{C183D7F6-B498-43B3-948B-1728B52AA6E4}">
+                  <adec:decorative xmlns:adec="http://schemas.microsoft.com/office/drawing/2017/decorative" val="1"/>
+                </a:ext>
+              </a:extLst>
+            </p:cNvPr>
+            <p:cNvSpPr/>
+            <p:nvPr>
+              <p:extLst>
+                <p:ext uri="{386F3935-93C4-4BCD-93E2-E3B085C9AB24}">
+                  <p16:designElem xmlns:p16="http://schemas.microsoft.com/office/powerpoint/2015/main" val="1"/>
+                </p:ext>
+              </p:extLst>
+            </p:nvPr>
+          </p:nvSpPr>
+          <p:spPr bwMode="auto">
+            <a:xfrm>
+              <a:off x="2928938" y="2582862"/>
+              <a:ext cx="2693987" cy="4275138"/>
+            </a:xfrm>
+            <a:custGeom>
+              <a:avLst/>
+              <a:gdLst/>
+              <a:ahLst/>
+              <a:cxnLst/>
+              <a:rect l="0" t="0" r="r" b="b"/>
+              <a:pathLst>
+                <a:path w="1697" h="2693">
+                  <a:moveTo>
+                    <a:pt x="0" y="0"/>
+                  </a:moveTo>
+                  <a:lnTo>
+                    <a:pt x="1622" y="2693"/>
+                  </a:lnTo>
+                  <a:lnTo>
+                    <a:pt x="1697" y="2693"/>
+                  </a:lnTo>
+                  <a:lnTo>
+                    <a:pt x="0" y="0"/>
+                  </a:lnTo>
+                  <a:close/>
+                </a:path>
+              </a:pathLst>
+            </a:custGeom>
+            <a:solidFill>
+              <a:schemeClr val="tx1">
+                <a:lumMod val="85000"/>
+                <a:lumOff val="15000"/>
+              </a:schemeClr>
+            </a:solidFill>
+            <a:ln>
+              <a:noFill/>
+            </a:ln>
+          </p:spPr>
+        </p:sp>
+        <p:sp>
+          <p:nvSpPr>
+            <p:cNvPr id="75" name="Freeform 10">
+              <a:extLst>
+                <a:ext uri="{FF2B5EF4-FFF2-40B4-BE49-F238E27FC236}">
+                  <a16:creationId xmlns:a16="http://schemas.microsoft.com/office/drawing/2014/main" id="{0F29242B-8CE7-4636-B326-4BEE42EB6D6F}"/>
+                </a:ext>
+                <a:ext uri="{C183D7F6-B498-43B3-948B-1728B52AA6E4}">
+                  <adec:decorative xmlns:adec="http://schemas.microsoft.com/office/drawing/2017/decorative" val="1"/>
+                </a:ext>
+              </a:extLst>
+            </p:cNvPr>
+            <p:cNvSpPr/>
+            <p:nvPr>
+              <p:extLst>
+                <p:ext uri="{386F3935-93C4-4BCD-93E2-E3B085C9AB24}">
+                  <p16:designElem xmlns:p16="http://schemas.microsoft.com/office/powerpoint/2015/main" val="1"/>
+                </p:ext>
+              </p:extLst>
+            </p:nvPr>
+          </p:nvSpPr>
+          <p:spPr bwMode="auto">
+            <a:xfrm>
+              <a:off x="3371850" y="2692400"/>
+              <a:ext cx="3332162" cy="4165600"/>
+            </a:xfrm>
+            <a:custGeom>
+              <a:avLst/>
+              <a:gdLst/>
+              <a:ahLst/>
+              <a:cxnLst/>
+              <a:rect l="0" t="0" r="r" b="b"/>
+              <a:pathLst>
+                <a:path w="2099" h="2624">
+                  <a:moveTo>
+                    <a:pt x="2099" y="2624"/>
+                  </a:moveTo>
+                  <a:lnTo>
+                    <a:pt x="0" y="0"/>
+                  </a:lnTo>
+                  <a:lnTo>
+                    <a:pt x="2021" y="2624"/>
+                  </a:lnTo>
+                  <a:lnTo>
+                    <a:pt x="2099" y="2624"/>
+                  </a:lnTo>
+                  <a:close/>
+                </a:path>
+              </a:pathLst>
+            </a:custGeom>
+            <a:solidFill>
+              <a:schemeClr val="accent1">
+                <a:lumMod val="50000"/>
+              </a:schemeClr>
+            </a:solidFill>
+            <a:ln>
+              <a:noFill/>
+            </a:ln>
+          </p:spPr>
+        </p:sp>
+        <p:sp>
+          <p:nvSpPr>
+            <p:cNvPr id="76" name="Freeform 11">
+              <a:extLst>
+                <a:ext uri="{FF2B5EF4-FFF2-40B4-BE49-F238E27FC236}">
+                  <a16:creationId xmlns:a16="http://schemas.microsoft.com/office/drawing/2014/main" id="{4D0B8E9A-7727-4AD9-974E-8815F0B20EB4}"/>
+                </a:ext>
+                <a:ext uri="{C183D7F6-B498-43B3-948B-1728B52AA6E4}">
+                  <adec:decorative xmlns:adec="http://schemas.microsoft.com/office/drawing/2017/decorative" val="1"/>
+                </a:ext>
+              </a:extLst>
+            </p:cNvPr>
+            <p:cNvSpPr/>
+            <p:nvPr>
+              <p:extLst>
+                <p:ext uri="{386F3935-93C4-4BCD-93E2-E3B085C9AB24}">
+                  <p16:designElem xmlns:p16="http://schemas.microsoft.com/office/powerpoint/2015/main" val="1"/>
+                </p:ext>
+              </p:extLst>
+            </p:nvPr>
+          </p:nvSpPr>
+          <p:spPr bwMode="auto">
+            <a:xfrm>
+              <a:off x="3367088" y="2687637"/>
+              <a:ext cx="4576762" cy="4170363"/>
+            </a:xfrm>
+            <a:custGeom>
+              <a:avLst/>
+              <a:gdLst/>
+              <a:ahLst/>
+              <a:cxnLst/>
+              <a:rect l="0" t="0" r="r" b="b"/>
+              <a:pathLst>
+                <a:path w="2883" h="2627">
+                  <a:moveTo>
+                    <a:pt x="0" y="0"/>
+                  </a:moveTo>
+                  <a:lnTo>
+                    <a:pt x="3" y="3"/>
+                  </a:lnTo>
+                  <a:lnTo>
+                    <a:pt x="2102" y="2627"/>
+                  </a:lnTo>
+                  <a:lnTo>
+                    <a:pt x="2883" y="2627"/>
+                  </a:lnTo>
+                  <a:lnTo>
+                    <a:pt x="225" y="57"/>
+                  </a:lnTo>
+                  <a:lnTo>
+                    <a:pt x="0" y="0"/>
+                  </a:lnTo>
+                  <a:close/>
+                </a:path>
+              </a:pathLst>
+            </a:custGeom>
+            <a:solidFill>
+              <a:schemeClr val="accent1">
+                <a:lumMod val="75000"/>
+              </a:schemeClr>
+            </a:solidFill>
+            <a:ln>
+              <a:noFill/>
+            </a:ln>
+          </p:spPr>
+        </p:sp>
+        <p:sp>
+          <p:nvSpPr>
+            <p:cNvPr id="77" name="Freeform 12">
+              <a:extLst>
+                <a:ext uri="{FF2B5EF4-FFF2-40B4-BE49-F238E27FC236}">
+                  <a16:creationId xmlns:a16="http://schemas.microsoft.com/office/drawing/2014/main" id="{1CD6C65C-71BE-4549-926A-1C1135FD06DF}"/>
+                </a:ext>
+                <a:ext uri="{C183D7F6-B498-43B3-948B-1728B52AA6E4}">
+                  <adec:decorative xmlns:adec="http://schemas.microsoft.com/office/drawing/2017/decorative" val="1"/>
+                </a:ext>
+              </a:extLst>
+            </p:cNvPr>
+            <p:cNvSpPr/>
+            <p:nvPr>
+              <p:extLst>
+                <p:ext uri="{386F3935-93C4-4BCD-93E2-E3B085C9AB24}">
+                  <p16:designElem xmlns:p16="http://schemas.microsoft.com/office/powerpoint/2015/main" val="1"/>
+                </p:ext>
+              </p:extLst>
+            </p:nvPr>
+          </p:nvSpPr>
+          <p:spPr bwMode="auto">
+            <a:xfrm>
+              <a:off x="2928938" y="2578100"/>
+              <a:ext cx="3584575" cy="4279900"/>
+            </a:xfrm>
+            <a:custGeom>
+              <a:avLst/>
+              <a:gdLst/>
+              <a:ahLst/>
+              <a:cxnLst/>
+              <a:rect l="0" t="0" r="r" b="b"/>
+              <a:pathLst>
+                <a:path w="2258" h="2696">
+                  <a:moveTo>
+                    <a:pt x="2258" y="2696"/>
+                  </a:moveTo>
+                  <a:lnTo>
+                    <a:pt x="264" y="111"/>
+                  </a:lnTo>
+                  <a:lnTo>
+                    <a:pt x="228" y="60"/>
+                  </a:lnTo>
+                  <a:lnTo>
+                    <a:pt x="225" y="57"/>
+                  </a:lnTo>
+                  <a:lnTo>
+                    <a:pt x="0" y="0"/>
+                  </a:lnTo>
+                  <a:lnTo>
+                    <a:pt x="0" y="3"/>
+                  </a:lnTo>
+                  <a:lnTo>
+                    <a:pt x="1697" y="2696"/>
+                  </a:lnTo>
+                  <a:lnTo>
+                    <a:pt x="2258" y="2696"/>
+                  </a:lnTo>
+                  <a:close/>
+                </a:path>
+              </a:pathLst>
+            </a:custGeom>
+            <a:solidFill>
+              <a:schemeClr val="tx1">
+                <a:lumMod val="75000"/>
+                <a:lumOff val="25000"/>
+              </a:schemeClr>
+            </a:solidFill>
+            <a:ln>
+              <a:noFill/>
+            </a:ln>
+          </p:spPr>
+        </p:sp>
+      </p:grpSp>
+      <p:sp>
+        <p:nvSpPr>
+          <p:cNvPr id="2" name="Title 1">
+            <a:extLst>
+              <a:ext uri="{FF2B5EF4-FFF2-40B4-BE49-F238E27FC236}">
+                <a16:creationId xmlns:a16="http://schemas.microsoft.com/office/drawing/2014/main" id="{04773D50-700B-4306-B6DB-432BF7CBA103}"/>
+              </a:ext>
+            </a:extLst>
+          </p:cNvPr>
+          <p:cNvSpPr>
+            <a:spLocks noGrp="1"/>
+          </p:cNvSpPr>
+          <p:nvPr>
+            <p:ph type="title"/>
+          </p:nvPr>
+        </p:nvSpPr>
+        <p:spPr>
+          <a:xfrm>
+            <a:off x="2253785" y="1380068"/>
+            <a:ext cx="5428432" cy="2616199"/>
+          </a:xfrm>
+        </p:spPr>
+        <p:txBody>
+          <a:bodyPr vert="horz" lIns="91440" tIns="45720" rIns="91440" bIns="45720" rtlCol="0" anchor="b">
+            <a:normAutofit/>
+          </a:bodyPr>
+          <a:lstStyle/>
+          <a:p>
+            <a:pPr algn="r"/>
+            <a:r>
+              <a:rPr lang="en-US" sz="6000"/>
+              <a:t>Circuit Design</a:t>
             </a:r>
           </a:p>
         </p:txBody>
       </p:sp>
       <p:pic>
         <p:nvPicPr>
-          <p:cNvPr id="2050" name="Picture 2">
+          <p:cNvPr id="1026" name="Picture 2">
             <a:extLst>
               <a:ext uri="{FF2B5EF4-FFF2-40B4-BE49-F238E27FC236}">
-                <a16:creationId xmlns:a16="http://schemas.microsoft.com/office/drawing/2014/main" id="{970348CF-E6A7-4EDF-9B9B-E4E9C2FFF8F0}"/>
+                <a16:creationId xmlns:a16="http://schemas.microsoft.com/office/drawing/2014/main" id="{2A827F04-AD21-418B-B363-094F4060B291}"/>
               </a:ext>
             </a:extLst>
           </p:cNvPr>
@@ -7437,23 +16096,21 @@
           </p:cNvPicPr>
           <p:nvPr/>
         </p:nvPicPr>
-        <p:blipFill>
-          <a:blip r:embed="rId2">
+        <p:blipFill rotWithShape="1">
+          <a:blip r:embed="rId3">
             <a:extLst>
               <a:ext uri="{28A0092B-C50C-407E-A947-70E740481C1C}">
                 <a14:useLocalDpi xmlns:a14="http://schemas.microsoft.com/office/drawing/2010/main" val="0"/>
               </a:ext>
             </a:extLst>
           </a:blip>
-          <a:srcRect/>
-          <a:stretch>
-            <a:fillRect/>
-          </a:stretch>
+          <a:srcRect l="11089" r="9899"/>
+          <a:stretch/>
         </p:blipFill>
         <p:spPr bwMode="auto">
           <a:xfrm>
-            <a:off x="1599052" y="1562099"/>
-            <a:ext cx="3503038" cy="4669277"/>
+            <a:off x="8127998" y="10"/>
+            <a:ext cx="4064001" cy="6857990"/>
           </a:xfrm>
           <a:prstGeom prst="rect">
             <a:avLst/>
@@ -7473,215 +16130,7 @@
     </p:spTree>
     <p:extLst>
       <p:ext uri="{BB962C8B-B14F-4D97-AF65-F5344CB8AC3E}">
-        <p14:creationId xmlns:p14="http://schemas.microsoft.com/office/powerpoint/2010/main" val="2740137727"/>
-      </p:ext>
-    </p:extLst>
-  </p:cSld>
-  <p:clrMapOvr>
-    <a:masterClrMapping/>
-  </p:clrMapOvr>
-</p:sld>
-</file>
-
-<file path=ppt/slides/slide8.xml><?xml version="1.0" encoding="utf-8"?>
-<p:sld xmlns:a="http://schemas.openxmlformats.org/drawingml/2006/main" xmlns:r="http://schemas.openxmlformats.org/officeDocument/2006/relationships" xmlns:p="http://schemas.openxmlformats.org/presentationml/2006/main">
-  <p:cSld>
-    <p:spTree>
-      <p:nvGrpSpPr>
-        <p:cNvPr id="1" name=""/>
-        <p:cNvGrpSpPr/>
-        <p:nvPr/>
-      </p:nvGrpSpPr>
-      <p:grpSpPr>
-        <a:xfrm>
-          <a:off x="0" y="0"/>
-          <a:ext cx="0" cy="0"/>
-          <a:chOff x="0" y="0"/>
-          <a:chExt cx="0" cy="0"/>
-        </a:xfrm>
-      </p:grpSpPr>
-      <p:sp>
-        <p:nvSpPr>
-          <p:cNvPr id="2" name="Title 1">
-            <a:extLst>
-              <a:ext uri="{FF2B5EF4-FFF2-40B4-BE49-F238E27FC236}">
-                <a16:creationId xmlns:a16="http://schemas.microsoft.com/office/drawing/2014/main" id="{1E0D98F2-AF05-4DBD-8720-817B7DB62144}"/>
-              </a:ext>
-            </a:extLst>
-          </p:cNvPr>
-          <p:cNvSpPr>
-            <a:spLocks noGrp="1"/>
-          </p:cNvSpPr>
-          <p:nvPr>
-            <p:ph type="title"/>
-          </p:nvPr>
-        </p:nvSpPr>
-        <p:spPr/>
-        <p:txBody>
-          <a:bodyPr/>
-          <a:lstStyle/>
-          <a:p>
-            <a:r>
-              <a:rPr lang="en-US" dirty="0"/>
-              <a:t>Power Management</a:t>
-            </a:r>
-          </a:p>
-        </p:txBody>
-      </p:sp>
-      <p:sp>
-        <p:nvSpPr>
-          <p:cNvPr id="3" name="Content Placeholder 2">
-            <a:extLst>
-              <a:ext uri="{FF2B5EF4-FFF2-40B4-BE49-F238E27FC236}">
-                <a16:creationId xmlns:a16="http://schemas.microsoft.com/office/drawing/2014/main" id="{33106212-0C46-4AE7-85C3-4C3B836415C4}"/>
-              </a:ext>
-            </a:extLst>
-          </p:cNvPr>
-          <p:cNvSpPr>
-            <a:spLocks noGrp="1"/>
-          </p:cNvSpPr>
-          <p:nvPr>
-            <p:ph idx="1"/>
-          </p:nvPr>
-        </p:nvSpPr>
-        <p:spPr/>
-        <p:txBody>
-          <a:bodyPr/>
-          <a:lstStyle/>
-          <a:p>
-            <a:r>
-              <a:rPr lang="en-US" dirty="0"/>
-              <a:t>Reliable </a:t>
-            </a:r>
-          </a:p>
-          <a:p>
-            <a:r>
-              <a:rPr lang="en-US" dirty="0"/>
-              <a:t>Low power consumption of ZigBee Module</a:t>
-            </a:r>
-          </a:p>
-          <a:p>
-            <a:r>
-              <a:rPr lang="en-US" dirty="0"/>
-              <a:t>Long time last(6 Month)</a:t>
-            </a:r>
-          </a:p>
-        </p:txBody>
-      </p:sp>
-    </p:spTree>
-    <p:extLst>
-      <p:ext uri="{BB962C8B-B14F-4D97-AF65-F5344CB8AC3E}">
-        <p14:creationId xmlns:p14="http://schemas.microsoft.com/office/powerpoint/2010/main" val="1949153745"/>
-      </p:ext>
-    </p:extLst>
-  </p:cSld>
-  <p:clrMapOvr>
-    <a:masterClrMapping/>
-  </p:clrMapOvr>
-</p:sld>
-</file>
-
-<file path=ppt/slides/slide9.xml><?xml version="1.0" encoding="utf-8"?>
-<p:sld xmlns:a="http://schemas.openxmlformats.org/drawingml/2006/main" xmlns:r="http://schemas.openxmlformats.org/officeDocument/2006/relationships" xmlns:p="http://schemas.openxmlformats.org/presentationml/2006/main">
-  <p:cSld>
-    <p:spTree>
-      <p:nvGrpSpPr>
-        <p:cNvPr id="1" name=""/>
-        <p:cNvGrpSpPr/>
-        <p:nvPr/>
-      </p:nvGrpSpPr>
-      <p:grpSpPr>
-        <a:xfrm>
-          <a:off x="0" y="0"/>
-          <a:ext cx="0" cy="0"/>
-          <a:chOff x="0" y="0"/>
-          <a:chExt cx="0" cy="0"/>
-        </a:xfrm>
-      </p:grpSpPr>
-      <p:sp>
-        <p:nvSpPr>
-          <p:cNvPr id="2" name="Title 1">
-            <a:extLst>
-              <a:ext uri="{FF2B5EF4-FFF2-40B4-BE49-F238E27FC236}">
-                <a16:creationId xmlns:a16="http://schemas.microsoft.com/office/drawing/2014/main" id="{BFA8F037-1777-4096-82FC-70AD5943F26D}"/>
-              </a:ext>
-            </a:extLst>
-          </p:cNvPr>
-          <p:cNvSpPr>
-            <a:spLocks noGrp="1"/>
-          </p:cNvSpPr>
-          <p:nvPr>
-            <p:ph type="title"/>
-          </p:nvPr>
-        </p:nvSpPr>
-        <p:spPr/>
-        <p:txBody>
-          <a:bodyPr/>
-          <a:lstStyle/>
-          <a:p>
-            <a:r>
-              <a:rPr lang="en-US" dirty="0"/>
-              <a:t>Demonstration</a:t>
-            </a:r>
-          </a:p>
-        </p:txBody>
-      </p:sp>
-      <p:sp>
-        <p:nvSpPr>
-          <p:cNvPr id="3" name="Content Placeholder 2">
-            <a:extLst>
-              <a:ext uri="{FF2B5EF4-FFF2-40B4-BE49-F238E27FC236}">
-                <a16:creationId xmlns:a16="http://schemas.microsoft.com/office/drawing/2014/main" id="{1A8D4E1F-502C-4D42-AAFE-F6D6B9756783}"/>
-              </a:ext>
-            </a:extLst>
-          </p:cNvPr>
-          <p:cNvSpPr>
-            <a:spLocks noGrp="1"/>
-          </p:cNvSpPr>
-          <p:nvPr>
-            <p:ph idx="1"/>
-          </p:nvPr>
-        </p:nvSpPr>
-        <p:spPr/>
-        <p:txBody>
-          <a:bodyPr/>
-          <a:lstStyle/>
-          <a:p>
-            <a:pPr lvl="1">
-              <a:buFont typeface="Wingdings" panose="05000000000000000000" pitchFamily="2" charset="2"/>
-              <a:buChar char="§"/>
-            </a:pPr>
-            <a:r>
-              <a:rPr lang="en-US" dirty="0"/>
-              <a:t>Alarm –  When Temperature/Moisture reach the preset value, whole system will sound alarm </a:t>
-            </a:r>
-          </a:p>
-          <a:p>
-            <a:pPr lvl="1">
-              <a:buFont typeface="Wingdings" panose="05000000000000000000" pitchFamily="2" charset="2"/>
-              <a:buChar char="§"/>
-            </a:pPr>
-            <a:r>
-              <a:rPr lang="en-US" dirty="0"/>
-              <a:t>Data Monitoring – View a data as line chart</a:t>
-            </a:r>
-          </a:p>
-          <a:p>
-            <a:pPr lvl="1">
-              <a:buFont typeface="Wingdings" panose="05000000000000000000" pitchFamily="2" charset="2"/>
-              <a:buChar char="§"/>
-            </a:pPr>
-            <a:r>
-              <a:rPr lang="en-US" dirty="0"/>
-              <a:t>Remote Access – Access from anywhere in the network</a:t>
-            </a:r>
-          </a:p>
-        </p:txBody>
-      </p:sp>
-    </p:spTree>
-    <p:extLst>
-      <p:ext uri="{BB962C8B-B14F-4D97-AF65-F5344CB8AC3E}">
-        <p14:creationId xmlns:p14="http://schemas.microsoft.com/office/powerpoint/2010/main" val="1671548081"/>
+        <p14:creationId xmlns:p14="http://schemas.microsoft.com/office/powerpoint/2010/main" val="2222333652"/>
       </p:ext>
     </p:extLst>
   </p:cSld>
